--- a/Documentação/Slide Final.pptx
+++ b/Documentação/Slide Final.pptx
@@ -10,13 +10,14 @@
     <p:sldId id="289" r:id="rId4"/>
     <p:sldId id="299" r:id="rId5"/>
     <p:sldId id="312" r:id="rId6"/>
-    <p:sldId id="284" r:id="rId7"/>
-    <p:sldId id="291" r:id="rId8"/>
+    <p:sldId id="291" r:id="rId7"/>
+    <p:sldId id="313" r:id="rId8"/>
     <p:sldId id="285" r:id="rId9"/>
-    <p:sldId id="311" r:id="rId10"/>
-    <p:sldId id="310" r:id="rId11"/>
-    <p:sldId id="292" r:id="rId12"/>
-    <p:sldId id="305" r:id="rId13"/>
+    <p:sldId id="310" r:id="rId10"/>
+    <p:sldId id="311" r:id="rId11"/>
+    <p:sldId id="284" r:id="rId12"/>
+    <p:sldId id="292" r:id="rId13"/>
+    <p:sldId id="305" r:id="rId14"/>
   </p:sldIdLst>
   <p:sldSz cx="12192000" cy="6858000"/>
   <p:notesSz cx="6858000" cy="9144000"/>
@@ -271,7 +272,7 @@
           <a:p>
             <a:fld id="{F50B35C2-D55D-43EC-A9F9-87B33DB15AB7}" type="datetimeFigureOut">
               <a:rPr lang="pt-BR" smtClean="0"/>
-              <a:t>05/12/2020</a:t>
+              <a:t>06/12/2020</a:t>
             </a:fld>
             <a:endParaRPr lang="pt-BR"/>
           </a:p>
@@ -439,7 +440,7 @@
           <a:p>
             <a:fld id="{F50B35C2-D55D-43EC-A9F9-87B33DB15AB7}" type="datetimeFigureOut">
               <a:rPr lang="pt-BR" smtClean="0"/>
-              <a:t>05/12/2020</a:t>
+              <a:t>06/12/2020</a:t>
             </a:fld>
             <a:endParaRPr lang="pt-BR"/>
           </a:p>
@@ -617,7 +618,7 @@
           <a:p>
             <a:fld id="{F50B35C2-D55D-43EC-A9F9-87B33DB15AB7}" type="datetimeFigureOut">
               <a:rPr lang="pt-BR" smtClean="0"/>
-              <a:t>05/12/2020</a:t>
+              <a:t>06/12/2020</a:t>
             </a:fld>
             <a:endParaRPr lang="pt-BR"/>
           </a:p>
@@ -785,7 +786,7 @@
           <a:p>
             <a:fld id="{F50B35C2-D55D-43EC-A9F9-87B33DB15AB7}" type="datetimeFigureOut">
               <a:rPr lang="pt-BR" smtClean="0"/>
-              <a:t>05/12/2020</a:t>
+              <a:t>06/12/2020</a:t>
             </a:fld>
             <a:endParaRPr lang="pt-BR"/>
           </a:p>
@@ -1030,7 +1031,7 @@
           <a:p>
             <a:fld id="{F50B35C2-D55D-43EC-A9F9-87B33DB15AB7}" type="datetimeFigureOut">
               <a:rPr lang="pt-BR" smtClean="0"/>
-              <a:t>05/12/2020</a:t>
+              <a:t>06/12/2020</a:t>
             </a:fld>
             <a:endParaRPr lang="pt-BR"/>
           </a:p>
@@ -1259,7 +1260,7 @@
           <a:p>
             <a:fld id="{F50B35C2-D55D-43EC-A9F9-87B33DB15AB7}" type="datetimeFigureOut">
               <a:rPr lang="pt-BR" smtClean="0"/>
-              <a:t>05/12/2020</a:t>
+              <a:t>06/12/2020</a:t>
             </a:fld>
             <a:endParaRPr lang="pt-BR"/>
           </a:p>
@@ -1623,7 +1624,7 @@
           <a:p>
             <a:fld id="{F50B35C2-D55D-43EC-A9F9-87B33DB15AB7}" type="datetimeFigureOut">
               <a:rPr lang="pt-BR" smtClean="0"/>
-              <a:t>05/12/2020</a:t>
+              <a:t>06/12/2020</a:t>
             </a:fld>
             <a:endParaRPr lang="pt-BR"/>
           </a:p>
@@ -1740,7 +1741,7 @@
           <a:p>
             <a:fld id="{F50B35C2-D55D-43EC-A9F9-87B33DB15AB7}" type="datetimeFigureOut">
               <a:rPr lang="pt-BR" smtClean="0"/>
-              <a:t>05/12/2020</a:t>
+              <a:t>06/12/2020</a:t>
             </a:fld>
             <a:endParaRPr lang="pt-BR"/>
           </a:p>
@@ -1835,7 +1836,7 @@
           <a:p>
             <a:fld id="{F50B35C2-D55D-43EC-A9F9-87B33DB15AB7}" type="datetimeFigureOut">
               <a:rPr lang="pt-BR" smtClean="0"/>
-              <a:t>05/12/2020</a:t>
+              <a:t>06/12/2020</a:t>
             </a:fld>
             <a:endParaRPr lang="pt-BR"/>
           </a:p>
@@ -2110,7 +2111,7 @@
           <a:p>
             <a:fld id="{F50B35C2-D55D-43EC-A9F9-87B33DB15AB7}" type="datetimeFigureOut">
               <a:rPr lang="pt-BR" smtClean="0"/>
-              <a:t>05/12/2020</a:t>
+              <a:t>06/12/2020</a:t>
             </a:fld>
             <a:endParaRPr lang="pt-BR"/>
           </a:p>
@@ -2362,7 +2363,7 @@
           <a:p>
             <a:fld id="{F50B35C2-D55D-43EC-A9F9-87B33DB15AB7}" type="datetimeFigureOut">
               <a:rPr lang="pt-BR" smtClean="0"/>
-              <a:t>05/12/2020</a:t>
+              <a:t>06/12/2020</a:t>
             </a:fld>
             <a:endParaRPr lang="pt-BR"/>
           </a:p>
@@ -2573,7 +2574,7 @@
           <a:p>
             <a:fld id="{F50B35C2-D55D-43EC-A9F9-87B33DB15AB7}" type="datetimeFigureOut">
               <a:rPr lang="pt-BR" smtClean="0"/>
-              <a:t>05/12/2020</a:t>
+              <a:t>06/12/2020</a:t>
             </a:fld>
             <a:endParaRPr lang="pt-BR"/>
           </a:p>
@@ -3277,8 +3278,8 @@
         </p:nvSpPr>
         <p:spPr>
           <a:xfrm>
-            <a:off x="838200" y="-160017"/>
-            <a:ext cx="10515600" cy="1325563"/>
+            <a:off x="838200" y="-19310"/>
+            <a:ext cx="10515600" cy="1213142"/>
           </a:xfrm>
           <a:prstGeom prst="rect">
             <a:avLst/>
@@ -3319,17 +3320,17 @@
                 </a:solidFill>
                 <a:latin typeface="Bariol Bold" panose="02000506040000020003" pitchFamily="2" charset="0"/>
               </a:rPr>
-              <a:t>Aplicação Java</a:t>
+              <a:t>Diagrama de Classe</a:t>
             </a:r>
           </a:p>
         </p:txBody>
       </p:sp>
       <p:pic>
         <p:nvPicPr>
-          <p:cNvPr id="4" name="Picture 2">
+          <p:cNvPr id="5" name="Picture 2">
             <a:extLst>
               <a:ext uri="{FF2B5EF4-FFF2-40B4-BE49-F238E27FC236}">
-                <a16:creationId xmlns:a16="http://schemas.microsoft.com/office/drawing/2014/main" id="{3CF36ED0-FCD8-45D8-A912-5D4DD5032DBE}"/>
+                <a16:creationId xmlns:a16="http://schemas.microsoft.com/office/drawing/2014/main" id="{5E6A065D-74B6-43C9-8951-4759FD99C85F}"/>
               </a:ext>
             </a:extLst>
           </p:cNvPr>
@@ -3376,7 +3377,7 @@
           <p:cNvPr id="2" name="Straight Arrow Connector 1">
             <a:extLst>
               <a:ext uri="{FF2B5EF4-FFF2-40B4-BE49-F238E27FC236}">
-                <a16:creationId xmlns:a16="http://schemas.microsoft.com/office/drawing/2014/main" id="{EF6676ED-9702-4820-B9D8-8B178C2BC9D8}"/>
+                <a16:creationId xmlns:a16="http://schemas.microsoft.com/office/drawing/2014/main" id="{102C7A15-5BE4-4E8E-826E-06C7E84CB27C}"/>
               </a:ext>
             </a:extLst>
           </p:cNvPr>
@@ -3387,8 +3388,8 @@
         </p:nvCxnSpPr>
         <p:spPr>
           <a:xfrm>
-            <a:off x="4187687" y="777737"/>
-            <a:ext cx="3697356" cy="0"/>
+            <a:off x="3737113" y="838200"/>
+            <a:ext cx="4717774" cy="0"/>
           </a:xfrm>
           <a:prstGeom prst="straightConnector1">
             <a:avLst/>
@@ -3416,22 +3417,34 @@
       </p:cxnSp>
       <p:pic>
         <p:nvPicPr>
-          <p:cNvPr id="3" name="Imagem 2"/>
+          <p:cNvPr id="8" name="Imagem 7" descr="Uma imagem contendo Linha do tempo&#10;&#10;Descrição gerada automaticamente">
+            <a:extLst>
+              <a:ext uri="{FF2B5EF4-FFF2-40B4-BE49-F238E27FC236}">
+                <a16:creationId xmlns:a16="http://schemas.microsoft.com/office/drawing/2014/main" id="{886D92C6-8ADC-4806-BC55-A75E6623F3AA}"/>
+              </a:ext>
+            </a:extLst>
+          </p:cNvPr>
           <p:cNvPicPr>
             <a:picLocks noChangeAspect="1"/>
           </p:cNvPicPr>
           <p:nvPr/>
         </p:nvPicPr>
         <p:blipFill>
-          <a:blip r:embed="rId3"/>
+          <a:blip r:embed="rId3" cstate="print">
+            <a:extLst>
+              <a:ext uri="{28A0092B-C50C-407E-A947-70E740481C1C}">
+                <a14:useLocalDpi xmlns:a14="http://schemas.microsoft.com/office/drawing/2010/main" val="0"/>
+              </a:ext>
+            </a:extLst>
+          </a:blip>
           <a:stretch>
             <a:fillRect/>
           </a:stretch>
         </p:blipFill>
         <p:spPr>
           <a:xfrm>
-            <a:off x="1842473" y="1165546"/>
-            <a:ext cx="8891789" cy="4327337"/>
+            <a:off x="1036125" y="979821"/>
+            <a:ext cx="10119749" cy="5878179"/>
           </a:xfrm>
           <a:prstGeom prst="rect">
             <a:avLst/>
@@ -3441,7 +3454,7 @@
     </p:spTree>
     <p:extLst>
       <p:ext uri="{BB962C8B-B14F-4D97-AF65-F5344CB8AC3E}">
-        <p14:creationId xmlns:p14="http://schemas.microsoft.com/office/powerpoint/2010/main" val="3553014712"/>
+        <p14:creationId xmlns:p14="http://schemas.microsoft.com/office/powerpoint/2010/main" val="1994396839"/>
       </p:ext>
     </p:extLst>
   </p:cSld>
@@ -3532,7 +3545,7 @@
                                           </p:stCondLst>
                                         </p:cTn>
                                         <p:tgtEl>
-                                          <p:spTgt spid="4"/>
+                                          <p:spTgt spid="5"/>
                                         </p:tgtEl>
                                         <p:attrNameLst>
                                           <p:attrName>style.visibility</p:attrName>
@@ -3546,7 +3559,7 @@
                                       <p:cBhvr>
                                         <p:cTn id="10" dur="500"/>
                                         <p:tgtEl>
-                                          <p:spTgt spid="4"/>
+                                          <p:spTgt spid="5"/>
                                         </p:tgtEl>
                                       </p:cBhvr>
                                     </p:animEffect>
@@ -3556,7 +3569,7 @@
                               <p:par>
                                 <p:cTn id="11" presetID="10" presetClass="entr" presetSubtype="0" fill="hold" nodeType="withEffect">
                                   <p:stCondLst>
-                                    <p:cond delay="0"/>
+                                    <p:cond delay="250"/>
                                   </p:stCondLst>
                                   <p:childTnLst>
                                     <p:set>
@@ -3582,41 +3595,6 @@
                                         <p:cTn id="13" dur="500"/>
                                         <p:tgtEl>
                                           <p:spTgt spid="2"/>
-                                        </p:tgtEl>
-                                      </p:cBhvr>
-                                    </p:animEffect>
-                                  </p:childTnLst>
-                                </p:cTn>
-                              </p:par>
-                              <p:par>
-                                <p:cTn id="14" presetID="10" presetClass="entr" presetSubtype="0" fill="hold" nodeType="withEffect">
-                                  <p:stCondLst>
-                                    <p:cond delay="0"/>
-                                  </p:stCondLst>
-                                  <p:childTnLst>
-                                    <p:set>
-                                      <p:cBhvr>
-                                        <p:cTn id="15" dur="1" fill="hold">
-                                          <p:stCondLst>
-                                            <p:cond delay="0"/>
-                                          </p:stCondLst>
-                                        </p:cTn>
-                                        <p:tgtEl>
-                                          <p:spTgt spid="3"/>
-                                        </p:tgtEl>
-                                        <p:attrNameLst>
-                                          <p:attrName>style.visibility</p:attrName>
-                                        </p:attrNameLst>
-                                      </p:cBhvr>
-                                      <p:to>
-                                        <p:strVal val="visible"/>
-                                      </p:to>
-                                    </p:set>
-                                    <p:animEffect transition="in" filter="fade">
-                                      <p:cBhvr>
-                                        <p:cTn id="16" dur="500"/>
-                                        <p:tgtEl>
-                                          <p:spTgt spid="3"/>
                                         </p:tgtEl>
                                       </p:cBhvr>
                                     </p:animEffect>
@@ -3658,6 +3636,544 @@
 </file>
 
 <file path=ppt/slides/slide11.xml><?xml version="1.0" encoding="utf-8"?>
+<p:sld xmlns:a="http://schemas.openxmlformats.org/drawingml/2006/main" xmlns:r="http://schemas.openxmlformats.org/officeDocument/2006/relationships" xmlns:p="http://schemas.openxmlformats.org/presentationml/2006/main">
+  <p:cSld>
+    <p:spTree>
+      <p:nvGrpSpPr>
+        <p:cNvPr id="1" name=""/>
+        <p:cNvGrpSpPr/>
+        <p:nvPr/>
+      </p:nvGrpSpPr>
+      <p:grpSpPr>
+        <a:xfrm>
+          <a:off x="0" y="0"/>
+          <a:ext cx="0" cy="0"/>
+          <a:chOff x="0" y="0"/>
+          <a:chExt cx="0" cy="0"/>
+        </a:xfrm>
+      </p:grpSpPr>
+      <p:cxnSp>
+        <p:nvCxnSpPr>
+          <p:cNvPr id="4" name="Straight Arrow Connector 3">
+            <a:extLst>
+              <a:ext uri="{FF2B5EF4-FFF2-40B4-BE49-F238E27FC236}">
+                <a16:creationId xmlns:a16="http://schemas.microsoft.com/office/drawing/2014/main" id="{2E47AAF4-0703-407A-9375-DE4A2497442E}"/>
+              </a:ext>
+            </a:extLst>
+          </p:cNvPr>
+          <p:cNvCxnSpPr/>
+          <p:nvPr/>
+        </p:nvCxnSpPr>
+        <p:spPr>
+          <a:xfrm>
+            <a:off x="4238625" y="895350"/>
+            <a:ext cx="3705225" cy="0"/>
+          </a:xfrm>
+          <a:prstGeom prst="straightConnector1">
+            <a:avLst/>
+          </a:prstGeom>
+          <a:ln>
+            <a:solidFill>
+              <a:srgbClr val="C00000"/>
+            </a:solidFill>
+          </a:ln>
+        </p:spPr>
+        <p:style>
+          <a:lnRef idx="3">
+            <a:schemeClr val="dk1"/>
+          </a:lnRef>
+          <a:fillRef idx="0">
+            <a:schemeClr val="dk1"/>
+          </a:fillRef>
+          <a:effectRef idx="2">
+            <a:schemeClr val="dk1"/>
+          </a:effectRef>
+          <a:fontRef idx="minor">
+            <a:schemeClr val="tx1"/>
+          </a:fontRef>
+        </p:style>
+      </p:cxnSp>
+      <p:sp>
+        <p:nvSpPr>
+          <p:cNvPr id="7" name="Título 1">
+            <a:extLst>
+              <a:ext uri="{FF2B5EF4-FFF2-40B4-BE49-F238E27FC236}">
+                <a16:creationId xmlns:a16="http://schemas.microsoft.com/office/drawing/2014/main" id="{99F76FBE-1BC2-4EE6-B90A-22263BF7BDCD}"/>
+              </a:ext>
+            </a:extLst>
+          </p:cNvPr>
+          <p:cNvSpPr txBox="1">
+            <a:spLocks/>
+          </p:cNvSpPr>
+          <p:nvPr/>
+        </p:nvSpPr>
+        <p:spPr>
+          <a:xfrm>
+            <a:off x="838199" y="0"/>
+            <a:ext cx="10515600" cy="1325563"/>
+          </a:xfrm>
+          <a:prstGeom prst="rect">
+            <a:avLst/>
+          </a:prstGeom>
+        </p:spPr>
+        <p:txBody>
+          <a:bodyPr vert="horz" lIns="91440" tIns="45720" rIns="91440" bIns="45720" rtlCol="0" anchor="ctr">
+            <a:normAutofit/>
+          </a:bodyPr>
+          <a:lstStyle>
+            <a:lvl1pPr algn="l" defTabSz="914400" rtl="0" eaLnBrk="1" latinLnBrk="0" hangingPunct="1">
+              <a:lnSpc>
+                <a:spcPct val="90000"/>
+              </a:lnSpc>
+              <a:spcBef>
+                <a:spcPct val="0"/>
+              </a:spcBef>
+              <a:buNone/>
+              <a:defRPr sz="4400" kern="1200">
+                <a:solidFill>
+                  <a:schemeClr val="tx1"/>
+                </a:solidFill>
+                <a:latin typeface="+mj-lt"/>
+                <a:ea typeface="+mj-ea"/>
+                <a:cs typeface="+mj-cs"/>
+              </a:defRPr>
+            </a:lvl1pPr>
+          </a:lstStyle>
+          <a:p>
+            <a:pPr algn="ctr"/>
+            <a:r>
+              <a:rPr lang="pt-BR" dirty="0">
+                <a:solidFill>
+                  <a:schemeClr val="tx1">
+                    <a:lumMod val="75000"/>
+                    <a:lumOff val="25000"/>
+                  </a:schemeClr>
+                </a:solidFill>
+                <a:latin typeface="Bariol Bold" panose="02000506040000020003" pitchFamily="2" charset="0"/>
+              </a:rPr>
+              <a:t>Modelo Lógico</a:t>
+            </a:r>
+          </a:p>
+        </p:txBody>
+      </p:sp>
+      <p:pic>
+        <p:nvPicPr>
+          <p:cNvPr id="3" name="Picture 2">
+            <a:extLst>
+              <a:ext uri="{FF2B5EF4-FFF2-40B4-BE49-F238E27FC236}">
+                <a16:creationId xmlns:a16="http://schemas.microsoft.com/office/drawing/2014/main" id="{5C89B846-E8B4-41E5-A2FD-3C9F96F43158}"/>
+              </a:ext>
+            </a:extLst>
+          </p:cNvPr>
+          <p:cNvPicPr>
+            <a:picLocks noChangeAspect="1" noChangeArrowheads="1"/>
+          </p:cNvPicPr>
+          <p:nvPr/>
+        </p:nvPicPr>
+        <p:blipFill>
+          <a:blip r:embed="rId2" cstate="print">
+            <a:extLst>
+              <a:ext uri="{28A0092B-C50C-407E-A947-70E740481C1C}">
+                <a14:useLocalDpi xmlns:a14="http://schemas.microsoft.com/office/drawing/2010/main" val="0"/>
+              </a:ext>
+            </a:extLst>
+          </a:blip>
+          <a:srcRect/>
+          <a:stretch>
+            <a:fillRect/>
+          </a:stretch>
+        </p:blipFill>
+        <p:spPr bwMode="auto">
+          <a:xfrm>
+            <a:off x="10734262" y="6232246"/>
+            <a:ext cx="1143368" cy="473355"/>
+          </a:xfrm>
+          <a:prstGeom prst="rect">
+            <a:avLst/>
+          </a:prstGeom>
+          <a:noFill/>
+          <a:extLst>
+            <a:ext uri="{909E8E84-426E-40DD-AFC4-6F175D3DCCD1}">
+              <a14:hiddenFill xmlns:a14="http://schemas.microsoft.com/office/drawing/2010/main">
+                <a:solidFill>
+                  <a:srgbClr val="FFFFFF"/>
+                </a:solidFill>
+              </a14:hiddenFill>
+            </a:ext>
+          </a:extLst>
+        </p:spPr>
+      </p:pic>
+      <p:pic>
+        <p:nvPicPr>
+          <p:cNvPr id="5" name="Imagem 4" descr="Desenho de uma pessoa&#10;&#10;Descrição gerada automaticamente">
+            <a:extLst>
+              <a:ext uri="{FF2B5EF4-FFF2-40B4-BE49-F238E27FC236}">
+                <a16:creationId xmlns:a16="http://schemas.microsoft.com/office/drawing/2014/main" id="{65B6D792-5394-44C7-88F8-DC482A934804}"/>
+              </a:ext>
+            </a:extLst>
+          </p:cNvPr>
+          <p:cNvPicPr>
+            <a:picLocks noChangeAspect="1"/>
+          </p:cNvPicPr>
+          <p:nvPr/>
+        </p:nvPicPr>
+        <p:blipFill>
+          <a:blip r:embed="rId3" cstate="print">
+            <a:extLst>
+              <a:ext uri="{28A0092B-C50C-407E-A947-70E740481C1C}">
+                <a14:useLocalDpi xmlns:a14="http://schemas.microsoft.com/office/drawing/2010/main" val="0"/>
+              </a:ext>
+            </a:extLst>
+          </a:blip>
+          <a:stretch>
+            <a:fillRect/>
+          </a:stretch>
+        </p:blipFill>
+        <p:spPr>
+          <a:xfrm>
+            <a:off x="314370" y="4245753"/>
+            <a:ext cx="3084827" cy="2223170"/>
+          </a:xfrm>
+          <a:prstGeom prst="rect">
+            <a:avLst/>
+          </a:prstGeom>
+        </p:spPr>
+      </p:pic>
+      <p:sp>
+        <p:nvSpPr>
+          <p:cNvPr id="8" name="AutoShape 4">
+            <a:extLst>
+              <a:ext uri="{FF2B5EF4-FFF2-40B4-BE49-F238E27FC236}">
+                <a16:creationId xmlns:a16="http://schemas.microsoft.com/office/drawing/2014/main" id="{CBC49F37-024F-43BA-BF41-65835263DDCC}"/>
+              </a:ext>
+            </a:extLst>
+          </p:cNvPr>
+          <p:cNvSpPr>
+            <a:spLocks noChangeAspect="1" noChangeArrowheads="1"/>
+          </p:cNvSpPr>
+          <p:nvPr/>
+        </p:nvSpPr>
+        <p:spPr bwMode="auto">
+          <a:xfrm>
+            <a:off x="5943600" y="3276600"/>
+            <a:ext cx="304800" cy="304800"/>
+          </a:xfrm>
+          <a:prstGeom prst="rect">
+            <a:avLst/>
+          </a:prstGeom>
+          <a:noFill/>
+          <a:extLst>
+            <a:ext uri="{909E8E84-426E-40DD-AFC4-6F175D3DCCD1}">
+              <a14:hiddenFill xmlns:a14="http://schemas.microsoft.com/office/drawing/2010/main">
+                <a:solidFill>
+                  <a:srgbClr val="FFFFFF"/>
+                </a:solidFill>
+              </a14:hiddenFill>
+            </a:ext>
+          </a:extLst>
+        </p:spPr>
+        <p:txBody>
+          <a:bodyPr vert="horz" wrap="square" lIns="91440" tIns="45720" rIns="91440" bIns="45720" numCol="1" anchor="t" anchorCtr="0" compatLnSpc="1">
+            <a:prstTxWarp prst="textNoShape">
+              <a:avLst/>
+            </a:prstTxWarp>
+          </a:bodyPr>
+          <a:lstStyle/>
+          <a:p>
+            <a:endParaRPr lang="pt-BR"/>
+          </a:p>
+        </p:txBody>
+      </p:sp>
+      <p:pic>
+        <p:nvPicPr>
+          <p:cNvPr id="10" name="Imagem 9" descr="Diagrama&#10;&#10;Descrição gerada automaticamente">
+            <a:extLst>
+              <a:ext uri="{FF2B5EF4-FFF2-40B4-BE49-F238E27FC236}">
+                <a16:creationId xmlns:a16="http://schemas.microsoft.com/office/drawing/2014/main" id="{EC31F9B0-BA3A-445B-901B-FC2332FEF663}"/>
+              </a:ext>
+            </a:extLst>
+          </p:cNvPr>
+          <p:cNvPicPr>
+            <a:picLocks noChangeAspect="1"/>
+          </p:cNvPicPr>
+          <p:nvPr/>
+        </p:nvPicPr>
+        <p:blipFill rotWithShape="1">
+          <a:blip r:embed="rId4">
+            <a:extLst>
+              <a:ext uri="{28A0092B-C50C-407E-A947-70E740481C1C}">
+                <a14:useLocalDpi xmlns:a14="http://schemas.microsoft.com/office/drawing/2010/main" val="0"/>
+              </a:ext>
+            </a:extLst>
+          </a:blip>
+          <a:srcRect t="488"/>
+          <a:stretch/>
+        </p:blipFill>
+        <p:spPr>
+          <a:xfrm>
+            <a:off x="3021496" y="1263653"/>
+            <a:ext cx="6705600" cy="5260624"/>
+          </a:xfrm>
+          <a:prstGeom prst="rect">
+            <a:avLst/>
+          </a:prstGeom>
+        </p:spPr>
+      </p:pic>
+    </p:spTree>
+    <p:extLst>
+      <p:ext uri="{BB962C8B-B14F-4D97-AF65-F5344CB8AC3E}">
+        <p14:creationId xmlns:p14="http://schemas.microsoft.com/office/powerpoint/2010/main" val="386722973"/>
+      </p:ext>
+    </p:extLst>
+  </p:cSld>
+  <p:clrMapOvr>
+    <a:masterClrMapping/>
+  </p:clrMapOvr>
+  <mc:AlternateContent xmlns:mc="http://schemas.openxmlformats.org/markup-compatibility/2006" xmlns:p14="http://schemas.microsoft.com/office/powerpoint/2010/main">
+    <mc:Choice Requires="p14">
+      <p:transition spd="med" p14:dur="700">
+        <p:fade/>
+      </p:transition>
+    </mc:Choice>
+    <mc:Fallback xmlns="">
+      <p:transition spd="med">
+        <p:fade/>
+      </p:transition>
+    </mc:Fallback>
+  </mc:AlternateContent>
+  <p:timing>
+    <p:tnLst>
+      <p:par>
+        <p:cTn id="1" dur="indefinite" restart="never" nodeType="tmRoot">
+          <p:childTnLst>
+            <p:seq concurrent="1" nextAc="seek">
+              <p:cTn id="2" dur="indefinite" nodeType="mainSeq">
+                <p:childTnLst>
+                  <p:par>
+                    <p:cTn id="3" fill="hold">
+                      <p:stCondLst>
+                        <p:cond delay="indefinite"/>
+                        <p:cond evt="onBegin" delay="0">
+                          <p:tn val="2"/>
+                        </p:cond>
+                      </p:stCondLst>
+                      <p:childTnLst>
+                        <p:par>
+                          <p:cTn id="4" fill="hold">
+                            <p:stCondLst>
+                              <p:cond delay="0"/>
+                            </p:stCondLst>
+                            <p:childTnLst>
+                              <p:par>
+                                <p:cTn id="5" presetID="10" presetClass="entr" presetSubtype="0" fill="hold" grpId="0" nodeType="withEffect">
+                                  <p:stCondLst>
+                                    <p:cond delay="0"/>
+                                  </p:stCondLst>
+                                  <p:childTnLst>
+                                    <p:set>
+                                      <p:cBhvr>
+                                        <p:cTn id="6" dur="1" fill="hold">
+                                          <p:stCondLst>
+                                            <p:cond delay="0"/>
+                                          </p:stCondLst>
+                                        </p:cTn>
+                                        <p:tgtEl>
+                                          <p:spTgt spid="7"/>
+                                        </p:tgtEl>
+                                        <p:attrNameLst>
+                                          <p:attrName>style.visibility</p:attrName>
+                                        </p:attrNameLst>
+                                      </p:cBhvr>
+                                      <p:to>
+                                        <p:strVal val="visible"/>
+                                      </p:to>
+                                    </p:set>
+                                    <p:animEffect transition="in" filter="fade">
+                                      <p:cBhvr>
+                                        <p:cTn id="7" dur="500"/>
+                                        <p:tgtEl>
+                                          <p:spTgt spid="7"/>
+                                        </p:tgtEl>
+                                      </p:cBhvr>
+                                    </p:animEffect>
+                                  </p:childTnLst>
+                                </p:cTn>
+                              </p:par>
+                              <p:par>
+                                <p:cTn id="8" presetID="10" presetClass="entr" presetSubtype="0" fill="hold" nodeType="withEffect">
+                                  <p:stCondLst>
+                                    <p:cond delay="0"/>
+                                  </p:stCondLst>
+                                  <p:childTnLst>
+                                    <p:set>
+                                      <p:cBhvr>
+                                        <p:cTn id="9" dur="1" fill="hold">
+                                          <p:stCondLst>
+                                            <p:cond delay="0"/>
+                                          </p:stCondLst>
+                                        </p:cTn>
+                                        <p:tgtEl>
+                                          <p:spTgt spid="3"/>
+                                        </p:tgtEl>
+                                        <p:attrNameLst>
+                                          <p:attrName>style.visibility</p:attrName>
+                                        </p:attrNameLst>
+                                      </p:cBhvr>
+                                      <p:to>
+                                        <p:strVal val="visible"/>
+                                      </p:to>
+                                    </p:set>
+                                    <p:animEffect transition="in" filter="fade">
+                                      <p:cBhvr>
+                                        <p:cTn id="10" dur="500"/>
+                                        <p:tgtEl>
+                                          <p:spTgt spid="3"/>
+                                        </p:tgtEl>
+                                      </p:cBhvr>
+                                    </p:animEffect>
+                                  </p:childTnLst>
+                                </p:cTn>
+                              </p:par>
+                              <p:par>
+                                <p:cTn id="11" presetID="10" presetClass="entr" presetSubtype="0" fill="hold" nodeType="withEffect">
+                                  <p:stCondLst>
+                                    <p:cond delay="250"/>
+                                  </p:stCondLst>
+                                  <p:childTnLst>
+                                    <p:set>
+                                      <p:cBhvr>
+                                        <p:cTn id="12" dur="1" fill="hold">
+                                          <p:stCondLst>
+                                            <p:cond delay="0"/>
+                                          </p:stCondLst>
+                                        </p:cTn>
+                                        <p:tgtEl>
+                                          <p:spTgt spid="5"/>
+                                        </p:tgtEl>
+                                        <p:attrNameLst>
+                                          <p:attrName>style.visibility</p:attrName>
+                                        </p:attrNameLst>
+                                      </p:cBhvr>
+                                      <p:to>
+                                        <p:strVal val="visible"/>
+                                      </p:to>
+                                    </p:set>
+                                    <p:animEffect transition="in" filter="fade">
+                                      <p:cBhvr>
+                                        <p:cTn id="13" dur="500"/>
+                                        <p:tgtEl>
+                                          <p:spTgt spid="5"/>
+                                        </p:tgtEl>
+                                      </p:cBhvr>
+                                    </p:animEffect>
+                                  </p:childTnLst>
+                                </p:cTn>
+                              </p:par>
+                              <p:par>
+                                <p:cTn id="14" presetID="10" presetClass="entr" presetSubtype="0" fill="hold" nodeType="withEffect">
+                                  <p:stCondLst>
+                                    <p:cond delay="250"/>
+                                  </p:stCondLst>
+                                  <p:childTnLst>
+                                    <p:set>
+                                      <p:cBhvr>
+                                        <p:cTn id="15" dur="1" fill="hold">
+                                          <p:stCondLst>
+                                            <p:cond delay="0"/>
+                                          </p:stCondLst>
+                                        </p:cTn>
+                                        <p:tgtEl>
+                                          <p:spTgt spid="4"/>
+                                        </p:tgtEl>
+                                        <p:attrNameLst>
+                                          <p:attrName>style.visibility</p:attrName>
+                                        </p:attrNameLst>
+                                      </p:cBhvr>
+                                      <p:to>
+                                        <p:strVal val="visible"/>
+                                      </p:to>
+                                    </p:set>
+                                    <p:animEffect transition="in" filter="fade">
+                                      <p:cBhvr>
+                                        <p:cTn id="16" dur="500"/>
+                                        <p:tgtEl>
+                                          <p:spTgt spid="4"/>
+                                        </p:tgtEl>
+                                      </p:cBhvr>
+                                    </p:animEffect>
+                                  </p:childTnLst>
+                                </p:cTn>
+                              </p:par>
+                              <p:par>
+                                <p:cTn id="17" presetID="10" presetClass="entr" presetSubtype="0" fill="hold" nodeType="withEffect">
+                                  <p:stCondLst>
+                                    <p:cond delay="250"/>
+                                  </p:stCondLst>
+                                  <p:childTnLst>
+                                    <p:set>
+                                      <p:cBhvr>
+                                        <p:cTn id="18" dur="1" fill="hold">
+                                          <p:stCondLst>
+                                            <p:cond delay="0"/>
+                                          </p:stCondLst>
+                                        </p:cTn>
+                                        <p:tgtEl>
+                                          <p:spTgt spid="10"/>
+                                        </p:tgtEl>
+                                        <p:attrNameLst>
+                                          <p:attrName>style.visibility</p:attrName>
+                                        </p:attrNameLst>
+                                      </p:cBhvr>
+                                      <p:to>
+                                        <p:strVal val="visible"/>
+                                      </p:to>
+                                    </p:set>
+                                    <p:animEffect transition="in" filter="fade">
+                                      <p:cBhvr>
+                                        <p:cTn id="19" dur="500"/>
+                                        <p:tgtEl>
+                                          <p:spTgt spid="10"/>
+                                        </p:tgtEl>
+                                      </p:cBhvr>
+                                    </p:animEffect>
+                                  </p:childTnLst>
+                                </p:cTn>
+                              </p:par>
+                            </p:childTnLst>
+                          </p:cTn>
+                        </p:par>
+                      </p:childTnLst>
+                    </p:cTn>
+                  </p:par>
+                </p:childTnLst>
+              </p:cTn>
+              <p:prevCondLst>
+                <p:cond evt="onPrev" delay="0">
+                  <p:tgtEl>
+                    <p:sldTgt/>
+                  </p:tgtEl>
+                </p:cond>
+              </p:prevCondLst>
+              <p:nextCondLst>
+                <p:cond evt="onNext" delay="0">
+                  <p:tgtEl>
+                    <p:sldTgt/>
+                  </p:tgtEl>
+                </p:cond>
+              </p:nextCondLst>
+            </p:seq>
+          </p:childTnLst>
+        </p:cTn>
+      </p:par>
+    </p:tnLst>
+    <p:bldLst>
+      <p:bldP spid="7" grpId="0"/>
+    </p:bldLst>
+  </p:timing>
+</p:sld>
+</file>
+
+<file path=ppt/slides/slide12.xml><?xml version="1.0" encoding="utf-8"?>
 <p:sld xmlns:a="http://schemas.openxmlformats.org/drawingml/2006/main" xmlns:r="http://schemas.openxmlformats.org/officeDocument/2006/relationships" xmlns:p="http://schemas.openxmlformats.org/presentationml/2006/main">
   <p:cSld>
     <p:spTree>
@@ -4080,7 +4596,7 @@
 </p:sld>
 </file>
 
-<file path=ppt/slides/slide12.xml><?xml version="1.0" encoding="utf-8"?>
+<file path=ppt/slides/slide13.xml><?xml version="1.0" encoding="utf-8"?>
 <p:sld xmlns:a="http://schemas.openxmlformats.org/drawingml/2006/main" xmlns:r="http://schemas.openxmlformats.org/officeDocument/2006/relationships" xmlns:p="http://schemas.openxmlformats.org/presentationml/2006/main">
   <p:cSld>
     <p:spTree>
@@ -6203,15 +6719,15 @@
         </p:nvSpPr>
         <p:spPr>
           <a:xfrm>
-            <a:off x="901563" y="2190677"/>
-            <a:ext cx="4900751" cy="1738063"/>
+            <a:off x="901563" y="2190676"/>
+            <a:ext cx="4900751" cy="3600192"/>
           </a:xfrm>
           <a:prstGeom prst="rect">
             <a:avLst/>
           </a:prstGeom>
         </p:spPr>
         <p:txBody>
-          <a:bodyPr vert="horz" lIns="91440" tIns="45720" rIns="91440" bIns="45720" rtlCol="0" anchor="b">
+          <a:bodyPr vert="horz" lIns="91440" tIns="45720" rIns="91440" bIns="45720" rtlCol="0" anchor="t">
             <a:noAutofit/>
           </a:bodyPr>
           <a:lstStyle>
@@ -6261,6 +6777,75 @@
               </a:rPr>
               <a:t>Necessidade de uma ferramenta;</a:t>
             </a:r>
+          </a:p>
+          <a:p>
+            <a:pPr marL="285750" indent="-285750">
+              <a:buFont typeface="Wingdings" panose="05000000000000000000" pitchFamily="2" charset="2"/>
+              <a:buChar char="ü"/>
+            </a:pPr>
+            <a:endParaRPr lang="pt-BR" sz="2800" dirty="0">
+              <a:latin typeface="Bariol Bold" panose="02000506040000020003"/>
+            </a:endParaRPr>
+          </a:p>
+          <a:p>
+            <a:pPr marL="285750" indent="-285750">
+              <a:buFont typeface="Wingdings" panose="05000000000000000000" pitchFamily="2" charset="2"/>
+              <a:buChar char="ü"/>
+            </a:pPr>
+            <a:r>
+              <a:rPr lang="pt-BR" sz="2800" dirty="0">
+                <a:latin typeface="Bariol Bold" panose="02000506040000020003"/>
+              </a:rPr>
+              <a:t>Monitoramento;</a:t>
+            </a:r>
+          </a:p>
+          <a:p>
+            <a:pPr marL="285750" indent="-285750">
+              <a:buFont typeface="Wingdings" panose="05000000000000000000" pitchFamily="2" charset="2"/>
+              <a:buChar char="ü"/>
+            </a:pPr>
+            <a:endParaRPr lang="pt-BR" sz="2800" dirty="0">
+              <a:latin typeface="Bariol Bold" panose="02000506040000020003"/>
+            </a:endParaRPr>
+          </a:p>
+          <a:p>
+            <a:pPr marL="285750" indent="-285750">
+              <a:buFont typeface="Wingdings" panose="05000000000000000000" pitchFamily="2" charset="2"/>
+              <a:buChar char="ü"/>
+            </a:pPr>
+            <a:r>
+              <a:rPr lang="pt-BR" sz="2800" dirty="0">
+                <a:latin typeface="Bariol Bold" panose="02000506040000020003"/>
+              </a:rPr>
+              <a:t>Funcionários desmotivados;</a:t>
+            </a:r>
+          </a:p>
+          <a:p>
+            <a:pPr marL="285750" indent="-285750">
+              <a:buFont typeface="Wingdings" panose="05000000000000000000" pitchFamily="2" charset="2"/>
+              <a:buChar char="ü"/>
+            </a:pPr>
+            <a:endParaRPr lang="pt-BR" sz="2800" dirty="0">
+              <a:latin typeface="Bariol Bold" panose="02000506040000020003"/>
+            </a:endParaRPr>
+          </a:p>
+          <a:p>
+            <a:pPr marL="285750" indent="-285750">
+              <a:buFont typeface="Wingdings" panose="05000000000000000000" pitchFamily="2" charset="2"/>
+              <a:buChar char="ü"/>
+            </a:pPr>
+            <a:endParaRPr lang="pt-BR" sz="2800" dirty="0">
+              <a:latin typeface="Bariol Bold" panose="02000506040000020003"/>
+            </a:endParaRPr>
+          </a:p>
+          <a:p>
+            <a:pPr marL="285750" indent="-285750">
+              <a:buFont typeface="Wingdings" panose="05000000000000000000" pitchFamily="2" charset="2"/>
+              <a:buChar char="ü"/>
+            </a:pPr>
+            <a:endParaRPr lang="pt-BR" sz="2800" dirty="0">
+              <a:latin typeface="Bariol Bold" panose="02000506040000020003"/>
+            </a:endParaRPr>
           </a:p>
         </p:txBody>
       </p:sp>
@@ -7536,20 +8121,22 @@
       </p:grpSpPr>
       <p:cxnSp>
         <p:nvCxnSpPr>
-          <p:cNvPr id="4" name="Straight Arrow Connector 3">
+          <p:cNvPr id="2" name="Straight Arrow Connector 1">
             <a:extLst>
               <a:ext uri="{FF2B5EF4-FFF2-40B4-BE49-F238E27FC236}">
-                <a16:creationId xmlns:a16="http://schemas.microsoft.com/office/drawing/2014/main" id="{2E47AAF4-0703-407A-9375-DE4A2497442E}"/>
+                <a16:creationId xmlns:a16="http://schemas.microsoft.com/office/drawing/2014/main" id="{E8D38C0A-F3C1-4051-ABE3-35FA8150390A}"/>
               </a:ext>
             </a:extLst>
           </p:cNvPr>
-          <p:cNvCxnSpPr/>
+          <p:cNvCxnSpPr>
+            <a:cxnSpLocks/>
+          </p:cNvCxnSpPr>
           <p:nvPr/>
         </p:nvCxnSpPr>
         <p:spPr>
           <a:xfrm>
-            <a:off x="4238625" y="895350"/>
-            <a:ext cx="3705225" cy="0"/>
+            <a:off x="3299198" y="1162465"/>
+            <a:ext cx="4956906" cy="0"/>
           </a:xfrm>
           <a:prstGeom prst="straightConnector1">
             <a:avLst/>
@@ -7591,8 +8178,8 @@
         </p:nvSpPr>
         <p:spPr>
           <a:xfrm>
-            <a:off x="838199" y="0"/>
-            <a:ext cx="10515600" cy="1325563"/>
+            <a:off x="3299198" y="220686"/>
+            <a:ext cx="5069862" cy="1325563"/>
           </a:xfrm>
           <a:prstGeom prst="rect">
             <a:avLst/>
@@ -7625,25 +8212,64 @@
             <a:pPr algn="ctr"/>
             <a:r>
               <a:rPr lang="pt-BR" dirty="0">
-                <a:solidFill>
-                  <a:schemeClr val="tx1">
-                    <a:lumMod val="75000"/>
-                    <a:lumOff val="25000"/>
-                  </a:schemeClr>
-                </a:solidFill>
-                <a:latin typeface="Bariol Bold" panose="02000506040000020003" pitchFamily="2" charset="0"/>
+                <a:latin typeface="Bariol Bold" panose="02000506040000020003"/>
               </a:rPr>
-              <a:t>Modelo Lógico</a:t>
+              <a:t>Pausas – NR-17</a:t>
             </a:r>
+            <a:endParaRPr lang="pt-BR" dirty="0">
+              <a:solidFill>
+                <a:schemeClr val="tx1">
+                  <a:lumMod val="75000"/>
+                  <a:lumOff val="25000"/>
+                </a:schemeClr>
+              </a:solidFill>
+              <a:latin typeface="Bariol Bold" panose="02000506040000020003" pitchFamily="2" charset="0"/>
+            </a:endParaRPr>
           </a:p>
         </p:txBody>
       </p:sp>
       <p:pic>
         <p:nvPicPr>
-          <p:cNvPr id="3" name="Picture 2">
+          <p:cNvPr id="3" name="Imagem 2" descr="Uma imagem contendo mesa, atletismo&#10;&#10;Descrição gerada automaticamente">
             <a:extLst>
               <a:ext uri="{FF2B5EF4-FFF2-40B4-BE49-F238E27FC236}">
-                <a16:creationId xmlns:a16="http://schemas.microsoft.com/office/drawing/2014/main" id="{5C89B846-E8B4-41E5-A2FD-3C9F96F43158}"/>
+                <a16:creationId xmlns:a16="http://schemas.microsoft.com/office/drawing/2014/main" id="{4F1DEA53-EAA9-41BE-AAAD-67147C20EFA3}"/>
+              </a:ext>
+            </a:extLst>
+          </p:cNvPr>
+          <p:cNvPicPr>
+            <a:picLocks noChangeAspect="1"/>
+          </p:cNvPicPr>
+          <p:nvPr/>
+        </p:nvPicPr>
+        <p:blipFill>
+          <a:blip r:embed="rId2">
+            <a:extLst>
+              <a:ext uri="{28A0092B-C50C-407E-A947-70E740481C1C}">
+                <a14:useLocalDpi xmlns:a14="http://schemas.microsoft.com/office/drawing/2010/main" val="0"/>
+              </a:ext>
+            </a:extLst>
+          </a:blip>
+          <a:stretch>
+            <a:fillRect/>
+          </a:stretch>
+        </p:blipFill>
+        <p:spPr>
+          <a:xfrm>
+            <a:off x="6574128" y="1470532"/>
+            <a:ext cx="5435201" cy="4221565"/>
+          </a:xfrm>
+          <a:prstGeom prst="rect">
+            <a:avLst/>
+          </a:prstGeom>
+        </p:spPr>
+      </p:pic>
+      <p:pic>
+        <p:nvPicPr>
+          <p:cNvPr id="4" name="Picture 2">
+            <a:extLst>
+              <a:ext uri="{FF2B5EF4-FFF2-40B4-BE49-F238E27FC236}">
+                <a16:creationId xmlns:a16="http://schemas.microsoft.com/office/drawing/2014/main" id="{D63799FE-FD58-46C7-8DD5-1902EEB7FE5C}"/>
               </a:ext>
             </a:extLst>
           </p:cNvPr>
@@ -7653,7 +8279,7 @@
           <p:nvPr/>
         </p:nvPicPr>
         <p:blipFill>
-          <a:blip r:embed="rId2" cstate="print">
+          <a:blip r:embed="rId3" cstate="print">
             <a:extLst>
               <a:ext uri="{28A0092B-C50C-407E-A947-70E740481C1C}">
                 <a14:useLocalDpi xmlns:a14="http://schemas.microsoft.com/office/drawing/2010/main" val="0"/>
@@ -7685,126 +8311,73 @@
           </a:extLst>
         </p:spPr>
       </p:pic>
-      <p:pic>
-        <p:nvPicPr>
-          <p:cNvPr id="5" name="Imagem 4" descr="Desenho de uma pessoa&#10;&#10;Descrição gerada automaticamente">
-            <a:extLst>
-              <a:ext uri="{FF2B5EF4-FFF2-40B4-BE49-F238E27FC236}">
-                <a16:creationId xmlns:a16="http://schemas.microsoft.com/office/drawing/2014/main" id="{65B6D792-5394-44C7-88F8-DC482A934804}"/>
-              </a:ext>
-            </a:extLst>
-          </p:cNvPr>
-          <p:cNvPicPr>
-            <a:picLocks noChangeAspect="1"/>
-          </p:cNvPicPr>
+      <p:sp>
+        <p:nvSpPr>
+          <p:cNvPr id="5" name="Retângulo 4"/>
+          <p:cNvSpPr/>
           <p:nvPr/>
-        </p:nvPicPr>
-        <p:blipFill>
-          <a:blip r:embed="rId3" cstate="print">
-            <a:extLst>
-              <a:ext uri="{28A0092B-C50C-407E-A947-70E740481C1C}">
-                <a14:useLocalDpi xmlns:a14="http://schemas.microsoft.com/office/drawing/2010/main" val="0"/>
-              </a:ext>
-            </a:extLst>
-          </a:blip>
-          <a:stretch>
-            <a:fillRect/>
-          </a:stretch>
-        </p:blipFill>
+        </p:nvSpPr>
         <p:spPr>
           <a:xfrm>
-            <a:off x="314370" y="4245753"/>
-            <a:ext cx="3084827" cy="2223170"/>
+            <a:off x="1791238" y="2329933"/>
+            <a:ext cx="4042891" cy="1785104"/>
           </a:xfrm>
           <a:prstGeom prst="rect">
             <a:avLst/>
           </a:prstGeom>
         </p:spPr>
-      </p:pic>
-      <p:sp>
-        <p:nvSpPr>
-          <p:cNvPr id="8" name="AutoShape 4">
-            <a:extLst>
-              <a:ext uri="{FF2B5EF4-FFF2-40B4-BE49-F238E27FC236}">
-                <a16:creationId xmlns:a16="http://schemas.microsoft.com/office/drawing/2014/main" id="{CBC49F37-024F-43BA-BF41-65835263DDCC}"/>
-              </a:ext>
-            </a:extLst>
-          </p:cNvPr>
-          <p:cNvSpPr>
-            <a:spLocks noChangeAspect="1" noChangeArrowheads="1"/>
-          </p:cNvSpPr>
-          <p:nvPr/>
-        </p:nvSpPr>
-        <p:spPr bwMode="auto">
-          <a:xfrm>
-            <a:off x="5943600" y="3276600"/>
-            <a:ext cx="304800" cy="304800"/>
-          </a:xfrm>
-          <a:prstGeom prst="rect">
-            <a:avLst/>
-          </a:prstGeom>
-          <a:noFill/>
-          <a:extLst>
-            <a:ext uri="{909E8E84-426E-40DD-AFC4-6F175D3DCCD1}">
-              <a14:hiddenFill xmlns:a14="http://schemas.microsoft.com/office/drawing/2010/main">
-                <a:solidFill>
-                  <a:srgbClr val="FFFFFF"/>
-                </a:solidFill>
-              </a14:hiddenFill>
-            </a:ext>
-          </a:extLst>
-        </p:spPr>
         <p:txBody>
-          <a:bodyPr vert="horz" wrap="square" lIns="91440" tIns="45720" rIns="91440" bIns="45720" numCol="1" anchor="t" anchorCtr="0" compatLnSpc="1">
-            <a:prstTxWarp prst="textNoShape">
-              <a:avLst/>
-            </a:prstTxWarp>
+          <a:bodyPr wrap="square">
+            <a:spAutoFit/>
           </a:bodyPr>
           <a:lstStyle/>
           <a:p>
-            <a:endParaRPr lang="pt-BR"/>
+            <a:endParaRPr lang="pt-BR" sz="2800" dirty="0">
+              <a:latin typeface="Bariol Bold" panose="02000506040000020003"/>
+            </a:endParaRPr>
+          </a:p>
+          <a:p>
+            <a:pPr marL="285750" indent="-285750">
+              <a:buFont typeface="Wingdings" panose="05000000000000000000" pitchFamily="2" charset="2"/>
+              <a:buChar char="ü"/>
+            </a:pPr>
+            <a:endParaRPr lang="pt-BR" sz="2800" dirty="0">
+              <a:latin typeface="Bariol Bold" panose="02000506040000020003"/>
+            </a:endParaRPr>
+          </a:p>
+          <a:p>
+            <a:pPr marL="285750" indent="-285750">
+              <a:buFont typeface="Wingdings" panose="05000000000000000000" pitchFamily="2" charset="2"/>
+              <a:buChar char="ü"/>
+            </a:pPr>
+            <a:endParaRPr lang="pt-BR" dirty="0">
+              <a:latin typeface="Bariol Bold" panose="02000506040000020003"/>
+            </a:endParaRPr>
+          </a:p>
+          <a:p>
+            <a:pPr marL="285750" indent="-285750">
+              <a:buFont typeface="Wingdings" panose="05000000000000000000" pitchFamily="2" charset="2"/>
+              <a:buChar char="ü"/>
+            </a:pPr>
+            <a:endParaRPr lang="pt-BR" dirty="0">
+              <a:latin typeface="Bariol Bold" panose="02000506040000020003"/>
+            </a:endParaRPr>
+          </a:p>
+          <a:p>
+            <a:pPr marL="285750" indent="-285750">
+              <a:buFont typeface="Wingdings" panose="05000000000000000000" pitchFamily="2" charset="2"/>
+              <a:buChar char="ü"/>
+            </a:pPr>
+            <a:endParaRPr lang="pt-BR" dirty="0">
+              <a:latin typeface="Bariol Bold" panose="02000506040000020003"/>
+            </a:endParaRPr>
           </a:p>
         </p:txBody>
       </p:sp>
-      <p:pic>
-        <p:nvPicPr>
-          <p:cNvPr id="10" name="Imagem 9" descr="Diagrama&#10;&#10;Descrição gerada automaticamente">
-            <a:extLst>
-              <a:ext uri="{FF2B5EF4-FFF2-40B4-BE49-F238E27FC236}">
-                <a16:creationId xmlns:a16="http://schemas.microsoft.com/office/drawing/2014/main" id="{EC31F9B0-BA3A-445B-901B-FC2332FEF663}"/>
-              </a:ext>
-            </a:extLst>
-          </p:cNvPr>
-          <p:cNvPicPr>
-            <a:picLocks noChangeAspect="1"/>
-          </p:cNvPicPr>
-          <p:nvPr/>
-        </p:nvPicPr>
-        <p:blipFill rotWithShape="1">
-          <a:blip r:embed="rId4">
-            <a:extLst>
-              <a:ext uri="{28A0092B-C50C-407E-A947-70E740481C1C}">
-                <a14:useLocalDpi xmlns:a14="http://schemas.microsoft.com/office/drawing/2010/main" val="0"/>
-              </a:ext>
-            </a:extLst>
-          </a:blip>
-          <a:srcRect t="488"/>
-          <a:stretch/>
-        </p:blipFill>
-        <p:spPr>
-          <a:xfrm>
-            <a:off x="3021496" y="1263653"/>
-            <a:ext cx="6705600" cy="5260624"/>
-          </a:xfrm>
-          <a:prstGeom prst="rect">
-            <a:avLst/>
-          </a:prstGeom>
-        </p:spPr>
-      </p:pic>
     </p:spTree>
     <p:extLst>
       <p:ext uri="{BB962C8B-B14F-4D97-AF65-F5344CB8AC3E}">
-        <p14:creationId xmlns:p14="http://schemas.microsoft.com/office/powerpoint/2010/main" val="386722973"/>
+        <p14:creationId xmlns:p14="http://schemas.microsoft.com/office/powerpoint/2010/main" val="1996836133"/>
       </p:ext>
     </p:extLst>
   </p:cSld>
@@ -7847,7 +8420,7 @@
                             </p:stCondLst>
                             <p:childTnLst>
                               <p:par>
-                                <p:cTn id="5" presetID="10" presetClass="entr" presetSubtype="0" fill="hold" grpId="0" nodeType="withEffect">
+                                <p:cTn id="5" presetID="10" presetClass="entr" presetSubtype="0" fill="hold" grpId="0" nodeType="afterEffect">
                                   <p:stCondLst>
                                     <p:cond delay="0"/>
                                   </p:stCondLst>
@@ -7919,7 +8492,7 @@
                               <p:par>
                                 <p:cTn id="11" presetID="10" presetClass="entr" presetSubtype="0" fill="hold" nodeType="withEffect">
                                   <p:stCondLst>
-                                    <p:cond delay="250"/>
+                                    <p:cond delay="0"/>
                                   </p:stCondLst>
                                   <p:childTnLst>
                                     <p:set>
@@ -7930,7 +8503,7 @@
                                           </p:stCondLst>
                                         </p:cTn>
                                         <p:tgtEl>
-                                          <p:spTgt spid="5"/>
+                                          <p:spTgt spid="4"/>
                                         </p:tgtEl>
                                         <p:attrNameLst>
                                           <p:attrName>style.visibility</p:attrName>
@@ -7944,7 +8517,7 @@
                                       <p:cBhvr>
                                         <p:cTn id="13" dur="500"/>
                                         <p:tgtEl>
-                                          <p:spTgt spid="5"/>
+                                          <p:spTgt spid="4"/>
                                         </p:tgtEl>
                                       </p:cBhvr>
                                     </p:animEffect>
@@ -7954,7 +8527,7 @@
                               <p:par>
                                 <p:cTn id="14" presetID="10" presetClass="entr" presetSubtype="0" fill="hold" nodeType="withEffect">
                                   <p:stCondLst>
-                                    <p:cond delay="250"/>
+                                    <p:cond delay="0"/>
                                   </p:stCondLst>
                                   <p:childTnLst>
                                     <p:set>
@@ -7965,7 +8538,7 @@
                                           </p:stCondLst>
                                         </p:cTn>
                                         <p:tgtEl>
-                                          <p:spTgt spid="4"/>
+                                          <p:spTgt spid="2"/>
                                         </p:tgtEl>
                                         <p:attrNameLst>
                                           <p:attrName>style.visibility</p:attrName>
@@ -7979,7 +8552,7 @@
                                       <p:cBhvr>
                                         <p:cTn id="16" dur="500"/>
                                         <p:tgtEl>
-                                          <p:spTgt spid="4"/>
+                                          <p:spTgt spid="2"/>
                                         </p:tgtEl>
                                       </p:cBhvr>
                                     </p:animEffect>
@@ -7987,10 +8560,15 @@
                                 </p:cTn>
                               </p:par>
                               <p:par>
-                                <p:cTn id="17" presetID="10" presetClass="entr" presetSubtype="0" fill="hold" nodeType="withEffect">
+                                <p:cTn id="17" presetID="10" presetClass="entr" presetSubtype="0" fill="hold" grpId="0" nodeType="withEffect" nodePh="1">
                                   <p:stCondLst>
-                                    <p:cond delay="250"/>
+                                    <p:cond delay="0"/>
                                   </p:stCondLst>
+                                  <p:endCondLst>
+                                    <p:cond evt="begin" delay="0">
+                                      <p:tn val="17"/>
+                                    </p:cond>
+                                  </p:endCondLst>
                                   <p:childTnLst>
                                     <p:set>
                                       <p:cBhvr>
@@ -8000,7 +8578,7 @@
                                           </p:stCondLst>
                                         </p:cTn>
                                         <p:tgtEl>
-                                          <p:spTgt spid="10"/>
+                                          <p:spTgt spid="5"/>
                                         </p:tgtEl>
                                         <p:attrNameLst>
                                           <p:attrName>style.visibility</p:attrName>
@@ -8014,7 +8592,7 @@
                                       <p:cBhvr>
                                         <p:cTn id="19" dur="500"/>
                                         <p:tgtEl>
-                                          <p:spTgt spid="10"/>
+                                          <p:spTgt spid="5"/>
                                         </p:tgtEl>
                                       </p:cBhvr>
                                     </p:animEffect>
@@ -8050,6 +8628,7 @@
     </p:tnLst>
     <p:bldLst>
       <p:bldP spid="7" grpId="0"/>
+      <p:bldP spid="5" grpId="0"/>
     </p:bldLst>
   </p:timing>
 </p:sld>
@@ -8165,51 +8744,9 @@
             <a:pPr algn="ctr"/>
             <a:r>
               <a:rPr lang="pt-BR" dirty="0">
-                <a:solidFill>
-                  <a:schemeClr val="tx1">
-                    <a:lumMod val="75000"/>
-                    <a:lumOff val="25000"/>
-                  </a:schemeClr>
-                </a:solidFill>
-                <a:latin typeface="Bariol Bold" panose="02000506040000020003" pitchFamily="2" charset="0"/>
+                <a:latin typeface="Bariol Bold" panose="02000506040000020003"/>
               </a:rPr>
-              <a:t>Inovação </a:t>
-            </a:r>
-            <a:r>
-              <a:rPr lang="pt-BR" dirty="0" err="1">
-                <a:solidFill>
-                  <a:schemeClr val="tx1">
-                    <a:lumMod val="75000"/>
-                    <a:lumOff val="25000"/>
-                  </a:schemeClr>
-                </a:solidFill>
-                <a:latin typeface="Bariol Bold" panose="02000506040000020003" pitchFamily="2" charset="0"/>
-              </a:rPr>
-              <a:t>Deep</a:t>
-            </a:r>
-            <a:r>
-              <a:rPr lang="pt-BR" dirty="0">
-                <a:solidFill>
-                  <a:schemeClr val="tx1">
-                    <a:lumMod val="75000"/>
-                    <a:lumOff val="25000"/>
-                  </a:schemeClr>
-                </a:solidFill>
-                <a:latin typeface="Bariol Bold" panose="02000506040000020003" pitchFamily="2" charset="0"/>
-              </a:rPr>
-              <a:t> </a:t>
-            </a:r>
-            <a:r>
-              <a:rPr lang="pt-BR" dirty="0" err="1">
-                <a:solidFill>
-                  <a:schemeClr val="tx1">
-                    <a:lumMod val="75000"/>
-                    <a:lumOff val="25000"/>
-                  </a:schemeClr>
-                </a:solidFill>
-                <a:latin typeface="Bariol Bold" panose="02000506040000020003" pitchFamily="2" charset="0"/>
-              </a:rPr>
-              <a:t>Dive</a:t>
+              <a:t> Gotas de Incentivo</a:t>
             </a:r>
             <a:endParaRPr lang="pt-BR" dirty="0">
               <a:solidFill>
@@ -8314,8 +8851,8 @@
         </p:nvSpPr>
         <p:spPr>
           <a:xfrm>
-            <a:off x="1791238" y="2329933"/>
-            <a:ext cx="4042891" cy="2492990"/>
+            <a:off x="764268" y="2329933"/>
+            <a:ext cx="5331732" cy="1354217"/>
           </a:xfrm>
           <a:prstGeom prst="rect">
             <a:avLst/>
@@ -8327,45 +8864,6 @@
           </a:bodyPr>
           <a:lstStyle/>
           <a:p>
-            <a:pPr marL="285750" indent="-285750">
-              <a:buFont typeface="Wingdings" panose="05000000000000000000" pitchFamily="2" charset="2"/>
-              <a:buChar char="ü"/>
-            </a:pPr>
-            <a:r>
-              <a:rPr lang="pt-BR" sz="2800" dirty="0">
-                <a:latin typeface="Bariol Bold" panose="02000506040000020003"/>
-              </a:rPr>
-              <a:t> Pausas – NR-17</a:t>
-            </a:r>
-            <a:r>
-              <a:rPr lang="pt-BR" dirty="0">
-                <a:latin typeface="Bariol Bold" panose="02000506040000020003"/>
-              </a:rPr>
-              <a:t>;</a:t>
-            </a:r>
-          </a:p>
-          <a:p>
-            <a:endParaRPr lang="pt-BR" dirty="0">
-              <a:latin typeface="Bariol Bold" panose="02000506040000020003"/>
-            </a:endParaRPr>
-          </a:p>
-          <a:p>
-            <a:pPr marL="285750" indent="-285750">
-              <a:buFont typeface="Wingdings" panose="05000000000000000000" pitchFamily="2" charset="2"/>
-              <a:buChar char="ü"/>
-            </a:pPr>
-            <a:r>
-              <a:rPr lang="pt-BR" sz="2800" dirty="0">
-                <a:latin typeface="Bariol Bold" panose="02000506040000020003"/>
-              </a:rPr>
-              <a:t> Gotas de Incentivo;</a:t>
-            </a:r>
-          </a:p>
-          <a:p>
-            <a:pPr marL="285750" indent="-285750">
-              <a:buFont typeface="Wingdings" panose="05000000000000000000" pitchFamily="2" charset="2"/>
-              <a:buChar char="ü"/>
-            </a:pPr>
             <a:endParaRPr lang="pt-BR" sz="2800" dirty="0">
               <a:latin typeface="Bariol Bold" panose="02000506040000020003"/>
             </a:endParaRPr>
@@ -8402,7 +8900,7 @@
     </p:spTree>
     <p:extLst>
       <p:ext uri="{BB962C8B-B14F-4D97-AF65-F5344CB8AC3E}">
-        <p14:creationId xmlns:p14="http://schemas.microsoft.com/office/powerpoint/2010/main" val="1996836133"/>
+        <p14:creationId xmlns:p14="http://schemas.microsoft.com/office/powerpoint/2010/main" val="3013284141"/>
       </p:ext>
     </p:extLst>
   </p:cSld>
@@ -8585,10 +9083,15 @@
                                 </p:cTn>
                               </p:par>
                               <p:par>
-                                <p:cTn id="17" presetID="10" presetClass="entr" presetSubtype="0" fill="hold" grpId="0" nodeType="withEffect">
+                                <p:cTn id="17" presetID="10" presetClass="entr" presetSubtype="0" fill="hold" grpId="0" nodeType="withEffect" nodePh="1">
                                   <p:stCondLst>
                                     <p:cond delay="0"/>
                                   </p:stCondLst>
+                                  <p:endCondLst>
+                                    <p:cond evt="begin" delay="0">
+                                      <p:tn val="17"/>
+                                    </p:cond>
+                                  </p:endCondLst>
                                   <p:childTnLst>
                                     <p:set>
                                       <p:cBhvr>
@@ -10327,8 +10830,8 @@
         </p:nvSpPr>
         <p:spPr>
           <a:xfrm>
-            <a:off x="838200" y="-19310"/>
-            <a:ext cx="10515600" cy="1213142"/>
+            <a:off x="838200" y="-160017"/>
+            <a:ext cx="10515600" cy="1325563"/>
           </a:xfrm>
           <a:prstGeom prst="rect">
             <a:avLst/>
@@ -10369,17 +10872,17 @@
                 </a:solidFill>
                 <a:latin typeface="Bariol Bold" panose="02000506040000020003" pitchFamily="2" charset="0"/>
               </a:rPr>
-              <a:t>Diagrama de Classe</a:t>
+              <a:t>Aplicação Java</a:t>
             </a:r>
           </a:p>
         </p:txBody>
       </p:sp>
       <p:pic>
         <p:nvPicPr>
-          <p:cNvPr id="5" name="Picture 2">
+          <p:cNvPr id="4" name="Picture 2">
             <a:extLst>
               <a:ext uri="{FF2B5EF4-FFF2-40B4-BE49-F238E27FC236}">
-                <a16:creationId xmlns:a16="http://schemas.microsoft.com/office/drawing/2014/main" id="{5E6A065D-74B6-43C9-8951-4759FD99C85F}"/>
+                <a16:creationId xmlns:a16="http://schemas.microsoft.com/office/drawing/2014/main" id="{3CF36ED0-FCD8-45D8-A912-5D4DD5032DBE}"/>
               </a:ext>
             </a:extLst>
           </p:cNvPr>
@@ -10426,7 +10929,7 @@
           <p:cNvPr id="2" name="Straight Arrow Connector 1">
             <a:extLst>
               <a:ext uri="{FF2B5EF4-FFF2-40B4-BE49-F238E27FC236}">
-                <a16:creationId xmlns:a16="http://schemas.microsoft.com/office/drawing/2014/main" id="{102C7A15-5BE4-4E8E-826E-06C7E84CB27C}"/>
+                <a16:creationId xmlns:a16="http://schemas.microsoft.com/office/drawing/2014/main" id="{EF6676ED-9702-4820-B9D8-8B178C2BC9D8}"/>
               </a:ext>
             </a:extLst>
           </p:cNvPr>
@@ -10437,8 +10940,8 @@
         </p:nvCxnSpPr>
         <p:spPr>
           <a:xfrm>
-            <a:off x="3737113" y="838200"/>
-            <a:ext cx="4717774" cy="0"/>
+            <a:off x="4187687" y="777737"/>
+            <a:ext cx="3697356" cy="0"/>
           </a:xfrm>
           <a:prstGeom prst="straightConnector1">
             <a:avLst/>
@@ -10466,34 +10969,22 @@
       </p:cxnSp>
       <p:pic>
         <p:nvPicPr>
-          <p:cNvPr id="8" name="Imagem 7" descr="Uma imagem contendo Linha do tempo&#10;&#10;Descrição gerada automaticamente">
-            <a:extLst>
-              <a:ext uri="{FF2B5EF4-FFF2-40B4-BE49-F238E27FC236}">
-                <a16:creationId xmlns:a16="http://schemas.microsoft.com/office/drawing/2014/main" id="{886D92C6-8ADC-4806-BC55-A75E6623F3AA}"/>
-              </a:ext>
-            </a:extLst>
-          </p:cNvPr>
+          <p:cNvPr id="3" name="Imagem 2"/>
           <p:cNvPicPr>
             <a:picLocks noChangeAspect="1"/>
           </p:cNvPicPr>
           <p:nvPr/>
         </p:nvPicPr>
         <p:blipFill>
-          <a:blip r:embed="rId3" cstate="print">
-            <a:extLst>
-              <a:ext uri="{28A0092B-C50C-407E-A947-70E740481C1C}">
-                <a14:useLocalDpi xmlns:a14="http://schemas.microsoft.com/office/drawing/2010/main" val="0"/>
-              </a:ext>
-            </a:extLst>
-          </a:blip>
+          <a:blip r:embed="rId3"/>
           <a:stretch>
             <a:fillRect/>
           </a:stretch>
         </p:blipFill>
         <p:spPr>
           <a:xfrm>
-            <a:off x="1036125" y="979821"/>
-            <a:ext cx="10119749" cy="5878179"/>
+            <a:off x="1842473" y="1165546"/>
+            <a:ext cx="8891789" cy="4327337"/>
           </a:xfrm>
           <a:prstGeom prst="rect">
             <a:avLst/>
@@ -10503,7 +10994,7 @@
     </p:spTree>
     <p:extLst>
       <p:ext uri="{BB962C8B-B14F-4D97-AF65-F5344CB8AC3E}">
-        <p14:creationId xmlns:p14="http://schemas.microsoft.com/office/powerpoint/2010/main" val="1994396839"/>
+        <p14:creationId xmlns:p14="http://schemas.microsoft.com/office/powerpoint/2010/main" val="3553014712"/>
       </p:ext>
     </p:extLst>
   </p:cSld>
@@ -10594,7 +11085,7 @@
                                           </p:stCondLst>
                                         </p:cTn>
                                         <p:tgtEl>
-                                          <p:spTgt spid="5"/>
+                                          <p:spTgt spid="4"/>
                                         </p:tgtEl>
                                         <p:attrNameLst>
                                           <p:attrName>style.visibility</p:attrName>
@@ -10608,7 +11099,7 @@
                                       <p:cBhvr>
                                         <p:cTn id="10" dur="500"/>
                                         <p:tgtEl>
-                                          <p:spTgt spid="5"/>
+                                          <p:spTgt spid="4"/>
                                         </p:tgtEl>
                                       </p:cBhvr>
                                     </p:animEffect>
@@ -10618,7 +11109,7 @@
                               <p:par>
                                 <p:cTn id="11" presetID="10" presetClass="entr" presetSubtype="0" fill="hold" nodeType="withEffect">
                                   <p:stCondLst>
-                                    <p:cond delay="250"/>
+                                    <p:cond delay="0"/>
                                   </p:stCondLst>
                                   <p:childTnLst>
                                     <p:set>
@@ -10644,6 +11135,41 @@
                                         <p:cTn id="13" dur="500"/>
                                         <p:tgtEl>
                                           <p:spTgt spid="2"/>
+                                        </p:tgtEl>
+                                      </p:cBhvr>
+                                    </p:animEffect>
+                                  </p:childTnLst>
+                                </p:cTn>
+                              </p:par>
+                              <p:par>
+                                <p:cTn id="14" presetID="10" presetClass="entr" presetSubtype="0" fill="hold" nodeType="withEffect">
+                                  <p:stCondLst>
+                                    <p:cond delay="0"/>
+                                  </p:stCondLst>
+                                  <p:childTnLst>
+                                    <p:set>
+                                      <p:cBhvr>
+                                        <p:cTn id="15" dur="1" fill="hold">
+                                          <p:stCondLst>
+                                            <p:cond delay="0"/>
+                                          </p:stCondLst>
+                                        </p:cTn>
+                                        <p:tgtEl>
+                                          <p:spTgt spid="3"/>
+                                        </p:tgtEl>
+                                        <p:attrNameLst>
+                                          <p:attrName>style.visibility</p:attrName>
+                                        </p:attrNameLst>
+                                      </p:cBhvr>
+                                      <p:to>
+                                        <p:strVal val="visible"/>
+                                      </p:to>
+                                    </p:set>
+                                    <p:animEffect transition="in" filter="fade">
+                                      <p:cBhvr>
+                                        <p:cTn id="16" dur="500"/>
+                                        <p:tgtEl>
+                                          <p:spTgt spid="3"/>
                                         </p:tgtEl>
                                       </p:cBhvr>
                                     </p:animEffect>

--- a/Documentação/Slide Final.pptx
+++ b/Documentação/Slide Final.pptx
@@ -17,7 +17,6 @@
     <p:sldId id="311" r:id="rId11"/>
     <p:sldId id="284" r:id="rId12"/>
     <p:sldId id="292" r:id="rId13"/>
-    <p:sldId id="305" r:id="rId14"/>
   </p:sldIdLst>
   <p:sldSz cx="12192000" cy="6858000"/>
   <p:notesSz cx="6858000" cy="9144000"/>
@@ -3417,10 +3416,10 @@
       </p:cxnSp>
       <p:pic>
         <p:nvPicPr>
-          <p:cNvPr id="8" name="Imagem 7" descr="Uma imagem contendo Linha do tempo&#10;&#10;Descrição gerada automaticamente">
+          <p:cNvPr id="4" name="Imagem 3" descr="Uma imagem contendo Linha do tempo&#10;&#10;Descrição gerada automaticamente">
             <a:extLst>
               <a:ext uri="{FF2B5EF4-FFF2-40B4-BE49-F238E27FC236}">
-                <a16:creationId xmlns:a16="http://schemas.microsoft.com/office/drawing/2014/main" id="{886D92C6-8ADC-4806-BC55-A75E6623F3AA}"/>
+                <a16:creationId xmlns:a16="http://schemas.microsoft.com/office/drawing/2014/main" id="{E0182717-99D8-4493-A2B2-F124D2F9CB2B}"/>
               </a:ext>
             </a:extLst>
           </p:cNvPr>
@@ -3443,8 +3442,8 @@
         </p:blipFill>
         <p:spPr>
           <a:xfrm>
-            <a:off x="1036125" y="979821"/>
-            <a:ext cx="10119749" cy="5878179"/>
+            <a:off x="939974" y="838200"/>
+            <a:ext cx="10365972" cy="6082424"/>
           </a:xfrm>
           <a:prstGeom prst="rect">
             <a:avLst/>
@@ -4556,431 +4555,6 @@
                                         <p:cTn id="16" dur="500"/>
                                         <p:tgtEl>
                                           <p:spTgt spid="2"/>
-                                        </p:tgtEl>
-                                      </p:cBhvr>
-                                    </p:animEffect>
-                                  </p:childTnLst>
-                                </p:cTn>
-                              </p:par>
-                            </p:childTnLst>
-                          </p:cTn>
-                        </p:par>
-                      </p:childTnLst>
-                    </p:cTn>
-                  </p:par>
-                </p:childTnLst>
-              </p:cTn>
-              <p:prevCondLst>
-                <p:cond evt="onPrev" delay="0">
-                  <p:tgtEl>
-                    <p:sldTgt/>
-                  </p:tgtEl>
-                </p:cond>
-              </p:prevCondLst>
-              <p:nextCondLst>
-                <p:cond evt="onNext" delay="0">
-                  <p:tgtEl>
-                    <p:sldTgt/>
-                  </p:tgtEl>
-                </p:cond>
-              </p:nextCondLst>
-            </p:seq>
-          </p:childTnLst>
-        </p:cTn>
-      </p:par>
-    </p:tnLst>
-    <p:bldLst>
-      <p:bldP spid="7" grpId="0"/>
-    </p:bldLst>
-  </p:timing>
-</p:sld>
-</file>
-
-<file path=ppt/slides/slide13.xml><?xml version="1.0" encoding="utf-8"?>
-<p:sld xmlns:a="http://schemas.openxmlformats.org/drawingml/2006/main" xmlns:r="http://schemas.openxmlformats.org/officeDocument/2006/relationships" xmlns:p="http://schemas.openxmlformats.org/presentationml/2006/main">
-  <p:cSld>
-    <p:spTree>
-      <p:nvGrpSpPr>
-        <p:cNvPr id="1" name=""/>
-        <p:cNvGrpSpPr/>
-        <p:nvPr/>
-      </p:nvGrpSpPr>
-      <p:grpSpPr>
-        <a:xfrm>
-          <a:off x="0" y="0"/>
-          <a:ext cx="0" cy="0"/>
-          <a:chOff x="0" y="0"/>
-          <a:chExt cx="0" cy="0"/>
-        </a:xfrm>
-      </p:grpSpPr>
-      <p:sp>
-        <p:nvSpPr>
-          <p:cNvPr id="7" name="Título 1">
-            <a:extLst>
-              <a:ext uri="{FF2B5EF4-FFF2-40B4-BE49-F238E27FC236}">
-                <a16:creationId xmlns:a16="http://schemas.microsoft.com/office/drawing/2014/main" id="{99F76FBE-1BC2-4EE6-B90A-22263BF7BDCD}"/>
-              </a:ext>
-            </a:extLst>
-          </p:cNvPr>
-          <p:cNvSpPr txBox="1">
-            <a:spLocks/>
-          </p:cNvSpPr>
-          <p:nvPr/>
-        </p:nvSpPr>
-        <p:spPr>
-          <a:xfrm>
-            <a:off x="824948" y="221623"/>
-            <a:ext cx="10515600" cy="1325563"/>
-          </a:xfrm>
-          <a:prstGeom prst="rect">
-            <a:avLst/>
-          </a:prstGeom>
-        </p:spPr>
-        <p:txBody>
-          <a:bodyPr vert="horz" lIns="91440" tIns="45720" rIns="91440" bIns="45720" rtlCol="0" anchor="ctr">
-            <a:normAutofit/>
-          </a:bodyPr>
-          <a:lstStyle>
-            <a:lvl1pPr algn="l" defTabSz="914400" rtl="0" eaLnBrk="1" latinLnBrk="0" hangingPunct="1">
-              <a:lnSpc>
-                <a:spcPct val="90000"/>
-              </a:lnSpc>
-              <a:spcBef>
-                <a:spcPct val="0"/>
-              </a:spcBef>
-              <a:buNone/>
-              <a:defRPr sz="4400" kern="1200">
-                <a:solidFill>
-                  <a:schemeClr val="tx1"/>
-                </a:solidFill>
-                <a:latin typeface="+mj-lt"/>
-                <a:ea typeface="+mj-ea"/>
-                <a:cs typeface="+mj-cs"/>
-              </a:defRPr>
-            </a:lvl1pPr>
-          </a:lstStyle>
-          <a:p>
-            <a:pPr algn="ctr"/>
-            <a:r>
-              <a:rPr lang="pt-BR" dirty="0">
-                <a:solidFill>
-                  <a:schemeClr val="tx1">
-                    <a:lumMod val="75000"/>
-                    <a:lumOff val="25000"/>
-                  </a:schemeClr>
-                </a:solidFill>
-                <a:latin typeface="Bariol Bold" panose="02000506040000020003" pitchFamily="2" charset="0"/>
-              </a:rPr>
-              <a:t>Agradecimentos</a:t>
-            </a:r>
-          </a:p>
-        </p:txBody>
-      </p:sp>
-      <p:pic>
-        <p:nvPicPr>
-          <p:cNvPr id="3" name="Picture 2">
-            <a:extLst>
-              <a:ext uri="{FF2B5EF4-FFF2-40B4-BE49-F238E27FC236}">
-                <a16:creationId xmlns:a16="http://schemas.microsoft.com/office/drawing/2014/main" id="{A5E95E14-1174-4815-814A-3FB16E71EF46}"/>
-              </a:ext>
-            </a:extLst>
-          </p:cNvPr>
-          <p:cNvPicPr>
-            <a:picLocks noChangeAspect="1" noChangeArrowheads="1"/>
-          </p:cNvPicPr>
-          <p:nvPr/>
-        </p:nvPicPr>
-        <p:blipFill>
-          <a:blip r:embed="rId2" cstate="print">
-            <a:extLst>
-              <a:ext uri="{28A0092B-C50C-407E-A947-70E740481C1C}">
-                <a14:useLocalDpi xmlns:a14="http://schemas.microsoft.com/office/drawing/2010/main" val="0"/>
-              </a:ext>
-            </a:extLst>
-          </a:blip>
-          <a:srcRect/>
-          <a:stretch>
-            <a:fillRect/>
-          </a:stretch>
-        </p:blipFill>
-        <p:spPr bwMode="auto">
-          <a:xfrm>
-            <a:off x="10734262" y="6232246"/>
-            <a:ext cx="1143368" cy="473355"/>
-          </a:xfrm>
-          <a:prstGeom prst="rect">
-            <a:avLst/>
-          </a:prstGeom>
-          <a:noFill/>
-          <a:extLst>
-            <a:ext uri="{909E8E84-426E-40DD-AFC4-6F175D3DCCD1}">
-              <a14:hiddenFill xmlns:a14="http://schemas.microsoft.com/office/drawing/2010/main">
-                <a:solidFill>
-                  <a:srgbClr val="FFFFFF"/>
-                </a:solidFill>
-              </a14:hiddenFill>
-            </a:ext>
-          </a:extLst>
-        </p:spPr>
-      </p:pic>
-      <p:cxnSp>
-        <p:nvCxnSpPr>
-          <p:cNvPr id="6" name="Straight Arrow Connector 1">
-            <a:extLst>
-              <a:ext uri="{FF2B5EF4-FFF2-40B4-BE49-F238E27FC236}">
-                <a16:creationId xmlns:a16="http://schemas.microsoft.com/office/drawing/2014/main" id="{EF317FC1-ACAE-4693-9AF7-C538ED9B538A}"/>
-              </a:ext>
-            </a:extLst>
-          </p:cNvPr>
-          <p:cNvCxnSpPr>
-            <a:cxnSpLocks/>
-          </p:cNvCxnSpPr>
-          <p:nvPr/>
-        </p:nvCxnSpPr>
-        <p:spPr>
-          <a:xfrm>
-            <a:off x="4015409" y="1162050"/>
-            <a:ext cx="4041913" cy="0"/>
-          </a:xfrm>
-          <a:prstGeom prst="straightConnector1">
-            <a:avLst/>
-          </a:prstGeom>
-          <a:ln>
-            <a:solidFill>
-              <a:srgbClr val="C00000"/>
-            </a:solidFill>
-          </a:ln>
-        </p:spPr>
-        <p:style>
-          <a:lnRef idx="3">
-            <a:schemeClr val="dk1"/>
-          </a:lnRef>
-          <a:fillRef idx="0">
-            <a:schemeClr val="dk1"/>
-          </a:fillRef>
-          <a:effectRef idx="2">
-            <a:schemeClr val="dk1"/>
-          </a:effectRef>
-          <a:fontRef idx="minor">
-            <a:schemeClr val="tx1"/>
-          </a:fontRef>
-        </p:style>
-      </p:cxnSp>
-      <p:pic>
-        <p:nvPicPr>
-          <p:cNvPr id="9" name="Imagem 8" descr="Uma imagem contendo Forma&#10;&#10;Descrição gerada automaticamente">
-            <a:extLst>
-              <a:ext uri="{FF2B5EF4-FFF2-40B4-BE49-F238E27FC236}">
-                <a16:creationId xmlns:a16="http://schemas.microsoft.com/office/drawing/2014/main" id="{F9A05994-78FE-4D44-8869-63AEC7F7C2B6}"/>
-              </a:ext>
-            </a:extLst>
-          </p:cNvPr>
-          <p:cNvPicPr>
-            <a:picLocks noChangeAspect="1"/>
-          </p:cNvPicPr>
-          <p:nvPr/>
-        </p:nvPicPr>
-        <p:blipFill>
-          <a:blip r:embed="rId3">
-            <a:extLst>
-              <a:ext uri="{28A0092B-C50C-407E-A947-70E740481C1C}">
-                <a14:useLocalDpi xmlns:a14="http://schemas.microsoft.com/office/drawing/2010/main" val="0"/>
-              </a:ext>
-            </a:extLst>
-          </a:blip>
-          <a:stretch>
-            <a:fillRect/>
-          </a:stretch>
-        </p:blipFill>
-        <p:spPr>
-          <a:xfrm>
-            <a:off x="2891620" y="1547186"/>
-            <a:ext cx="6408760" cy="4798217"/>
-          </a:xfrm>
-          <a:prstGeom prst="rect">
-            <a:avLst/>
-          </a:prstGeom>
-        </p:spPr>
-      </p:pic>
-    </p:spTree>
-    <p:extLst>
-      <p:ext uri="{BB962C8B-B14F-4D97-AF65-F5344CB8AC3E}">
-        <p14:creationId xmlns:p14="http://schemas.microsoft.com/office/powerpoint/2010/main" val="1191147785"/>
-      </p:ext>
-    </p:extLst>
-  </p:cSld>
-  <p:clrMapOvr>
-    <a:masterClrMapping/>
-  </p:clrMapOvr>
-  <mc:AlternateContent xmlns:mc="http://schemas.openxmlformats.org/markup-compatibility/2006" xmlns:p14="http://schemas.microsoft.com/office/powerpoint/2010/main">
-    <mc:Choice Requires="p14">
-      <p:transition spd="med" p14:dur="700">
-        <p:fade/>
-      </p:transition>
-    </mc:Choice>
-    <mc:Fallback xmlns="">
-      <p:transition spd="med">
-        <p:fade/>
-      </p:transition>
-    </mc:Fallback>
-  </mc:AlternateContent>
-  <p:timing>
-    <p:tnLst>
-      <p:par>
-        <p:cTn id="1" dur="indefinite" restart="never" nodeType="tmRoot">
-          <p:childTnLst>
-            <p:seq concurrent="1" nextAc="seek">
-              <p:cTn id="2" dur="indefinite" nodeType="mainSeq">
-                <p:childTnLst>
-                  <p:par>
-                    <p:cTn id="3" fill="hold">
-                      <p:stCondLst>
-                        <p:cond delay="indefinite"/>
-                        <p:cond evt="onBegin" delay="0">
-                          <p:tn val="2"/>
-                        </p:cond>
-                      </p:stCondLst>
-                      <p:childTnLst>
-                        <p:par>
-                          <p:cTn id="4" fill="hold">
-                            <p:stCondLst>
-                              <p:cond delay="0"/>
-                            </p:stCondLst>
-                            <p:childTnLst>
-                              <p:par>
-                                <p:cTn id="5" presetID="10" presetClass="entr" presetSubtype="0" fill="hold" grpId="0" nodeType="afterEffect">
-                                  <p:stCondLst>
-                                    <p:cond delay="0"/>
-                                  </p:stCondLst>
-                                  <p:childTnLst>
-                                    <p:set>
-                                      <p:cBhvr>
-                                        <p:cTn id="6" dur="1" fill="hold">
-                                          <p:stCondLst>
-                                            <p:cond delay="0"/>
-                                          </p:stCondLst>
-                                        </p:cTn>
-                                        <p:tgtEl>
-                                          <p:spTgt spid="7"/>
-                                        </p:tgtEl>
-                                        <p:attrNameLst>
-                                          <p:attrName>style.visibility</p:attrName>
-                                        </p:attrNameLst>
-                                      </p:cBhvr>
-                                      <p:to>
-                                        <p:strVal val="visible"/>
-                                      </p:to>
-                                    </p:set>
-                                    <p:animEffect transition="in" filter="fade">
-                                      <p:cBhvr>
-                                        <p:cTn id="7" dur="500"/>
-                                        <p:tgtEl>
-                                          <p:spTgt spid="7"/>
-                                        </p:tgtEl>
-                                      </p:cBhvr>
-                                    </p:animEffect>
-                                  </p:childTnLst>
-                                </p:cTn>
-                              </p:par>
-                              <p:par>
-                                <p:cTn id="8" presetID="10" presetClass="entr" presetSubtype="0" fill="hold" nodeType="withEffect">
-                                  <p:stCondLst>
-                                    <p:cond delay="0"/>
-                                  </p:stCondLst>
-                                  <p:childTnLst>
-                                    <p:set>
-                                      <p:cBhvr>
-                                        <p:cTn id="9" dur="1" fill="hold">
-                                          <p:stCondLst>
-                                            <p:cond delay="0"/>
-                                          </p:stCondLst>
-                                        </p:cTn>
-                                        <p:tgtEl>
-                                          <p:spTgt spid="3"/>
-                                        </p:tgtEl>
-                                        <p:attrNameLst>
-                                          <p:attrName>style.visibility</p:attrName>
-                                        </p:attrNameLst>
-                                      </p:cBhvr>
-                                      <p:to>
-                                        <p:strVal val="visible"/>
-                                      </p:to>
-                                    </p:set>
-                                    <p:animEffect transition="in" filter="fade">
-                                      <p:cBhvr>
-                                        <p:cTn id="10" dur="500"/>
-                                        <p:tgtEl>
-                                          <p:spTgt spid="3"/>
-                                        </p:tgtEl>
-                                      </p:cBhvr>
-                                    </p:animEffect>
-                                  </p:childTnLst>
-                                </p:cTn>
-                              </p:par>
-                              <p:par>
-                                <p:cTn id="11" presetID="10" presetClass="entr" presetSubtype="0" fill="hold" nodeType="withEffect">
-                                  <p:stCondLst>
-                                    <p:cond delay="0"/>
-                                  </p:stCondLst>
-                                  <p:childTnLst>
-                                    <p:set>
-                                      <p:cBhvr>
-                                        <p:cTn id="12" dur="1" fill="hold">
-                                          <p:stCondLst>
-                                            <p:cond delay="0"/>
-                                          </p:stCondLst>
-                                        </p:cTn>
-                                        <p:tgtEl>
-                                          <p:spTgt spid="6"/>
-                                        </p:tgtEl>
-                                        <p:attrNameLst>
-                                          <p:attrName>style.visibility</p:attrName>
-                                        </p:attrNameLst>
-                                      </p:cBhvr>
-                                      <p:to>
-                                        <p:strVal val="visible"/>
-                                      </p:to>
-                                    </p:set>
-                                    <p:animEffect transition="in" filter="fade">
-                                      <p:cBhvr>
-                                        <p:cTn id="13" dur="500"/>
-                                        <p:tgtEl>
-                                          <p:spTgt spid="6"/>
-                                        </p:tgtEl>
-                                      </p:cBhvr>
-                                    </p:animEffect>
-                                  </p:childTnLst>
-                                </p:cTn>
-                              </p:par>
-                              <p:par>
-                                <p:cTn id="14" presetID="10" presetClass="entr" presetSubtype="0" fill="hold" nodeType="withEffect">
-                                  <p:stCondLst>
-                                    <p:cond delay="0"/>
-                                  </p:stCondLst>
-                                  <p:childTnLst>
-                                    <p:set>
-                                      <p:cBhvr>
-                                        <p:cTn id="15" dur="1" fill="hold">
-                                          <p:stCondLst>
-                                            <p:cond delay="0"/>
-                                          </p:stCondLst>
-                                        </p:cTn>
-                                        <p:tgtEl>
-                                          <p:spTgt spid="9"/>
-                                        </p:tgtEl>
-                                        <p:attrNameLst>
-                                          <p:attrName>style.visibility</p:attrName>
-                                        </p:attrNameLst>
-                                      </p:cBhvr>
-                                      <p:to>
-                                        <p:strVal val="visible"/>
-                                      </p:to>
-                                    </p:set>
-                                    <p:animEffect transition="in" filter="fade">
-                                      <p:cBhvr>
-                                        <p:cTn id="16" dur="500"/>
-                                        <p:tgtEl>
-                                          <p:spTgt spid="9"/>
                                         </p:tgtEl>
                                       </p:cBhvr>
                                     </p:animEffect>

--- a/Documentação/Slide Final.pptx
+++ b/Documentação/Slide Final.pptx
@@ -9,7 +9,7 @@
     <p:sldId id="286" r:id="rId3"/>
     <p:sldId id="289" r:id="rId4"/>
     <p:sldId id="299" r:id="rId5"/>
-    <p:sldId id="312" r:id="rId6"/>
+    <p:sldId id="267" r:id="rId6"/>
     <p:sldId id="291" r:id="rId7"/>
     <p:sldId id="313" r:id="rId8"/>
     <p:sldId id="285" r:id="rId9"/>
@@ -3277,8 +3277,8 @@
         </p:nvSpPr>
         <p:spPr>
           <a:xfrm>
-            <a:off x="838200" y="-19310"/>
-            <a:ext cx="10515600" cy="1213142"/>
+            <a:off x="14444" y="-86138"/>
+            <a:ext cx="4648200" cy="924338"/>
           </a:xfrm>
           <a:prstGeom prst="rect">
             <a:avLst/>
@@ -3310,7 +3310,7 @@
           <a:p>
             <a:pPr algn="ctr"/>
             <a:r>
-              <a:rPr lang="pt-BR" dirty="0">
+              <a:rPr lang="pt-BR" sz="4000" dirty="0">
                 <a:solidFill>
                   <a:schemeClr val="tx1">
                     <a:lumMod val="75000"/>
@@ -3387,8 +3387,8 @@
         </p:nvCxnSpPr>
         <p:spPr>
           <a:xfrm>
-            <a:off x="3737113" y="838200"/>
-            <a:ext cx="4717774" cy="0"/>
+            <a:off x="145774" y="599660"/>
+            <a:ext cx="4346713" cy="0"/>
           </a:xfrm>
           <a:prstGeom prst="straightConnector1">
             <a:avLst/>
@@ -3442,8 +3442,8 @@
         </p:blipFill>
         <p:spPr>
           <a:xfrm>
-            <a:off x="939974" y="838200"/>
-            <a:ext cx="10365972" cy="6082424"/>
+            <a:off x="358478" y="33131"/>
+            <a:ext cx="11687748" cy="6858000"/>
           </a:xfrm>
           <a:prstGeom prst="rect">
             <a:avLst/>
@@ -3600,6 +3600,41 @@
                                   </p:childTnLst>
                                 </p:cTn>
                               </p:par>
+                              <p:par>
+                                <p:cTn id="14" presetID="10" presetClass="entr" presetSubtype="0" fill="hold" nodeType="withEffect">
+                                  <p:stCondLst>
+                                    <p:cond delay="250"/>
+                                  </p:stCondLst>
+                                  <p:childTnLst>
+                                    <p:set>
+                                      <p:cBhvr>
+                                        <p:cTn id="15" dur="1" fill="hold">
+                                          <p:stCondLst>
+                                            <p:cond delay="0"/>
+                                          </p:stCondLst>
+                                        </p:cTn>
+                                        <p:tgtEl>
+                                          <p:spTgt spid="4"/>
+                                        </p:tgtEl>
+                                        <p:attrNameLst>
+                                          <p:attrName>style.visibility</p:attrName>
+                                        </p:attrNameLst>
+                                      </p:cBhvr>
+                                      <p:to>
+                                        <p:strVal val="visible"/>
+                                      </p:to>
+                                    </p:set>
+                                    <p:animEffect transition="in" filter="fade">
+                                      <p:cBhvr>
+                                        <p:cTn id="16" dur="500"/>
+                                        <p:tgtEl>
+                                          <p:spTgt spid="4"/>
+                                        </p:tgtEl>
+                                      </p:cBhvr>
+                                    </p:animEffect>
+                                  </p:childTnLst>
+                                </p:cTn>
+                              </p:par>
                             </p:childTnLst>
                           </p:cTn>
                         </p:par>
@@ -3651,6 +3686,53 @@
           <a:chExt cx="0" cy="0"/>
         </a:xfrm>
       </p:grpSpPr>
+      <p:pic>
+        <p:nvPicPr>
+          <p:cNvPr id="1028" name="Picture 4">
+            <a:extLst>
+              <a:ext uri="{FF2B5EF4-FFF2-40B4-BE49-F238E27FC236}">
+                <a16:creationId xmlns:a16="http://schemas.microsoft.com/office/drawing/2014/main" id="{D486DB72-9271-4222-88AB-584AAE7FC296}"/>
+              </a:ext>
+            </a:extLst>
+          </p:cNvPr>
+          <p:cNvPicPr>
+            <a:picLocks noChangeAspect="1" noChangeArrowheads="1"/>
+          </p:cNvPicPr>
+          <p:nvPr/>
+        </p:nvPicPr>
+        <p:blipFill>
+          <a:blip r:embed="rId2">
+            <a:extLst>
+              <a:ext uri="{28A0092B-C50C-407E-A947-70E740481C1C}">
+                <a14:useLocalDpi xmlns:a14="http://schemas.microsoft.com/office/drawing/2010/main" val="0"/>
+              </a:ext>
+            </a:extLst>
+          </a:blip>
+          <a:srcRect/>
+          <a:stretch>
+            <a:fillRect/>
+          </a:stretch>
+        </p:blipFill>
+        <p:spPr bwMode="auto">
+          <a:xfrm>
+            <a:off x="1702904" y="119841"/>
+            <a:ext cx="9090992" cy="6738159"/>
+          </a:xfrm>
+          <a:prstGeom prst="rect">
+            <a:avLst/>
+          </a:prstGeom>
+          <a:noFill/>
+          <a:extLst>
+            <a:ext uri="{909E8E84-426E-40DD-AFC4-6F175D3DCCD1}">
+              <a14:hiddenFill xmlns:a14="http://schemas.microsoft.com/office/drawing/2010/main">
+                <a:solidFill>
+                  <a:srgbClr val="FFFFFF"/>
+                </a:solidFill>
+              </a14:hiddenFill>
+            </a:ext>
+          </a:extLst>
+        </p:spPr>
+      </p:pic>
       <p:cxnSp>
         <p:nvCxnSpPr>
           <p:cNvPr id="4" name="Straight Arrow Connector 3">
@@ -3665,7 +3747,7 @@
         </p:nvCxnSpPr>
         <p:spPr>
           <a:xfrm>
-            <a:off x="4238625" y="895350"/>
+            <a:off x="4591257" y="656808"/>
             <a:ext cx="3705225" cy="0"/>
           </a:xfrm>
           <a:prstGeom prst="straightConnector1">
@@ -3708,8 +3790,8 @@
         </p:nvSpPr>
         <p:spPr>
           <a:xfrm>
-            <a:off x="838199" y="0"/>
-            <a:ext cx="10515600" cy="1325563"/>
+            <a:off x="1186070" y="0"/>
+            <a:ext cx="10515600" cy="874638"/>
           </a:xfrm>
           <a:prstGeom prst="rect">
             <a:avLst/>
@@ -3770,7 +3852,7 @@
           <p:nvPr/>
         </p:nvPicPr>
         <p:blipFill>
-          <a:blip r:embed="rId2" cstate="print">
+          <a:blip r:embed="rId3" cstate="print">
             <a:extLst>
               <a:ext uri="{28A0092B-C50C-407E-A947-70E740481C1C}">
                 <a14:useLocalDpi xmlns:a14="http://schemas.microsoft.com/office/drawing/2010/main" val="0"/>
@@ -3800,42 +3882,6 @@
               </a14:hiddenFill>
             </a:ext>
           </a:extLst>
-        </p:spPr>
-      </p:pic>
-      <p:pic>
-        <p:nvPicPr>
-          <p:cNvPr id="5" name="Imagem 4" descr="Desenho de uma pessoa&#10;&#10;Descrição gerada automaticamente">
-            <a:extLst>
-              <a:ext uri="{FF2B5EF4-FFF2-40B4-BE49-F238E27FC236}">
-                <a16:creationId xmlns:a16="http://schemas.microsoft.com/office/drawing/2014/main" id="{65B6D792-5394-44C7-88F8-DC482A934804}"/>
-              </a:ext>
-            </a:extLst>
-          </p:cNvPr>
-          <p:cNvPicPr>
-            <a:picLocks noChangeAspect="1"/>
-          </p:cNvPicPr>
-          <p:nvPr/>
-        </p:nvPicPr>
-        <p:blipFill>
-          <a:blip r:embed="rId3" cstate="print">
-            <a:extLst>
-              <a:ext uri="{28A0092B-C50C-407E-A947-70E740481C1C}">
-                <a14:useLocalDpi xmlns:a14="http://schemas.microsoft.com/office/drawing/2010/main" val="0"/>
-              </a:ext>
-            </a:extLst>
-          </a:blip>
-          <a:stretch>
-            <a:fillRect/>
-          </a:stretch>
-        </p:blipFill>
-        <p:spPr>
-          <a:xfrm>
-            <a:off x="314370" y="4245753"/>
-            <a:ext cx="3084827" cy="2223170"/>
-          </a:xfrm>
-          <a:prstGeom prst="rect">
-            <a:avLst/>
-          </a:prstGeom>
         </p:spPr>
       </p:pic>
       <p:sp>
@@ -3883,41 +3929,6 @@
           </a:p>
         </p:txBody>
       </p:sp>
-      <p:pic>
-        <p:nvPicPr>
-          <p:cNvPr id="10" name="Imagem 9" descr="Diagrama&#10;&#10;Descrição gerada automaticamente">
-            <a:extLst>
-              <a:ext uri="{FF2B5EF4-FFF2-40B4-BE49-F238E27FC236}">
-                <a16:creationId xmlns:a16="http://schemas.microsoft.com/office/drawing/2014/main" id="{EC31F9B0-BA3A-445B-901B-FC2332FEF663}"/>
-              </a:ext>
-            </a:extLst>
-          </p:cNvPr>
-          <p:cNvPicPr>
-            <a:picLocks noChangeAspect="1"/>
-          </p:cNvPicPr>
-          <p:nvPr/>
-        </p:nvPicPr>
-        <p:blipFill rotWithShape="1">
-          <a:blip r:embed="rId4">
-            <a:extLst>
-              <a:ext uri="{28A0092B-C50C-407E-A947-70E740481C1C}">
-                <a14:useLocalDpi xmlns:a14="http://schemas.microsoft.com/office/drawing/2010/main" val="0"/>
-              </a:ext>
-            </a:extLst>
-          </a:blip>
-          <a:srcRect t="488"/>
-          <a:stretch/>
-        </p:blipFill>
-        <p:spPr>
-          <a:xfrm>
-            <a:off x="3021496" y="1263653"/>
-            <a:ext cx="6705600" cy="5260624"/>
-          </a:xfrm>
-          <a:prstGeom prst="rect">
-            <a:avLst/>
-          </a:prstGeom>
-        </p:spPr>
-      </p:pic>
     </p:spTree>
     <p:extLst>
       <p:ext uri="{BB962C8B-B14F-4D97-AF65-F5344CB8AC3E}">
@@ -4047,7 +4058,7 @@
                                           </p:stCondLst>
                                         </p:cTn>
                                         <p:tgtEl>
-                                          <p:spTgt spid="5"/>
+                                          <p:spTgt spid="4"/>
                                         </p:tgtEl>
                                         <p:attrNameLst>
                                           <p:attrName>style.visibility</p:attrName>
@@ -4061,7 +4072,7 @@
                                       <p:cBhvr>
                                         <p:cTn id="13" dur="500"/>
                                         <p:tgtEl>
-                                          <p:spTgt spid="5"/>
+                                          <p:spTgt spid="4"/>
                                         </p:tgtEl>
                                       </p:cBhvr>
                                     </p:animEffect>
@@ -4082,7 +4093,7 @@
                                           </p:stCondLst>
                                         </p:cTn>
                                         <p:tgtEl>
-                                          <p:spTgt spid="4"/>
+                                          <p:spTgt spid="1028"/>
                                         </p:tgtEl>
                                         <p:attrNameLst>
                                           <p:attrName>style.visibility</p:attrName>
@@ -4096,42 +4107,7 @@
                                       <p:cBhvr>
                                         <p:cTn id="16" dur="500"/>
                                         <p:tgtEl>
-                                          <p:spTgt spid="4"/>
-                                        </p:tgtEl>
-                                      </p:cBhvr>
-                                    </p:animEffect>
-                                  </p:childTnLst>
-                                </p:cTn>
-                              </p:par>
-                              <p:par>
-                                <p:cTn id="17" presetID="10" presetClass="entr" presetSubtype="0" fill="hold" nodeType="withEffect">
-                                  <p:stCondLst>
-                                    <p:cond delay="250"/>
-                                  </p:stCondLst>
-                                  <p:childTnLst>
-                                    <p:set>
-                                      <p:cBhvr>
-                                        <p:cTn id="18" dur="1" fill="hold">
-                                          <p:stCondLst>
-                                            <p:cond delay="0"/>
-                                          </p:stCondLst>
-                                        </p:cTn>
-                                        <p:tgtEl>
-                                          <p:spTgt spid="10"/>
-                                        </p:tgtEl>
-                                        <p:attrNameLst>
-                                          <p:attrName>style.visibility</p:attrName>
-                                        </p:attrNameLst>
-                                      </p:cBhvr>
-                                      <p:to>
-                                        <p:strVal val="visible"/>
-                                      </p:to>
-                                    </p:set>
-                                    <p:animEffect transition="in" filter="fade">
-                                      <p:cBhvr>
-                                        <p:cTn id="19" dur="500"/>
-                                        <p:tgtEl>
-                                          <p:spTgt spid="10"/>
+                                          <p:spTgt spid="1028"/>
                                         </p:tgtEl>
                                       </p:cBhvr>
                                     </p:animEffect>
@@ -7274,12 +7250,1529 @@
           <a:chExt cx="0" cy="0"/>
         </a:xfrm>
       </p:grpSpPr>
+      <p:pic>
+        <p:nvPicPr>
+          <p:cNvPr id="32" name="Imagem 31" descr="Ícone&#10;&#10;Descrição gerada automaticamente">
+            <a:extLst>
+              <a:ext uri="{FF2B5EF4-FFF2-40B4-BE49-F238E27FC236}">
+                <a16:creationId xmlns:a16="http://schemas.microsoft.com/office/drawing/2014/main" id="{63AD9E9B-E7CD-43FB-B6D0-A4BA25762E77}"/>
+              </a:ext>
+            </a:extLst>
+          </p:cNvPr>
+          <p:cNvPicPr>
+            <a:picLocks noChangeAspect="1"/>
+          </p:cNvPicPr>
+          <p:nvPr/>
+        </p:nvPicPr>
+        <p:blipFill>
+          <a:blip r:embed="rId2" cstate="print">
+            <a:extLst>
+              <a:ext uri="{28A0092B-C50C-407E-A947-70E740481C1C}">
+                <a14:useLocalDpi xmlns:a14="http://schemas.microsoft.com/office/drawing/2010/main" val="0"/>
+              </a:ext>
+            </a:extLst>
+          </a:blip>
+          <a:stretch>
+            <a:fillRect/>
+          </a:stretch>
+        </p:blipFill>
+        <p:spPr>
+          <a:xfrm>
+            <a:off x="2291561" y="1551058"/>
+            <a:ext cx="760751" cy="737395"/>
+          </a:xfrm>
+          <a:prstGeom prst="rect">
+            <a:avLst/>
+          </a:prstGeom>
+        </p:spPr>
+      </p:pic>
+      <p:pic>
+        <p:nvPicPr>
+          <p:cNvPr id="43" name="Imagem 42" descr="Forma&#10;&#10;Descrição gerada automaticamente">
+            <a:extLst>
+              <a:ext uri="{FF2B5EF4-FFF2-40B4-BE49-F238E27FC236}">
+                <a16:creationId xmlns:a16="http://schemas.microsoft.com/office/drawing/2014/main" id="{02EFC7BC-B3DC-409C-BAC5-710BDBE5CCB2}"/>
+              </a:ext>
+            </a:extLst>
+          </p:cNvPr>
+          <p:cNvPicPr>
+            <a:picLocks noChangeAspect="1"/>
+          </p:cNvPicPr>
+          <p:nvPr/>
+        </p:nvPicPr>
+        <p:blipFill rotWithShape="1">
+          <a:blip r:embed="rId3">
+            <a:extLst>
+              <a:ext uri="{28A0092B-C50C-407E-A947-70E740481C1C}">
+                <a14:useLocalDpi xmlns:a14="http://schemas.microsoft.com/office/drawing/2010/main" val="0"/>
+              </a:ext>
+            </a:extLst>
+          </a:blip>
+          <a:srcRect l="1522" t="2780" r="-356" b="3946"/>
+          <a:stretch/>
+        </p:blipFill>
+        <p:spPr>
+          <a:xfrm>
+            <a:off x="323100" y="780380"/>
+            <a:ext cx="3756136" cy="1965281"/>
+          </a:xfrm>
+          <a:prstGeom prst="rect">
+            <a:avLst/>
+          </a:prstGeom>
+        </p:spPr>
+      </p:pic>
+      <p:pic>
+        <p:nvPicPr>
+          <p:cNvPr id="24" name="Imagem 23" descr="Forma&#10;&#10;Descrição gerada automaticamente">
+            <a:extLst>
+              <a:ext uri="{FF2B5EF4-FFF2-40B4-BE49-F238E27FC236}">
+                <a16:creationId xmlns:a16="http://schemas.microsoft.com/office/drawing/2014/main" id="{5C7DD506-50B1-460C-BA22-4C94A74330EA}"/>
+              </a:ext>
+            </a:extLst>
+          </p:cNvPr>
+          <p:cNvPicPr>
+            <a:picLocks noChangeAspect="1"/>
+          </p:cNvPicPr>
+          <p:nvPr/>
+        </p:nvPicPr>
+        <p:blipFill rotWithShape="1">
+          <a:blip r:embed="rId3">
+            <a:extLst>
+              <a:ext uri="{28A0092B-C50C-407E-A947-70E740481C1C}">
+                <a14:useLocalDpi xmlns:a14="http://schemas.microsoft.com/office/drawing/2010/main" val="0"/>
+              </a:ext>
+            </a:extLst>
+          </a:blip>
+          <a:srcRect l="1522" t="2780" r="-356" b="3946"/>
+          <a:stretch/>
+        </p:blipFill>
+        <p:spPr>
+          <a:xfrm>
+            <a:off x="6451701" y="206514"/>
+            <a:ext cx="5115284" cy="2676413"/>
+          </a:xfrm>
+          <a:prstGeom prst="rect">
+            <a:avLst/>
+          </a:prstGeom>
+        </p:spPr>
+      </p:pic>
+      <p:pic>
+        <p:nvPicPr>
+          <p:cNvPr id="16" name="Imagem 15">
+            <a:extLst>
+              <a:ext uri="{FF2B5EF4-FFF2-40B4-BE49-F238E27FC236}">
+                <a16:creationId xmlns:a16="http://schemas.microsoft.com/office/drawing/2014/main" id="{F080E30E-48F9-44E0-BB36-75BC3D0889E5}"/>
+              </a:ext>
+            </a:extLst>
+          </p:cNvPr>
+          <p:cNvPicPr>
+            <a:picLocks noChangeAspect="1"/>
+          </p:cNvPicPr>
+          <p:nvPr/>
+        </p:nvPicPr>
+        <p:blipFill>
+          <a:blip r:embed="rId4" cstate="print">
+            <a:extLst>
+              <a:ext uri="{28A0092B-C50C-407E-A947-70E740481C1C}">
+                <a14:useLocalDpi xmlns:a14="http://schemas.microsoft.com/office/drawing/2010/main" val="0"/>
+              </a:ext>
+            </a:extLst>
+          </a:blip>
+          <a:stretch>
+            <a:fillRect/>
+          </a:stretch>
+        </p:blipFill>
+        <p:spPr>
+          <a:xfrm>
+            <a:off x="470498" y="4330934"/>
+            <a:ext cx="2944867" cy="2325843"/>
+          </a:xfrm>
+          <a:prstGeom prst="rect">
+            <a:avLst/>
+          </a:prstGeom>
+        </p:spPr>
+      </p:pic>
+      <p:pic>
+        <p:nvPicPr>
+          <p:cNvPr id="91" name="Imagem 90">
+            <a:extLst>
+              <a:ext uri="{FF2B5EF4-FFF2-40B4-BE49-F238E27FC236}">
+                <a16:creationId xmlns:a16="http://schemas.microsoft.com/office/drawing/2014/main" id="{413FCE52-9E42-42C4-8D09-B45934FDA216}"/>
+              </a:ext>
+            </a:extLst>
+          </p:cNvPr>
+          <p:cNvPicPr>
+            <a:picLocks noChangeAspect="1"/>
+          </p:cNvPicPr>
+          <p:nvPr/>
+        </p:nvPicPr>
+        <p:blipFill>
+          <a:blip r:embed="rId5" cstate="print">
+            <a:extLst>
+              <a:ext uri="{28A0092B-C50C-407E-A947-70E740481C1C}">
+                <a14:useLocalDpi xmlns:a14="http://schemas.microsoft.com/office/drawing/2010/main" val="0"/>
+              </a:ext>
+            </a:extLst>
+          </a:blip>
+          <a:stretch>
+            <a:fillRect/>
+          </a:stretch>
+        </p:blipFill>
+        <p:spPr>
+          <a:xfrm>
+            <a:off x="8533752" y="4466536"/>
+            <a:ext cx="2509404" cy="1981917"/>
+          </a:xfrm>
+          <a:prstGeom prst="rect">
+            <a:avLst/>
+          </a:prstGeom>
+        </p:spPr>
+      </p:pic>
+      <p:pic>
+        <p:nvPicPr>
+          <p:cNvPr id="93" name="Imagem 92">
+            <a:extLst>
+              <a:ext uri="{FF2B5EF4-FFF2-40B4-BE49-F238E27FC236}">
+                <a16:creationId xmlns:a16="http://schemas.microsoft.com/office/drawing/2014/main" id="{63E9CCF7-0455-42A7-B3B4-AEC2412E858C}"/>
+              </a:ext>
+            </a:extLst>
+          </p:cNvPr>
+          <p:cNvPicPr>
+            <a:picLocks noChangeAspect="1"/>
+          </p:cNvPicPr>
+          <p:nvPr/>
+        </p:nvPicPr>
+        <p:blipFill>
+          <a:blip r:embed="rId6" cstate="print">
+            <a:extLst>
+              <a:ext uri="{28A0092B-C50C-407E-A947-70E740481C1C}">
+                <a14:useLocalDpi xmlns:a14="http://schemas.microsoft.com/office/drawing/2010/main" val="0"/>
+              </a:ext>
+            </a:extLst>
+          </a:blip>
+          <a:stretch>
+            <a:fillRect/>
+          </a:stretch>
+        </p:blipFill>
+        <p:spPr>
+          <a:xfrm>
+            <a:off x="8276657" y="4401210"/>
+            <a:ext cx="519499" cy="519499"/>
+          </a:xfrm>
+          <a:prstGeom prst="rect">
+            <a:avLst/>
+          </a:prstGeom>
+        </p:spPr>
+      </p:pic>
+      <p:pic>
+        <p:nvPicPr>
+          <p:cNvPr id="94" name="Imagem 93">
+            <a:extLst>
+              <a:ext uri="{FF2B5EF4-FFF2-40B4-BE49-F238E27FC236}">
+                <a16:creationId xmlns:a16="http://schemas.microsoft.com/office/drawing/2014/main" id="{B79F862E-D809-4A78-AAE4-6CF63FB26508}"/>
+              </a:ext>
+            </a:extLst>
+          </p:cNvPr>
+          <p:cNvPicPr>
+            <a:picLocks noChangeAspect="1"/>
+          </p:cNvPicPr>
+          <p:nvPr/>
+        </p:nvPicPr>
+        <p:blipFill>
+          <a:blip r:embed="rId6" cstate="print">
+            <a:extLst>
+              <a:ext uri="{28A0092B-C50C-407E-A947-70E740481C1C}">
+                <a14:useLocalDpi xmlns:a14="http://schemas.microsoft.com/office/drawing/2010/main" val="0"/>
+              </a:ext>
+            </a:extLst>
+          </a:blip>
+          <a:stretch>
+            <a:fillRect/>
+          </a:stretch>
+        </p:blipFill>
+        <p:spPr>
+          <a:xfrm>
+            <a:off x="3158761" y="4244315"/>
+            <a:ext cx="510968" cy="510968"/>
+          </a:xfrm>
+          <a:prstGeom prst="rect">
+            <a:avLst/>
+          </a:prstGeom>
+        </p:spPr>
+      </p:pic>
+      <p:pic>
+        <p:nvPicPr>
+          <p:cNvPr id="97" name="Imagem 96">
+            <a:extLst>
+              <a:ext uri="{FF2B5EF4-FFF2-40B4-BE49-F238E27FC236}">
+                <a16:creationId xmlns:a16="http://schemas.microsoft.com/office/drawing/2014/main" id="{1E1D9264-4478-4D21-90D1-CC0A88EEBE02}"/>
+              </a:ext>
+            </a:extLst>
+          </p:cNvPr>
+          <p:cNvPicPr>
+            <a:picLocks noChangeAspect="1"/>
+          </p:cNvPicPr>
+          <p:nvPr/>
+        </p:nvPicPr>
+        <p:blipFill>
+          <a:blip r:embed="rId6" cstate="print">
+            <a:extLst>
+              <a:ext uri="{28A0092B-C50C-407E-A947-70E740481C1C}">
+                <a14:useLocalDpi xmlns:a14="http://schemas.microsoft.com/office/drawing/2010/main" val="0"/>
+              </a:ext>
+            </a:extLst>
+          </a:blip>
+          <a:stretch>
+            <a:fillRect/>
+          </a:stretch>
+        </p:blipFill>
+        <p:spPr>
+          <a:xfrm>
+            <a:off x="11321896" y="4788111"/>
+            <a:ext cx="381592" cy="381592"/>
+          </a:xfrm>
+          <a:prstGeom prst="rect">
+            <a:avLst/>
+          </a:prstGeom>
+        </p:spPr>
+      </p:pic>
+      <p:pic>
+        <p:nvPicPr>
+          <p:cNvPr id="110" name="Imagem 109">
+            <a:extLst>
+              <a:ext uri="{FF2B5EF4-FFF2-40B4-BE49-F238E27FC236}">
+                <a16:creationId xmlns:a16="http://schemas.microsoft.com/office/drawing/2014/main" id="{48EAE7C9-853C-4C62-BE4F-77E1FF7A2142}"/>
+              </a:ext>
+            </a:extLst>
+          </p:cNvPr>
+          <p:cNvPicPr>
+            <a:picLocks noChangeAspect="1"/>
+          </p:cNvPicPr>
+          <p:nvPr/>
+        </p:nvPicPr>
+        <p:blipFill>
+          <a:blip r:embed="rId7" cstate="print">
+            <a:extLst>
+              <a:ext uri="{28A0092B-C50C-407E-A947-70E740481C1C}">
+                <a14:useLocalDpi xmlns:a14="http://schemas.microsoft.com/office/drawing/2010/main" val="0"/>
+              </a:ext>
+            </a:extLst>
+          </a:blip>
+          <a:stretch>
+            <a:fillRect/>
+          </a:stretch>
+        </p:blipFill>
+        <p:spPr>
+          <a:xfrm>
+            <a:off x="9130676" y="4820510"/>
+            <a:ext cx="374514" cy="374514"/>
+          </a:xfrm>
+          <a:prstGeom prst="rect">
+            <a:avLst/>
+          </a:prstGeom>
+        </p:spPr>
+      </p:pic>
+      <p:pic>
+        <p:nvPicPr>
+          <p:cNvPr id="113" name="Imagem 112">
+            <a:extLst>
+              <a:ext uri="{FF2B5EF4-FFF2-40B4-BE49-F238E27FC236}">
+                <a16:creationId xmlns:a16="http://schemas.microsoft.com/office/drawing/2014/main" id="{3A0A7C0D-5AAE-4386-8F96-FE545AB5180F}"/>
+              </a:ext>
+            </a:extLst>
+          </p:cNvPr>
+          <p:cNvPicPr>
+            <a:picLocks noChangeAspect="1"/>
+          </p:cNvPicPr>
+          <p:nvPr/>
+        </p:nvPicPr>
+        <p:blipFill>
+          <a:blip r:embed="rId8" cstate="print">
+            <a:extLst>
+              <a:ext uri="{28A0092B-C50C-407E-A947-70E740481C1C}">
+                <a14:useLocalDpi xmlns:a14="http://schemas.microsoft.com/office/drawing/2010/main" val="0"/>
+              </a:ext>
+            </a:extLst>
+          </a:blip>
+          <a:stretch>
+            <a:fillRect/>
+          </a:stretch>
+        </p:blipFill>
+        <p:spPr>
+          <a:xfrm>
+            <a:off x="9484224" y="4691264"/>
+            <a:ext cx="615235" cy="615235"/>
+          </a:xfrm>
+          <a:prstGeom prst="rect">
+            <a:avLst/>
+          </a:prstGeom>
+        </p:spPr>
+      </p:pic>
+      <p:pic>
+        <p:nvPicPr>
+          <p:cNvPr id="115" name="Imagem 114">
+            <a:extLst>
+              <a:ext uri="{FF2B5EF4-FFF2-40B4-BE49-F238E27FC236}">
+                <a16:creationId xmlns:a16="http://schemas.microsoft.com/office/drawing/2014/main" id="{3C1B681C-ED12-41C5-AD26-8B6853414F1D}"/>
+              </a:ext>
+            </a:extLst>
+          </p:cNvPr>
+          <p:cNvPicPr>
+            <a:picLocks noChangeAspect="1"/>
+          </p:cNvPicPr>
+          <p:nvPr/>
+        </p:nvPicPr>
+        <p:blipFill>
+          <a:blip r:embed="rId9" cstate="print">
+            <a:extLst>
+              <a:ext uri="{28A0092B-C50C-407E-A947-70E740481C1C}">
+                <a14:useLocalDpi xmlns:a14="http://schemas.microsoft.com/office/drawing/2010/main" val="0"/>
+              </a:ext>
+            </a:extLst>
+          </a:blip>
+          <a:stretch>
+            <a:fillRect/>
+          </a:stretch>
+        </p:blipFill>
+        <p:spPr>
+          <a:xfrm>
+            <a:off x="10048596" y="4778771"/>
+            <a:ext cx="408113" cy="408113"/>
+          </a:xfrm>
+          <a:prstGeom prst="rect">
+            <a:avLst/>
+          </a:prstGeom>
+        </p:spPr>
+      </p:pic>
       <p:sp>
         <p:nvSpPr>
-          <p:cNvPr id="7" name="Título 1">
+          <p:cNvPr id="2" name="Retângulo 1">
             <a:extLst>
               <a:ext uri="{FF2B5EF4-FFF2-40B4-BE49-F238E27FC236}">
-                <a16:creationId xmlns:a16="http://schemas.microsoft.com/office/drawing/2014/main" id="{99F76FBE-1BC2-4EE6-B90A-22263BF7BDCD}"/>
+                <a16:creationId xmlns:a16="http://schemas.microsoft.com/office/drawing/2014/main" id="{969E54A0-B7B5-4147-AB27-DA0CC75F47BD}"/>
+              </a:ext>
+            </a:extLst>
+          </p:cNvPr>
+          <p:cNvSpPr/>
+          <p:nvPr/>
+        </p:nvSpPr>
+        <p:spPr>
+          <a:xfrm>
+            <a:off x="120981" y="3939522"/>
+            <a:ext cx="3958255" cy="2822003"/>
+          </a:xfrm>
+          <a:prstGeom prst="rect">
+            <a:avLst/>
+          </a:prstGeom>
+          <a:noFill/>
+          <a:ln>
+            <a:solidFill>
+              <a:schemeClr val="tx1"/>
+            </a:solidFill>
+          </a:ln>
+        </p:spPr>
+        <p:style>
+          <a:lnRef idx="2">
+            <a:schemeClr val="accent1">
+              <a:shade val="50000"/>
+            </a:schemeClr>
+          </a:lnRef>
+          <a:fillRef idx="1">
+            <a:schemeClr val="accent1"/>
+          </a:fillRef>
+          <a:effectRef idx="0">
+            <a:schemeClr val="accent1"/>
+          </a:effectRef>
+          <a:fontRef idx="minor">
+            <a:schemeClr val="lt1"/>
+          </a:fontRef>
+        </p:style>
+        <p:txBody>
+          <a:bodyPr rtlCol="0" anchor="ctr"/>
+          <a:lstStyle/>
+          <a:p>
+            <a:pPr algn="ctr"/>
+            <a:endParaRPr lang="pt-BR"/>
+          </a:p>
+        </p:txBody>
+      </p:sp>
+      <p:sp>
+        <p:nvSpPr>
+          <p:cNvPr id="5" name="CaixaDeTexto 4">
+            <a:extLst>
+              <a:ext uri="{FF2B5EF4-FFF2-40B4-BE49-F238E27FC236}">
+                <a16:creationId xmlns:a16="http://schemas.microsoft.com/office/drawing/2014/main" id="{00324186-5835-453F-9CA7-D8BA2FE4FDB1}"/>
+              </a:ext>
+            </a:extLst>
+          </p:cNvPr>
+          <p:cNvSpPr txBox="1"/>
+          <p:nvPr/>
+        </p:nvSpPr>
+        <p:spPr>
+          <a:xfrm>
+            <a:off x="11332156" y="3595568"/>
+            <a:ext cx="1168252" cy="646331"/>
+          </a:xfrm>
+          <a:prstGeom prst="rect">
+            <a:avLst/>
+          </a:prstGeom>
+          <a:noFill/>
+        </p:spPr>
+        <p:txBody>
+          <a:bodyPr wrap="square" rtlCol="0">
+            <a:spAutoFit/>
+          </a:bodyPr>
+          <a:lstStyle/>
+          <a:p>
+            <a:r>
+              <a:rPr lang="pt-BR" dirty="0"/>
+              <a:t>Gestor</a:t>
+            </a:r>
+            <a:endParaRPr lang="pt-BR" sz="1600" dirty="0"/>
+          </a:p>
+          <a:p>
+            <a:endParaRPr lang="pt-BR" dirty="0"/>
+          </a:p>
+        </p:txBody>
+      </p:sp>
+      <p:sp>
+        <p:nvSpPr>
+          <p:cNvPr id="8" name="CaixaDeTexto 7">
+            <a:extLst>
+              <a:ext uri="{FF2B5EF4-FFF2-40B4-BE49-F238E27FC236}">
+                <a16:creationId xmlns:a16="http://schemas.microsoft.com/office/drawing/2014/main" id="{C6B4F186-1182-4828-8066-2E561878460C}"/>
+              </a:ext>
+            </a:extLst>
+          </p:cNvPr>
+          <p:cNvSpPr txBox="1"/>
+          <p:nvPr/>
+        </p:nvSpPr>
+        <p:spPr>
+          <a:xfrm>
+            <a:off x="70363" y="3550825"/>
+            <a:ext cx="1454885" cy="369332"/>
+          </a:xfrm>
+          <a:prstGeom prst="rect">
+            <a:avLst/>
+          </a:prstGeom>
+          <a:noFill/>
+        </p:spPr>
+        <p:txBody>
+          <a:bodyPr wrap="square" rtlCol="0">
+            <a:spAutoFit/>
+          </a:bodyPr>
+          <a:lstStyle/>
+          <a:p>
+            <a:r>
+              <a:rPr lang="pt-BR" dirty="0"/>
+              <a:t>Funcionário</a:t>
+            </a:r>
+          </a:p>
+        </p:txBody>
+      </p:sp>
+      <p:pic>
+        <p:nvPicPr>
+          <p:cNvPr id="14" name="Imagem 13" descr="Logotipo, nome da empresa&#10;&#10;Descrição gerada automaticamente">
+            <a:extLst>
+              <a:ext uri="{FF2B5EF4-FFF2-40B4-BE49-F238E27FC236}">
+                <a16:creationId xmlns:a16="http://schemas.microsoft.com/office/drawing/2014/main" id="{C131E45E-AAA8-4092-97F7-314E8411F05B}"/>
+              </a:ext>
+            </a:extLst>
+          </p:cNvPr>
+          <p:cNvPicPr>
+            <a:picLocks noChangeAspect="1"/>
+          </p:cNvPicPr>
+          <p:nvPr/>
+        </p:nvPicPr>
+        <p:blipFill>
+          <a:blip r:embed="rId10" cstate="print">
+            <a:extLst>
+              <a:ext uri="{28A0092B-C50C-407E-A947-70E740481C1C}">
+                <a14:useLocalDpi xmlns:a14="http://schemas.microsoft.com/office/drawing/2010/main" val="0"/>
+              </a:ext>
+            </a:extLst>
+          </a:blip>
+          <a:stretch>
+            <a:fillRect/>
+          </a:stretch>
+        </p:blipFill>
+        <p:spPr>
+          <a:xfrm>
+            <a:off x="1063232" y="5096589"/>
+            <a:ext cx="447427" cy="447427"/>
+          </a:xfrm>
+          <a:prstGeom prst="rect">
+            <a:avLst/>
+          </a:prstGeom>
+        </p:spPr>
+      </p:pic>
+      <p:pic>
+        <p:nvPicPr>
+          <p:cNvPr id="6" name="Picture 4">
+            <a:extLst>
+              <a:ext uri="{FF2B5EF4-FFF2-40B4-BE49-F238E27FC236}">
+                <a16:creationId xmlns:a16="http://schemas.microsoft.com/office/drawing/2014/main" id="{459310AC-F268-4178-A4E9-B2C3E8E97734}"/>
+              </a:ext>
+            </a:extLst>
+          </p:cNvPr>
+          <p:cNvPicPr>
+            <a:picLocks noChangeAspect="1" noChangeArrowheads="1"/>
+          </p:cNvPicPr>
+          <p:nvPr/>
+        </p:nvPicPr>
+        <p:blipFill>
+          <a:blip r:embed="rId11" cstate="print">
+            <a:extLst>
+              <a:ext uri="{28A0092B-C50C-407E-A947-70E740481C1C}">
+                <a14:useLocalDpi xmlns:a14="http://schemas.microsoft.com/office/drawing/2010/main" val="0"/>
+              </a:ext>
+            </a:extLst>
+          </a:blip>
+          <a:srcRect/>
+          <a:stretch>
+            <a:fillRect/>
+          </a:stretch>
+        </p:blipFill>
+        <p:spPr bwMode="auto">
+          <a:xfrm>
+            <a:off x="10407256" y="376802"/>
+            <a:ext cx="1328647" cy="384063"/>
+          </a:xfrm>
+          <a:prstGeom prst="rect">
+            <a:avLst/>
+          </a:prstGeom>
+          <a:noFill/>
+          <a:extLst>
+            <a:ext uri="{909E8E84-426E-40DD-AFC4-6F175D3DCCD1}">
+              <a14:hiddenFill xmlns:a14="http://schemas.microsoft.com/office/drawing/2010/main">
+                <a:solidFill>
+                  <a:srgbClr val="FFFFFF"/>
+                </a:solidFill>
+              </a14:hiddenFill>
+            </a:ext>
+          </a:extLst>
+        </p:spPr>
+      </p:pic>
+      <p:sp>
+        <p:nvSpPr>
+          <p:cNvPr id="9" name="Retângulo 8">
+            <a:extLst>
+              <a:ext uri="{FF2B5EF4-FFF2-40B4-BE49-F238E27FC236}">
+                <a16:creationId xmlns:a16="http://schemas.microsoft.com/office/drawing/2014/main" id="{A2895AD6-3034-4EE2-8F53-A1BC76FBF2D0}"/>
+              </a:ext>
+            </a:extLst>
+          </p:cNvPr>
+          <p:cNvSpPr/>
+          <p:nvPr/>
+        </p:nvSpPr>
+        <p:spPr>
+          <a:xfrm>
+            <a:off x="2415582" y="3545209"/>
+            <a:ext cx="595753" cy="445305"/>
+          </a:xfrm>
+          <a:prstGeom prst="rect">
+            <a:avLst/>
+          </a:prstGeom>
+          <a:solidFill>
+            <a:schemeClr val="bg1"/>
+          </a:solidFill>
+          <a:ln>
+            <a:noFill/>
+          </a:ln>
+        </p:spPr>
+        <p:style>
+          <a:lnRef idx="2">
+            <a:schemeClr val="accent1">
+              <a:shade val="50000"/>
+            </a:schemeClr>
+          </a:lnRef>
+          <a:fillRef idx="1">
+            <a:schemeClr val="accent1"/>
+          </a:fillRef>
+          <a:effectRef idx="0">
+            <a:schemeClr val="accent1"/>
+          </a:effectRef>
+          <a:fontRef idx="minor">
+            <a:schemeClr val="lt1"/>
+          </a:fontRef>
+        </p:style>
+        <p:txBody>
+          <a:bodyPr rtlCol="0" anchor="ctr"/>
+          <a:lstStyle/>
+          <a:p>
+            <a:pPr algn="ctr"/>
+            <a:endParaRPr lang="pt-BR"/>
+          </a:p>
+        </p:txBody>
+      </p:sp>
+      <p:pic>
+        <p:nvPicPr>
+          <p:cNvPr id="7" name="Picture 10" descr="Amazon Web Services - Wikipedia">
+            <a:extLst>
+              <a:ext uri="{FF2B5EF4-FFF2-40B4-BE49-F238E27FC236}">
+                <a16:creationId xmlns:a16="http://schemas.microsoft.com/office/drawing/2014/main" id="{4484FA0D-09D2-41AD-9A5C-AA5C5431D5FE}"/>
+              </a:ext>
+            </a:extLst>
+          </p:cNvPr>
+          <p:cNvPicPr>
+            <a:picLocks noChangeAspect="1" noChangeArrowheads="1"/>
+          </p:cNvPicPr>
+          <p:nvPr/>
+        </p:nvPicPr>
+        <p:blipFill>
+          <a:blip r:embed="rId12" cstate="print">
+            <a:extLst>
+              <a:ext uri="{28A0092B-C50C-407E-A947-70E740481C1C}">
+                <a14:useLocalDpi xmlns:a14="http://schemas.microsoft.com/office/drawing/2010/main" val="0"/>
+              </a:ext>
+            </a:extLst>
+          </a:blip>
+          <a:srcRect/>
+          <a:stretch>
+            <a:fillRect/>
+          </a:stretch>
+        </p:blipFill>
+        <p:spPr bwMode="auto">
+          <a:xfrm>
+            <a:off x="2361909" y="3774525"/>
+            <a:ext cx="703098" cy="361931"/>
+          </a:xfrm>
+          <a:prstGeom prst="rect">
+            <a:avLst/>
+          </a:prstGeom>
+          <a:noFill/>
+          <a:extLst>
+            <a:ext uri="{909E8E84-426E-40DD-AFC4-6F175D3DCCD1}">
+              <a14:hiddenFill xmlns:a14="http://schemas.microsoft.com/office/drawing/2010/main">
+                <a:solidFill>
+                  <a:srgbClr val="FFFFFF"/>
+                </a:solidFill>
+              </a14:hiddenFill>
+            </a:ext>
+          </a:extLst>
+        </p:spPr>
+      </p:pic>
+      <p:pic>
+        <p:nvPicPr>
+          <p:cNvPr id="10" name="Imagem 9"/>
+          <p:cNvPicPr>
+            <a:picLocks noChangeAspect="1"/>
+          </p:cNvPicPr>
+          <p:nvPr/>
+        </p:nvPicPr>
+        <p:blipFill rotWithShape="1">
+          <a:blip r:embed="rId13"/>
+          <a:srcRect l="9121" t="320" r="8400" b="-320"/>
+          <a:stretch/>
+        </p:blipFill>
+        <p:spPr>
+          <a:xfrm>
+            <a:off x="10551142" y="1798095"/>
+            <a:ext cx="702832" cy="360454"/>
+          </a:xfrm>
+          <a:prstGeom prst="rect">
+            <a:avLst/>
+          </a:prstGeom>
+        </p:spPr>
+      </p:pic>
+      <p:sp>
+        <p:nvSpPr>
+          <p:cNvPr id="13" name="AutoShape 4" descr="HTML5 – Wikipédia, a enciclopédia livre"/>
+          <p:cNvSpPr>
+            <a:spLocks noChangeAspect="1" noChangeArrowheads="1"/>
+          </p:cNvSpPr>
+          <p:nvPr/>
+        </p:nvSpPr>
+        <p:spPr bwMode="auto">
+          <a:xfrm>
+            <a:off x="155575" y="-144463"/>
+            <a:ext cx="304800" cy="304801"/>
+          </a:xfrm>
+          <a:prstGeom prst="rect">
+            <a:avLst/>
+          </a:prstGeom>
+          <a:noFill/>
+          <a:extLst>
+            <a:ext uri="{909E8E84-426E-40DD-AFC4-6F175D3DCCD1}">
+              <a14:hiddenFill xmlns:a14="http://schemas.microsoft.com/office/drawing/2010/main">
+                <a:solidFill>
+                  <a:srgbClr val="FFFFFF"/>
+                </a:solidFill>
+              </a14:hiddenFill>
+            </a:ext>
+          </a:extLst>
+        </p:spPr>
+        <p:txBody>
+          <a:bodyPr vert="horz" wrap="square" lIns="91440" tIns="45720" rIns="91440" bIns="45720" numCol="1" anchor="t" anchorCtr="0" compatLnSpc="1">
+            <a:prstTxWarp prst="textNoShape">
+              <a:avLst/>
+            </a:prstTxWarp>
+          </a:bodyPr>
+          <a:lstStyle/>
+          <a:p>
+            <a:endParaRPr lang="pt-BR"/>
+          </a:p>
+        </p:txBody>
+      </p:sp>
+      <p:pic>
+        <p:nvPicPr>
+          <p:cNvPr id="19" name="Imagem 18"/>
+          <p:cNvPicPr>
+            <a:picLocks noChangeAspect="1"/>
+          </p:cNvPicPr>
+          <p:nvPr/>
+        </p:nvPicPr>
+        <p:blipFill>
+          <a:blip r:embed="rId14"/>
+          <a:stretch>
+            <a:fillRect/>
+          </a:stretch>
+        </p:blipFill>
+        <p:spPr>
+          <a:xfrm>
+            <a:off x="8490063" y="1643048"/>
+            <a:ext cx="683157" cy="683157"/>
+          </a:xfrm>
+          <a:prstGeom prst="rect">
+            <a:avLst/>
+          </a:prstGeom>
+        </p:spPr>
+      </p:pic>
+      <p:pic>
+        <p:nvPicPr>
+          <p:cNvPr id="25" name="Imagem 24"/>
+          <p:cNvPicPr>
+            <a:picLocks noChangeAspect="1"/>
+          </p:cNvPicPr>
+          <p:nvPr/>
+        </p:nvPicPr>
+        <p:blipFill rotWithShape="1">
+          <a:blip r:embed="rId15"/>
+          <a:srcRect l="35681" t="14554" r="34566" b="10328"/>
+          <a:stretch/>
+        </p:blipFill>
+        <p:spPr>
+          <a:xfrm>
+            <a:off x="9817063" y="1564060"/>
+            <a:ext cx="491390" cy="697832"/>
+          </a:xfrm>
+          <a:prstGeom prst="rect">
+            <a:avLst/>
+          </a:prstGeom>
+        </p:spPr>
+      </p:pic>
+      <p:pic>
+        <p:nvPicPr>
+          <p:cNvPr id="1030" name="Picture 6" descr="O que é JavaScript - Portal GSTI"/>
+          <p:cNvPicPr>
+            <a:picLocks noChangeAspect="1" noChangeArrowheads="1"/>
+          </p:cNvPicPr>
+          <p:nvPr/>
+        </p:nvPicPr>
+        <p:blipFill>
+          <a:blip r:embed="rId16" cstate="print">
+            <a:extLst>
+              <a:ext uri="{28A0092B-C50C-407E-A947-70E740481C1C}">
+                <a14:useLocalDpi xmlns:a14="http://schemas.microsoft.com/office/drawing/2010/main" val="0"/>
+              </a:ext>
+            </a:extLst>
+          </a:blip>
+          <a:srcRect/>
+          <a:stretch>
+            <a:fillRect/>
+          </a:stretch>
+        </p:blipFill>
+        <p:spPr bwMode="auto">
+          <a:xfrm>
+            <a:off x="9105297" y="1643048"/>
+            <a:ext cx="683157" cy="683157"/>
+          </a:xfrm>
+          <a:prstGeom prst="rect">
+            <a:avLst/>
+          </a:prstGeom>
+          <a:noFill/>
+          <a:extLst>
+            <a:ext uri="{909E8E84-426E-40DD-AFC4-6F175D3DCCD1}">
+              <a14:hiddenFill xmlns:a14="http://schemas.microsoft.com/office/drawing/2010/main">
+                <a:solidFill>
+                  <a:srgbClr val="FFFFFF"/>
+                </a:solidFill>
+              </a14:hiddenFill>
+            </a:ext>
+          </a:extLst>
+        </p:spPr>
+      </p:pic>
+      <p:grpSp>
+        <p:nvGrpSpPr>
+          <p:cNvPr id="21" name="Agrupar 20">
+            <a:extLst>
+              <a:ext uri="{FF2B5EF4-FFF2-40B4-BE49-F238E27FC236}">
+                <a16:creationId xmlns:a16="http://schemas.microsoft.com/office/drawing/2014/main" id="{1550788F-EA80-4E29-BE8A-2E903471849F}"/>
+              </a:ext>
+            </a:extLst>
+          </p:cNvPr>
+          <p:cNvGrpSpPr/>
+          <p:nvPr/>
+        </p:nvGrpSpPr>
+        <p:grpSpPr>
+          <a:xfrm>
+            <a:off x="5642223" y="4686095"/>
+            <a:ext cx="907553" cy="1156876"/>
+            <a:chOff x="742233" y="1428136"/>
+            <a:chExt cx="976966" cy="1379358"/>
+          </a:xfrm>
+        </p:grpSpPr>
+        <p:pic>
+          <p:nvPicPr>
+            <p:cNvPr id="1026" name="Picture 2" descr="Boas-vindas ao seu novo QG | Slack">
+              <a:extLst>
+                <a:ext uri="{FF2B5EF4-FFF2-40B4-BE49-F238E27FC236}">
+                  <a16:creationId xmlns:a16="http://schemas.microsoft.com/office/drawing/2014/main" id="{D2B9D5B0-D199-4A89-A00B-86E4BE07F467}"/>
+                </a:ext>
+              </a:extLst>
+            </p:cNvPr>
+            <p:cNvPicPr>
+              <a:picLocks noChangeAspect="1" noChangeArrowheads="1"/>
+            </p:cNvPicPr>
+            <p:nvPr/>
+          </p:nvPicPr>
+          <p:blipFill>
+            <a:blip r:embed="rId17" cstate="print">
+              <a:extLst>
+                <a:ext uri="{28A0092B-C50C-407E-A947-70E740481C1C}">
+                  <a14:useLocalDpi xmlns:a14="http://schemas.microsoft.com/office/drawing/2010/main" val="0"/>
+                </a:ext>
+              </a:extLst>
+            </a:blip>
+            <a:srcRect/>
+            <a:stretch>
+              <a:fillRect/>
+            </a:stretch>
+          </p:blipFill>
+          <p:spPr bwMode="auto">
+            <a:xfrm>
+              <a:off x="742233" y="1428136"/>
+              <a:ext cx="976966" cy="976966"/>
+            </a:xfrm>
+            <a:prstGeom prst="rect">
+              <a:avLst/>
+            </a:prstGeom>
+            <a:noFill/>
+            <a:extLst>
+              <a:ext uri="{909E8E84-426E-40DD-AFC4-6F175D3DCCD1}">
+                <a14:hiddenFill xmlns:a14="http://schemas.microsoft.com/office/drawing/2010/main">
+                  <a:solidFill>
+                    <a:srgbClr val="FFFFFF"/>
+                  </a:solidFill>
+                </a14:hiddenFill>
+              </a:ext>
+            </a:extLst>
+          </p:spPr>
+        </p:pic>
+        <p:sp>
+          <p:nvSpPr>
+            <p:cNvPr id="4" name="CaixaDeTexto 3">
+              <a:extLst>
+                <a:ext uri="{FF2B5EF4-FFF2-40B4-BE49-F238E27FC236}">
+                  <a16:creationId xmlns:a16="http://schemas.microsoft.com/office/drawing/2014/main" id="{D03018DC-DEBD-439B-B33A-3FD65D7934A5}"/>
+                </a:ext>
+              </a:extLst>
+            </p:cNvPr>
+            <p:cNvSpPr txBox="1"/>
+            <p:nvPr/>
+          </p:nvSpPr>
+          <p:spPr>
+            <a:xfrm>
+              <a:off x="841193" y="2438162"/>
+              <a:ext cx="863138" cy="369332"/>
+            </a:xfrm>
+            <a:prstGeom prst="rect">
+              <a:avLst/>
+            </a:prstGeom>
+            <a:noFill/>
+          </p:spPr>
+          <p:txBody>
+            <a:bodyPr wrap="square" rtlCol="0">
+              <a:spAutoFit/>
+            </a:bodyPr>
+            <a:lstStyle/>
+            <a:p>
+              <a:r>
+                <a:rPr lang="pt-BR" dirty="0"/>
+                <a:t>SLACK</a:t>
+              </a:r>
+            </a:p>
+          </p:txBody>
+        </p:sp>
+      </p:grpSp>
+      <p:pic>
+        <p:nvPicPr>
+          <p:cNvPr id="23" name="Imagem 22" descr="Logotipo, nome da empresa&#10;&#10;Descrição gerada automaticamente">
+            <a:extLst>
+              <a:ext uri="{FF2B5EF4-FFF2-40B4-BE49-F238E27FC236}">
+                <a16:creationId xmlns:a16="http://schemas.microsoft.com/office/drawing/2014/main" id="{430375AE-F10C-4E7F-AC5E-E4A9143A7746}"/>
+              </a:ext>
+            </a:extLst>
+          </p:cNvPr>
+          <p:cNvPicPr>
+            <a:picLocks noChangeAspect="1"/>
+          </p:cNvPicPr>
+          <p:nvPr/>
+        </p:nvPicPr>
+        <p:blipFill>
+          <a:blip r:embed="rId18" cstate="print">
+            <a:extLst>
+              <a:ext uri="{28A0092B-C50C-407E-A947-70E740481C1C}">
+                <a14:useLocalDpi xmlns:a14="http://schemas.microsoft.com/office/drawing/2010/main" val="0"/>
+              </a:ext>
+            </a:extLst>
+          </a:blip>
+          <a:stretch>
+            <a:fillRect/>
+          </a:stretch>
+        </p:blipFill>
+        <p:spPr>
+          <a:xfrm>
+            <a:off x="6598467" y="1601117"/>
+            <a:ext cx="1089399" cy="754409"/>
+          </a:xfrm>
+          <a:prstGeom prst="rect">
+            <a:avLst/>
+          </a:prstGeom>
+        </p:spPr>
+      </p:pic>
+      <p:pic>
+        <p:nvPicPr>
+          <p:cNvPr id="50" name="Imagem 49">
+            <a:extLst>
+              <a:ext uri="{FF2B5EF4-FFF2-40B4-BE49-F238E27FC236}">
+                <a16:creationId xmlns:a16="http://schemas.microsoft.com/office/drawing/2014/main" id="{B7B64E3D-9B7A-45F3-806A-B186144DA1C4}"/>
+              </a:ext>
+            </a:extLst>
+          </p:cNvPr>
+          <p:cNvPicPr>
+            <a:picLocks noChangeAspect="1"/>
+          </p:cNvPicPr>
+          <p:nvPr/>
+        </p:nvPicPr>
+        <p:blipFill>
+          <a:blip r:embed="rId19"/>
+          <a:stretch>
+            <a:fillRect/>
+          </a:stretch>
+        </p:blipFill>
+        <p:spPr>
+          <a:xfrm>
+            <a:off x="7792055" y="1669082"/>
+            <a:ext cx="736425" cy="618481"/>
+          </a:xfrm>
+          <a:prstGeom prst="rect">
+            <a:avLst/>
+          </a:prstGeom>
+        </p:spPr>
+      </p:pic>
+      <p:sp>
+        <p:nvSpPr>
+          <p:cNvPr id="54" name="Retângulo 53">
+            <a:extLst>
+              <a:ext uri="{FF2B5EF4-FFF2-40B4-BE49-F238E27FC236}">
+                <a16:creationId xmlns:a16="http://schemas.microsoft.com/office/drawing/2014/main" id="{F6769D6D-4C92-4616-B7A1-9AA9E96B528E}"/>
+              </a:ext>
+            </a:extLst>
+          </p:cNvPr>
+          <p:cNvSpPr/>
+          <p:nvPr/>
+        </p:nvSpPr>
+        <p:spPr>
+          <a:xfrm>
+            <a:off x="8121207" y="3975098"/>
+            <a:ext cx="3958255" cy="2799923"/>
+          </a:xfrm>
+          <a:prstGeom prst="rect">
+            <a:avLst/>
+          </a:prstGeom>
+          <a:noFill/>
+          <a:ln>
+            <a:solidFill>
+              <a:schemeClr val="tx1"/>
+            </a:solidFill>
+          </a:ln>
+        </p:spPr>
+        <p:style>
+          <a:lnRef idx="2">
+            <a:schemeClr val="accent1">
+              <a:shade val="50000"/>
+            </a:schemeClr>
+          </a:lnRef>
+          <a:fillRef idx="1">
+            <a:schemeClr val="accent1"/>
+          </a:fillRef>
+          <a:effectRef idx="0">
+            <a:schemeClr val="accent1"/>
+          </a:effectRef>
+          <a:fontRef idx="minor">
+            <a:schemeClr val="lt1"/>
+          </a:fontRef>
+        </p:style>
+        <p:txBody>
+          <a:bodyPr rtlCol="0" anchor="ctr"/>
+          <a:lstStyle/>
+          <a:p>
+            <a:pPr algn="ctr"/>
+            <a:endParaRPr lang="pt-BR"/>
+          </a:p>
+        </p:txBody>
+      </p:sp>
+      <p:pic>
+        <p:nvPicPr>
+          <p:cNvPr id="28" name="Imagem 27" descr="Imagem em preto e branco&#10;&#10;Descrição gerada automaticamente">
+            <a:extLst>
+              <a:ext uri="{FF2B5EF4-FFF2-40B4-BE49-F238E27FC236}">
+                <a16:creationId xmlns:a16="http://schemas.microsoft.com/office/drawing/2014/main" id="{2CC60A5A-32BC-4872-BEF8-F867013BB652}"/>
+              </a:ext>
+            </a:extLst>
+          </p:cNvPr>
+          <p:cNvPicPr>
+            <a:picLocks noChangeAspect="1"/>
+          </p:cNvPicPr>
+          <p:nvPr/>
+        </p:nvPicPr>
+        <p:blipFill>
+          <a:blip r:embed="rId20">
+            <a:extLst>
+              <a:ext uri="{28A0092B-C50C-407E-A947-70E740481C1C}">
+                <a14:useLocalDpi xmlns:a14="http://schemas.microsoft.com/office/drawing/2010/main" val="0"/>
+              </a:ext>
+            </a:extLst>
+          </a:blip>
+          <a:stretch>
+            <a:fillRect/>
+          </a:stretch>
+        </p:blipFill>
+        <p:spPr>
+          <a:xfrm>
+            <a:off x="11071580" y="5328598"/>
+            <a:ext cx="933450" cy="981075"/>
+          </a:xfrm>
+          <a:prstGeom prst="rect">
+            <a:avLst/>
+          </a:prstGeom>
+        </p:spPr>
+      </p:pic>
+      <p:pic>
+        <p:nvPicPr>
+          <p:cNvPr id="12" name="Imagem 11"/>
+          <p:cNvPicPr>
+            <a:picLocks noChangeAspect="1"/>
+          </p:cNvPicPr>
+          <p:nvPr/>
+        </p:nvPicPr>
+        <p:blipFill>
+          <a:blip r:embed="rId21"/>
+          <a:stretch>
+            <a:fillRect/>
+          </a:stretch>
+        </p:blipFill>
+        <p:spPr>
+          <a:xfrm>
+            <a:off x="70363" y="179703"/>
+            <a:ext cx="1689404" cy="950290"/>
+          </a:xfrm>
+          <a:prstGeom prst="rect">
+            <a:avLst/>
+          </a:prstGeom>
+        </p:spPr>
+      </p:pic>
+      <p:pic>
+        <p:nvPicPr>
+          <p:cNvPr id="18" name="Imagem 17"/>
+          <p:cNvPicPr>
+            <a:picLocks noChangeAspect="1"/>
+          </p:cNvPicPr>
+          <p:nvPr/>
+        </p:nvPicPr>
+        <p:blipFill>
+          <a:blip r:embed="rId22"/>
+          <a:stretch>
+            <a:fillRect/>
+          </a:stretch>
+        </p:blipFill>
+        <p:spPr>
+          <a:xfrm>
+            <a:off x="1907679" y="4935704"/>
+            <a:ext cx="824918" cy="431086"/>
+          </a:xfrm>
+          <a:prstGeom prst="rect">
+            <a:avLst/>
+          </a:prstGeom>
+        </p:spPr>
+      </p:pic>
+      <p:pic>
+        <p:nvPicPr>
+          <p:cNvPr id="20" name="Imagem 19" descr="Texto&#10;&#10;Descrição gerada automaticamente">
+            <a:extLst>
+              <a:ext uri="{FF2B5EF4-FFF2-40B4-BE49-F238E27FC236}">
+                <a16:creationId xmlns:a16="http://schemas.microsoft.com/office/drawing/2014/main" id="{ED87CAAA-DE80-46A0-86B2-609AB5201EA4}"/>
+              </a:ext>
+            </a:extLst>
+          </p:cNvPr>
+          <p:cNvPicPr>
+            <a:picLocks noChangeAspect="1"/>
+          </p:cNvPicPr>
+          <p:nvPr/>
+        </p:nvPicPr>
+        <p:blipFill>
+          <a:blip r:embed="rId23" cstate="print">
+            <a:extLst>
+              <a:ext uri="{28A0092B-C50C-407E-A947-70E740481C1C}">
+                <a14:useLocalDpi xmlns:a14="http://schemas.microsoft.com/office/drawing/2010/main" val="0"/>
+              </a:ext>
+            </a:extLst>
+          </a:blip>
+          <a:stretch>
+            <a:fillRect/>
+          </a:stretch>
+        </p:blipFill>
+        <p:spPr>
+          <a:xfrm>
+            <a:off x="1022259" y="4511074"/>
+            <a:ext cx="529375" cy="409635"/>
+          </a:xfrm>
+          <a:prstGeom prst="rect">
+            <a:avLst/>
+          </a:prstGeom>
+        </p:spPr>
+      </p:pic>
+      <p:pic>
+        <p:nvPicPr>
+          <p:cNvPr id="26" name="Imagem 25" descr="Logotipo&#10;&#10;Descrição gerada automaticamente">
+            <a:extLst>
+              <a:ext uri="{FF2B5EF4-FFF2-40B4-BE49-F238E27FC236}">
+                <a16:creationId xmlns:a16="http://schemas.microsoft.com/office/drawing/2014/main" id="{6B8134E3-650D-478E-A821-EF0EB50EF35E}"/>
+              </a:ext>
+            </a:extLst>
+          </p:cNvPr>
+          <p:cNvPicPr>
+            <a:picLocks noChangeAspect="1"/>
+          </p:cNvPicPr>
+          <p:nvPr/>
+        </p:nvPicPr>
+        <p:blipFill>
+          <a:blip r:embed="rId24" cstate="print">
+            <a:extLst>
+              <a:ext uri="{28A0092B-C50C-407E-A947-70E740481C1C}">
+                <a14:useLocalDpi xmlns:a14="http://schemas.microsoft.com/office/drawing/2010/main" val="0"/>
+              </a:ext>
+            </a:extLst>
+          </a:blip>
+          <a:stretch>
+            <a:fillRect/>
+          </a:stretch>
+        </p:blipFill>
+        <p:spPr>
+          <a:xfrm>
+            <a:off x="1617662" y="4470979"/>
+            <a:ext cx="690370" cy="589691"/>
+          </a:xfrm>
+          <a:prstGeom prst="rect">
+            <a:avLst/>
+          </a:prstGeom>
+        </p:spPr>
+      </p:pic>
+      <p:sp>
+        <p:nvSpPr>
+          <p:cNvPr id="27" name="Retângulo: Cantos Arredondados 26">
+            <a:extLst>
+              <a:ext uri="{FF2B5EF4-FFF2-40B4-BE49-F238E27FC236}">
+                <a16:creationId xmlns:a16="http://schemas.microsoft.com/office/drawing/2014/main" id="{8FA7A66A-5AF3-44D5-82C5-F518ED665F57}"/>
+              </a:ext>
+            </a:extLst>
+          </p:cNvPr>
+          <p:cNvSpPr/>
+          <p:nvPr/>
+        </p:nvSpPr>
+        <p:spPr>
+          <a:xfrm>
+            <a:off x="1629768" y="4506075"/>
+            <a:ext cx="1254245" cy="999407"/>
+          </a:xfrm>
+          <a:prstGeom prst="roundRect">
+            <a:avLst/>
+          </a:prstGeom>
+          <a:noFill/>
+        </p:spPr>
+        <p:style>
+          <a:lnRef idx="2">
+            <a:schemeClr val="accent1">
+              <a:shade val="50000"/>
+            </a:schemeClr>
+          </a:lnRef>
+          <a:fillRef idx="1">
+            <a:schemeClr val="accent1"/>
+          </a:fillRef>
+          <a:effectRef idx="0">
+            <a:schemeClr val="accent1"/>
+          </a:effectRef>
+          <a:fontRef idx="minor">
+            <a:schemeClr val="lt1"/>
+          </a:fontRef>
+        </p:style>
+        <p:txBody>
+          <a:bodyPr rtlCol="0" anchor="ctr"/>
+          <a:lstStyle/>
+          <a:p>
+            <a:pPr algn="ctr"/>
+            <a:endParaRPr lang="pt-BR"/>
+          </a:p>
+        </p:txBody>
+      </p:sp>
+      <p:pic>
+        <p:nvPicPr>
+          <p:cNvPr id="30" name="Imagem 29" descr="Ícone&#10;&#10;Descrição gerada automaticamente">
+            <a:extLst>
+              <a:ext uri="{FF2B5EF4-FFF2-40B4-BE49-F238E27FC236}">
+                <a16:creationId xmlns:a16="http://schemas.microsoft.com/office/drawing/2014/main" id="{37F30B95-69BD-4863-8AD5-82CA6DED1DD7}"/>
+              </a:ext>
+            </a:extLst>
+          </p:cNvPr>
+          <p:cNvPicPr>
+            <a:picLocks noChangeAspect="1"/>
+          </p:cNvPicPr>
+          <p:nvPr/>
+        </p:nvPicPr>
+        <p:blipFill>
+          <a:blip r:embed="rId25" cstate="print">
+            <a:extLst>
+              <a:ext uri="{28A0092B-C50C-407E-A947-70E740481C1C}">
+                <a14:useLocalDpi xmlns:a14="http://schemas.microsoft.com/office/drawing/2010/main" val="0"/>
+              </a:ext>
+            </a:extLst>
+          </a:blip>
+          <a:stretch>
+            <a:fillRect/>
+          </a:stretch>
+        </p:blipFill>
+        <p:spPr>
+          <a:xfrm>
+            <a:off x="1234537" y="1451292"/>
+            <a:ext cx="810600" cy="810600"/>
+          </a:xfrm>
+          <a:prstGeom prst="rect">
+            <a:avLst/>
+          </a:prstGeom>
+        </p:spPr>
+      </p:pic>
+      <p:cxnSp>
+        <p:nvCxnSpPr>
+          <p:cNvPr id="35" name="Conector de Seta Reta 34">
+            <a:extLst>
+              <a:ext uri="{FF2B5EF4-FFF2-40B4-BE49-F238E27FC236}">
+                <a16:creationId xmlns:a16="http://schemas.microsoft.com/office/drawing/2014/main" id="{8103FEFB-336C-414E-BD99-F6AF7DF67DF7}"/>
+              </a:ext>
+            </a:extLst>
+          </p:cNvPr>
+          <p:cNvCxnSpPr>
+            <a:cxnSpLocks/>
+          </p:cNvCxnSpPr>
+          <p:nvPr/>
+        </p:nvCxnSpPr>
+        <p:spPr>
+          <a:xfrm>
+            <a:off x="3981796" y="2003367"/>
+            <a:ext cx="2469905" cy="0"/>
+          </a:xfrm>
+          <a:prstGeom prst="straightConnector1">
+            <a:avLst/>
+          </a:prstGeom>
+          <a:ln>
+            <a:tailEnd type="triangle"/>
+          </a:ln>
+        </p:spPr>
+        <p:style>
+          <a:lnRef idx="1">
+            <a:schemeClr val="accent1"/>
+          </a:lnRef>
+          <a:fillRef idx="0">
+            <a:schemeClr val="accent1"/>
+          </a:fillRef>
+          <a:effectRef idx="0">
+            <a:schemeClr val="accent1"/>
+          </a:effectRef>
+          <a:fontRef idx="minor">
+            <a:schemeClr val="tx1"/>
+          </a:fontRef>
+        </p:style>
+      </p:cxnSp>
+      <p:cxnSp>
+        <p:nvCxnSpPr>
+          <p:cNvPr id="61" name="Conector de Seta Reta 60">
+            <a:extLst>
+              <a:ext uri="{FF2B5EF4-FFF2-40B4-BE49-F238E27FC236}">
+                <a16:creationId xmlns:a16="http://schemas.microsoft.com/office/drawing/2014/main" id="{C2916943-22EE-4CFB-99FA-9AD58A30BF83}"/>
+              </a:ext>
+            </a:extLst>
+          </p:cNvPr>
+          <p:cNvCxnSpPr>
+            <a:cxnSpLocks/>
+          </p:cNvCxnSpPr>
+          <p:nvPr/>
+        </p:nvCxnSpPr>
+        <p:spPr>
+          <a:xfrm flipV="1">
+            <a:off x="4079236" y="2261892"/>
+            <a:ext cx="2469905" cy="1658265"/>
+          </a:xfrm>
+          <a:prstGeom prst="straightConnector1">
+            <a:avLst/>
+          </a:prstGeom>
+          <a:ln>
+            <a:tailEnd type="triangle"/>
+          </a:ln>
+        </p:spPr>
+        <p:style>
+          <a:lnRef idx="1">
+            <a:schemeClr val="accent1"/>
+          </a:lnRef>
+          <a:fillRef idx="0">
+            <a:schemeClr val="accent1"/>
+          </a:fillRef>
+          <a:effectRef idx="0">
+            <a:schemeClr val="accent1"/>
+          </a:effectRef>
+          <a:fontRef idx="minor">
+            <a:schemeClr val="tx1"/>
+          </a:fontRef>
+        </p:style>
+      </p:cxnSp>
+      <p:cxnSp>
+        <p:nvCxnSpPr>
+          <p:cNvPr id="64" name="Conector de Seta Reta 63">
+            <a:extLst>
+              <a:ext uri="{FF2B5EF4-FFF2-40B4-BE49-F238E27FC236}">
+                <a16:creationId xmlns:a16="http://schemas.microsoft.com/office/drawing/2014/main" id="{7657379C-900C-4742-A460-A8AE9389EEF8}"/>
+              </a:ext>
+            </a:extLst>
+          </p:cNvPr>
+          <p:cNvCxnSpPr>
+            <a:cxnSpLocks/>
+          </p:cNvCxnSpPr>
+          <p:nvPr/>
+        </p:nvCxnSpPr>
+        <p:spPr>
+          <a:xfrm>
+            <a:off x="9346920" y="2753330"/>
+            <a:ext cx="0" cy="1166827"/>
+          </a:xfrm>
+          <a:prstGeom prst="straightConnector1">
+            <a:avLst/>
+          </a:prstGeom>
+          <a:ln>
+            <a:tailEnd type="triangle"/>
+          </a:ln>
+        </p:spPr>
+        <p:style>
+          <a:lnRef idx="1">
+            <a:schemeClr val="accent1"/>
+          </a:lnRef>
+          <a:fillRef idx="0">
+            <a:schemeClr val="accent1"/>
+          </a:fillRef>
+          <a:effectRef idx="0">
+            <a:schemeClr val="accent1"/>
+          </a:effectRef>
+          <a:fontRef idx="minor">
+            <a:schemeClr val="tx1"/>
+          </a:fontRef>
+        </p:style>
+      </p:cxnSp>
+      <p:cxnSp>
+        <p:nvCxnSpPr>
+          <p:cNvPr id="69" name="Conector de Seta Reta 68">
+            <a:extLst>
+              <a:ext uri="{FF2B5EF4-FFF2-40B4-BE49-F238E27FC236}">
+                <a16:creationId xmlns:a16="http://schemas.microsoft.com/office/drawing/2014/main" id="{B81E2079-84D7-430E-A793-D3C73FD6A4F9}"/>
+              </a:ext>
+            </a:extLst>
+          </p:cNvPr>
+          <p:cNvCxnSpPr>
+            <a:cxnSpLocks/>
+          </p:cNvCxnSpPr>
+          <p:nvPr/>
+        </p:nvCxnSpPr>
+        <p:spPr>
+          <a:xfrm>
+            <a:off x="4103433" y="5109788"/>
+            <a:ext cx="1365481" cy="0"/>
+          </a:xfrm>
+          <a:prstGeom prst="straightConnector1">
+            <a:avLst/>
+          </a:prstGeom>
+          <a:ln>
+            <a:tailEnd type="triangle"/>
+          </a:ln>
+        </p:spPr>
+        <p:style>
+          <a:lnRef idx="1">
+            <a:schemeClr val="accent1"/>
+          </a:lnRef>
+          <a:fillRef idx="0">
+            <a:schemeClr val="accent1"/>
+          </a:fillRef>
+          <a:effectRef idx="0">
+            <a:schemeClr val="accent1"/>
+          </a:effectRef>
+          <a:fontRef idx="minor">
+            <a:schemeClr val="tx1"/>
+          </a:fontRef>
+        </p:style>
+      </p:cxnSp>
+      <p:cxnSp>
+        <p:nvCxnSpPr>
+          <p:cNvPr id="73" name="Conector de Seta Reta 72">
+            <a:extLst>
+              <a:ext uri="{FF2B5EF4-FFF2-40B4-BE49-F238E27FC236}">
+                <a16:creationId xmlns:a16="http://schemas.microsoft.com/office/drawing/2014/main" id="{C47F1F93-925A-41E3-B4F1-42F7A6F2840A}"/>
+              </a:ext>
+            </a:extLst>
+          </p:cNvPr>
+          <p:cNvCxnSpPr>
+            <a:cxnSpLocks/>
+          </p:cNvCxnSpPr>
+          <p:nvPr/>
+        </p:nvCxnSpPr>
+        <p:spPr>
+          <a:xfrm flipV="1">
+            <a:off x="6598467" y="5095789"/>
+            <a:ext cx="1448308" cy="13999"/>
+          </a:xfrm>
+          <a:prstGeom prst="straightConnector1">
+            <a:avLst/>
+          </a:prstGeom>
+          <a:ln>
+            <a:tailEnd type="triangle"/>
+          </a:ln>
+        </p:spPr>
+        <p:style>
+          <a:lnRef idx="1">
+            <a:schemeClr val="accent1"/>
+          </a:lnRef>
+          <a:fillRef idx="0">
+            <a:schemeClr val="accent1"/>
+          </a:fillRef>
+          <a:effectRef idx="0">
+            <a:schemeClr val="accent1"/>
+          </a:effectRef>
+          <a:fontRef idx="minor">
+            <a:schemeClr val="tx1"/>
+          </a:fontRef>
+        </p:style>
+      </p:cxnSp>
+      <p:sp>
+        <p:nvSpPr>
+          <p:cNvPr id="44" name="Título 1">
+            <a:extLst>
+              <a:ext uri="{FF2B5EF4-FFF2-40B4-BE49-F238E27FC236}">
+                <a16:creationId xmlns:a16="http://schemas.microsoft.com/office/drawing/2014/main" id="{383CE326-4168-484E-AA70-33889220BA25}"/>
               </a:ext>
             </a:extLst>
           </p:cNvPr>
@@ -7339,10 +8832,10 @@
       </p:sp>
       <p:cxnSp>
         <p:nvCxnSpPr>
-          <p:cNvPr id="2" name="Straight Arrow Connector 1">
+          <p:cNvPr id="45" name="Straight Arrow Connector 1">
             <a:extLst>
               <a:ext uri="{FF2B5EF4-FFF2-40B4-BE49-F238E27FC236}">
-                <a16:creationId xmlns:a16="http://schemas.microsoft.com/office/drawing/2014/main" id="{8BC350D6-EEE4-4369-B0B7-E605D1C2FDBA}"/>
+                <a16:creationId xmlns:a16="http://schemas.microsoft.com/office/drawing/2014/main" id="{9828A7DF-FA5D-4A11-8476-D0757E2CC878}"/>
               </a:ext>
             </a:extLst>
           </p:cNvPr>
@@ -7380,105 +8873,16 @@
           </a:fontRef>
         </p:style>
       </p:cxnSp>
-      <p:pic>
-        <p:nvPicPr>
-          <p:cNvPr id="4" name="Picture 2">
-            <a:extLst>
-              <a:ext uri="{FF2B5EF4-FFF2-40B4-BE49-F238E27FC236}">
-                <a16:creationId xmlns:a16="http://schemas.microsoft.com/office/drawing/2014/main" id="{EF083EFE-E484-4847-A645-55EC0AADCCE5}"/>
-              </a:ext>
-            </a:extLst>
-          </p:cNvPr>
-          <p:cNvPicPr>
-            <a:picLocks noChangeAspect="1" noChangeArrowheads="1"/>
-          </p:cNvPicPr>
-          <p:nvPr/>
-        </p:nvPicPr>
-        <p:blipFill>
-          <a:blip r:embed="rId2" cstate="print">
-            <a:extLst>
-              <a:ext uri="{28A0092B-C50C-407E-A947-70E740481C1C}">
-                <a14:useLocalDpi xmlns:a14="http://schemas.microsoft.com/office/drawing/2010/main" val="0"/>
-              </a:ext>
-            </a:extLst>
-          </a:blip>
-          <a:srcRect/>
-          <a:stretch>
-            <a:fillRect/>
-          </a:stretch>
-        </p:blipFill>
-        <p:spPr bwMode="auto">
-          <a:xfrm>
-            <a:off x="11184835" y="6413825"/>
-            <a:ext cx="904830" cy="374600"/>
-          </a:xfrm>
-          <a:prstGeom prst="rect">
-            <a:avLst/>
-          </a:prstGeom>
-          <a:noFill/>
-          <a:extLst>
-            <a:ext uri="{909E8E84-426E-40DD-AFC4-6F175D3DCCD1}">
-              <a14:hiddenFill xmlns:a14="http://schemas.microsoft.com/office/drawing/2010/main">
-                <a:solidFill>
-                  <a:srgbClr val="FFFFFF"/>
-                </a:solidFill>
-              </a14:hiddenFill>
-            </a:ext>
-          </a:extLst>
-        </p:spPr>
-      </p:pic>
-      <p:pic>
-        <p:nvPicPr>
-          <p:cNvPr id="6" name="Imagem 5">
-            <a:extLst>
-              <a:ext uri="{FF2B5EF4-FFF2-40B4-BE49-F238E27FC236}">
-                <a16:creationId xmlns:a16="http://schemas.microsoft.com/office/drawing/2014/main" id="{BF3E262B-1B48-4890-893E-4D73B6A9C9E6}"/>
-              </a:ext>
-            </a:extLst>
-          </p:cNvPr>
-          <p:cNvPicPr>
-            <a:picLocks noChangeAspect="1"/>
-          </p:cNvPicPr>
-          <p:nvPr/>
-        </p:nvPicPr>
-        <p:blipFill>
-          <a:blip r:embed="rId3"/>
-          <a:stretch>
-            <a:fillRect/>
-          </a:stretch>
-        </p:blipFill>
-        <p:spPr>
-          <a:xfrm>
-            <a:off x="1440797" y="1184971"/>
-            <a:ext cx="9310405" cy="5228854"/>
-          </a:xfrm>
-          <a:prstGeom prst="rect">
-            <a:avLst/>
-          </a:prstGeom>
-        </p:spPr>
-      </p:pic>
     </p:spTree>
     <p:extLst>
       <p:ext uri="{BB962C8B-B14F-4D97-AF65-F5344CB8AC3E}">
-        <p14:creationId xmlns:p14="http://schemas.microsoft.com/office/powerpoint/2010/main" val="3503201643"/>
+        <p14:creationId xmlns:p14="http://schemas.microsoft.com/office/powerpoint/2010/main" val="2571974641"/>
       </p:ext>
     </p:extLst>
   </p:cSld>
   <p:clrMapOvr>
     <a:masterClrMapping/>
   </p:clrMapOvr>
-  <mc:AlternateContent xmlns:mc="http://schemas.openxmlformats.org/markup-compatibility/2006" xmlns:p14="http://schemas.microsoft.com/office/powerpoint/2010/main">
-    <mc:Choice Requires="p14">
-      <p:transition spd="med" p14:dur="700">
-        <p:fade/>
-      </p:transition>
-    </mc:Choice>
-    <mc:Fallback xmlns="">
-      <p:transition spd="med">
-        <p:fade/>
-      </p:transition>
-    </mc:Fallback>
-  </mc:AlternateContent>
   <p:timing>
     <p:tnLst>
       <p:par>
@@ -7491,9 +8895,6 @@
                     <p:cTn id="3" fill="hold">
                       <p:stCondLst>
                         <p:cond delay="indefinite"/>
-                        <p:cond evt="onBegin" delay="0">
-                          <p:tn val="2"/>
-                        </p:cond>
                       </p:stCondLst>
                       <p:childTnLst>
                         <p:par>
@@ -7503,20 +8904,195 @@
                             </p:stCondLst>
                             <p:childTnLst>
                               <p:par>
-                                <p:cTn id="5" presetID="10" presetClass="entr" presetSubtype="0" fill="hold" grpId="0" nodeType="afterEffect">
+                                <p:cTn id="5" presetID="50" presetClass="path" presetSubtype="0" accel="50000" decel="50000" fill="hold" nodeType="clickEffect">
+                                  <p:stCondLst>
+                                    <p:cond delay="0"/>
+                                  </p:stCondLst>
+                                  <p:childTnLst>
+                                    <p:animMotion origin="layout" path="M 4.79167E-6 -1.85185E-6 L 0.30494 -1.85185E-6 C 0.44153 -1.85185E-6 0.61002 -0.03819 0.61002 -0.06898 L 0.61002 -0.13773 " pathEditMode="relative" rAng="0" ptsTypes="AAAA">
+                                      <p:cBhvr>
+                                        <p:cTn id="6" dur="2000" fill="hold"/>
+                                        <p:tgtEl>
+                                          <p:spTgt spid="30"/>
+                                        </p:tgtEl>
+                                        <p:attrNameLst>
+                                          <p:attrName>ppt_x</p:attrName>
+                                          <p:attrName>ppt_y</p:attrName>
+                                        </p:attrNameLst>
+                                      </p:cBhvr>
+                                      <p:rCtr x="30495" y="-6898"/>
+                                    </p:animMotion>
+                                  </p:childTnLst>
+                                </p:cTn>
+                              </p:par>
+                            </p:childTnLst>
+                          </p:cTn>
+                        </p:par>
+                      </p:childTnLst>
+                    </p:cTn>
+                  </p:par>
+                  <p:par>
+                    <p:cTn id="7" fill="hold">
+                      <p:stCondLst>
+                        <p:cond delay="indefinite"/>
+                      </p:stCondLst>
+                      <p:childTnLst>
+                        <p:par>
+                          <p:cTn id="8" fill="hold">
+                            <p:stCondLst>
+                              <p:cond delay="0"/>
+                            </p:stCondLst>
+                            <p:childTnLst>
+                              <p:par>
+                                <p:cTn id="9" presetID="1" presetClass="entr" presetSubtype="0" fill="hold" nodeType="clickEffect">
                                   <p:stCondLst>
                                     <p:cond delay="0"/>
                                   </p:stCondLst>
                                   <p:childTnLst>
                                     <p:set>
                                       <p:cBhvr>
-                                        <p:cTn id="6" dur="1" fill="hold">
+                                        <p:cTn id="10" dur="1" fill="hold">
                                           <p:stCondLst>
                                             <p:cond delay="0"/>
                                           </p:stCondLst>
                                         </p:cTn>
                                         <p:tgtEl>
-                                          <p:spTgt spid="7"/>
+                                          <p:spTgt spid="23"/>
+                                        </p:tgtEl>
+                                        <p:attrNameLst>
+                                          <p:attrName>style.visibility</p:attrName>
+                                        </p:attrNameLst>
+                                      </p:cBhvr>
+                                      <p:to>
+                                        <p:strVal val="visible"/>
+                                      </p:to>
+                                    </p:set>
+                                  </p:childTnLst>
+                                </p:cTn>
+                              </p:par>
+                              <p:par>
+                                <p:cTn id="11" presetID="1" presetClass="entr" presetSubtype="0" fill="hold" nodeType="withEffect">
+                                  <p:stCondLst>
+                                    <p:cond delay="0"/>
+                                  </p:stCondLst>
+                                  <p:childTnLst>
+                                    <p:set>
+                                      <p:cBhvr>
+                                        <p:cTn id="12" dur="1" fill="hold">
+                                          <p:stCondLst>
+                                            <p:cond delay="0"/>
+                                          </p:stCondLst>
+                                        </p:cTn>
+                                        <p:tgtEl>
+                                          <p:spTgt spid="50"/>
+                                        </p:tgtEl>
+                                        <p:attrNameLst>
+                                          <p:attrName>style.visibility</p:attrName>
+                                        </p:attrNameLst>
+                                      </p:cBhvr>
+                                      <p:to>
+                                        <p:strVal val="visible"/>
+                                      </p:to>
+                                    </p:set>
+                                  </p:childTnLst>
+                                </p:cTn>
+                              </p:par>
+                              <p:par>
+                                <p:cTn id="13" presetID="1" presetClass="entr" presetSubtype="0" fill="hold" nodeType="withEffect">
+                                  <p:stCondLst>
+                                    <p:cond delay="0"/>
+                                  </p:stCondLst>
+                                  <p:childTnLst>
+                                    <p:set>
+                                      <p:cBhvr>
+                                        <p:cTn id="14" dur="1" fill="hold">
+                                          <p:stCondLst>
+                                            <p:cond delay="0"/>
+                                          </p:stCondLst>
+                                        </p:cTn>
+                                        <p:tgtEl>
+                                          <p:spTgt spid="19"/>
+                                        </p:tgtEl>
+                                        <p:attrNameLst>
+                                          <p:attrName>style.visibility</p:attrName>
+                                        </p:attrNameLst>
+                                      </p:cBhvr>
+                                      <p:to>
+                                        <p:strVal val="visible"/>
+                                      </p:to>
+                                    </p:set>
+                                  </p:childTnLst>
+                                </p:cTn>
+                              </p:par>
+                              <p:par>
+                                <p:cTn id="15" presetID="1" presetClass="entr" presetSubtype="0" fill="hold" nodeType="withEffect">
+                                  <p:stCondLst>
+                                    <p:cond delay="0"/>
+                                  </p:stCondLst>
+                                  <p:childTnLst>
+                                    <p:set>
+                                      <p:cBhvr>
+                                        <p:cTn id="16" dur="1" fill="hold">
+                                          <p:stCondLst>
+                                            <p:cond delay="0"/>
+                                          </p:stCondLst>
+                                        </p:cTn>
+                                        <p:tgtEl>
+                                          <p:spTgt spid="1030"/>
+                                        </p:tgtEl>
+                                        <p:attrNameLst>
+                                          <p:attrName>style.visibility</p:attrName>
+                                        </p:attrNameLst>
+                                      </p:cBhvr>
+                                      <p:to>
+                                        <p:strVal val="visible"/>
+                                      </p:to>
+                                    </p:set>
+                                  </p:childTnLst>
+                                </p:cTn>
+                              </p:par>
+                              <p:par>
+                                <p:cTn id="17" presetID="1" presetClass="entr" presetSubtype="0" fill="hold" nodeType="withEffect">
+                                  <p:stCondLst>
+                                    <p:cond delay="0"/>
+                                  </p:stCondLst>
+                                  <p:childTnLst>
+                                    <p:set>
+                                      <p:cBhvr>
+                                        <p:cTn id="18" dur="1" fill="hold">
+                                          <p:stCondLst>
+                                            <p:cond delay="0"/>
+                                          </p:stCondLst>
+                                        </p:cTn>
+                                        <p:tgtEl>
+                                          <p:spTgt spid="25"/>
+                                        </p:tgtEl>
+                                        <p:attrNameLst>
+                                          <p:attrName>style.visibility</p:attrName>
+                                        </p:attrNameLst>
+                                      </p:cBhvr>
+                                      <p:to>
+                                        <p:strVal val="visible"/>
+                                      </p:to>
+                                    </p:set>
+                                  </p:childTnLst>
+                                </p:cTn>
+                              </p:par>
+                              <p:par>
+                                <p:cTn id="19" presetID="10" presetClass="entr" presetSubtype="0" fill="hold" grpId="0" nodeType="withEffect">
+                                  <p:stCondLst>
+                                    <p:cond delay="0"/>
+                                  </p:stCondLst>
+                                  <p:childTnLst>
+                                    <p:set>
+                                      <p:cBhvr>
+                                        <p:cTn id="20" dur="1" fill="hold">
+                                          <p:stCondLst>
+                                            <p:cond delay="0"/>
+                                          </p:stCondLst>
+                                        </p:cTn>
+                                        <p:tgtEl>
+                                          <p:spTgt spid="44"/>
                                         </p:tgtEl>
                                         <p:attrNameLst>
                                           <p:attrName>style.visibility</p:attrName>
@@ -7528,9 +9104,9 @@
                                     </p:set>
                                     <p:animEffect transition="in" filter="fade">
                                       <p:cBhvr>
-                                        <p:cTn id="7" dur="500"/>
-                                        <p:tgtEl>
-                                          <p:spTgt spid="7"/>
+                                        <p:cTn id="21" dur="500"/>
+                                        <p:tgtEl>
+                                          <p:spTgt spid="44"/>
                                         </p:tgtEl>
                                       </p:cBhvr>
                                     </p:animEffect>
@@ -7538,20 +9114,65 @@
                                 </p:cTn>
                               </p:par>
                               <p:par>
-                                <p:cTn id="8" presetID="10" presetClass="entr" presetSubtype="0" fill="hold" nodeType="withEffect">
+                                <p:cTn id="22" presetID="1" presetClass="entr" presetSubtype="0" fill="hold" nodeType="withEffect">
                                   <p:stCondLst>
                                     <p:cond delay="0"/>
                                   </p:stCondLst>
                                   <p:childTnLst>
                                     <p:set>
                                       <p:cBhvr>
-                                        <p:cTn id="9" dur="1" fill="hold">
+                                        <p:cTn id="23" dur="1" fill="hold">
                                           <p:stCondLst>
                                             <p:cond delay="0"/>
                                           </p:stCondLst>
                                         </p:cTn>
                                         <p:tgtEl>
-                                          <p:spTgt spid="4"/>
+                                          <p:spTgt spid="10"/>
+                                        </p:tgtEl>
+                                        <p:attrNameLst>
+                                          <p:attrName>style.visibility</p:attrName>
+                                        </p:attrNameLst>
+                                      </p:cBhvr>
+                                      <p:to>
+                                        <p:strVal val="visible"/>
+                                      </p:to>
+                                    </p:set>
+                                  </p:childTnLst>
+                                </p:cTn>
+                              </p:par>
+                            </p:childTnLst>
+                          </p:cTn>
+                        </p:par>
+                      </p:childTnLst>
+                    </p:cTn>
+                  </p:par>
+                  <p:par>
+                    <p:cTn id="24" fill="hold">
+                      <p:stCondLst>
+                        <p:cond delay="indefinite"/>
+                      </p:stCondLst>
+                      <p:childTnLst>
+                        <p:par>
+                          <p:cTn id="25" fill="hold">
+                            <p:stCondLst>
+                              <p:cond delay="0"/>
+                            </p:stCondLst>
+                            <p:childTnLst>
+                              <p:par>
+                                <p:cTn id="26" presetID="10" presetClass="entr" presetSubtype="0" fill="hold" nodeType="clickEffect">
+                                  <p:stCondLst>
+                                    <p:cond delay="0"/>
+                                  </p:stCondLst>
+                                  <p:childTnLst>
+                                    <p:set>
+                                      <p:cBhvr>
+                                        <p:cTn id="27" dur="1" fill="hold">
+                                          <p:stCondLst>
+                                            <p:cond delay="0"/>
+                                          </p:stCondLst>
+                                        </p:cTn>
+                                        <p:tgtEl>
+                                          <p:spTgt spid="45"/>
                                         </p:tgtEl>
                                         <p:attrNameLst>
                                           <p:attrName>style.visibility</p:attrName>
@@ -7563,79 +9184,9 @@
                                     </p:set>
                                     <p:animEffect transition="in" filter="fade">
                                       <p:cBhvr>
-                                        <p:cTn id="10" dur="500"/>
-                                        <p:tgtEl>
-                                          <p:spTgt spid="4"/>
-                                        </p:tgtEl>
-                                      </p:cBhvr>
-                                    </p:animEffect>
-                                  </p:childTnLst>
-                                </p:cTn>
-                              </p:par>
-                              <p:par>
-                                <p:cTn id="11" presetID="10" presetClass="entr" presetSubtype="0" fill="hold" nodeType="withEffect">
-                                  <p:stCondLst>
-                                    <p:cond delay="0"/>
-                                  </p:stCondLst>
-                                  <p:childTnLst>
-                                    <p:set>
-                                      <p:cBhvr>
-                                        <p:cTn id="12" dur="1" fill="hold">
-                                          <p:stCondLst>
-                                            <p:cond delay="0"/>
-                                          </p:stCondLst>
-                                        </p:cTn>
-                                        <p:tgtEl>
-                                          <p:spTgt spid="2"/>
-                                        </p:tgtEl>
-                                        <p:attrNameLst>
-                                          <p:attrName>style.visibility</p:attrName>
-                                        </p:attrNameLst>
-                                      </p:cBhvr>
-                                      <p:to>
-                                        <p:strVal val="visible"/>
-                                      </p:to>
-                                    </p:set>
-                                    <p:animEffect transition="in" filter="fade">
-                                      <p:cBhvr>
-                                        <p:cTn id="13" dur="500"/>
-                                        <p:tgtEl>
-                                          <p:spTgt spid="2"/>
-                                        </p:tgtEl>
-                                      </p:cBhvr>
-                                    </p:animEffect>
-                                  </p:childTnLst>
-                                </p:cTn>
-                              </p:par>
-                              <p:par>
-                                <p:cTn id="14" presetID="10" presetClass="entr" presetSubtype="0" fill="hold" nodeType="withEffect">
-                                  <p:stCondLst>
-                                    <p:cond delay="0"/>
-                                  </p:stCondLst>
-                                  <p:childTnLst>
-                                    <p:set>
-                                      <p:cBhvr>
-                                        <p:cTn id="15" dur="1" fill="hold">
-                                          <p:stCondLst>
-                                            <p:cond delay="0"/>
-                                          </p:stCondLst>
-                                        </p:cTn>
-                                        <p:tgtEl>
-                                          <p:spTgt spid="6"/>
-                                        </p:tgtEl>
-                                        <p:attrNameLst>
-                                          <p:attrName>style.visibility</p:attrName>
-                                        </p:attrNameLst>
-                                      </p:cBhvr>
-                                      <p:to>
-                                        <p:strVal val="visible"/>
-                                      </p:to>
-                                    </p:set>
-                                    <p:animEffect transition="in" filter="fade">
-                                      <p:cBhvr>
-                                        <p:cTn id="16" dur="500"/>
-                                        <p:tgtEl>
-                                          <p:spTgt spid="6"/>
+                                        <p:cTn id="28" dur="500"/>
+                                        <p:tgtEl>
+                                          <p:spTgt spid="45"/>
                                         </p:tgtEl>
                                       </p:cBhvr>
                                     </p:animEffect>
@@ -7670,7 +9221,7 @@
       </p:par>
     </p:tnLst>
     <p:bldLst>
-      <p:bldP spid="7" grpId="0"/>
+      <p:bldP spid="44" grpId="0"/>
     </p:bldLst>
   </p:timing>
 </p:sld>
@@ -7709,8 +9260,8 @@
         </p:nvCxnSpPr>
         <p:spPr>
           <a:xfrm>
-            <a:off x="3299198" y="1162465"/>
-            <a:ext cx="4956906" cy="0"/>
+            <a:off x="3896139" y="1162465"/>
+            <a:ext cx="3816626" cy="0"/>
           </a:xfrm>
           <a:prstGeom prst="straightConnector1">
             <a:avLst/>
@@ -8241,8 +9792,8 @@
         </p:nvCxnSpPr>
         <p:spPr>
           <a:xfrm>
-            <a:off x="3299198" y="1162465"/>
-            <a:ext cx="4956906" cy="0"/>
+            <a:off x="3710609" y="1162465"/>
+            <a:ext cx="4439478" cy="0"/>
           </a:xfrm>
           <a:prstGeom prst="straightConnector1">
             <a:avLst/>
@@ -10337,6 +11888,41 @@
                                   </p:childTnLst>
                                 </p:cTn>
                               </p:par>
+                              <p:par>
+                                <p:cTn id="23" presetID="10" presetClass="entr" presetSubtype="0" fill="hold" nodeType="withEffect">
+                                  <p:stCondLst>
+                                    <p:cond delay="0"/>
+                                  </p:stCondLst>
+                                  <p:childTnLst>
+                                    <p:set>
+                                      <p:cBhvr>
+                                        <p:cTn id="24" dur="1" fill="hold">
+                                          <p:stCondLst>
+                                            <p:cond delay="0"/>
+                                          </p:stCondLst>
+                                        </p:cTn>
+                                        <p:tgtEl>
+                                          <p:spTgt spid="3"/>
+                                        </p:tgtEl>
+                                        <p:attrNameLst>
+                                          <p:attrName>style.visibility</p:attrName>
+                                        </p:attrNameLst>
+                                      </p:cBhvr>
+                                      <p:to>
+                                        <p:strVal val="visible"/>
+                                      </p:to>
+                                    </p:set>
+                                    <p:animEffect transition="in" filter="fade">
+                                      <p:cBhvr>
+                                        <p:cTn id="25" dur="500"/>
+                                        <p:tgtEl>
+                                          <p:spTgt spid="3"/>
+                                        </p:tgtEl>
+                                      </p:cBhvr>
+                                    </p:animEffect>
+                                  </p:childTnLst>
+                                </p:cTn>
+                              </p:par>
                             </p:childTnLst>
                           </p:cTn>
                         </p:par>

--- a/Documentação/Slide Final.pptx
+++ b/Documentação/Slide Final.pptx
@@ -9140,33 +9140,15 @@
                                   </p:childTnLst>
                                 </p:cTn>
                               </p:par>
-                            </p:childTnLst>
-                          </p:cTn>
-                        </p:par>
-                      </p:childTnLst>
-                    </p:cTn>
-                  </p:par>
-                  <p:par>
-                    <p:cTn id="24" fill="hold">
-                      <p:stCondLst>
-                        <p:cond delay="indefinite"/>
-                      </p:stCondLst>
-                      <p:childTnLst>
-                        <p:par>
-                          <p:cTn id="25" fill="hold">
-                            <p:stCondLst>
-                              <p:cond delay="0"/>
-                            </p:stCondLst>
-                            <p:childTnLst>
                               <p:par>
-                                <p:cTn id="26" presetID="10" presetClass="entr" presetSubtype="0" fill="hold" nodeType="clickEffect">
+                                <p:cTn id="24" presetID="10" presetClass="entr" presetSubtype="0" fill="hold" nodeType="withEffect">
                                   <p:stCondLst>
                                     <p:cond delay="0"/>
                                   </p:stCondLst>
                                   <p:childTnLst>
                                     <p:set>
                                       <p:cBhvr>
-                                        <p:cTn id="27" dur="1" fill="hold">
+                                        <p:cTn id="25" dur="1" fill="hold">
                                           <p:stCondLst>
                                             <p:cond delay="0"/>
                                           </p:stCondLst>
@@ -9184,7 +9166,7 @@
                                     </p:set>
                                     <p:animEffect transition="in" filter="fade">
                                       <p:cBhvr>
-                                        <p:cTn id="28" dur="500"/>
+                                        <p:cTn id="26" dur="500"/>
                                         <p:tgtEl>
                                           <p:spTgt spid="45"/>
                                         </p:tgtEl>
@@ -9339,7 +9321,7 @@
               <a:rPr lang="pt-BR" dirty="0">
                 <a:latin typeface="Bariol Bold" panose="02000506040000020003"/>
               </a:rPr>
-              <a:t>Pausas – NR-17</a:t>
+              <a:t>NR-17 - Pausas</a:t>
             </a:r>
             <a:endParaRPr lang="pt-BR" dirty="0">
               <a:solidFill>
@@ -9355,42 +9337,6 @@
       </p:sp>
       <p:pic>
         <p:nvPicPr>
-          <p:cNvPr id="3" name="Imagem 2" descr="Uma imagem contendo mesa, atletismo&#10;&#10;Descrição gerada automaticamente">
-            <a:extLst>
-              <a:ext uri="{FF2B5EF4-FFF2-40B4-BE49-F238E27FC236}">
-                <a16:creationId xmlns:a16="http://schemas.microsoft.com/office/drawing/2014/main" id="{4F1DEA53-EAA9-41BE-AAAD-67147C20EFA3}"/>
-              </a:ext>
-            </a:extLst>
-          </p:cNvPr>
-          <p:cNvPicPr>
-            <a:picLocks noChangeAspect="1"/>
-          </p:cNvPicPr>
-          <p:nvPr/>
-        </p:nvPicPr>
-        <p:blipFill>
-          <a:blip r:embed="rId2">
-            <a:extLst>
-              <a:ext uri="{28A0092B-C50C-407E-A947-70E740481C1C}">
-                <a14:useLocalDpi xmlns:a14="http://schemas.microsoft.com/office/drawing/2010/main" val="0"/>
-              </a:ext>
-            </a:extLst>
-          </a:blip>
-          <a:stretch>
-            <a:fillRect/>
-          </a:stretch>
-        </p:blipFill>
-        <p:spPr>
-          <a:xfrm>
-            <a:off x="6574128" y="1470532"/>
-            <a:ext cx="5435201" cy="4221565"/>
-          </a:xfrm>
-          <a:prstGeom prst="rect">
-            <a:avLst/>
-          </a:prstGeom>
-        </p:spPr>
-      </p:pic>
-      <p:pic>
-        <p:nvPicPr>
           <p:cNvPr id="4" name="Picture 2">
             <a:extLst>
               <a:ext uri="{FF2B5EF4-FFF2-40B4-BE49-F238E27FC236}">
@@ -9404,7 +9350,7 @@
           <p:nvPr/>
         </p:nvPicPr>
         <p:blipFill>
-          <a:blip r:embed="rId3" cstate="print">
+          <a:blip r:embed="rId2" cstate="print">
             <a:extLst>
               <a:ext uri="{28A0092B-C50C-407E-A947-70E740481C1C}">
                 <a14:useLocalDpi xmlns:a14="http://schemas.microsoft.com/office/drawing/2010/main" val="0"/>
@@ -9593,7 +9539,7 @@
                                           </p:stCondLst>
                                         </p:cTn>
                                         <p:tgtEl>
-                                          <p:spTgt spid="3"/>
+                                          <p:spTgt spid="4"/>
                                         </p:tgtEl>
                                         <p:attrNameLst>
                                           <p:attrName>style.visibility</p:attrName>
@@ -9607,7 +9553,7 @@
                                       <p:cBhvr>
                                         <p:cTn id="10" dur="500"/>
                                         <p:tgtEl>
-                                          <p:spTgt spid="3"/>
+                                          <p:spTgt spid="4"/>
                                         </p:tgtEl>
                                       </p:cBhvr>
                                     </p:animEffect>
@@ -9628,7 +9574,7 @@
                                           </p:stCondLst>
                                         </p:cTn>
                                         <p:tgtEl>
-                                          <p:spTgt spid="4"/>
+                                          <p:spTgt spid="2"/>
                                         </p:tgtEl>
                                         <p:attrNameLst>
                                           <p:attrName>style.visibility</p:attrName>
@@ -9642,7 +9588,7 @@
                                       <p:cBhvr>
                                         <p:cTn id="13" dur="500"/>
                                         <p:tgtEl>
-                                          <p:spTgt spid="4"/>
+                                          <p:spTgt spid="2"/>
                                         </p:tgtEl>
                                       </p:cBhvr>
                                     </p:animEffect>
@@ -9650,10 +9596,15 @@
                                 </p:cTn>
                               </p:par>
                               <p:par>
-                                <p:cTn id="14" presetID="10" presetClass="entr" presetSubtype="0" fill="hold" nodeType="withEffect">
+                                <p:cTn id="14" presetID="10" presetClass="entr" presetSubtype="0" fill="hold" grpId="0" nodeType="withEffect" nodePh="1">
                                   <p:stCondLst>
                                     <p:cond delay="0"/>
                                   </p:stCondLst>
+                                  <p:endCondLst>
+                                    <p:cond evt="begin" delay="0">
+                                      <p:tn val="14"/>
+                                    </p:cond>
+                                  </p:endCondLst>
                                   <p:childTnLst>
                                     <p:set>
                                       <p:cBhvr>
@@ -9663,7 +9614,7 @@
                                           </p:stCondLst>
                                         </p:cTn>
                                         <p:tgtEl>
-                                          <p:spTgt spid="2"/>
+                                          <p:spTgt spid="5"/>
                                         </p:tgtEl>
                                         <p:attrNameLst>
                                           <p:attrName>style.visibility</p:attrName>
@@ -9676,46 +9627,6 @@
                                     <p:animEffect transition="in" filter="fade">
                                       <p:cBhvr>
                                         <p:cTn id="16" dur="500"/>
-                                        <p:tgtEl>
-                                          <p:spTgt spid="2"/>
-                                        </p:tgtEl>
-                                      </p:cBhvr>
-                                    </p:animEffect>
-                                  </p:childTnLst>
-                                </p:cTn>
-                              </p:par>
-                              <p:par>
-                                <p:cTn id="17" presetID="10" presetClass="entr" presetSubtype="0" fill="hold" grpId="0" nodeType="withEffect" nodePh="1">
-                                  <p:stCondLst>
-                                    <p:cond delay="0"/>
-                                  </p:stCondLst>
-                                  <p:endCondLst>
-                                    <p:cond evt="begin" delay="0">
-                                      <p:tn val="17"/>
-                                    </p:cond>
-                                  </p:endCondLst>
-                                  <p:childTnLst>
-                                    <p:set>
-                                      <p:cBhvr>
-                                        <p:cTn id="18" dur="1" fill="hold">
-                                          <p:stCondLst>
-                                            <p:cond delay="0"/>
-                                          </p:stCondLst>
-                                        </p:cTn>
-                                        <p:tgtEl>
-                                          <p:spTgt spid="5"/>
-                                        </p:tgtEl>
-                                        <p:attrNameLst>
-                                          <p:attrName>style.visibility</p:attrName>
-                                        </p:attrNameLst>
-                                      </p:cBhvr>
-                                      <p:to>
-                                        <p:strVal val="visible"/>
-                                      </p:to>
-                                    </p:set>
-                                    <p:animEffect transition="in" filter="fade">
-                                      <p:cBhvr>
-                                        <p:cTn id="19" dur="500"/>
                                         <p:tgtEl>
                                           <p:spTgt spid="5"/>
                                         </p:tgtEl>

--- a/Documentação/Slide Final.pptx
+++ b/Documentação/Slide Final.pptx
@@ -137,9 +137,109 @@
 <file path=ppt/revisionInfo.xml><?xml version="1.0" encoding="utf-8"?>
 <p1510:revInfo xmlns:a="http://schemas.openxmlformats.org/drawingml/2006/main" xmlns:r="http://schemas.openxmlformats.org/officeDocument/2006/relationships" xmlns:p1510="http://schemas.microsoft.com/office/powerpoint/2015/10/main">
   <p1510:revLst>
+    <p1510:client id="{078B8577-BF32-FA44-A8CB-101DF5E68883}" v="144" dt="2020-12-07T19:38:46.974"/>
     <p1510:client id="{5178E798-E1EE-8E7D-7A3F-33DA64B29143}" v="155" dt="2020-09-15T15:40:50.270"/>
   </p1510:revLst>
 </p1510:revInfo>
+</file>
+
+<file path=ppt/changesInfos/changesInfo1.xml><?xml version="1.0" encoding="utf-8"?>
+<pc:chgInfo xmlns:a="http://schemas.openxmlformats.org/drawingml/2006/main" xmlns:r="http://schemas.openxmlformats.org/officeDocument/2006/relationships" xmlns:ac="http://schemas.microsoft.com/office/drawing/2013/main/command" xmlns:pc="http://schemas.microsoft.com/office/powerpoint/2013/main/command">
+  <pc:docChgLst>
+    <pc:chgData name="LARISSA CUSTÓDIO DE SOUSA ." userId="S::larissa.sousa@bandtec.com.br::f4b4688a-dc70-4097-8abb-c8c2a33d9f81" providerId="AD" clId="Web-{078B8577-BF32-FA44-A8CB-101DF5E68883}"/>
+    <pc:docChg chg="modSld">
+      <pc:chgData name="LARISSA CUSTÓDIO DE SOUSA ." userId="S::larissa.sousa@bandtec.com.br::f4b4688a-dc70-4097-8abb-c8c2a33d9f81" providerId="AD" clId="Web-{078B8577-BF32-FA44-A8CB-101DF5E68883}" dt="2020-12-07T19:38:46.974" v="139" actId="1076"/>
+      <pc:docMkLst>
+        <pc:docMk/>
+      </pc:docMkLst>
+      <pc:sldChg chg="addSp delSp addAnim delAnim">
+        <pc:chgData name="LARISSA CUSTÓDIO DE SOUSA ." userId="S::larissa.sousa@bandtec.com.br::f4b4688a-dc70-4097-8abb-c8c2a33d9f81" providerId="AD" clId="Web-{078B8577-BF32-FA44-A8CB-101DF5E68883}" dt="2020-12-07T19:37:19.472" v="66"/>
+        <pc:sldMkLst>
+          <pc:docMk/>
+          <pc:sldMk cId="2571974641" sldId="267"/>
+        </pc:sldMkLst>
+        <pc:spChg chg="add del">
+          <ac:chgData name="LARISSA CUSTÓDIO DE SOUSA ." userId="S::larissa.sousa@bandtec.com.br::f4b4688a-dc70-4097-8abb-c8c2a33d9f81" providerId="AD" clId="Web-{078B8577-BF32-FA44-A8CB-101DF5E68883}" dt="2020-12-07T19:37:19.472" v="66"/>
+          <ac:spMkLst>
+            <pc:docMk/>
+            <pc:sldMk cId="2571974641" sldId="267"/>
+            <ac:spMk id="3" creationId="{37C9A19F-F5B2-41DB-833B-7A4B0204CBA6}"/>
+          </ac:spMkLst>
+        </pc:spChg>
+      </pc:sldChg>
+      <pc:sldChg chg="addSp delSp modSp addAnim delAnim">
+        <pc:chgData name="LARISSA CUSTÓDIO DE SOUSA ." userId="S::larissa.sousa@bandtec.com.br::f4b4688a-dc70-4097-8abb-c8c2a33d9f81" providerId="AD" clId="Web-{078B8577-BF32-FA44-A8CB-101DF5E68883}" dt="2020-12-07T19:38:02.770" v="103" actId="1076"/>
+        <pc:sldMkLst>
+          <pc:docMk/>
+          <pc:sldMk cId="1996836133" sldId="291"/>
+        </pc:sldMkLst>
+        <pc:spChg chg="add mod">
+          <ac:chgData name="LARISSA CUSTÓDIO DE SOUSA ." userId="S::larissa.sousa@bandtec.com.br::f4b4688a-dc70-4097-8abb-c8c2a33d9f81" providerId="AD" clId="Web-{078B8577-BF32-FA44-A8CB-101DF5E68883}" dt="2020-12-07T19:03:41.155" v="64" actId="20577"/>
+          <ac:spMkLst>
+            <pc:docMk/>
+            <pc:sldMk cId="1996836133" sldId="291"/>
+            <ac:spMk id="3" creationId="{27E3AB54-2809-4032-914E-DED0C0F653BC}"/>
+          </ac:spMkLst>
+        </pc:spChg>
+        <pc:spChg chg="mod">
+          <ac:chgData name="LARISSA CUSTÓDIO DE SOUSA ." userId="S::larissa.sousa@bandtec.com.br::f4b4688a-dc70-4097-8abb-c8c2a33d9f81" providerId="AD" clId="Web-{078B8577-BF32-FA44-A8CB-101DF5E68883}" dt="2020-12-07T18:55:33.354" v="1" actId="1076"/>
+          <ac:spMkLst>
+            <pc:docMk/>
+            <pc:sldMk cId="1996836133" sldId="291"/>
+            <ac:spMk id="5" creationId="{00000000-0000-0000-0000-000000000000}"/>
+          </ac:spMkLst>
+        </pc:spChg>
+        <pc:spChg chg="add mod">
+          <ac:chgData name="LARISSA CUSTÓDIO DE SOUSA ." userId="S::larissa.sousa@bandtec.com.br::f4b4688a-dc70-4097-8abb-c8c2a33d9f81" providerId="AD" clId="Web-{078B8577-BF32-FA44-A8CB-101DF5E68883}" dt="2020-12-07T19:38:02.770" v="103" actId="1076"/>
+          <ac:spMkLst>
+            <pc:docMk/>
+            <pc:sldMk cId="1996836133" sldId="291"/>
+            <ac:spMk id="6" creationId="{9B28AA84-B7D2-4932-BBB0-7C84E95816AA}"/>
+          </ac:spMkLst>
+        </pc:spChg>
+        <pc:spChg chg="del mod">
+          <ac:chgData name="LARISSA CUSTÓDIO DE SOUSA ." userId="S::larissa.sousa@bandtec.com.br::f4b4688a-dc70-4097-8abb-c8c2a33d9f81" providerId="AD" clId="Web-{078B8577-BF32-FA44-A8CB-101DF5E68883}" dt="2020-12-07T19:37:58.254" v="102"/>
+          <ac:spMkLst>
+            <pc:docMk/>
+            <pc:sldMk cId="1996836133" sldId="291"/>
+            <ac:spMk id="7" creationId="{99F76FBE-1BC2-4EE6-B90A-22263BF7BDCD}"/>
+          </ac:spMkLst>
+        </pc:spChg>
+        <pc:spChg chg="add mod">
+          <ac:chgData name="LARISSA CUSTÓDIO DE SOUSA ." userId="S::larissa.sousa@bandtec.com.br::f4b4688a-dc70-4097-8abb-c8c2a33d9f81" providerId="AD" clId="Web-{078B8577-BF32-FA44-A8CB-101DF5E68883}" dt="2020-12-07T19:01:21.586" v="63" actId="1076"/>
+          <ac:spMkLst>
+            <pc:docMk/>
+            <pc:sldMk cId="1996836133" sldId="291"/>
+            <ac:spMk id="9" creationId="{EBB80C0C-4FE5-48FC-B252-929E12B048EF}"/>
+          </ac:spMkLst>
+        </pc:spChg>
+      </pc:sldChg>
+      <pc:sldChg chg="addSp delSp modSp addAnim delAnim">
+        <pc:chgData name="LARISSA CUSTÓDIO DE SOUSA ." userId="S::larissa.sousa@bandtec.com.br::f4b4688a-dc70-4097-8abb-c8c2a33d9f81" providerId="AD" clId="Web-{078B8577-BF32-FA44-A8CB-101DF5E68883}" dt="2020-12-07T19:38:46.974" v="139" actId="1076"/>
+        <pc:sldMkLst>
+          <pc:docMk/>
+          <pc:sldMk cId="3013284141" sldId="313"/>
+        </pc:sldMkLst>
+        <pc:spChg chg="add mod">
+          <ac:chgData name="LARISSA CUSTÓDIO DE SOUSA ." userId="S::larissa.sousa@bandtec.com.br::f4b4688a-dc70-4097-8abb-c8c2a33d9f81" providerId="AD" clId="Web-{078B8577-BF32-FA44-A8CB-101DF5E68883}" dt="2020-12-07T19:38:46.974" v="139" actId="1076"/>
+          <ac:spMkLst>
+            <pc:docMk/>
+            <pc:sldMk cId="3013284141" sldId="313"/>
+            <ac:spMk id="6" creationId="{850C9A9E-9E30-4FA2-8897-BA2B34F6684E}"/>
+          </ac:spMkLst>
+        </pc:spChg>
+        <pc:spChg chg="del">
+          <ac:chgData name="LARISSA CUSTÓDIO DE SOUSA ." userId="S::larissa.sousa@bandtec.com.br::f4b4688a-dc70-4097-8abb-c8c2a33d9f81" providerId="AD" clId="Web-{078B8577-BF32-FA44-A8CB-101DF5E68883}" dt="2020-12-07T19:38:18.583" v="106"/>
+          <ac:spMkLst>
+            <pc:docMk/>
+            <pc:sldMk cId="3013284141" sldId="313"/>
+            <ac:spMk id="7" creationId="{99F76FBE-1BC2-4EE6-B90A-22263BF7BDCD}"/>
+          </ac:spMkLst>
+        </pc:spChg>
+      </pc:sldChg>
+    </pc:docChg>
+  </pc:docChgLst>
+</pc:chgInfo>
 </file>
 
 <file path=ppt/slideLayouts/slideLayout1.xml><?xml version="1.0" encoding="utf-8"?>
@@ -271,7 +371,7 @@
           <a:p>
             <a:fld id="{F50B35C2-D55D-43EC-A9F9-87B33DB15AB7}" type="datetimeFigureOut">
               <a:rPr lang="pt-BR" smtClean="0"/>
-              <a:t>06/12/2020</a:t>
+              <a:t>07/12/2020</a:t>
             </a:fld>
             <a:endParaRPr lang="pt-BR"/>
           </a:p>
@@ -313,7 +413,7 @@
           <a:p>
             <a:fld id="{BD136F2D-A4D6-49ED-BC18-D450E2FF51EC}" type="slidenum">
               <a:rPr lang="pt-BR" smtClean="0"/>
-              <a:t>‹nº›</a:t>
+              <a:t>‹#›</a:t>
             </a:fld>
             <a:endParaRPr lang="pt-BR"/>
           </a:p>
@@ -439,7 +539,7 @@
           <a:p>
             <a:fld id="{F50B35C2-D55D-43EC-A9F9-87B33DB15AB7}" type="datetimeFigureOut">
               <a:rPr lang="pt-BR" smtClean="0"/>
-              <a:t>06/12/2020</a:t>
+              <a:t>07/12/2020</a:t>
             </a:fld>
             <a:endParaRPr lang="pt-BR"/>
           </a:p>
@@ -481,7 +581,7 @@
           <a:p>
             <a:fld id="{BD136F2D-A4D6-49ED-BC18-D450E2FF51EC}" type="slidenum">
               <a:rPr lang="pt-BR" smtClean="0"/>
-              <a:t>‹nº›</a:t>
+              <a:t>‹#›</a:t>
             </a:fld>
             <a:endParaRPr lang="pt-BR"/>
           </a:p>
@@ -617,7 +717,7 @@
           <a:p>
             <a:fld id="{F50B35C2-D55D-43EC-A9F9-87B33DB15AB7}" type="datetimeFigureOut">
               <a:rPr lang="pt-BR" smtClean="0"/>
-              <a:t>06/12/2020</a:t>
+              <a:t>07/12/2020</a:t>
             </a:fld>
             <a:endParaRPr lang="pt-BR"/>
           </a:p>
@@ -659,7 +759,7 @@
           <a:p>
             <a:fld id="{BD136F2D-A4D6-49ED-BC18-D450E2FF51EC}" type="slidenum">
               <a:rPr lang="pt-BR" smtClean="0"/>
-              <a:t>‹nº›</a:t>
+              <a:t>‹#›</a:t>
             </a:fld>
             <a:endParaRPr lang="pt-BR"/>
           </a:p>
@@ -785,7 +885,7 @@
           <a:p>
             <a:fld id="{F50B35C2-D55D-43EC-A9F9-87B33DB15AB7}" type="datetimeFigureOut">
               <a:rPr lang="pt-BR" smtClean="0"/>
-              <a:t>06/12/2020</a:t>
+              <a:t>07/12/2020</a:t>
             </a:fld>
             <a:endParaRPr lang="pt-BR"/>
           </a:p>
@@ -827,7 +927,7 @@
           <a:p>
             <a:fld id="{BD136F2D-A4D6-49ED-BC18-D450E2FF51EC}" type="slidenum">
               <a:rPr lang="pt-BR" smtClean="0"/>
-              <a:t>‹nº›</a:t>
+              <a:t>‹#›</a:t>
             </a:fld>
             <a:endParaRPr lang="pt-BR"/>
           </a:p>
@@ -1030,7 +1130,7 @@
           <a:p>
             <a:fld id="{F50B35C2-D55D-43EC-A9F9-87B33DB15AB7}" type="datetimeFigureOut">
               <a:rPr lang="pt-BR" smtClean="0"/>
-              <a:t>06/12/2020</a:t>
+              <a:t>07/12/2020</a:t>
             </a:fld>
             <a:endParaRPr lang="pt-BR"/>
           </a:p>
@@ -1072,7 +1172,7 @@
           <a:p>
             <a:fld id="{BD136F2D-A4D6-49ED-BC18-D450E2FF51EC}" type="slidenum">
               <a:rPr lang="pt-BR" smtClean="0"/>
-              <a:t>‹nº›</a:t>
+              <a:t>‹#›</a:t>
             </a:fld>
             <a:endParaRPr lang="pt-BR"/>
           </a:p>
@@ -1259,7 +1359,7 @@
           <a:p>
             <a:fld id="{F50B35C2-D55D-43EC-A9F9-87B33DB15AB7}" type="datetimeFigureOut">
               <a:rPr lang="pt-BR" smtClean="0"/>
-              <a:t>06/12/2020</a:t>
+              <a:t>07/12/2020</a:t>
             </a:fld>
             <a:endParaRPr lang="pt-BR"/>
           </a:p>
@@ -1301,7 +1401,7 @@
           <a:p>
             <a:fld id="{BD136F2D-A4D6-49ED-BC18-D450E2FF51EC}" type="slidenum">
               <a:rPr lang="pt-BR" smtClean="0"/>
-              <a:t>‹nº›</a:t>
+              <a:t>‹#›</a:t>
             </a:fld>
             <a:endParaRPr lang="pt-BR"/>
           </a:p>
@@ -1623,7 +1723,7 @@
           <a:p>
             <a:fld id="{F50B35C2-D55D-43EC-A9F9-87B33DB15AB7}" type="datetimeFigureOut">
               <a:rPr lang="pt-BR" smtClean="0"/>
-              <a:t>06/12/2020</a:t>
+              <a:t>07/12/2020</a:t>
             </a:fld>
             <a:endParaRPr lang="pt-BR"/>
           </a:p>
@@ -1665,7 +1765,7 @@
           <a:p>
             <a:fld id="{BD136F2D-A4D6-49ED-BC18-D450E2FF51EC}" type="slidenum">
               <a:rPr lang="pt-BR" smtClean="0"/>
-              <a:t>‹nº›</a:t>
+              <a:t>‹#›</a:t>
             </a:fld>
             <a:endParaRPr lang="pt-BR"/>
           </a:p>
@@ -1740,7 +1840,7 @@
           <a:p>
             <a:fld id="{F50B35C2-D55D-43EC-A9F9-87B33DB15AB7}" type="datetimeFigureOut">
               <a:rPr lang="pt-BR" smtClean="0"/>
-              <a:t>06/12/2020</a:t>
+              <a:t>07/12/2020</a:t>
             </a:fld>
             <a:endParaRPr lang="pt-BR"/>
           </a:p>
@@ -1782,7 +1882,7 @@
           <a:p>
             <a:fld id="{BD136F2D-A4D6-49ED-BC18-D450E2FF51EC}" type="slidenum">
               <a:rPr lang="pt-BR" smtClean="0"/>
-              <a:t>‹nº›</a:t>
+              <a:t>‹#›</a:t>
             </a:fld>
             <a:endParaRPr lang="pt-BR"/>
           </a:p>
@@ -1835,7 +1935,7 @@
           <a:p>
             <a:fld id="{F50B35C2-D55D-43EC-A9F9-87B33DB15AB7}" type="datetimeFigureOut">
               <a:rPr lang="pt-BR" smtClean="0"/>
-              <a:t>06/12/2020</a:t>
+              <a:t>07/12/2020</a:t>
             </a:fld>
             <a:endParaRPr lang="pt-BR"/>
           </a:p>
@@ -1877,7 +1977,7 @@
           <a:p>
             <a:fld id="{BD136F2D-A4D6-49ED-BC18-D450E2FF51EC}" type="slidenum">
               <a:rPr lang="pt-BR" smtClean="0"/>
-              <a:t>‹nº›</a:t>
+              <a:t>‹#›</a:t>
             </a:fld>
             <a:endParaRPr lang="pt-BR"/>
           </a:p>
@@ -2110,7 +2210,7 @@
           <a:p>
             <a:fld id="{F50B35C2-D55D-43EC-A9F9-87B33DB15AB7}" type="datetimeFigureOut">
               <a:rPr lang="pt-BR" smtClean="0"/>
-              <a:t>06/12/2020</a:t>
+              <a:t>07/12/2020</a:t>
             </a:fld>
             <a:endParaRPr lang="pt-BR"/>
           </a:p>
@@ -2152,7 +2252,7 @@
           <a:p>
             <a:fld id="{BD136F2D-A4D6-49ED-BC18-D450E2FF51EC}" type="slidenum">
               <a:rPr lang="pt-BR" smtClean="0"/>
-              <a:t>‹nº›</a:t>
+              <a:t>‹#›</a:t>
             </a:fld>
             <a:endParaRPr lang="pt-BR"/>
           </a:p>
@@ -2362,7 +2462,7 @@
           <a:p>
             <a:fld id="{F50B35C2-D55D-43EC-A9F9-87B33DB15AB7}" type="datetimeFigureOut">
               <a:rPr lang="pt-BR" smtClean="0"/>
-              <a:t>06/12/2020</a:t>
+              <a:t>07/12/2020</a:t>
             </a:fld>
             <a:endParaRPr lang="pt-BR"/>
           </a:p>
@@ -2404,7 +2504,7 @@
           <a:p>
             <a:fld id="{BD136F2D-A4D6-49ED-BC18-D450E2FF51EC}" type="slidenum">
               <a:rPr lang="pt-BR" smtClean="0"/>
-              <a:t>‹nº›</a:t>
+              <a:t>‹#›</a:t>
             </a:fld>
             <a:endParaRPr lang="pt-BR"/>
           </a:p>
@@ -2573,7 +2673,7 @@
           <a:p>
             <a:fld id="{F50B35C2-D55D-43EC-A9F9-87B33DB15AB7}" type="datetimeFigureOut">
               <a:rPr lang="pt-BR" smtClean="0"/>
-              <a:t>06/12/2020</a:t>
+              <a:t>07/12/2020</a:t>
             </a:fld>
             <a:endParaRPr lang="pt-BR"/>
           </a:p>
@@ -2651,7 +2751,7 @@
           <a:p>
             <a:fld id="{BD136F2D-A4D6-49ED-BC18-D450E2FF51EC}" type="slidenum">
               <a:rPr lang="pt-BR" smtClean="0"/>
-              <a:t>‹nº›</a:t>
+              <a:t>‹#›</a:t>
             </a:fld>
             <a:endParaRPr lang="pt-BR"/>
           </a:p>
@@ -9269,72 +9369,6 @@
           </a:fontRef>
         </p:style>
       </p:cxnSp>
-      <p:sp>
-        <p:nvSpPr>
-          <p:cNvPr id="7" name="Título 1">
-            <a:extLst>
-              <a:ext uri="{FF2B5EF4-FFF2-40B4-BE49-F238E27FC236}">
-                <a16:creationId xmlns:a16="http://schemas.microsoft.com/office/drawing/2014/main" id="{99F76FBE-1BC2-4EE6-B90A-22263BF7BDCD}"/>
-              </a:ext>
-            </a:extLst>
-          </p:cNvPr>
-          <p:cNvSpPr txBox="1">
-            <a:spLocks/>
-          </p:cNvSpPr>
-          <p:nvPr/>
-        </p:nvSpPr>
-        <p:spPr>
-          <a:xfrm>
-            <a:off x="3299198" y="220686"/>
-            <a:ext cx="5069862" cy="1325563"/>
-          </a:xfrm>
-          <a:prstGeom prst="rect">
-            <a:avLst/>
-          </a:prstGeom>
-        </p:spPr>
-        <p:txBody>
-          <a:bodyPr vert="horz" lIns="91440" tIns="45720" rIns="91440" bIns="45720" rtlCol="0" anchor="ctr">
-            <a:normAutofit/>
-          </a:bodyPr>
-          <a:lstStyle>
-            <a:lvl1pPr algn="l" defTabSz="914400" rtl="0" eaLnBrk="1" latinLnBrk="0" hangingPunct="1">
-              <a:lnSpc>
-                <a:spcPct val="90000"/>
-              </a:lnSpc>
-              <a:spcBef>
-                <a:spcPct val="0"/>
-              </a:spcBef>
-              <a:buNone/>
-              <a:defRPr sz="4400" kern="1200">
-                <a:solidFill>
-                  <a:schemeClr val="tx1"/>
-                </a:solidFill>
-                <a:latin typeface="+mj-lt"/>
-                <a:ea typeface="+mj-ea"/>
-                <a:cs typeface="+mj-cs"/>
-              </a:defRPr>
-            </a:lvl1pPr>
-          </a:lstStyle>
-          <a:p>
-            <a:pPr algn="ctr"/>
-            <a:r>
-              <a:rPr lang="pt-BR" dirty="0">
-                <a:latin typeface="Bariol Bold" panose="02000506040000020003"/>
-              </a:rPr>
-              <a:t>NR-17 - Pausas</a:t>
-            </a:r>
-            <a:endParaRPr lang="pt-BR" dirty="0">
-              <a:solidFill>
-                <a:schemeClr val="tx1">
-                  <a:lumMod val="75000"/>
-                  <a:lumOff val="25000"/>
-                </a:schemeClr>
-              </a:solidFill>
-              <a:latin typeface="Bariol Bold" panose="02000506040000020003" pitchFamily="2" charset="0"/>
-            </a:endParaRPr>
-          </a:p>
-        </p:txBody>
-      </p:sp>
       <p:pic>
         <p:nvPicPr>
           <p:cNvPr id="4" name="Picture 2">
@@ -9441,6 +9475,207 @@
             </a:pPr>
             <a:endParaRPr lang="pt-BR" dirty="0">
               <a:latin typeface="Bariol Bold" panose="02000506040000020003"/>
+            </a:endParaRPr>
+          </a:p>
+        </p:txBody>
+      </p:sp>
+      <p:sp>
+        <p:nvSpPr>
+          <p:cNvPr id="3" name="Título 1">
+            <a:extLst>
+              <a:ext uri="{FF2B5EF4-FFF2-40B4-BE49-F238E27FC236}">
+                <a16:creationId xmlns:a16="http://schemas.microsoft.com/office/drawing/2014/main" id="{27E3AB54-2809-4032-914E-DED0C0F653BC}"/>
+              </a:ext>
+            </a:extLst>
+          </p:cNvPr>
+          <p:cNvSpPr txBox="1">
+            <a:spLocks/>
+          </p:cNvSpPr>
+          <p:nvPr/>
+        </p:nvSpPr>
+        <p:spPr>
+          <a:xfrm>
+            <a:off x="838200" y="2362260"/>
+            <a:ext cx="10515600" cy="1325563"/>
+          </a:xfrm>
+          <a:prstGeom prst="rect">
+            <a:avLst/>
+          </a:prstGeom>
+        </p:spPr>
+        <p:txBody>
+          <a:bodyPr vert="horz" lIns="91440" tIns="45720" rIns="91440" bIns="45720" rtlCol="0" anchor="ctr">
+            <a:noAutofit/>
+          </a:bodyPr>
+          <a:lstStyle>
+            <a:lvl1pPr algn="l" defTabSz="914400" rtl="0" eaLnBrk="1" latinLnBrk="0" hangingPunct="1">
+              <a:lnSpc>
+                <a:spcPct val="90000"/>
+              </a:lnSpc>
+              <a:spcBef>
+                <a:spcPct val="0"/>
+              </a:spcBef>
+              <a:buNone/>
+              <a:defRPr sz="4400" kern="1200">
+                <a:solidFill>
+                  <a:schemeClr val="tx1"/>
+                </a:solidFill>
+                <a:latin typeface="+mj-lt"/>
+                <a:ea typeface="+mj-ea"/>
+                <a:cs typeface="+mj-cs"/>
+              </a:defRPr>
+            </a:lvl1pPr>
+          </a:lstStyle>
+          <a:p>
+            <a:pPr lvl="1"/>
+            <a:r>
+              <a:rPr lang="pt-BR" sz="2400" dirty="0">
+                <a:ea typeface="+mj-lt"/>
+                <a:cs typeface="+mj-lt"/>
+              </a:rPr>
+              <a:t>A norma tem como objetivo estabelecer os parâmetros que permitam a adaptação das condições de trabalho às características psicofisiológicas dos trabalhadores, de modo a proporcionar um máximo de conforto, segurança e </a:t>
+            </a:r>
+            <a:r>
+              <a:rPr lang="pt-BR" sz="2400">
+                <a:ea typeface="+mj-lt"/>
+                <a:cs typeface="+mj-lt"/>
+              </a:rPr>
+              <a:t>desempenho eficiente. </a:t>
+            </a:r>
+            <a:endParaRPr lang="pt-BR" sz="2400" dirty="0">
+              <a:cs typeface="Calibri Light"/>
+            </a:endParaRPr>
+          </a:p>
+        </p:txBody>
+      </p:sp>
+      <p:sp>
+        <p:nvSpPr>
+          <p:cNvPr id="9" name="Título 1">
+            <a:extLst>
+              <a:ext uri="{FF2B5EF4-FFF2-40B4-BE49-F238E27FC236}">
+                <a16:creationId xmlns:a16="http://schemas.microsoft.com/office/drawing/2014/main" id="{EBB80C0C-4FE5-48FC-B252-929E12B048EF}"/>
+              </a:ext>
+            </a:extLst>
+          </p:cNvPr>
+          <p:cNvSpPr txBox="1">
+            <a:spLocks/>
+          </p:cNvSpPr>
+          <p:nvPr/>
+        </p:nvSpPr>
+        <p:spPr>
+          <a:xfrm>
+            <a:off x="-1368052" y="1830411"/>
+            <a:ext cx="5069862" cy="1325563"/>
+          </a:xfrm>
+          <a:prstGeom prst="rect">
+            <a:avLst/>
+          </a:prstGeom>
+        </p:spPr>
+        <p:txBody>
+          <a:bodyPr vert="horz" lIns="91440" tIns="45720" rIns="91440" bIns="45720" rtlCol="0" anchor="ctr">
+            <a:normAutofit/>
+          </a:bodyPr>
+          <a:lstStyle>
+            <a:lvl1pPr algn="l" defTabSz="914400" rtl="0" eaLnBrk="1" latinLnBrk="0" hangingPunct="1">
+              <a:lnSpc>
+                <a:spcPct val="90000"/>
+              </a:lnSpc>
+              <a:spcBef>
+                <a:spcPct val="0"/>
+              </a:spcBef>
+              <a:buNone/>
+              <a:defRPr sz="4400" kern="1200">
+                <a:solidFill>
+                  <a:schemeClr val="tx1"/>
+                </a:solidFill>
+                <a:latin typeface="+mj-lt"/>
+                <a:ea typeface="+mj-ea"/>
+                <a:cs typeface="+mj-cs"/>
+              </a:defRPr>
+            </a:lvl1pPr>
+          </a:lstStyle>
+          <a:p>
+            <a:pPr algn="ctr"/>
+            <a:r>
+              <a:rPr lang="pt-BR" dirty="0">
+                <a:solidFill>
+                  <a:srgbClr val="000000"/>
+                </a:solidFill>
+                <a:latin typeface="MS PGothic"/>
+                <a:ea typeface="MS PGothic"/>
+              </a:rPr>
+              <a:t>"</a:t>
+            </a:r>
+          </a:p>
+        </p:txBody>
+      </p:sp>
+      <p:sp>
+        <p:nvSpPr>
+          <p:cNvPr id="6" name="Título 1">
+            <a:extLst>
+              <a:ext uri="{FF2B5EF4-FFF2-40B4-BE49-F238E27FC236}">
+                <a16:creationId xmlns:a16="http://schemas.microsoft.com/office/drawing/2014/main" id="{9B28AA84-B7D2-4932-BBB0-7C84E95816AA}"/>
+              </a:ext>
+            </a:extLst>
+          </p:cNvPr>
+          <p:cNvSpPr txBox="1">
+            <a:spLocks/>
+          </p:cNvSpPr>
+          <p:nvPr/>
+        </p:nvSpPr>
+        <p:spPr>
+          <a:xfrm>
+            <a:off x="3877089" y="188032"/>
+            <a:ext cx="3866322" cy="1325563"/>
+          </a:xfrm>
+          <a:prstGeom prst="rect">
+            <a:avLst/>
+          </a:prstGeom>
+        </p:spPr>
+        <p:txBody>
+          <a:bodyPr vert="horz" lIns="91440" tIns="45720" rIns="91440" bIns="45720" rtlCol="0" anchor="ctr">
+            <a:normAutofit/>
+          </a:bodyPr>
+          <a:lstStyle>
+            <a:lvl1pPr algn="l" defTabSz="914400" rtl="0" eaLnBrk="1" latinLnBrk="0" hangingPunct="1">
+              <a:lnSpc>
+                <a:spcPct val="90000"/>
+              </a:lnSpc>
+              <a:spcBef>
+                <a:spcPct val="0"/>
+              </a:spcBef>
+              <a:buNone/>
+              <a:defRPr sz="4400" kern="1200">
+                <a:solidFill>
+                  <a:schemeClr val="tx1"/>
+                </a:solidFill>
+                <a:latin typeface="+mj-lt"/>
+                <a:ea typeface="+mj-ea"/>
+                <a:cs typeface="+mj-cs"/>
+              </a:defRPr>
+            </a:lvl1pPr>
+          </a:lstStyle>
+          <a:p>
+            <a:pPr algn="ctr"/>
+            <a:r>
+              <a:rPr lang="pt-BR">
+                <a:solidFill>
+                  <a:schemeClr val="tx1">
+                    <a:lumMod val="75000"/>
+                    <a:lumOff val="25000"/>
+                  </a:schemeClr>
+                </a:solidFill>
+                <a:latin typeface="Bariol Bold"/>
+              </a:rPr>
+              <a:t>NR-17 Pausas</a:t>
+            </a:r>
+            <a:endParaRPr lang="pt-BR" dirty="0">
+              <a:solidFill>
+                <a:schemeClr val="tx1">
+                  <a:lumMod val="75000"/>
+                  <a:lumOff val="25000"/>
+                </a:schemeClr>
+              </a:solidFill>
+              <a:latin typeface="Bariol Bold" panose="02000506040000020003" pitchFamily="2" charset="0"/>
             </a:endParaRPr>
           </a:p>
         </p:txBody>
@@ -9491,7 +9726,7 @@
                             </p:stCondLst>
                             <p:childTnLst>
                               <p:par>
-                                <p:cTn id="5" presetID="10" presetClass="entr" presetSubtype="0" fill="hold" grpId="0" nodeType="afterEffect">
+                                <p:cTn id="5" presetID="10" presetClass="entr" presetSubtype="0" fill="hold" nodeType="withEffect">
                                   <p:stCondLst>
                                     <p:cond delay="0"/>
                                   </p:stCondLst>
@@ -9504,7 +9739,7 @@
                                           </p:stCondLst>
                                         </p:cTn>
                                         <p:tgtEl>
-                                          <p:spTgt spid="7"/>
+                                          <p:spTgt spid="4"/>
                                         </p:tgtEl>
                                         <p:attrNameLst>
                                           <p:attrName>style.visibility</p:attrName>
@@ -9518,7 +9753,7 @@
                                       <p:cBhvr>
                                         <p:cTn id="7" dur="500"/>
                                         <p:tgtEl>
-                                          <p:spTgt spid="7"/>
+                                          <p:spTgt spid="4"/>
                                         </p:tgtEl>
                                       </p:cBhvr>
                                     </p:animEffect>
@@ -9539,7 +9774,7 @@
                                           </p:stCondLst>
                                         </p:cTn>
                                         <p:tgtEl>
-                                          <p:spTgt spid="4"/>
+                                          <p:spTgt spid="2"/>
                                         </p:tgtEl>
                                         <p:attrNameLst>
                                           <p:attrName>style.visibility</p:attrName>
@@ -9553,7 +9788,7 @@
                                       <p:cBhvr>
                                         <p:cTn id="10" dur="500"/>
                                         <p:tgtEl>
-                                          <p:spTgt spid="4"/>
+                                          <p:spTgt spid="2"/>
                                         </p:tgtEl>
                                       </p:cBhvr>
                                     </p:animEffect>
@@ -9561,20 +9796,69 @@
                                 </p:cTn>
                               </p:par>
                               <p:par>
-                                <p:cTn id="11" presetID="10" presetClass="entr" presetSubtype="0" fill="hold" nodeType="withEffect">
+                                <p:cTn id="11" presetID="10" presetClass="entr" presetSubtype="0" fill="hold" grpId="0" nodeType="withEffect" nodePh="1">
+                                  <p:stCondLst>
+                                    <p:cond delay="0"/>
+                                  </p:stCondLst>
+                                  <p:endCondLst>
+                                    <p:cond evt="begin" delay="0">
+                                      <p:tn val="11"/>
+                                    </p:cond>
+                                  </p:endCondLst>
+                                  <p:childTnLst>
+                                    <p:set>
+                                      <p:cBhvr>
+                                        <p:cTn id="12" dur="1" fill="hold">
+                                          <p:stCondLst>
+                                            <p:cond delay="0"/>
+                                          </p:stCondLst>
+                                        </p:cTn>
+                                        <p:tgtEl>
+                                          <p:spTgt spid="5"/>
+                                        </p:tgtEl>
+                                        <p:attrNameLst>
+                                          <p:attrName>style.visibility</p:attrName>
+                                        </p:attrNameLst>
+                                      </p:cBhvr>
+                                      <p:to>
+                                        <p:strVal val="visible"/>
+                                      </p:to>
+                                    </p:set>
+                                    <p:animEffect transition="in" filter="fade">
+                                      <p:cBhvr>
+                                        <p:cTn id="13" dur="500"/>
+                                        <p:tgtEl>
+                                          <p:spTgt spid="5"/>
+                                        </p:tgtEl>
+                                      </p:cBhvr>
+                                    </p:animEffect>
+                                  </p:childTnLst>
+                                </p:cTn>
+                              </p:par>
+                            </p:childTnLst>
+                          </p:cTn>
+                        </p:par>
+                        <p:par>
+                          <p:cTn id="14" fill="hold">
+                            <p:stCondLst>
+                              <p:cond delay="500"/>
+                            </p:stCondLst>
+                            <p:childTnLst>
+                              <p:par>
+                                <p:cTn id="15" presetID="10" presetClass="entr" presetSubtype="0" fill="hold" grpId="0" nodeType="afterEffect">
                                   <p:stCondLst>
                                     <p:cond delay="0"/>
                                   </p:stCondLst>
                                   <p:childTnLst>
                                     <p:set>
                                       <p:cBhvr>
-                                        <p:cTn id="12" dur="1" fill="hold">
+                                        <p:cTn id="16" dur="1" fill="hold">
                                           <p:stCondLst>
                                             <p:cond delay="0"/>
                                           </p:stCondLst>
                                         </p:cTn>
                                         <p:tgtEl>
-                                          <p:spTgt spid="2"/>
+                                          <p:spTgt spid="3"/>
                                         </p:tgtEl>
                                         <p:attrNameLst>
                                           <p:attrName>style.visibility</p:attrName>
@@ -9586,9 +9870,53 @@
                                     </p:set>
                                     <p:animEffect transition="in" filter="fade">
                                       <p:cBhvr>
-                                        <p:cTn id="13" dur="500"/>
-                                        <p:tgtEl>
-                                          <p:spTgt spid="2"/>
+                                        <p:cTn id="17" dur="500"/>
+                                        <p:tgtEl>
+                                          <p:spTgt spid="3"/>
+                                        </p:tgtEl>
+                                      </p:cBhvr>
+                                    </p:animEffect>
+                                  </p:childTnLst>
+                                </p:cTn>
+                              </p:par>
+                            </p:childTnLst>
+                          </p:cTn>
+                        </p:par>
+                        <p:par>
+                          <p:cTn id="18" fill="hold">
+                            <p:stCondLst>
+                              <p:cond delay="1000"/>
+                            </p:stCondLst>
+                            <p:childTnLst>
+                              <p:par>
+                                <p:cTn id="19" presetID="10" presetClass="entr" presetSubtype="0" fill="hold" grpId="0" nodeType="afterEffect">
+                                  <p:stCondLst>
+                                    <p:cond delay="0"/>
+                                  </p:stCondLst>
+                                  <p:childTnLst>
+                                    <p:set>
+                                      <p:cBhvr>
+                                        <p:cTn id="20" dur="1" fill="hold">
+                                          <p:stCondLst>
+                                            <p:cond delay="0"/>
+                                          </p:stCondLst>
+                                        </p:cTn>
+                                        <p:tgtEl>
+                                          <p:spTgt spid="9"/>
+                                        </p:tgtEl>
+                                        <p:attrNameLst>
+                                          <p:attrName>style.visibility</p:attrName>
+                                        </p:attrNameLst>
+                                      </p:cBhvr>
+                                      <p:to>
+                                        <p:strVal val="visible"/>
+                                      </p:to>
+                                    </p:set>
+                                    <p:animEffect transition="in" filter="fade">
+                                      <p:cBhvr>
+                                        <p:cTn id="21" dur="500"/>
+                                        <p:tgtEl>
+                                          <p:spTgt spid="9"/>
                                         </p:tgtEl>
                                       </p:cBhvr>
                                     </p:animEffect>
@@ -9596,25 +9924,20 @@
                                 </p:cTn>
                               </p:par>
                               <p:par>
-                                <p:cTn id="14" presetID="10" presetClass="entr" presetSubtype="0" fill="hold" grpId="0" nodeType="withEffect" nodePh="1">
+                                <p:cTn id="22" presetID="10" presetClass="entr" presetSubtype="0" fill="hold" grpId="0" nodeType="withEffect">
                                   <p:stCondLst>
                                     <p:cond delay="0"/>
                                   </p:stCondLst>
-                                  <p:endCondLst>
-                                    <p:cond evt="begin" delay="0">
-                                      <p:tn val="14"/>
-                                    </p:cond>
-                                  </p:endCondLst>
                                   <p:childTnLst>
                                     <p:set>
                                       <p:cBhvr>
-                                        <p:cTn id="15" dur="1" fill="hold">
+                                        <p:cTn id="23" dur="1" fill="hold">
                                           <p:stCondLst>
                                             <p:cond delay="0"/>
                                           </p:stCondLst>
                                         </p:cTn>
                                         <p:tgtEl>
-                                          <p:spTgt spid="5"/>
+                                          <p:spTgt spid="6"/>
                                         </p:tgtEl>
                                         <p:attrNameLst>
                                           <p:attrName>style.visibility</p:attrName>
@@ -9626,9 +9949,9 @@
                                     </p:set>
                                     <p:animEffect transition="in" filter="fade">
                                       <p:cBhvr>
-                                        <p:cTn id="16" dur="500"/>
-                                        <p:tgtEl>
-                                          <p:spTgt spid="5"/>
+                                        <p:cTn id="24" dur="500"/>
+                                        <p:tgtEl>
+                                          <p:spTgt spid="6"/>
                                         </p:tgtEl>
                                       </p:cBhvr>
                                     </p:animEffect>
@@ -9663,8 +9986,10 @@
       </p:par>
     </p:tnLst>
     <p:bldLst>
-      <p:bldP spid="7" grpId="0"/>
       <p:bldP spid="5" grpId="0"/>
+      <p:bldP spid="3" grpId="0"/>
+      <p:bldP spid="9" grpId="0"/>
+      <p:bldP spid="6" grpId="0"/>
     </p:bldLst>
   </p:timing>
 </p:sld>
@@ -9730,72 +10055,6 @@
           </a:fontRef>
         </p:style>
       </p:cxnSp>
-      <p:sp>
-        <p:nvSpPr>
-          <p:cNvPr id="7" name="Título 1">
-            <a:extLst>
-              <a:ext uri="{FF2B5EF4-FFF2-40B4-BE49-F238E27FC236}">
-                <a16:creationId xmlns:a16="http://schemas.microsoft.com/office/drawing/2014/main" id="{99F76FBE-1BC2-4EE6-B90A-22263BF7BDCD}"/>
-              </a:ext>
-            </a:extLst>
-          </p:cNvPr>
-          <p:cNvSpPr txBox="1">
-            <a:spLocks/>
-          </p:cNvSpPr>
-          <p:nvPr/>
-        </p:nvSpPr>
-        <p:spPr>
-          <a:xfrm>
-            <a:off x="3299198" y="220686"/>
-            <a:ext cx="5069862" cy="1325563"/>
-          </a:xfrm>
-          <a:prstGeom prst="rect">
-            <a:avLst/>
-          </a:prstGeom>
-        </p:spPr>
-        <p:txBody>
-          <a:bodyPr vert="horz" lIns="91440" tIns="45720" rIns="91440" bIns="45720" rtlCol="0" anchor="ctr">
-            <a:normAutofit/>
-          </a:bodyPr>
-          <a:lstStyle>
-            <a:lvl1pPr algn="l" defTabSz="914400" rtl="0" eaLnBrk="1" latinLnBrk="0" hangingPunct="1">
-              <a:lnSpc>
-                <a:spcPct val="90000"/>
-              </a:lnSpc>
-              <a:spcBef>
-                <a:spcPct val="0"/>
-              </a:spcBef>
-              <a:buNone/>
-              <a:defRPr sz="4400" kern="1200">
-                <a:solidFill>
-                  <a:schemeClr val="tx1"/>
-                </a:solidFill>
-                <a:latin typeface="+mj-lt"/>
-                <a:ea typeface="+mj-ea"/>
-                <a:cs typeface="+mj-cs"/>
-              </a:defRPr>
-            </a:lvl1pPr>
-          </a:lstStyle>
-          <a:p>
-            <a:pPr algn="ctr"/>
-            <a:r>
-              <a:rPr lang="pt-BR" dirty="0">
-                <a:latin typeface="Bariol Bold" panose="02000506040000020003"/>
-              </a:rPr>
-              <a:t> Gotas de Incentivo</a:t>
-            </a:r>
-            <a:endParaRPr lang="pt-BR" dirty="0">
-              <a:solidFill>
-                <a:schemeClr val="tx1">
-                  <a:lumMod val="75000"/>
-                  <a:lumOff val="25000"/>
-                </a:schemeClr>
-              </a:solidFill>
-              <a:latin typeface="Bariol Bold" panose="02000506040000020003" pitchFamily="2" charset="0"/>
-            </a:endParaRPr>
-          </a:p>
-        </p:txBody>
-      </p:sp>
       <p:pic>
         <p:nvPicPr>
           <p:cNvPr id="3" name="Imagem 2" descr="Uma imagem contendo mesa, atletismo&#10;&#10;Descrição gerada automaticamente">
@@ -9929,6 +10188,78 @@
             </a:pPr>
             <a:endParaRPr lang="pt-BR" dirty="0">
               <a:latin typeface="Bariol Bold" panose="02000506040000020003"/>
+            </a:endParaRPr>
+          </a:p>
+        </p:txBody>
+      </p:sp>
+      <p:sp>
+        <p:nvSpPr>
+          <p:cNvPr id="6" name="Título 1">
+            <a:extLst>
+              <a:ext uri="{FF2B5EF4-FFF2-40B4-BE49-F238E27FC236}">
+                <a16:creationId xmlns:a16="http://schemas.microsoft.com/office/drawing/2014/main" id="{850C9A9E-9E30-4FA2-8897-BA2B34F6684E}"/>
+              </a:ext>
+            </a:extLst>
+          </p:cNvPr>
+          <p:cNvSpPr txBox="1">
+            <a:spLocks/>
+          </p:cNvSpPr>
+          <p:nvPr/>
+        </p:nvSpPr>
+        <p:spPr>
+          <a:xfrm>
+            <a:off x="3486564" y="140407"/>
+            <a:ext cx="4895022" cy="1335088"/>
+          </a:xfrm>
+          <a:prstGeom prst="rect">
+            <a:avLst/>
+          </a:prstGeom>
+        </p:spPr>
+        <p:txBody>
+          <a:bodyPr vert="horz" lIns="91440" tIns="45720" rIns="91440" bIns="45720" rtlCol="0" anchor="ctr">
+            <a:normAutofit/>
+          </a:bodyPr>
+          <a:lstStyle>
+            <a:lvl1pPr algn="l" defTabSz="914400" rtl="0" eaLnBrk="1" latinLnBrk="0" hangingPunct="1">
+              <a:lnSpc>
+                <a:spcPct val="90000"/>
+              </a:lnSpc>
+              <a:spcBef>
+                <a:spcPct val="0"/>
+              </a:spcBef>
+              <a:buNone/>
+              <a:defRPr sz="4400" kern="1200">
+                <a:solidFill>
+                  <a:schemeClr val="tx1"/>
+                </a:solidFill>
+                <a:latin typeface="+mj-lt"/>
+                <a:ea typeface="+mj-ea"/>
+                <a:cs typeface="+mj-cs"/>
+              </a:defRPr>
+            </a:lvl1pPr>
+          </a:lstStyle>
+          <a:p>
+            <a:pPr algn="ctr"/>
+            <a:r>
+              <a:rPr lang="pt-BR">
+                <a:solidFill>
+                  <a:schemeClr val="tx1">
+                    <a:lumMod val="75000"/>
+                    <a:lumOff val="25000"/>
+                  </a:schemeClr>
+                </a:solidFill>
+                <a:latin typeface="Bariol Bold"/>
+              </a:rPr>
+              <a:t>Gotas de incentivo</a:t>
+            </a:r>
+            <a:endParaRPr lang="pt-BR" dirty="0">
+              <a:solidFill>
+                <a:schemeClr val="tx1">
+                  <a:lumMod val="75000"/>
+                  <a:lumOff val="25000"/>
+                </a:schemeClr>
+              </a:solidFill>
+              <a:latin typeface="Bariol Bold" panose="02000506040000020003" pitchFamily="2" charset="0"/>
             </a:endParaRPr>
           </a:p>
         </p:txBody>
@@ -9979,7 +10310,7 @@
                             </p:stCondLst>
                             <p:childTnLst>
                               <p:par>
-                                <p:cTn id="5" presetID="10" presetClass="entr" presetSubtype="0" fill="hold" grpId="0" nodeType="afterEffect">
+                                <p:cTn id="5" presetID="10" presetClass="entr" presetSubtype="0" fill="hold" nodeType="withEffect">
                                   <p:stCondLst>
                                     <p:cond delay="0"/>
                                   </p:stCondLst>
@@ -9992,7 +10323,7 @@
                                           </p:stCondLst>
                                         </p:cTn>
                                         <p:tgtEl>
-                                          <p:spTgt spid="7"/>
+                                          <p:spTgt spid="3"/>
                                         </p:tgtEl>
                                         <p:attrNameLst>
                                           <p:attrName>style.visibility</p:attrName>
@@ -10006,7 +10337,7 @@
                                       <p:cBhvr>
                                         <p:cTn id="7" dur="500"/>
                                         <p:tgtEl>
-                                          <p:spTgt spid="7"/>
+                                          <p:spTgt spid="3"/>
                                         </p:tgtEl>
                                       </p:cBhvr>
                                     </p:animEffect>
@@ -10027,7 +10358,7 @@
                                           </p:stCondLst>
                                         </p:cTn>
                                         <p:tgtEl>
-                                          <p:spTgt spid="3"/>
+                                          <p:spTgt spid="4"/>
                                         </p:tgtEl>
                                         <p:attrNameLst>
                                           <p:attrName>style.visibility</p:attrName>
@@ -10041,7 +10372,7 @@
                                       <p:cBhvr>
                                         <p:cTn id="10" dur="500"/>
                                         <p:tgtEl>
-                                          <p:spTgt spid="3"/>
+                                          <p:spTgt spid="4"/>
                                         </p:tgtEl>
                                       </p:cBhvr>
                                     </p:animEffect>
@@ -10062,7 +10393,7 @@
                                           </p:stCondLst>
                                         </p:cTn>
                                         <p:tgtEl>
-                                          <p:spTgt spid="4"/>
+                                          <p:spTgt spid="2"/>
                                         </p:tgtEl>
                                         <p:attrNameLst>
                                           <p:attrName>style.visibility</p:attrName>
@@ -10076,7 +10407,7 @@
                                       <p:cBhvr>
                                         <p:cTn id="13" dur="500"/>
                                         <p:tgtEl>
-                                          <p:spTgt spid="4"/>
+                                          <p:spTgt spid="2"/>
                                         </p:tgtEl>
                                       </p:cBhvr>
                                     </p:animEffect>
@@ -10084,20 +10415,60 @@
                                 </p:cTn>
                               </p:par>
                               <p:par>
-                                <p:cTn id="14" presetID="10" presetClass="entr" presetSubtype="0" fill="hold" nodeType="withEffect">
+                                <p:cTn id="14" presetID="10" presetClass="entr" presetSubtype="0" fill="hold" grpId="0" nodeType="withEffect" nodePh="1">
+                                  <p:stCondLst>
+                                    <p:cond delay="0"/>
+                                  </p:stCondLst>
+                                  <p:endCondLst>
+                                    <p:cond evt="begin" delay="0">
+                                      <p:tn val="14"/>
+                                    </p:cond>
+                                  </p:endCondLst>
+                                  <p:childTnLst>
+                                    <p:set>
+                                      <p:cBhvr>
+                                        <p:cTn id="15" dur="1" fill="hold">
+                                          <p:stCondLst>
+                                            <p:cond delay="0"/>
+                                          </p:stCondLst>
+                                        </p:cTn>
+                                        <p:tgtEl>
+                                          <p:spTgt spid="5"/>
+                                        </p:tgtEl>
+                                        <p:attrNameLst>
+                                          <p:attrName>style.visibility</p:attrName>
+                                        </p:attrNameLst>
+                                      </p:cBhvr>
+                                      <p:to>
+                                        <p:strVal val="visible"/>
+                                      </p:to>
+                                    </p:set>
+                                    <p:animEffect transition="in" filter="fade">
+                                      <p:cBhvr>
+                                        <p:cTn id="16" dur="500"/>
+                                        <p:tgtEl>
+                                          <p:spTgt spid="5"/>
+                                        </p:tgtEl>
+                                      </p:cBhvr>
+                                    </p:animEffect>
+                                  </p:childTnLst>
+                                </p:cTn>
+                              </p:par>
+                              <p:par>
+                                <p:cTn id="17" presetID="10" presetClass="entr" presetSubtype="0" fill="hold" grpId="0" nodeType="withEffect">
                                   <p:stCondLst>
                                     <p:cond delay="0"/>
                                   </p:stCondLst>
                                   <p:childTnLst>
                                     <p:set>
                                       <p:cBhvr>
-                                        <p:cTn id="15" dur="1" fill="hold">
+                                        <p:cTn id="18" dur="1" fill="hold">
                                           <p:stCondLst>
                                             <p:cond delay="0"/>
                                           </p:stCondLst>
                                         </p:cTn>
                                         <p:tgtEl>
-                                          <p:spTgt spid="2"/>
+                                          <p:spTgt spid="6"/>
                                         </p:tgtEl>
                                         <p:attrNameLst>
                                           <p:attrName>style.visibility</p:attrName>
@@ -10109,49 +10480,9 @@
                                     </p:set>
                                     <p:animEffect transition="in" filter="fade">
                                       <p:cBhvr>
-                                        <p:cTn id="16" dur="500"/>
-                                        <p:tgtEl>
-                                          <p:spTgt spid="2"/>
-                                        </p:tgtEl>
-                                      </p:cBhvr>
-                                    </p:animEffect>
-                                  </p:childTnLst>
-                                </p:cTn>
-                              </p:par>
-                              <p:par>
-                                <p:cTn id="17" presetID="10" presetClass="entr" presetSubtype="0" fill="hold" grpId="0" nodeType="withEffect" nodePh="1">
-                                  <p:stCondLst>
-                                    <p:cond delay="0"/>
-                                  </p:stCondLst>
-                                  <p:endCondLst>
-                                    <p:cond evt="begin" delay="0">
-                                      <p:tn val="17"/>
-                                    </p:cond>
-                                  </p:endCondLst>
-                                  <p:childTnLst>
-                                    <p:set>
-                                      <p:cBhvr>
-                                        <p:cTn id="18" dur="1" fill="hold">
-                                          <p:stCondLst>
-                                            <p:cond delay="0"/>
-                                          </p:stCondLst>
-                                        </p:cTn>
-                                        <p:tgtEl>
-                                          <p:spTgt spid="5"/>
-                                        </p:tgtEl>
-                                        <p:attrNameLst>
-                                          <p:attrName>style.visibility</p:attrName>
-                                        </p:attrNameLst>
-                                      </p:cBhvr>
-                                      <p:to>
-                                        <p:strVal val="visible"/>
-                                      </p:to>
-                                    </p:set>
-                                    <p:animEffect transition="in" filter="fade">
-                                      <p:cBhvr>
                                         <p:cTn id="19" dur="500"/>
                                         <p:tgtEl>
-                                          <p:spTgt spid="5"/>
+                                          <p:spTgt spid="6"/>
                                         </p:tgtEl>
                                       </p:cBhvr>
                                     </p:animEffect>
@@ -10186,8 +10517,8 @@
       </p:par>
     </p:tnLst>
     <p:bldLst>
-      <p:bldP spid="7" grpId="0"/>
       <p:bldP spid="5" grpId="0"/>
+      <p:bldP spid="6" grpId="0"/>
     </p:bldLst>
   </p:timing>
 </p:sld>

--- a/Documentação/Slide Final.pptx
+++ b/Documentação/Slide Final.pptx
@@ -371,7 +371,7 @@
           <a:p>
             <a:fld id="{F50B35C2-D55D-43EC-A9F9-87B33DB15AB7}" type="datetimeFigureOut">
               <a:rPr lang="pt-BR" smtClean="0"/>
-              <a:t>07/12/2020</a:t>
+              <a:t>09/12/2020</a:t>
             </a:fld>
             <a:endParaRPr lang="pt-BR"/>
           </a:p>
@@ -413,7 +413,7 @@
           <a:p>
             <a:fld id="{BD136F2D-A4D6-49ED-BC18-D450E2FF51EC}" type="slidenum">
               <a:rPr lang="pt-BR" smtClean="0"/>
-              <a:t>‹#›</a:t>
+              <a:t>‹nº›</a:t>
             </a:fld>
             <a:endParaRPr lang="pt-BR"/>
           </a:p>
@@ -539,7 +539,7 @@
           <a:p>
             <a:fld id="{F50B35C2-D55D-43EC-A9F9-87B33DB15AB7}" type="datetimeFigureOut">
               <a:rPr lang="pt-BR" smtClean="0"/>
-              <a:t>07/12/2020</a:t>
+              <a:t>09/12/2020</a:t>
             </a:fld>
             <a:endParaRPr lang="pt-BR"/>
           </a:p>
@@ -581,7 +581,7 @@
           <a:p>
             <a:fld id="{BD136F2D-A4D6-49ED-BC18-D450E2FF51EC}" type="slidenum">
               <a:rPr lang="pt-BR" smtClean="0"/>
-              <a:t>‹#›</a:t>
+              <a:t>‹nº›</a:t>
             </a:fld>
             <a:endParaRPr lang="pt-BR"/>
           </a:p>
@@ -717,7 +717,7 @@
           <a:p>
             <a:fld id="{F50B35C2-D55D-43EC-A9F9-87B33DB15AB7}" type="datetimeFigureOut">
               <a:rPr lang="pt-BR" smtClean="0"/>
-              <a:t>07/12/2020</a:t>
+              <a:t>09/12/2020</a:t>
             </a:fld>
             <a:endParaRPr lang="pt-BR"/>
           </a:p>
@@ -759,7 +759,7 @@
           <a:p>
             <a:fld id="{BD136F2D-A4D6-49ED-BC18-D450E2FF51EC}" type="slidenum">
               <a:rPr lang="pt-BR" smtClean="0"/>
-              <a:t>‹#›</a:t>
+              <a:t>‹nº›</a:t>
             </a:fld>
             <a:endParaRPr lang="pt-BR"/>
           </a:p>
@@ -885,7 +885,7 @@
           <a:p>
             <a:fld id="{F50B35C2-D55D-43EC-A9F9-87B33DB15AB7}" type="datetimeFigureOut">
               <a:rPr lang="pt-BR" smtClean="0"/>
-              <a:t>07/12/2020</a:t>
+              <a:t>09/12/2020</a:t>
             </a:fld>
             <a:endParaRPr lang="pt-BR"/>
           </a:p>
@@ -927,7 +927,7 @@
           <a:p>
             <a:fld id="{BD136F2D-A4D6-49ED-BC18-D450E2FF51EC}" type="slidenum">
               <a:rPr lang="pt-BR" smtClean="0"/>
-              <a:t>‹#›</a:t>
+              <a:t>‹nº›</a:t>
             </a:fld>
             <a:endParaRPr lang="pt-BR"/>
           </a:p>
@@ -1130,7 +1130,7 @@
           <a:p>
             <a:fld id="{F50B35C2-D55D-43EC-A9F9-87B33DB15AB7}" type="datetimeFigureOut">
               <a:rPr lang="pt-BR" smtClean="0"/>
-              <a:t>07/12/2020</a:t>
+              <a:t>09/12/2020</a:t>
             </a:fld>
             <a:endParaRPr lang="pt-BR"/>
           </a:p>
@@ -1172,7 +1172,7 @@
           <a:p>
             <a:fld id="{BD136F2D-A4D6-49ED-BC18-D450E2FF51EC}" type="slidenum">
               <a:rPr lang="pt-BR" smtClean="0"/>
-              <a:t>‹#›</a:t>
+              <a:t>‹nº›</a:t>
             </a:fld>
             <a:endParaRPr lang="pt-BR"/>
           </a:p>
@@ -1359,7 +1359,7 @@
           <a:p>
             <a:fld id="{F50B35C2-D55D-43EC-A9F9-87B33DB15AB7}" type="datetimeFigureOut">
               <a:rPr lang="pt-BR" smtClean="0"/>
-              <a:t>07/12/2020</a:t>
+              <a:t>09/12/2020</a:t>
             </a:fld>
             <a:endParaRPr lang="pt-BR"/>
           </a:p>
@@ -1401,7 +1401,7 @@
           <a:p>
             <a:fld id="{BD136F2D-A4D6-49ED-BC18-D450E2FF51EC}" type="slidenum">
               <a:rPr lang="pt-BR" smtClean="0"/>
-              <a:t>‹#›</a:t>
+              <a:t>‹nº›</a:t>
             </a:fld>
             <a:endParaRPr lang="pt-BR"/>
           </a:p>
@@ -1723,7 +1723,7 @@
           <a:p>
             <a:fld id="{F50B35C2-D55D-43EC-A9F9-87B33DB15AB7}" type="datetimeFigureOut">
               <a:rPr lang="pt-BR" smtClean="0"/>
-              <a:t>07/12/2020</a:t>
+              <a:t>09/12/2020</a:t>
             </a:fld>
             <a:endParaRPr lang="pt-BR"/>
           </a:p>
@@ -1765,7 +1765,7 @@
           <a:p>
             <a:fld id="{BD136F2D-A4D6-49ED-BC18-D450E2FF51EC}" type="slidenum">
               <a:rPr lang="pt-BR" smtClean="0"/>
-              <a:t>‹#›</a:t>
+              <a:t>‹nº›</a:t>
             </a:fld>
             <a:endParaRPr lang="pt-BR"/>
           </a:p>
@@ -1840,7 +1840,7 @@
           <a:p>
             <a:fld id="{F50B35C2-D55D-43EC-A9F9-87B33DB15AB7}" type="datetimeFigureOut">
               <a:rPr lang="pt-BR" smtClean="0"/>
-              <a:t>07/12/2020</a:t>
+              <a:t>09/12/2020</a:t>
             </a:fld>
             <a:endParaRPr lang="pt-BR"/>
           </a:p>
@@ -1882,7 +1882,7 @@
           <a:p>
             <a:fld id="{BD136F2D-A4D6-49ED-BC18-D450E2FF51EC}" type="slidenum">
               <a:rPr lang="pt-BR" smtClean="0"/>
-              <a:t>‹#›</a:t>
+              <a:t>‹nº›</a:t>
             </a:fld>
             <a:endParaRPr lang="pt-BR"/>
           </a:p>
@@ -1935,7 +1935,7 @@
           <a:p>
             <a:fld id="{F50B35C2-D55D-43EC-A9F9-87B33DB15AB7}" type="datetimeFigureOut">
               <a:rPr lang="pt-BR" smtClean="0"/>
-              <a:t>07/12/2020</a:t>
+              <a:t>09/12/2020</a:t>
             </a:fld>
             <a:endParaRPr lang="pt-BR"/>
           </a:p>
@@ -1977,7 +1977,7 @@
           <a:p>
             <a:fld id="{BD136F2D-A4D6-49ED-BC18-D450E2FF51EC}" type="slidenum">
               <a:rPr lang="pt-BR" smtClean="0"/>
-              <a:t>‹#›</a:t>
+              <a:t>‹nº›</a:t>
             </a:fld>
             <a:endParaRPr lang="pt-BR"/>
           </a:p>
@@ -2210,7 +2210,7 @@
           <a:p>
             <a:fld id="{F50B35C2-D55D-43EC-A9F9-87B33DB15AB7}" type="datetimeFigureOut">
               <a:rPr lang="pt-BR" smtClean="0"/>
-              <a:t>07/12/2020</a:t>
+              <a:t>09/12/2020</a:t>
             </a:fld>
             <a:endParaRPr lang="pt-BR"/>
           </a:p>
@@ -2252,7 +2252,7 @@
           <a:p>
             <a:fld id="{BD136F2D-A4D6-49ED-BC18-D450E2FF51EC}" type="slidenum">
               <a:rPr lang="pt-BR" smtClean="0"/>
-              <a:t>‹#›</a:t>
+              <a:t>‹nº›</a:t>
             </a:fld>
             <a:endParaRPr lang="pt-BR"/>
           </a:p>
@@ -2462,7 +2462,7 @@
           <a:p>
             <a:fld id="{F50B35C2-D55D-43EC-A9F9-87B33DB15AB7}" type="datetimeFigureOut">
               <a:rPr lang="pt-BR" smtClean="0"/>
-              <a:t>07/12/2020</a:t>
+              <a:t>09/12/2020</a:t>
             </a:fld>
             <a:endParaRPr lang="pt-BR"/>
           </a:p>
@@ -2504,7 +2504,7 @@
           <a:p>
             <a:fld id="{BD136F2D-A4D6-49ED-BC18-D450E2FF51EC}" type="slidenum">
               <a:rPr lang="pt-BR" smtClean="0"/>
-              <a:t>‹#›</a:t>
+              <a:t>‹nº›</a:t>
             </a:fld>
             <a:endParaRPr lang="pt-BR"/>
           </a:p>
@@ -2673,7 +2673,7 @@
           <a:p>
             <a:fld id="{F50B35C2-D55D-43EC-A9F9-87B33DB15AB7}" type="datetimeFigureOut">
               <a:rPr lang="pt-BR" smtClean="0"/>
-              <a:t>07/12/2020</a:t>
+              <a:t>09/12/2020</a:t>
             </a:fld>
             <a:endParaRPr lang="pt-BR"/>
           </a:p>
@@ -2751,7 +2751,7 @@
           <a:p>
             <a:fld id="{BD136F2D-A4D6-49ED-BC18-D450E2FF51EC}" type="slidenum">
               <a:rPr lang="pt-BR" smtClean="0"/>
-              <a:t>‹#›</a:t>
+              <a:t>‹nº›</a:t>
             </a:fld>
             <a:endParaRPr lang="pt-BR"/>
           </a:p>
@@ -9532,14 +9532,7 @@
                 <a:ea typeface="+mj-lt"/>
                 <a:cs typeface="+mj-lt"/>
               </a:rPr>
-              <a:t>A norma tem como objetivo estabelecer os parâmetros que permitam a adaptação das condições de trabalho às características psicofisiológicas dos trabalhadores, de modo a proporcionar um máximo de conforto, segurança e </a:t>
-            </a:r>
-            <a:r>
-              <a:rPr lang="pt-BR" sz="2400">
-                <a:ea typeface="+mj-lt"/>
-                <a:cs typeface="+mj-lt"/>
-              </a:rPr>
-              <a:t>desempenho eficiente. </a:t>
+              <a:t>A norma tem como objetivo estabelecer os parâmetros que permitam a adaptação das condições de trabalho às características psicofisiológicas dos trabalhadores, de modo a proporcionar um máximo de conforto, segurança e desempenho eficiente. </a:t>
             </a:r>
             <a:endParaRPr lang="pt-BR" sz="2400" dirty="0">
               <a:cs typeface="Calibri Light"/>
@@ -10083,7 +10076,7 @@
         </p:blipFill>
         <p:spPr>
           <a:xfrm>
-            <a:off x="6574128" y="1470532"/>
+            <a:off x="6756799" y="1473970"/>
             <a:ext cx="5435201" cy="4221565"/>
           </a:xfrm>
           <a:prstGeom prst="rect">
@@ -10261,6 +10254,114 @@
               </a:solidFill>
               <a:latin typeface="Bariol Bold" panose="02000506040000020003" pitchFamily="2" charset="0"/>
             </a:endParaRPr>
+          </a:p>
+        </p:txBody>
+      </p:sp>
+      <p:sp>
+        <p:nvSpPr>
+          <p:cNvPr id="7" name="CaixaDeTexto 6">
+            <a:extLst>
+              <a:ext uri="{FF2B5EF4-FFF2-40B4-BE49-F238E27FC236}">
+                <a16:creationId xmlns:a16="http://schemas.microsoft.com/office/drawing/2014/main" id="{EAF0AC7E-8644-4F90-94C7-B1C488477161}"/>
+              </a:ext>
+            </a:extLst>
+          </p:cNvPr>
+          <p:cNvSpPr txBox="1"/>
+          <p:nvPr/>
+        </p:nvSpPr>
+        <p:spPr>
+          <a:xfrm>
+            <a:off x="764268" y="2329933"/>
+            <a:ext cx="6038698" cy="1477328"/>
+          </a:xfrm>
+          <a:prstGeom prst="rect">
+            <a:avLst/>
+          </a:prstGeom>
+          <a:noFill/>
+        </p:spPr>
+        <p:txBody>
+          <a:bodyPr wrap="square" rtlCol="0">
+            <a:spAutoFit/>
+          </a:bodyPr>
+          <a:lstStyle/>
+          <a:p>
+            <a:r>
+              <a:rPr lang="pt-BR" sz="2400" dirty="0">
+                <a:effectLst/>
+                <a:ea typeface="Times New Roman" panose="02020603050405020304" pitchFamily="18" charset="0"/>
+                <a:cs typeface="Calibri" panose="020F0502020204030204" pitchFamily="34" charset="0"/>
+              </a:rPr>
+              <a:t>As frases motivacionais ajudam a enxergar seus problemas de maneira mais otimista e positiva, ajudando a superar os desafios do dia a dia.</a:t>
+            </a:r>
+            <a:endParaRPr lang="pt-BR" sz="2400" dirty="0">
+              <a:effectLst/>
+              <a:ea typeface="Times New Roman" panose="02020603050405020304" pitchFamily="18" charset="0"/>
+              <a:cs typeface="Times New Roman" panose="02020603050405020304" pitchFamily="18" charset="0"/>
+            </a:endParaRPr>
+          </a:p>
+          <a:p>
+            <a:endParaRPr lang="pt-BR" dirty="0"/>
+          </a:p>
+        </p:txBody>
+      </p:sp>
+      <p:sp>
+        <p:nvSpPr>
+          <p:cNvPr id="10" name="Título 1">
+            <a:extLst>
+              <a:ext uri="{FF2B5EF4-FFF2-40B4-BE49-F238E27FC236}">
+                <a16:creationId xmlns:a16="http://schemas.microsoft.com/office/drawing/2014/main" id="{BA93ADF6-E5FF-4E94-BDCF-62BBD0E85C46}"/>
+              </a:ext>
+            </a:extLst>
+          </p:cNvPr>
+          <p:cNvSpPr txBox="1">
+            <a:spLocks/>
+          </p:cNvSpPr>
+          <p:nvPr/>
+        </p:nvSpPr>
+        <p:spPr>
+          <a:xfrm>
+            <a:off x="-1830484" y="1924414"/>
+            <a:ext cx="5069862" cy="1325563"/>
+          </a:xfrm>
+          <a:prstGeom prst="rect">
+            <a:avLst/>
+          </a:prstGeom>
+        </p:spPr>
+        <p:txBody>
+          <a:bodyPr vert="horz" lIns="91440" tIns="45720" rIns="91440" bIns="45720" rtlCol="0" anchor="ctr">
+            <a:normAutofit/>
+          </a:bodyPr>
+          <a:lstStyle>
+            <a:lvl1pPr algn="l" defTabSz="914400" rtl="0" eaLnBrk="1" latinLnBrk="0" hangingPunct="1">
+              <a:lnSpc>
+                <a:spcPct val="90000"/>
+              </a:lnSpc>
+              <a:spcBef>
+                <a:spcPct val="0"/>
+              </a:spcBef>
+              <a:buNone/>
+              <a:defRPr sz="4400" kern="1200">
+                <a:solidFill>
+                  <a:schemeClr val="tx1"/>
+                </a:solidFill>
+                <a:latin typeface="+mj-lt"/>
+                <a:ea typeface="+mj-ea"/>
+                <a:cs typeface="+mj-cs"/>
+              </a:defRPr>
+            </a:lvl1pPr>
+          </a:lstStyle>
+          <a:p>
+            <a:pPr algn="ctr"/>
+            <a:r>
+              <a:rPr lang="pt-BR" dirty="0">
+                <a:solidFill>
+                  <a:srgbClr val="000000"/>
+                </a:solidFill>
+                <a:latin typeface="MS PGothic"/>
+                <a:ea typeface="MS PGothic"/>
+              </a:rPr>
+              <a:t>"</a:t>
+            </a:r>
           </a:p>
         </p:txBody>
       </p:sp>
@@ -10492,6 +10593,50 @@
                             </p:childTnLst>
                           </p:cTn>
                         </p:par>
+                        <p:par>
+                          <p:cTn id="20" fill="hold">
+                            <p:stCondLst>
+                              <p:cond delay="500"/>
+                            </p:stCondLst>
+                            <p:childTnLst>
+                              <p:par>
+                                <p:cTn id="21" presetID="10" presetClass="entr" presetSubtype="0" fill="hold" grpId="0" nodeType="afterEffect">
+                                  <p:stCondLst>
+                                    <p:cond delay="0"/>
+                                  </p:stCondLst>
+                                  <p:childTnLst>
+                                    <p:set>
+                                      <p:cBhvr>
+                                        <p:cTn id="22" dur="1" fill="hold">
+                                          <p:stCondLst>
+                                            <p:cond delay="0"/>
+                                          </p:stCondLst>
+                                        </p:cTn>
+                                        <p:tgtEl>
+                                          <p:spTgt spid="10"/>
+                                        </p:tgtEl>
+                                        <p:attrNameLst>
+                                          <p:attrName>style.visibility</p:attrName>
+                                        </p:attrNameLst>
+                                      </p:cBhvr>
+                                      <p:to>
+                                        <p:strVal val="visible"/>
+                                      </p:to>
+                                    </p:set>
+                                    <p:animEffect transition="in" filter="fade">
+                                      <p:cBhvr>
+                                        <p:cTn id="23" dur="500"/>
+                                        <p:tgtEl>
+                                          <p:spTgt spid="10"/>
+                                        </p:tgtEl>
+                                      </p:cBhvr>
+                                    </p:animEffect>
+                                  </p:childTnLst>
+                                </p:cTn>
+                              </p:par>
+                            </p:childTnLst>
+                          </p:cTn>
+                        </p:par>
                       </p:childTnLst>
                     </p:cTn>
                   </p:par>
@@ -10519,6 +10664,7 @@
     <p:bldLst>
       <p:bldP spid="5" grpId="0"/>
       <p:bldP spid="6" grpId="0"/>
+      <p:bldP spid="10" grpId="0"/>
     </p:bldLst>
   </p:timing>
 </p:sld>

--- a/Documentação/Slide Final.pptx
+++ b/Documentação/Slide Final.pptx
@@ -9650,7 +9650,7 @@
           <a:p>
             <a:pPr algn="ctr"/>
             <a:r>
-              <a:rPr lang="pt-BR">
+              <a:rPr lang="pt-BR" dirty="0">
                 <a:solidFill>
                   <a:schemeClr val="tx1">
                     <a:lumMod val="75000"/>
@@ -9673,6 +9673,42 @@
           </a:p>
         </p:txBody>
       </p:sp>
+      <p:pic>
+        <p:nvPicPr>
+          <p:cNvPr id="8" name="Imagem 7">
+            <a:extLst>
+              <a:ext uri="{FF2B5EF4-FFF2-40B4-BE49-F238E27FC236}">
+                <a16:creationId xmlns:a16="http://schemas.microsoft.com/office/drawing/2014/main" id="{79E920CC-556D-4F74-8097-EEA0E8599C7E}"/>
+              </a:ext>
+            </a:extLst>
+          </p:cNvPr>
+          <p:cNvPicPr>
+            <a:picLocks noChangeAspect="1"/>
+          </p:cNvPicPr>
+          <p:nvPr/>
+        </p:nvPicPr>
+        <p:blipFill>
+          <a:blip r:embed="rId3">
+            <a:extLst>
+              <a:ext uri="{28A0092B-C50C-407E-A947-70E740481C1C}">
+                <a14:useLocalDpi xmlns:a14="http://schemas.microsoft.com/office/drawing/2010/main" val="0"/>
+              </a:ext>
+            </a:extLst>
+          </a:blip>
+          <a:stretch>
+            <a:fillRect/>
+          </a:stretch>
+        </p:blipFill>
+        <p:spPr>
+          <a:xfrm>
+            <a:off x="6096000" y="3155974"/>
+            <a:ext cx="6921579" cy="3140675"/>
+          </a:xfrm>
+          <a:prstGeom prst="rect">
+            <a:avLst/>
+          </a:prstGeom>
+        </p:spPr>
+      </p:pic>
     </p:spTree>
     <p:extLst>
       <p:ext uri="{BB962C8B-B14F-4D97-AF65-F5344CB8AC3E}">

--- a/Documentação/Slide Final.pptx
+++ b/Documentação/Slide Final.pptx
@@ -3083,7 +3083,7 @@
           <p:cNvPr id="2" name="Rectangle: Rounded Corners 1">
             <a:extLst>
               <a:ext uri="{FF2B5EF4-FFF2-40B4-BE49-F238E27FC236}">
-                <a16:creationId xmlns:a16="http://schemas.microsoft.com/office/drawing/2014/main" id="{1678591B-5872-4D1A-943E-5BC3264C3CFB}"/>
+                <a16:creationId xmlns:a16="http://schemas.microsoft.com/office/drawing/2014/main" xmlns="" id="{1678591B-5872-4D1A-943E-5BC3264C3CFB}"/>
               </a:ext>
             </a:extLst>
           </p:cNvPr>
@@ -3137,7 +3137,7 @@
           <p:cNvPr id="2050" name="Picture 2">
             <a:extLst>
               <a:ext uri="{FF2B5EF4-FFF2-40B4-BE49-F238E27FC236}">
-                <a16:creationId xmlns:a16="http://schemas.microsoft.com/office/drawing/2014/main" id="{C727CAE5-80E2-41CE-B37E-BBFAE305DF84}"/>
+                <a16:creationId xmlns:a16="http://schemas.microsoft.com/office/drawing/2014/main" xmlns="" id="{C727CAE5-80E2-41CE-B37E-BBFAE305DF84}"/>
               </a:ext>
             </a:extLst>
           </p:cNvPr>
@@ -3184,7 +3184,7 @@
           <p:cNvPr id="4" name="Rectangle: Rounded Corners 3">
             <a:extLst>
               <a:ext uri="{FF2B5EF4-FFF2-40B4-BE49-F238E27FC236}">
-                <a16:creationId xmlns:a16="http://schemas.microsoft.com/office/drawing/2014/main" id="{C0D744C7-2B31-44CA-BA1F-D2700F2BF96D}"/>
+                <a16:creationId xmlns:a16="http://schemas.microsoft.com/office/drawing/2014/main" xmlns="" id="{C0D744C7-2B31-44CA-BA1F-D2700F2BF96D}"/>
               </a:ext>
             </a:extLst>
           </p:cNvPr>
@@ -3366,7 +3366,7 @@
           <p:cNvPr id="7" name="Título 1">
             <a:extLst>
               <a:ext uri="{FF2B5EF4-FFF2-40B4-BE49-F238E27FC236}">
-                <a16:creationId xmlns:a16="http://schemas.microsoft.com/office/drawing/2014/main" id="{99F76FBE-1BC2-4EE6-B90A-22263BF7BDCD}"/>
+                <a16:creationId xmlns:a16="http://schemas.microsoft.com/office/drawing/2014/main" xmlns="" id="{99F76FBE-1BC2-4EE6-B90A-22263BF7BDCD}"/>
               </a:ext>
             </a:extLst>
           </p:cNvPr>
@@ -3429,7 +3429,7 @@
           <p:cNvPr id="5" name="Picture 2">
             <a:extLst>
               <a:ext uri="{FF2B5EF4-FFF2-40B4-BE49-F238E27FC236}">
-                <a16:creationId xmlns:a16="http://schemas.microsoft.com/office/drawing/2014/main" id="{5E6A065D-74B6-43C9-8951-4759FD99C85F}"/>
+                <a16:creationId xmlns:a16="http://schemas.microsoft.com/office/drawing/2014/main" xmlns="" id="{5E6A065D-74B6-43C9-8951-4759FD99C85F}"/>
               </a:ext>
             </a:extLst>
           </p:cNvPr>
@@ -3476,7 +3476,7 @@
           <p:cNvPr id="2" name="Straight Arrow Connector 1">
             <a:extLst>
               <a:ext uri="{FF2B5EF4-FFF2-40B4-BE49-F238E27FC236}">
-                <a16:creationId xmlns:a16="http://schemas.microsoft.com/office/drawing/2014/main" id="{102C7A15-5BE4-4E8E-826E-06C7E84CB27C}"/>
+                <a16:creationId xmlns:a16="http://schemas.microsoft.com/office/drawing/2014/main" xmlns="" id="{102C7A15-5BE4-4E8E-826E-06C7E84CB27C}"/>
               </a:ext>
             </a:extLst>
           </p:cNvPr>
@@ -3516,13 +3516,7 @@
       </p:cxnSp>
       <p:pic>
         <p:nvPicPr>
-          <p:cNvPr id="4" name="Imagem 3" descr="Uma imagem contendo Linha do tempo&#10;&#10;Descrição gerada automaticamente">
-            <a:extLst>
-              <a:ext uri="{FF2B5EF4-FFF2-40B4-BE49-F238E27FC236}">
-                <a16:creationId xmlns:a16="http://schemas.microsoft.com/office/drawing/2014/main" id="{E0182717-99D8-4493-A2B2-F124D2F9CB2B}"/>
-              </a:ext>
-            </a:extLst>
-          </p:cNvPr>
+          <p:cNvPr id="3" name="Imagem 2"/>
           <p:cNvPicPr>
             <a:picLocks noChangeAspect="1"/>
           </p:cNvPicPr>
@@ -3542,8 +3536,8 @@
         </p:blipFill>
         <p:spPr>
           <a:xfrm>
-            <a:off x="358478" y="33131"/>
-            <a:ext cx="11687748" cy="6858000"/>
+            <a:off x="0" y="45356"/>
+            <a:ext cx="12299324" cy="7208117"/>
           </a:xfrm>
           <a:prstGeom prst="rect">
             <a:avLst/>
@@ -3700,41 +3694,6 @@
                                   </p:childTnLst>
                                 </p:cTn>
                               </p:par>
-                              <p:par>
-                                <p:cTn id="14" presetID="10" presetClass="entr" presetSubtype="0" fill="hold" nodeType="withEffect">
-                                  <p:stCondLst>
-                                    <p:cond delay="250"/>
-                                  </p:stCondLst>
-                                  <p:childTnLst>
-                                    <p:set>
-                                      <p:cBhvr>
-                                        <p:cTn id="15" dur="1" fill="hold">
-                                          <p:stCondLst>
-                                            <p:cond delay="0"/>
-                                          </p:stCondLst>
-                                        </p:cTn>
-                                        <p:tgtEl>
-                                          <p:spTgt spid="4"/>
-                                        </p:tgtEl>
-                                        <p:attrNameLst>
-                                          <p:attrName>style.visibility</p:attrName>
-                                        </p:attrNameLst>
-                                      </p:cBhvr>
-                                      <p:to>
-                                        <p:strVal val="visible"/>
-                                      </p:to>
-                                    </p:set>
-                                    <p:animEffect transition="in" filter="fade">
-                                      <p:cBhvr>
-                                        <p:cTn id="16" dur="500"/>
-                                        <p:tgtEl>
-                                          <p:spTgt spid="4"/>
-                                        </p:tgtEl>
-                                      </p:cBhvr>
-                                    </p:animEffect>
-                                  </p:childTnLst>
-                                </p:cTn>
-                              </p:par>
                             </p:childTnLst>
                           </p:cTn>
                         </p:par>
@@ -3791,7 +3750,7 @@
           <p:cNvPr id="1028" name="Picture 4">
             <a:extLst>
               <a:ext uri="{FF2B5EF4-FFF2-40B4-BE49-F238E27FC236}">
-                <a16:creationId xmlns:a16="http://schemas.microsoft.com/office/drawing/2014/main" id="{D486DB72-9271-4222-88AB-584AAE7FC296}"/>
+                <a16:creationId xmlns:a16="http://schemas.microsoft.com/office/drawing/2014/main" xmlns="" id="{D486DB72-9271-4222-88AB-584AAE7FC296}"/>
               </a:ext>
             </a:extLst>
           </p:cNvPr>
@@ -3838,7 +3797,7 @@
           <p:cNvPr id="4" name="Straight Arrow Connector 3">
             <a:extLst>
               <a:ext uri="{FF2B5EF4-FFF2-40B4-BE49-F238E27FC236}">
-                <a16:creationId xmlns:a16="http://schemas.microsoft.com/office/drawing/2014/main" id="{2E47AAF4-0703-407A-9375-DE4A2497442E}"/>
+                <a16:creationId xmlns:a16="http://schemas.microsoft.com/office/drawing/2014/main" xmlns="" id="{2E47AAF4-0703-407A-9375-DE4A2497442E}"/>
               </a:ext>
             </a:extLst>
           </p:cNvPr>
@@ -3879,7 +3838,7 @@
           <p:cNvPr id="7" name="Título 1">
             <a:extLst>
               <a:ext uri="{FF2B5EF4-FFF2-40B4-BE49-F238E27FC236}">
-                <a16:creationId xmlns:a16="http://schemas.microsoft.com/office/drawing/2014/main" id="{99F76FBE-1BC2-4EE6-B90A-22263BF7BDCD}"/>
+                <a16:creationId xmlns:a16="http://schemas.microsoft.com/office/drawing/2014/main" xmlns="" id="{99F76FBE-1BC2-4EE6-B90A-22263BF7BDCD}"/>
               </a:ext>
             </a:extLst>
           </p:cNvPr>
@@ -3942,7 +3901,7 @@
           <p:cNvPr id="3" name="Picture 2">
             <a:extLst>
               <a:ext uri="{FF2B5EF4-FFF2-40B4-BE49-F238E27FC236}">
-                <a16:creationId xmlns:a16="http://schemas.microsoft.com/office/drawing/2014/main" id="{5C89B846-E8B4-41E5-A2FD-3C9F96F43158}"/>
+                <a16:creationId xmlns:a16="http://schemas.microsoft.com/office/drawing/2014/main" xmlns="" id="{5C89B846-E8B4-41E5-A2FD-3C9F96F43158}"/>
               </a:ext>
             </a:extLst>
           </p:cNvPr>
@@ -3989,7 +3948,7 @@
           <p:cNvPr id="8" name="AutoShape 4">
             <a:extLst>
               <a:ext uri="{FF2B5EF4-FFF2-40B4-BE49-F238E27FC236}">
-                <a16:creationId xmlns:a16="http://schemas.microsoft.com/office/drawing/2014/main" id="{CBC49F37-024F-43BA-BF41-65835263DDCC}"/>
+                <a16:creationId xmlns:a16="http://schemas.microsoft.com/office/drawing/2014/main" xmlns="" id="{CBC49F37-024F-43BA-BF41-65835263DDCC}"/>
               </a:ext>
             </a:extLst>
           </p:cNvPr>
@@ -4270,7 +4229,7 @@
           <p:cNvPr id="7" name="Título 1">
             <a:extLst>
               <a:ext uri="{FF2B5EF4-FFF2-40B4-BE49-F238E27FC236}">
-                <a16:creationId xmlns:a16="http://schemas.microsoft.com/office/drawing/2014/main" id="{99F76FBE-1BC2-4EE6-B90A-22263BF7BDCD}"/>
+                <a16:creationId xmlns:a16="http://schemas.microsoft.com/office/drawing/2014/main" xmlns="" id="{99F76FBE-1BC2-4EE6-B90A-22263BF7BDCD}"/>
               </a:ext>
             </a:extLst>
           </p:cNvPr>
@@ -4333,7 +4292,7 @@
           <p:cNvPr id="3" name="Imagem 2" descr="Desenho de uma pessoa&#10;&#10;Descrição gerada automaticamente">
             <a:extLst>
               <a:ext uri="{FF2B5EF4-FFF2-40B4-BE49-F238E27FC236}">
-                <a16:creationId xmlns:a16="http://schemas.microsoft.com/office/drawing/2014/main" id="{ED02D286-F5A0-4509-8E48-BFA54F34D076}"/>
+                <a16:creationId xmlns:a16="http://schemas.microsoft.com/office/drawing/2014/main" xmlns="" id="{ED02D286-F5A0-4509-8E48-BFA54F34D076}"/>
               </a:ext>
             </a:extLst>
           </p:cNvPr>
@@ -4369,7 +4328,7 @@
           <p:cNvPr id="4" name="Picture 2">
             <a:extLst>
               <a:ext uri="{FF2B5EF4-FFF2-40B4-BE49-F238E27FC236}">
-                <a16:creationId xmlns:a16="http://schemas.microsoft.com/office/drawing/2014/main" id="{CDDD861E-3766-442F-8F52-68E1AE2C3753}"/>
+                <a16:creationId xmlns:a16="http://schemas.microsoft.com/office/drawing/2014/main" xmlns="" id="{CDDD861E-3766-442F-8F52-68E1AE2C3753}"/>
               </a:ext>
             </a:extLst>
           </p:cNvPr>
@@ -4416,7 +4375,7 @@
           <p:cNvPr id="2" name="Straight Arrow Connector 1">
             <a:extLst>
               <a:ext uri="{FF2B5EF4-FFF2-40B4-BE49-F238E27FC236}">
-                <a16:creationId xmlns:a16="http://schemas.microsoft.com/office/drawing/2014/main" id="{825D95E1-8250-4172-ABA3-976541C2807C}"/>
+                <a16:creationId xmlns:a16="http://schemas.microsoft.com/office/drawing/2014/main" xmlns="" id="{825D95E1-8250-4172-ABA3-976541C2807C}"/>
               </a:ext>
             </a:extLst>
           </p:cNvPr>
@@ -4693,7 +4652,7 @@
           <p:cNvPr id="3" name="Straight Arrow Connector 2">
             <a:extLst>
               <a:ext uri="{FF2B5EF4-FFF2-40B4-BE49-F238E27FC236}">
-                <a16:creationId xmlns:a16="http://schemas.microsoft.com/office/drawing/2014/main" id="{238B6891-9D9A-4548-BDE4-47054128BA41}"/>
+                <a16:creationId xmlns:a16="http://schemas.microsoft.com/office/drawing/2014/main" xmlns="" id="{238B6891-9D9A-4548-BDE4-47054128BA41}"/>
               </a:ext>
             </a:extLst>
           </p:cNvPr>
@@ -4734,7 +4693,7 @@
           <p:cNvPr id="7" name="Título 1">
             <a:extLst>
               <a:ext uri="{FF2B5EF4-FFF2-40B4-BE49-F238E27FC236}">
-                <a16:creationId xmlns:a16="http://schemas.microsoft.com/office/drawing/2014/main" id="{99F76FBE-1BC2-4EE6-B90A-22263BF7BDCD}"/>
+                <a16:creationId xmlns:a16="http://schemas.microsoft.com/office/drawing/2014/main" xmlns="" id="{99F76FBE-1BC2-4EE6-B90A-22263BF7BDCD}"/>
               </a:ext>
             </a:extLst>
           </p:cNvPr>
@@ -4797,7 +4756,7 @@
           <p:cNvPr id="10" name="Título 1">
             <a:extLst>
               <a:ext uri="{FF2B5EF4-FFF2-40B4-BE49-F238E27FC236}">
-                <a16:creationId xmlns:a16="http://schemas.microsoft.com/office/drawing/2014/main" id="{678E41F7-516A-49E2-B205-0A126C574C2E}"/>
+                <a16:creationId xmlns:a16="http://schemas.microsoft.com/office/drawing/2014/main" xmlns="" id="{678E41F7-516A-49E2-B205-0A126C574C2E}"/>
               </a:ext>
             </a:extLst>
           </p:cNvPr>
@@ -4875,7 +4834,7 @@
           <p:cNvPr id="11" name="Título 1">
             <a:extLst>
               <a:ext uri="{FF2B5EF4-FFF2-40B4-BE49-F238E27FC236}">
-                <a16:creationId xmlns:a16="http://schemas.microsoft.com/office/drawing/2014/main" id="{0CD946CA-FF61-4363-B296-4AF3D7FBC896}"/>
+                <a16:creationId xmlns:a16="http://schemas.microsoft.com/office/drawing/2014/main" xmlns="" id="{0CD946CA-FF61-4363-B296-4AF3D7FBC896}"/>
               </a:ext>
             </a:extLst>
           </p:cNvPr>
@@ -4953,7 +4912,7 @@
           <p:cNvPr id="12" name="Título 1">
             <a:extLst>
               <a:ext uri="{FF2B5EF4-FFF2-40B4-BE49-F238E27FC236}">
-                <a16:creationId xmlns:a16="http://schemas.microsoft.com/office/drawing/2014/main" id="{AB9726E8-CEB5-4829-BE8F-0EAF85278B5A}"/>
+                <a16:creationId xmlns:a16="http://schemas.microsoft.com/office/drawing/2014/main" xmlns="" id="{AB9726E8-CEB5-4829-BE8F-0EAF85278B5A}"/>
               </a:ext>
             </a:extLst>
           </p:cNvPr>
@@ -5031,7 +4990,7 @@
           <p:cNvPr id="15" name="Título 1">
             <a:extLst>
               <a:ext uri="{FF2B5EF4-FFF2-40B4-BE49-F238E27FC236}">
-                <a16:creationId xmlns:a16="http://schemas.microsoft.com/office/drawing/2014/main" id="{2EEDD670-B386-40A2-A879-9CF8F33DA40F}"/>
+                <a16:creationId xmlns:a16="http://schemas.microsoft.com/office/drawing/2014/main" xmlns="" id="{2EEDD670-B386-40A2-A879-9CF8F33DA40F}"/>
               </a:ext>
             </a:extLst>
           </p:cNvPr>
@@ -5109,7 +5068,7 @@
           <p:cNvPr id="16" name="Título 1">
             <a:extLst>
               <a:ext uri="{FF2B5EF4-FFF2-40B4-BE49-F238E27FC236}">
-                <a16:creationId xmlns:a16="http://schemas.microsoft.com/office/drawing/2014/main" id="{229589FA-FF5C-47DD-A54E-805F02B40D56}"/>
+                <a16:creationId xmlns:a16="http://schemas.microsoft.com/office/drawing/2014/main" xmlns="" id="{229589FA-FF5C-47DD-A54E-805F02B40D56}"/>
               </a:ext>
             </a:extLst>
           </p:cNvPr>
@@ -5187,7 +5146,7 @@
           <p:cNvPr id="17" name="Título 1">
             <a:extLst>
               <a:ext uri="{FF2B5EF4-FFF2-40B4-BE49-F238E27FC236}">
-                <a16:creationId xmlns:a16="http://schemas.microsoft.com/office/drawing/2014/main" id="{9A6A319D-B6D1-48C9-B967-DAB049B71962}"/>
+                <a16:creationId xmlns:a16="http://schemas.microsoft.com/office/drawing/2014/main" xmlns="" id="{9A6A319D-B6D1-48C9-B967-DAB049B71962}"/>
               </a:ext>
             </a:extLst>
           </p:cNvPr>
@@ -5265,7 +5224,7 @@
           <p:cNvPr id="18" name="Imagem 17">
             <a:extLst>
               <a:ext uri="{FF2B5EF4-FFF2-40B4-BE49-F238E27FC236}">
-                <a16:creationId xmlns:a16="http://schemas.microsoft.com/office/drawing/2014/main" id="{A69155FD-5341-487B-81D7-5E2880E09683}"/>
+                <a16:creationId xmlns:a16="http://schemas.microsoft.com/office/drawing/2014/main" xmlns="" id="{A69155FD-5341-487B-81D7-5E2880E09683}"/>
               </a:ext>
             </a:extLst>
           </p:cNvPr>
@@ -5300,7 +5259,7 @@
           <p:cNvPr id="13" name="Imagem 12" descr="Menino sorrindo posando para foto&#10;&#10;Descrição gerada automaticamente">
             <a:extLst>
               <a:ext uri="{FF2B5EF4-FFF2-40B4-BE49-F238E27FC236}">
-                <a16:creationId xmlns:a16="http://schemas.microsoft.com/office/drawing/2014/main" id="{9CE75B2B-4F48-4749-8C51-76B8AF200AB6}"/>
+                <a16:creationId xmlns:a16="http://schemas.microsoft.com/office/drawing/2014/main" xmlns="" id="{9CE75B2B-4F48-4749-8C51-76B8AF200AB6}"/>
               </a:ext>
             </a:extLst>
           </p:cNvPr>
@@ -5336,7 +5295,7 @@
           <p:cNvPr id="21" name="Imagem 20" descr="Menino de camisa preta&#10;&#10;Descrição gerada automaticamente">
             <a:extLst>
               <a:ext uri="{FF2B5EF4-FFF2-40B4-BE49-F238E27FC236}">
-                <a16:creationId xmlns:a16="http://schemas.microsoft.com/office/drawing/2014/main" id="{22A12B27-089B-438B-97E5-38C10B35395A}"/>
+                <a16:creationId xmlns:a16="http://schemas.microsoft.com/office/drawing/2014/main" xmlns="" id="{22A12B27-089B-438B-97E5-38C10B35395A}"/>
               </a:ext>
             </a:extLst>
           </p:cNvPr>
@@ -5372,7 +5331,7 @@
           <p:cNvPr id="20" name="Picture 2">
             <a:extLst>
               <a:ext uri="{FF2B5EF4-FFF2-40B4-BE49-F238E27FC236}">
-                <a16:creationId xmlns:a16="http://schemas.microsoft.com/office/drawing/2014/main" id="{5823B29F-7B62-4389-9250-63EBA3ABE63F}"/>
+                <a16:creationId xmlns:a16="http://schemas.microsoft.com/office/drawing/2014/main" xmlns="" id="{5823B29F-7B62-4389-9250-63EBA3ABE63F}"/>
               </a:ext>
             </a:extLst>
           </p:cNvPr>
@@ -5419,7 +5378,7 @@
           <p:cNvPr id="22" name="Imagem 21">
             <a:extLst>
               <a:ext uri="{FF2B5EF4-FFF2-40B4-BE49-F238E27FC236}">
-                <a16:creationId xmlns:a16="http://schemas.microsoft.com/office/drawing/2014/main" id="{7CC44D96-B230-41A2-A9EA-97283FE1C430}"/>
+                <a16:creationId xmlns:a16="http://schemas.microsoft.com/office/drawing/2014/main" xmlns="" id="{7CC44D96-B230-41A2-A9EA-97283FE1C430}"/>
               </a:ext>
             </a:extLst>
           </p:cNvPr>
@@ -5454,7 +5413,7 @@
           <p:cNvPr id="23" name="Imagem 22">
             <a:extLst>
               <a:ext uri="{FF2B5EF4-FFF2-40B4-BE49-F238E27FC236}">
-                <a16:creationId xmlns:a16="http://schemas.microsoft.com/office/drawing/2014/main" id="{9F2D0B16-920A-4B83-A714-3AE145F80625}"/>
+                <a16:creationId xmlns:a16="http://schemas.microsoft.com/office/drawing/2014/main" xmlns="" id="{9F2D0B16-920A-4B83-A714-3AE145F80625}"/>
               </a:ext>
             </a:extLst>
           </p:cNvPr>
@@ -5489,7 +5448,7 @@
           <p:cNvPr id="24" name="Imagem 23">
             <a:extLst>
               <a:ext uri="{FF2B5EF4-FFF2-40B4-BE49-F238E27FC236}">
-                <a16:creationId xmlns:a16="http://schemas.microsoft.com/office/drawing/2014/main" id="{9010BD6E-91CB-4DBB-97A7-4C4CB44E5555}"/>
+                <a16:creationId xmlns:a16="http://schemas.microsoft.com/office/drawing/2014/main" xmlns="" id="{9010BD6E-91CB-4DBB-97A7-4C4CB44E5555}"/>
               </a:ext>
             </a:extLst>
           </p:cNvPr>
@@ -6160,7 +6119,7 @@
           <p:cNvPr id="2" name="Straight Arrow Connector 1">
             <a:extLst>
               <a:ext uri="{FF2B5EF4-FFF2-40B4-BE49-F238E27FC236}">
-                <a16:creationId xmlns:a16="http://schemas.microsoft.com/office/drawing/2014/main" id="{2A50C13F-38CB-4726-A175-5BC057C23492}"/>
+                <a16:creationId xmlns:a16="http://schemas.microsoft.com/office/drawing/2014/main" xmlns="" id="{2A50C13F-38CB-4726-A175-5BC057C23492}"/>
               </a:ext>
             </a:extLst>
           </p:cNvPr>
@@ -6201,7 +6160,7 @@
           <p:cNvPr id="7" name="Título 1">
             <a:extLst>
               <a:ext uri="{FF2B5EF4-FFF2-40B4-BE49-F238E27FC236}">
-                <a16:creationId xmlns:a16="http://schemas.microsoft.com/office/drawing/2014/main" id="{99F76FBE-1BC2-4EE6-B90A-22263BF7BDCD}"/>
+                <a16:creationId xmlns:a16="http://schemas.microsoft.com/office/drawing/2014/main" xmlns="" id="{99F76FBE-1BC2-4EE6-B90A-22263BF7BDCD}"/>
               </a:ext>
             </a:extLst>
           </p:cNvPr>
@@ -6264,7 +6223,7 @@
           <p:cNvPr id="4098" name="Picture 2" descr="Imagens Telemarketing | Vetores, fotos de arquivo e PSD grátis">
             <a:extLst>
               <a:ext uri="{FF2B5EF4-FFF2-40B4-BE49-F238E27FC236}">
-                <a16:creationId xmlns:a16="http://schemas.microsoft.com/office/drawing/2014/main" id="{3E46EC94-A677-40FE-ADA9-5B9036F756D9}"/>
+                <a16:creationId xmlns:a16="http://schemas.microsoft.com/office/drawing/2014/main" xmlns="" id="{3E46EC94-A677-40FE-ADA9-5B9036F756D9}"/>
               </a:ext>
             </a:extLst>
           </p:cNvPr>
@@ -6311,7 +6270,7 @@
           <p:cNvPr id="4" name="Picture 2">
             <a:extLst>
               <a:ext uri="{FF2B5EF4-FFF2-40B4-BE49-F238E27FC236}">
-                <a16:creationId xmlns:a16="http://schemas.microsoft.com/office/drawing/2014/main" id="{95805BE3-4A1A-4523-A540-D89AD3DB5CFB}"/>
+                <a16:creationId xmlns:a16="http://schemas.microsoft.com/office/drawing/2014/main" xmlns="" id="{95805BE3-4A1A-4523-A540-D89AD3DB5CFB}"/>
               </a:ext>
             </a:extLst>
           </p:cNvPr>
@@ -6358,7 +6317,7 @@
           <p:cNvPr id="6" name="Título 1">
             <a:extLst>
               <a:ext uri="{FF2B5EF4-FFF2-40B4-BE49-F238E27FC236}">
-                <a16:creationId xmlns:a16="http://schemas.microsoft.com/office/drawing/2014/main" id="{B6F48679-00C5-4A77-A553-A620B378115E}"/>
+                <a16:creationId xmlns:a16="http://schemas.microsoft.com/office/drawing/2014/main" xmlns="" id="{B6F48679-00C5-4A77-A553-A620B378115E}"/>
               </a:ext>
             </a:extLst>
           </p:cNvPr>
@@ -6785,7 +6744,7 @@
           <p:cNvPr id="2" name="Straight Arrow Connector 1">
             <a:extLst>
               <a:ext uri="{FF2B5EF4-FFF2-40B4-BE49-F238E27FC236}">
-                <a16:creationId xmlns:a16="http://schemas.microsoft.com/office/drawing/2014/main" id="{8067B5E4-5CC9-4738-A6C6-0C51E8FD5F7E}"/>
+                <a16:creationId xmlns:a16="http://schemas.microsoft.com/office/drawing/2014/main" xmlns="" id="{8067B5E4-5CC9-4738-A6C6-0C51E8FD5F7E}"/>
               </a:ext>
             </a:extLst>
           </p:cNvPr>
@@ -6826,7 +6785,7 @@
           <p:cNvPr id="7" name="Título 1">
             <a:extLst>
               <a:ext uri="{FF2B5EF4-FFF2-40B4-BE49-F238E27FC236}">
-                <a16:creationId xmlns:a16="http://schemas.microsoft.com/office/drawing/2014/main" id="{99F76FBE-1BC2-4EE6-B90A-22263BF7BDCD}"/>
+                <a16:creationId xmlns:a16="http://schemas.microsoft.com/office/drawing/2014/main" xmlns="" id="{99F76FBE-1BC2-4EE6-B90A-22263BF7BDCD}"/>
               </a:ext>
             </a:extLst>
           </p:cNvPr>
@@ -6889,7 +6848,7 @@
           <p:cNvPr id="3" name="Imagem 2" descr="Uma imagem contendo atletismo, homem, mulher, jovem&#10;&#10;Descrição gerada automaticamente">
             <a:extLst>
               <a:ext uri="{FF2B5EF4-FFF2-40B4-BE49-F238E27FC236}">
-                <a16:creationId xmlns:a16="http://schemas.microsoft.com/office/drawing/2014/main" id="{C1A98800-58DC-4483-87DF-2963DFDEA1E7}"/>
+                <a16:creationId xmlns:a16="http://schemas.microsoft.com/office/drawing/2014/main" xmlns="" id="{C1A98800-58DC-4483-87DF-2963DFDEA1E7}"/>
               </a:ext>
             </a:extLst>
           </p:cNvPr>
@@ -6925,7 +6884,7 @@
           <p:cNvPr id="4" name="Picture 2">
             <a:extLst>
               <a:ext uri="{FF2B5EF4-FFF2-40B4-BE49-F238E27FC236}">
-                <a16:creationId xmlns:a16="http://schemas.microsoft.com/office/drawing/2014/main" id="{81A7A57C-8BAD-40FC-9628-0A271DFBCD32}"/>
+                <a16:creationId xmlns:a16="http://schemas.microsoft.com/office/drawing/2014/main" xmlns="" id="{81A7A57C-8BAD-40FC-9628-0A271DFBCD32}"/>
               </a:ext>
             </a:extLst>
           </p:cNvPr>
@@ -6972,7 +6931,7 @@
           <p:cNvPr id="8" name="Título 1">
             <a:extLst>
               <a:ext uri="{FF2B5EF4-FFF2-40B4-BE49-F238E27FC236}">
-                <a16:creationId xmlns:a16="http://schemas.microsoft.com/office/drawing/2014/main" id="{D8EF5F0E-CD81-4152-8D0B-8902A213ECB2}"/>
+                <a16:creationId xmlns:a16="http://schemas.microsoft.com/office/drawing/2014/main" xmlns="" id="{D8EF5F0E-CD81-4152-8D0B-8902A213ECB2}"/>
               </a:ext>
             </a:extLst>
           </p:cNvPr>
@@ -7355,7 +7314,7 @@
           <p:cNvPr id="32" name="Imagem 31" descr="Ícone&#10;&#10;Descrição gerada automaticamente">
             <a:extLst>
               <a:ext uri="{FF2B5EF4-FFF2-40B4-BE49-F238E27FC236}">
-                <a16:creationId xmlns:a16="http://schemas.microsoft.com/office/drawing/2014/main" id="{63AD9E9B-E7CD-43FB-B6D0-A4BA25762E77}"/>
+                <a16:creationId xmlns:a16="http://schemas.microsoft.com/office/drawing/2014/main" xmlns="" id="{63AD9E9B-E7CD-43FB-B6D0-A4BA25762E77}"/>
               </a:ext>
             </a:extLst>
           </p:cNvPr>
@@ -7391,7 +7350,7 @@
           <p:cNvPr id="43" name="Imagem 42" descr="Forma&#10;&#10;Descrição gerada automaticamente">
             <a:extLst>
               <a:ext uri="{FF2B5EF4-FFF2-40B4-BE49-F238E27FC236}">
-                <a16:creationId xmlns:a16="http://schemas.microsoft.com/office/drawing/2014/main" id="{02EFC7BC-B3DC-409C-BAC5-710BDBE5CCB2}"/>
+                <a16:creationId xmlns:a16="http://schemas.microsoft.com/office/drawing/2014/main" xmlns="" id="{02EFC7BC-B3DC-409C-BAC5-710BDBE5CCB2}"/>
               </a:ext>
             </a:extLst>
           </p:cNvPr>
@@ -7426,7 +7385,7 @@
           <p:cNvPr id="24" name="Imagem 23" descr="Forma&#10;&#10;Descrição gerada automaticamente">
             <a:extLst>
               <a:ext uri="{FF2B5EF4-FFF2-40B4-BE49-F238E27FC236}">
-                <a16:creationId xmlns:a16="http://schemas.microsoft.com/office/drawing/2014/main" id="{5C7DD506-50B1-460C-BA22-4C94A74330EA}"/>
+                <a16:creationId xmlns:a16="http://schemas.microsoft.com/office/drawing/2014/main" xmlns="" id="{5C7DD506-50B1-460C-BA22-4C94A74330EA}"/>
               </a:ext>
             </a:extLst>
           </p:cNvPr>
@@ -7461,7 +7420,7 @@
           <p:cNvPr id="16" name="Imagem 15">
             <a:extLst>
               <a:ext uri="{FF2B5EF4-FFF2-40B4-BE49-F238E27FC236}">
-                <a16:creationId xmlns:a16="http://schemas.microsoft.com/office/drawing/2014/main" id="{F080E30E-48F9-44E0-BB36-75BC3D0889E5}"/>
+                <a16:creationId xmlns:a16="http://schemas.microsoft.com/office/drawing/2014/main" xmlns="" id="{F080E30E-48F9-44E0-BB36-75BC3D0889E5}"/>
               </a:ext>
             </a:extLst>
           </p:cNvPr>
@@ -7497,7 +7456,7 @@
           <p:cNvPr id="91" name="Imagem 90">
             <a:extLst>
               <a:ext uri="{FF2B5EF4-FFF2-40B4-BE49-F238E27FC236}">
-                <a16:creationId xmlns:a16="http://schemas.microsoft.com/office/drawing/2014/main" id="{413FCE52-9E42-42C4-8D09-B45934FDA216}"/>
+                <a16:creationId xmlns:a16="http://schemas.microsoft.com/office/drawing/2014/main" xmlns="" id="{413FCE52-9E42-42C4-8D09-B45934FDA216}"/>
               </a:ext>
             </a:extLst>
           </p:cNvPr>
@@ -7533,7 +7492,7 @@
           <p:cNvPr id="93" name="Imagem 92">
             <a:extLst>
               <a:ext uri="{FF2B5EF4-FFF2-40B4-BE49-F238E27FC236}">
-                <a16:creationId xmlns:a16="http://schemas.microsoft.com/office/drawing/2014/main" id="{63E9CCF7-0455-42A7-B3B4-AEC2412E858C}"/>
+                <a16:creationId xmlns:a16="http://schemas.microsoft.com/office/drawing/2014/main" xmlns="" id="{63E9CCF7-0455-42A7-B3B4-AEC2412E858C}"/>
               </a:ext>
             </a:extLst>
           </p:cNvPr>
@@ -7569,7 +7528,7 @@
           <p:cNvPr id="94" name="Imagem 93">
             <a:extLst>
               <a:ext uri="{FF2B5EF4-FFF2-40B4-BE49-F238E27FC236}">
-                <a16:creationId xmlns:a16="http://schemas.microsoft.com/office/drawing/2014/main" id="{B79F862E-D809-4A78-AAE4-6CF63FB26508}"/>
+                <a16:creationId xmlns:a16="http://schemas.microsoft.com/office/drawing/2014/main" xmlns="" id="{B79F862E-D809-4A78-AAE4-6CF63FB26508}"/>
               </a:ext>
             </a:extLst>
           </p:cNvPr>
@@ -7605,7 +7564,7 @@
           <p:cNvPr id="97" name="Imagem 96">
             <a:extLst>
               <a:ext uri="{FF2B5EF4-FFF2-40B4-BE49-F238E27FC236}">
-                <a16:creationId xmlns:a16="http://schemas.microsoft.com/office/drawing/2014/main" id="{1E1D9264-4478-4D21-90D1-CC0A88EEBE02}"/>
+                <a16:creationId xmlns:a16="http://schemas.microsoft.com/office/drawing/2014/main" xmlns="" id="{1E1D9264-4478-4D21-90D1-CC0A88EEBE02}"/>
               </a:ext>
             </a:extLst>
           </p:cNvPr>
@@ -7641,7 +7600,7 @@
           <p:cNvPr id="110" name="Imagem 109">
             <a:extLst>
               <a:ext uri="{FF2B5EF4-FFF2-40B4-BE49-F238E27FC236}">
-                <a16:creationId xmlns:a16="http://schemas.microsoft.com/office/drawing/2014/main" id="{48EAE7C9-853C-4C62-BE4F-77E1FF7A2142}"/>
+                <a16:creationId xmlns:a16="http://schemas.microsoft.com/office/drawing/2014/main" xmlns="" id="{48EAE7C9-853C-4C62-BE4F-77E1FF7A2142}"/>
               </a:ext>
             </a:extLst>
           </p:cNvPr>
@@ -7677,7 +7636,7 @@
           <p:cNvPr id="113" name="Imagem 112">
             <a:extLst>
               <a:ext uri="{FF2B5EF4-FFF2-40B4-BE49-F238E27FC236}">
-                <a16:creationId xmlns:a16="http://schemas.microsoft.com/office/drawing/2014/main" id="{3A0A7C0D-5AAE-4386-8F96-FE545AB5180F}"/>
+                <a16:creationId xmlns:a16="http://schemas.microsoft.com/office/drawing/2014/main" xmlns="" id="{3A0A7C0D-5AAE-4386-8F96-FE545AB5180F}"/>
               </a:ext>
             </a:extLst>
           </p:cNvPr>
@@ -7713,7 +7672,7 @@
           <p:cNvPr id="115" name="Imagem 114">
             <a:extLst>
               <a:ext uri="{FF2B5EF4-FFF2-40B4-BE49-F238E27FC236}">
-                <a16:creationId xmlns:a16="http://schemas.microsoft.com/office/drawing/2014/main" id="{3C1B681C-ED12-41C5-AD26-8B6853414F1D}"/>
+                <a16:creationId xmlns:a16="http://schemas.microsoft.com/office/drawing/2014/main" xmlns="" id="{3C1B681C-ED12-41C5-AD26-8B6853414F1D}"/>
               </a:ext>
             </a:extLst>
           </p:cNvPr>
@@ -7749,7 +7708,7 @@
           <p:cNvPr id="2" name="Retângulo 1">
             <a:extLst>
               <a:ext uri="{FF2B5EF4-FFF2-40B4-BE49-F238E27FC236}">
-                <a16:creationId xmlns:a16="http://schemas.microsoft.com/office/drawing/2014/main" id="{969E54A0-B7B5-4147-AB27-DA0CC75F47BD}"/>
+                <a16:creationId xmlns:a16="http://schemas.microsoft.com/office/drawing/2014/main" xmlns="" id="{969E54A0-B7B5-4147-AB27-DA0CC75F47BD}"/>
               </a:ext>
             </a:extLst>
           </p:cNvPr>
@@ -7801,7 +7760,7 @@
           <p:cNvPr id="5" name="CaixaDeTexto 4">
             <a:extLst>
               <a:ext uri="{FF2B5EF4-FFF2-40B4-BE49-F238E27FC236}">
-                <a16:creationId xmlns:a16="http://schemas.microsoft.com/office/drawing/2014/main" id="{00324186-5835-453F-9CA7-D8BA2FE4FDB1}"/>
+                <a16:creationId xmlns:a16="http://schemas.microsoft.com/office/drawing/2014/main" xmlns="" id="{00324186-5835-453F-9CA7-D8BA2FE4FDB1}"/>
               </a:ext>
             </a:extLst>
           </p:cNvPr>
@@ -7840,7 +7799,7 @@
           <p:cNvPr id="8" name="CaixaDeTexto 7">
             <a:extLst>
               <a:ext uri="{FF2B5EF4-FFF2-40B4-BE49-F238E27FC236}">
-                <a16:creationId xmlns:a16="http://schemas.microsoft.com/office/drawing/2014/main" id="{C6B4F186-1182-4828-8066-2E561878460C}"/>
+                <a16:creationId xmlns:a16="http://schemas.microsoft.com/office/drawing/2014/main" xmlns="" id="{C6B4F186-1182-4828-8066-2E561878460C}"/>
               </a:ext>
             </a:extLst>
           </p:cNvPr>
@@ -7875,7 +7834,7 @@
           <p:cNvPr id="14" name="Imagem 13" descr="Logotipo, nome da empresa&#10;&#10;Descrição gerada automaticamente">
             <a:extLst>
               <a:ext uri="{FF2B5EF4-FFF2-40B4-BE49-F238E27FC236}">
-                <a16:creationId xmlns:a16="http://schemas.microsoft.com/office/drawing/2014/main" id="{C131E45E-AAA8-4092-97F7-314E8411F05B}"/>
+                <a16:creationId xmlns:a16="http://schemas.microsoft.com/office/drawing/2014/main" xmlns="" id="{C131E45E-AAA8-4092-97F7-314E8411F05B}"/>
               </a:ext>
             </a:extLst>
           </p:cNvPr>
@@ -7911,7 +7870,7 @@
           <p:cNvPr id="6" name="Picture 4">
             <a:extLst>
               <a:ext uri="{FF2B5EF4-FFF2-40B4-BE49-F238E27FC236}">
-                <a16:creationId xmlns:a16="http://schemas.microsoft.com/office/drawing/2014/main" id="{459310AC-F268-4178-A4E9-B2C3E8E97734}"/>
+                <a16:creationId xmlns:a16="http://schemas.microsoft.com/office/drawing/2014/main" xmlns="" id="{459310AC-F268-4178-A4E9-B2C3E8E97734}"/>
               </a:ext>
             </a:extLst>
           </p:cNvPr>
@@ -7958,7 +7917,7 @@
           <p:cNvPr id="9" name="Retângulo 8">
             <a:extLst>
               <a:ext uri="{FF2B5EF4-FFF2-40B4-BE49-F238E27FC236}">
-                <a16:creationId xmlns:a16="http://schemas.microsoft.com/office/drawing/2014/main" id="{A2895AD6-3034-4EE2-8F53-A1BC76FBF2D0}"/>
+                <a16:creationId xmlns:a16="http://schemas.microsoft.com/office/drawing/2014/main" xmlns="" id="{A2895AD6-3034-4EE2-8F53-A1BC76FBF2D0}"/>
               </a:ext>
             </a:extLst>
           </p:cNvPr>
@@ -8010,7 +7969,7 @@
           <p:cNvPr id="7" name="Picture 10" descr="Amazon Web Services - Wikipedia">
             <a:extLst>
               <a:ext uri="{FF2B5EF4-FFF2-40B4-BE49-F238E27FC236}">
-                <a16:creationId xmlns:a16="http://schemas.microsoft.com/office/drawing/2014/main" id="{4484FA0D-09D2-41AD-9A5C-AA5C5431D5FE}"/>
+                <a16:creationId xmlns:a16="http://schemas.microsoft.com/office/drawing/2014/main" xmlns="" id="{4484FA0D-09D2-41AD-9A5C-AA5C5431D5FE}"/>
               </a:ext>
             </a:extLst>
           </p:cNvPr>
@@ -8207,7 +8166,7 @@
           <p:cNvPr id="21" name="Agrupar 20">
             <a:extLst>
               <a:ext uri="{FF2B5EF4-FFF2-40B4-BE49-F238E27FC236}">
-                <a16:creationId xmlns:a16="http://schemas.microsoft.com/office/drawing/2014/main" id="{1550788F-EA80-4E29-BE8A-2E903471849F}"/>
+                <a16:creationId xmlns:a16="http://schemas.microsoft.com/office/drawing/2014/main" xmlns="" id="{1550788F-EA80-4E29-BE8A-2E903471849F}"/>
               </a:ext>
             </a:extLst>
           </p:cNvPr>
@@ -8227,7 +8186,7 @@
             <p:cNvPr id="1026" name="Picture 2" descr="Boas-vindas ao seu novo QG | Slack">
               <a:extLst>
                 <a:ext uri="{FF2B5EF4-FFF2-40B4-BE49-F238E27FC236}">
-                  <a16:creationId xmlns:a16="http://schemas.microsoft.com/office/drawing/2014/main" id="{D2B9D5B0-D199-4A89-A00B-86E4BE07F467}"/>
+                  <a16:creationId xmlns:a16="http://schemas.microsoft.com/office/drawing/2014/main" xmlns="" id="{D2B9D5B0-D199-4A89-A00B-86E4BE07F467}"/>
                 </a:ext>
               </a:extLst>
             </p:cNvPr>
@@ -8274,7 +8233,7 @@
             <p:cNvPr id="4" name="CaixaDeTexto 3">
               <a:extLst>
                 <a:ext uri="{FF2B5EF4-FFF2-40B4-BE49-F238E27FC236}">
-                  <a16:creationId xmlns:a16="http://schemas.microsoft.com/office/drawing/2014/main" id="{D03018DC-DEBD-439B-B33A-3FD65D7934A5}"/>
+                  <a16:creationId xmlns:a16="http://schemas.microsoft.com/office/drawing/2014/main" xmlns="" id="{D03018DC-DEBD-439B-B33A-3FD65D7934A5}"/>
                 </a:ext>
               </a:extLst>
             </p:cNvPr>
@@ -8310,7 +8269,7 @@
           <p:cNvPr id="23" name="Imagem 22" descr="Logotipo, nome da empresa&#10;&#10;Descrição gerada automaticamente">
             <a:extLst>
               <a:ext uri="{FF2B5EF4-FFF2-40B4-BE49-F238E27FC236}">
-                <a16:creationId xmlns:a16="http://schemas.microsoft.com/office/drawing/2014/main" id="{430375AE-F10C-4E7F-AC5E-E4A9143A7746}"/>
+                <a16:creationId xmlns:a16="http://schemas.microsoft.com/office/drawing/2014/main" xmlns="" id="{430375AE-F10C-4E7F-AC5E-E4A9143A7746}"/>
               </a:ext>
             </a:extLst>
           </p:cNvPr>
@@ -8346,7 +8305,7 @@
           <p:cNvPr id="50" name="Imagem 49">
             <a:extLst>
               <a:ext uri="{FF2B5EF4-FFF2-40B4-BE49-F238E27FC236}">
-                <a16:creationId xmlns:a16="http://schemas.microsoft.com/office/drawing/2014/main" id="{B7B64E3D-9B7A-45F3-806A-B186144DA1C4}"/>
+                <a16:creationId xmlns:a16="http://schemas.microsoft.com/office/drawing/2014/main" xmlns="" id="{B7B64E3D-9B7A-45F3-806A-B186144DA1C4}"/>
               </a:ext>
             </a:extLst>
           </p:cNvPr>
@@ -8376,7 +8335,7 @@
           <p:cNvPr id="54" name="Retângulo 53">
             <a:extLst>
               <a:ext uri="{FF2B5EF4-FFF2-40B4-BE49-F238E27FC236}">
-                <a16:creationId xmlns:a16="http://schemas.microsoft.com/office/drawing/2014/main" id="{F6769D6D-4C92-4616-B7A1-9AA9E96B528E}"/>
+                <a16:creationId xmlns:a16="http://schemas.microsoft.com/office/drawing/2014/main" xmlns="" id="{F6769D6D-4C92-4616-B7A1-9AA9E96B528E}"/>
               </a:ext>
             </a:extLst>
           </p:cNvPr>
@@ -8428,7 +8387,7 @@
           <p:cNvPr id="28" name="Imagem 27" descr="Imagem em preto e branco&#10;&#10;Descrição gerada automaticamente">
             <a:extLst>
               <a:ext uri="{FF2B5EF4-FFF2-40B4-BE49-F238E27FC236}">
-                <a16:creationId xmlns:a16="http://schemas.microsoft.com/office/drawing/2014/main" id="{2CC60A5A-32BC-4872-BEF8-F867013BB652}"/>
+                <a16:creationId xmlns:a16="http://schemas.microsoft.com/office/drawing/2014/main" xmlns="" id="{2CC60A5A-32BC-4872-BEF8-F867013BB652}"/>
               </a:ext>
             </a:extLst>
           </p:cNvPr>
@@ -8512,7 +8471,7 @@
           <p:cNvPr id="20" name="Imagem 19" descr="Texto&#10;&#10;Descrição gerada automaticamente">
             <a:extLst>
               <a:ext uri="{FF2B5EF4-FFF2-40B4-BE49-F238E27FC236}">
-                <a16:creationId xmlns:a16="http://schemas.microsoft.com/office/drawing/2014/main" id="{ED87CAAA-DE80-46A0-86B2-609AB5201EA4}"/>
+                <a16:creationId xmlns:a16="http://schemas.microsoft.com/office/drawing/2014/main" xmlns="" id="{ED87CAAA-DE80-46A0-86B2-609AB5201EA4}"/>
               </a:ext>
             </a:extLst>
           </p:cNvPr>
@@ -8548,7 +8507,7 @@
           <p:cNvPr id="26" name="Imagem 25" descr="Logotipo&#10;&#10;Descrição gerada automaticamente">
             <a:extLst>
               <a:ext uri="{FF2B5EF4-FFF2-40B4-BE49-F238E27FC236}">
-                <a16:creationId xmlns:a16="http://schemas.microsoft.com/office/drawing/2014/main" id="{6B8134E3-650D-478E-A821-EF0EB50EF35E}"/>
+                <a16:creationId xmlns:a16="http://schemas.microsoft.com/office/drawing/2014/main" xmlns="" id="{6B8134E3-650D-478E-A821-EF0EB50EF35E}"/>
               </a:ext>
             </a:extLst>
           </p:cNvPr>
@@ -8584,7 +8543,7 @@
           <p:cNvPr id="27" name="Retângulo: Cantos Arredondados 26">
             <a:extLst>
               <a:ext uri="{FF2B5EF4-FFF2-40B4-BE49-F238E27FC236}">
-                <a16:creationId xmlns:a16="http://schemas.microsoft.com/office/drawing/2014/main" id="{8FA7A66A-5AF3-44D5-82C5-F518ED665F57}"/>
+                <a16:creationId xmlns:a16="http://schemas.microsoft.com/office/drawing/2014/main" xmlns="" id="{8FA7A66A-5AF3-44D5-82C5-F518ED665F57}"/>
               </a:ext>
             </a:extLst>
           </p:cNvPr>
@@ -8631,7 +8590,7 @@
           <p:cNvPr id="30" name="Imagem 29" descr="Ícone&#10;&#10;Descrição gerada automaticamente">
             <a:extLst>
               <a:ext uri="{FF2B5EF4-FFF2-40B4-BE49-F238E27FC236}">
-                <a16:creationId xmlns:a16="http://schemas.microsoft.com/office/drawing/2014/main" id="{37F30B95-69BD-4863-8AD5-82CA6DED1DD7}"/>
+                <a16:creationId xmlns:a16="http://schemas.microsoft.com/office/drawing/2014/main" xmlns="" id="{37F30B95-69BD-4863-8AD5-82CA6DED1DD7}"/>
               </a:ext>
             </a:extLst>
           </p:cNvPr>
@@ -8667,7 +8626,7 @@
           <p:cNvPr id="35" name="Conector de Seta Reta 34">
             <a:extLst>
               <a:ext uri="{FF2B5EF4-FFF2-40B4-BE49-F238E27FC236}">
-                <a16:creationId xmlns:a16="http://schemas.microsoft.com/office/drawing/2014/main" id="{8103FEFB-336C-414E-BD99-F6AF7DF67DF7}"/>
+                <a16:creationId xmlns:a16="http://schemas.microsoft.com/office/drawing/2014/main" xmlns="" id="{8103FEFB-336C-414E-BD99-F6AF7DF67DF7}"/>
               </a:ext>
             </a:extLst>
           </p:cNvPr>
@@ -8708,7 +8667,7 @@
           <p:cNvPr id="61" name="Conector de Seta Reta 60">
             <a:extLst>
               <a:ext uri="{FF2B5EF4-FFF2-40B4-BE49-F238E27FC236}">
-                <a16:creationId xmlns:a16="http://schemas.microsoft.com/office/drawing/2014/main" id="{C2916943-22EE-4CFB-99FA-9AD58A30BF83}"/>
+                <a16:creationId xmlns:a16="http://schemas.microsoft.com/office/drawing/2014/main" xmlns="" id="{C2916943-22EE-4CFB-99FA-9AD58A30BF83}"/>
               </a:ext>
             </a:extLst>
           </p:cNvPr>
@@ -8749,7 +8708,7 @@
           <p:cNvPr id="64" name="Conector de Seta Reta 63">
             <a:extLst>
               <a:ext uri="{FF2B5EF4-FFF2-40B4-BE49-F238E27FC236}">
-                <a16:creationId xmlns:a16="http://schemas.microsoft.com/office/drawing/2014/main" id="{7657379C-900C-4742-A460-A8AE9389EEF8}"/>
+                <a16:creationId xmlns:a16="http://schemas.microsoft.com/office/drawing/2014/main" xmlns="" id="{7657379C-900C-4742-A460-A8AE9389EEF8}"/>
               </a:ext>
             </a:extLst>
           </p:cNvPr>
@@ -8790,7 +8749,7 @@
           <p:cNvPr id="69" name="Conector de Seta Reta 68">
             <a:extLst>
               <a:ext uri="{FF2B5EF4-FFF2-40B4-BE49-F238E27FC236}">
-                <a16:creationId xmlns:a16="http://schemas.microsoft.com/office/drawing/2014/main" id="{B81E2079-84D7-430E-A793-D3C73FD6A4F9}"/>
+                <a16:creationId xmlns:a16="http://schemas.microsoft.com/office/drawing/2014/main" xmlns="" id="{B81E2079-84D7-430E-A793-D3C73FD6A4F9}"/>
               </a:ext>
             </a:extLst>
           </p:cNvPr>
@@ -8831,7 +8790,7 @@
           <p:cNvPr id="73" name="Conector de Seta Reta 72">
             <a:extLst>
               <a:ext uri="{FF2B5EF4-FFF2-40B4-BE49-F238E27FC236}">
-                <a16:creationId xmlns:a16="http://schemas.microsoft.com/office/drawing/2014/main" id="{C47F1F93-925A-41E3-B4F1-42F7A6F2840A}"/>
+                <a16:creationId xmlns:a16="http://schemas.microsoft.com/office/drawing/2014/main" xmlns="" id="{C47F1F93-925A-41E3-B4F1-42F7A6F2840A}"/>
               </a:ext>
             </a:extLst>
           </p:cNvPr>
@@ -8869,87 +8828,62 @@
       </p:cxnSp>
       <p:sp>
         <p:nvSpPr>
-          <p:cNvPr id="44" name="Título 1">
-            <a:extLst>
-              <a:ext uri="{FF2B5EF4-FFF2-40B4-BE49-F238E27FC236}">
-                <a16:creationId xmlns:a16="http://schemas.microsoft.com/office/drawing/2014/main" id="{383CE326-4168-484E-AA70-33889220BA25}"/>
-              </a:ext>
-            </a:extLst>
-          </p:cNvPr>
-          <p:cNvSpPr txBox="1">
-            <a:spLocks/>
-          </p:cNvSpPr>
+          <p:cNvPr id="3" name="Retângulo 2"/>
+          <p:cNvSpPr/>
           <p:nvPr/>
         </p:nvSpPr>
         <p:spPr>
           <a:xfrm>
-            <a:off x="4162839" y="-183443"/>
-            <a:ext cx="3866322" cy="1325563"/>
+            <a:off x="4977786" y="285516"/>
+            <a:ext cx="1220207" cy="769441"/>
           </a:xfrm>
           <a:prstGeom prst="rect">
             <a:avLst/>
           </a:prstGeom>
         </p:spPr>
         <p:txBody>
-          <a:bodyPr vert="horz" lIns="91440" tIns="45720" rIns="91440" bIns="45720" rtlCol="0" anchor="ctr">
-            <a:normAutofit/>
+          <a:bodyPr wrap="none">
+            <a:spAutoFit/>
           </a:bodyPr>
-          <a:lstStyle>
-            <a:lvl1pPr algn="l" defTabSz="914400" rtl="0" eaLnBrk="1" latinLnBrk="0" hangingPunct="1">
-              <a:lnSpc>
-                <a:spcPct val="90000"/>
-              </a:lnSpc>
-              <a:spcBef>
-                <a:spcPct val="0"/>
-              </a:spcBef>
-              <a:buNone/>
-              <a:defRPr sz="4400" kern="1200">
-                <a:solidFill>
-                  <a:schemeClr val="tx1"/>
-                </a:solidFill>
-                <a:latin typeface="+mj-lt"/>
-                <a:ea typeface="+mj-ea"/>
-                <a:cs typeface="+mj-cs"/>
-              </a:defRPr>
-            </a:lvl1pPr>
-          </a:lstStyle>
+          <a:lstStyle/>
           <a:p>
             <a:pPr algn="ctr"/>
             <a:r>
-              <a:rPr lang="pt-BR" dirty="0">
+              <a:rPr lang="pt-BR" sz="4400" dirty="0" smtClean="0">
                 <a:solidFill>
                   <a:schemeClr val="tx1">
                     <a:lumMod val="75000"/>
                     <a:lumOff val="25000"/>
                   </a:schemeClr>
                 </a:solidFill>
-                <a:latin typeface="Bariol Bold" panose="02000506040000020003" pitchFamily="2" charset="0"/>
+                <a:latin typeface="Bariol Bold"/>
               </a:rPr>
               <a:t>LLD</a:t>
             </a:r>
+            <a:endParaRPr lang="pt-BR" dirty="0">
+              <a:solidFill>
+                <a:schemeClr val="tx1">
+                  <a:lumMod val="75000"/>
+                  <a:lumOff val="25000"/>
+                </a:schemeClr>
+              </a:solidFill>
+              <a:latin typeface="Bariol Bold" panose="02000506040000020003" pitchFamily="2" charset="0"/>
+            </a:endParaRPr>
           </a:p>
         </p:txBody>
       </p:sp>
       <p:cxnSp>
         <p:nvCxnSpPr>
-          <p:cNvPr id="45" name="Straight Arrow Connector 1">
-            <a:extLst>
-              <a:ext uri="{FF2B5EF4-FFF2-40B4-BE49-F238E27FC236}">
-                <a16:creationId xmlns:a16="http://schemas.microsoft.com/office/drawing/2014/main" id="{9828A7DF-FA5D-4A11-8476-D0757E2CC878}"/>
-              </a:ext>
-            </a:extLst>
-          </p:cNvPr>
-          <p:cNvCxnSpPr>
-            <a:cxnSpLocks/>
-          </p:cNvCxnSpPr>
+          <p:cNvPr id="29" name="Conector reto 28"/>
+          <p:cNvCxnSpPr/>
           <p:nvPr/>
         </p:nvCxnSpPr>
         <p:spPr>
           <a:xfrm>
-            <a:off x="5605670" y="766969"/>
-            <a:ext cx="1046921" cy="0"/>
-          </a:xfrm>
-          <a:prstGeom prst="straightConnector1">
+            <a:off x="4977786" y="1045263"/>
+            <a:ext cx="1118213" cy="0"/>
+          </a:xfrm>
+          <a:prstGeom prst="line">
             <a:avLst/>
           </a:prstGeom>
           <a:ln>
@@ -8960,13 +8894,13 @@
         </p:spPr>
         <p:style>
           <a:lnRef idx="3">
-            <a:schemeClr val="dk1"/>
+            <a:schemeClr val="accent2"/>
           </a:lnRef>
           <a:fillRef idx="0">
-            <a:schemeClr val="dk1"/>
+            <a:schemeClr val="accent2"/>
           </a:fillRef>
           <a:effectRef idx="2">
-            <a:schemeClr val="dk1"/>
+            <a:schemeClr val="accent2"/>
           </a:effectRef>
           <a:fontRef idx="minor">
             <a:schemeClr val="tx1"/>
@@ -9179,7 +9113,7 @@
                                 </p:cTn>
                               </p:par>
                               <p:par>
-                                <p:cTn id="19" presetID="10" presetClass="entr" presetSubtype="0" fill="hold" grpId="0" nodeType="withEffect">
+                                <p:cTn id="19" presetID="1" presetClass="entr" presetSubtype="0" fill="hold" nodeType="withEffect">
                                   <p:stCondLst>
                                     <p:cond delay="0"/>
                                   </p:stCondLst>
@@ -9187,41 +9121,6 @@
                                     <p:set>
                                       <p:cBhvr>
                                         <p:cTn id="20" dur="1" fill="hold">
-                                          <p:stCondLst>
-                                            <p:cond delay="0"/>
-                                          </p:stCondLst>
-                                        </p:cTn>
-                                        <p:tgtEl>
-                                          <p:spTgt spid="44"/>
-                                        </p:tgtEl>
-                                        <p:attrNameLst>
-                                          <p:attrName>style.visibility</p:attrName>
-                                        </p:attrNameLst>
-                                      </p:cBhvr>
-                                      <p:to>
-                                        <p:strVal val="visible"/>
-                                      </p:to>
-                                    </p:set>
-                                    <p:animEffect transition="in" filter="fade">
-                                      <p:cBhvr>
-                                        <p:cTn id="21" dur="500"/>
-                                        <p:tgtEl>
-                                          <p:spTgt spid="44"/>
-                                        </p:tgtEl>
-                                      </p:cBhvr>
-                                    </p:animEffect>
-                                  </p:childTnLst>
-                                </p:cTn>
-                              </p:par>
-                              <p:par>
-                                <p:cTn id="22" presetID="1" presetClass="entr" presetSubtype="0" fill="hold" nodeType="withEffect">
-                                  <p:stCondLst>
-                                    <p:cond delay="0"/>
-                                  </p:stCondLst>
-                                  <p:childTnLst>
-                                    <p:set>
-                                      <p:cBhvr>
-                                        <p:cTn id="23" dur="1" fill="hold">
                                           <p:stCondLst>
                                             <p:cond delay="0"/>
                                           </p:stCondLst>
@@ -9237,41 +9136,6 @@
                                         <p:strVal val="visible"/>
                                       </p:to>
                                     </p:set>
-                                  </p:childTnLst>
-                                </p:cTn>
-                              </p:par>
-                              <p:par>
-                                <p:cTn id="24" presetID="10" presetClass="entr" presetSubtype="0" fill="hold" nodeType="withEffect">
-                                  <p:stCondLst>
-                                    <p:cond delay="0"/>
-                                  </p:stCondLst>
-                                  <p:childTnLst>
-                                    <p:set>
-                                      <p:cBhvr>
-                                        <p:cTn id="25" dur="1" fill="hold">
-                                          <p:stCondLst>
-                                            <p:cond delay="0"/>
-                                          </p:stCondLst>
-                                        </p:cTn>
-                                        <p:tgtEl>
-                                          <p:spTgt spid="45"/>
-                                        </p:tgtEl>
-                                        <p:attrNameLst>
-                                          <p:attrName>style.visibility</p:attrName>
-                                        </p:attrNameLst>
-                                      </p:cBhvr>
-                                      <p:to>
-                                        <p:strVal val="visible"/>
-                                      </p:to>
-                                    </p:set>
-                                    <p:animEffect transition="in" filter="fade">
-                                      <p:cBhvr>
-                                        <p:cTn id="26" dur="500"/>
-                                        <p:tgtEl>
-                                          <p:spTgt spid="45"/>
-                                        </p:tgtEl>
-                                      </p:cBhvr>
-                                    </p:animEffect>
                                   </p:childTnLst>
                                 </p:cTn>
                               </p:par>
@@ -9302,9 +9166,6 @@
         </p:cTn>
       </p:par>
     </p:tnLst>
-    <p:bldLst>
-      <p:bldP spid="44" grpId="0"/>
-    </p:bldLst>
   </p:timing>
 </p:sld>
 </file>
@@ -9331,7 +9192,7 @@
           <p:cNvPr id="2" name="Straight Arrow Connector 1">
             <a:extLst>
               <a:ext uri="{FF2B5EF4-FFF2-40B4-BE49-F238E27FC236}">
-                <a16:creationId xmlns:a16="http://schemas.microsoft.com/office/drawing/2014/main" id="{E8D38C0A-F3C1-4051-ABE3-35FA8150390A}"/>
+                <a16:creationId xmlns:a16="http://schemas.microsoft.com/office/drawing/2014/main" xmlns="" id="{E8D38C0A-F3C1-4051-ABE3-35FA8150390A}"/>
               </a:ext>
             </a:extLst>
           </p:cNvPr>
@@ -9374,7 +9235,7 @@
           <p:cNvPr id="4" name="Picture 2">
             <a:extLst>
               <a:ext uri="{FF2B5EF4-FFF2-40B4-BE49-F238E27FC236}">
-                <a16:creationId xmlns:a16="http://schemas.microsoft.com/office/drawing/2014/main" id="{D63799FE-FD58-46C7-8DD5-1902EEB7FE5C}"/>
+                <a16:creationId xmlns:a16="http://schemas.microsoft.com/office/drawing/2014/main" xmlns="" id="{D63799FE-FD58-46C7-8DD5-1902EEB7FE5C}"/>
               </a:ext>
             </a:extLst>
           </p:cNvPr>
@@ -9484,7 +9345,7 @@
           <p:cNvPr id="3" name="Título 1">
             <a:extLst>
               <a:ext uri="{FF2B5EF4-FFF2-40B4-BE49-F238E27FC236}">
-                <a16:creationId xmlns:a16="http://schemas.microsoft.com/office/drawing/2014/main" id="{27E3AB54-2809-4032-914E-DED0C0F653BC}"/>
+                <a16:creationId xmlns:a16="http://schemas.microsoft.com/office/drawing/2014/main" xmlns="" id="{27E3AB54-2809-4032-914E-DED0C0F653BC}"/>
               </a:ext>
             </a:extLst>
           </p:cNvPr>
@@ -9545,7 +9406,7 @@
           <p:cNvPr id="9" name="Título 1">
             <a:extLst>
               <a:ext uri="{FF2B5EF4-FFF2-40B4-BE49-F238E27FC236}">
-                <a16:creationId xmlns:a16="http://schemas.microsoft.com/office/drawing/2014/main" id="{EBB80C0C-4FE5-48FC-B252-929E12B048EF}"/>
+                <a16:creationId xmlns:a16="http://schemas.microsoft.com/office/drawing/2014/main" xmlns="" id="{EBB80C0C-4FE5-48FC-B252-929E12B048EF}"/>
               </a:ext>
             </a:extLst>
           </p:cNvPr>
@@ -9606,7 +9467,7 @@
           <p:cNvPr id="6" name="Título 1">
             <a:extLst>
               <a:ext uri="{FF2B5EF4-FFF2-40B4-BE49-F238E27FC236}">
-                <a16:creationId xmlns:a16="http://schemas.microsoft.com/office/drawing/2014/main" id="{9B28AA84-B7D2-4932-BBB0-7C84E95816AA}"/>
+                <a16:creationId xmlns:a16="http://schemas.microsoft.com/office/drawing/2014/main" xmlns="" id="{9B28AA84-B7D2-4932-BBB0-7C84E95816AA}"/>
               </a:ext>
             </a:extLst>
           </p:cNvPr>
@@ -9678,7 +9539,7 @@
           <p:cNvPr id="8" name="Imagem 7">
             <a:extLst>
               <a:ext uri="{FF2B5EF4-FFF2-40B4-BE49-F238E27FC236}">
-                <a16:creationId xmlns:a16="http://schemas.microsoft.com/office/drawing/2014/main" id="{79E920CC-556D-4F74-8097-EEA0E8599C7E}"/>
+                <a16:creationId xmlns:a16="http://schemas.microsoft.com/office/drawing/2014/main" xmlns="" id="{79E920CC-556D-4F74-8097-EEA0E8599C7E}"/>
               </a:ext>
             </a:extLst>
           </p:cNvPr>
@@ -10046,7 +9907,7 @@
           <p:cNvPr id="2" name="Straight Arrow Connector 1">
             <a:extLst>
               <a:ext uri="{FF2B5EF4-FFF2-40B4-BE49-F238E27FC236}">
-                <a16:creationId xmlns:a16="http://schemas.microsoft.com/office/drawing/2014/main" id="{E8D38C0A-F3C1-4051-ABE3-35FA8150390A}"/>
+                <a16:creationId xmlns:a16="http://schemas.microsoft.com/office/drawing/2014/main" xmlns="" id="{E8D38C0A-F3C1-4051-ABE3-35FA8150390A}"/>
               </a:ext>
             </a:extLst>
           </p:cNvPr>
@@ -10089,7 +9950,7 @@
           <p:cNvPr id="3" name="Imagem 2" descr="Uma imagem contendo mesa, atletismo&#10;&#10;Descrição gerada automaticamente">
             <a:extLst>
               <a:ext uri="{FF2B5EF4-FFF2-40B4-BE49-F238E27FC236}">
-                <a16:creationId xmlns:a16="http://schemas.microsoft.com/office/drawing/2014/main" id="{4F1DEA53-EAA9-41BE-AAAD-67147C20EFA3}"/>
+                <a16:creationId xmlns:a16="http://schemas.microsoft.com/office/drawing/2014/main" xmlns="" id="{4F1DEA53-EAA9-41BE-AAAD-67147C20EFA3}"/>
               </a:ext>
             </a:extLst>
           </p:cNvPr>
@@ -10125,7 +9986,7 @@
           <p:cNvPr id="4" name="Picture 2">
             <a:extLst>
               <a:ext uri="{FF2B5EF4-FFF2-40B4-BE49-F238E27FC236}">
-                <a16:creationId xmlns:a16="http://schemas.microsoft.com/office/drawing/2014/main" id="{D63799FE-FD58-46C7-8DD5-1902EEB7FE5C}"/>
+                <a16:creationId xmlns:a16="http://schemas.microsoft.com/office/drawing/2014/main" xmlns="" id="{D63799FE-FD58-46C7-8DD5-1902EEB7FE5C}"/>
               </a:ext>
             </a:extLst>
           </p:cNvPr>
@@ -10226,7 +10087,7 @@
           <p:cNvPr id="6" name="Título 1">
             <a:extLst>
               <a:ext uri="{FF2B5EF4-FFF2-40B4-BE49-F238E27FC236}">
-                <a16:creationId xmlns:a16="http://schemas.microsoft.com/office/drawing/2014/main" id="{850C9A9E-9E30-4FA2-8897-BA2B34F6684E}"/>
+                <a16:creationId xmlns:a16="http://schemas.microsoft.com/office/drawing/2014/main" xmlns="" id="{850C9A9E-9E30-4FA2-8897-BA2B34F6684E}"/>
               </a:ext>
             </a:extLst>
           </p:cNvPr>
@@ -10298,7 +10159,7 @@
           <p:cNvPr id="7" name="CaixaDeTexto 6">
             <a:extLst>
               <a:ext uri="{FF2B5EF4-FFF2-40B4-BE49-F238E27FC236}">
-                <a16:creationId xmlns:a16="http://schemas.microsoft.com/office/drawing/2014/main" id="{EAF0AC7E-8644-4F90-94C7-B1C488477161}"/>
+                <a16:creationId xmlns:a16="http://schemas.microsoft.com/office/drawing/2014/main" xmlns="" id="{EAF0AC7E-8644-4F90-94C7-B1C488477161}"/>
               </a:ext>
             </a:extLst>
           </p:cNvPr>
@@ -10345,7 +10206,7 @@
           <p:cNvPr id="10" name="Título 1">
             <a:extLst>
               <a:ext uri="{FF2B5EF4-FFF2-40B4-BE49-F238E27FC236}">
-                <a16:creationId xmlns:a16="http://schemas.microsoft.com/office/drawing/2014/main" id="{BA93ADF6-E5FF-4E94-BDCF-62BBD0E85C46}"/>
+                <a16:creationId xmlns:a16="http://schemas.microsoft.com/office/drawing/2014/main" xmlns="" id="{BA93ADF6-E5FF-4E94-BDCF-62BBD0E85C46}"/>
               </a:ext>
             </a:extLst>
           </p:cNvPr>
@@ -10728,7 +10589,7 @@
           <p:cNvPr id="7" name="Título 1">
             <a:extLst>
               <a:ext uri="{FF2B5EF4-FFF2-40B4-BE49-F238E27FC236}">
-                <a16:creationId xmlns:a16="http://schemas.microsoft.com/office/drawing/2014/main" id="{99F76FBE-1BC2-4EE6-B90A-22263BF7BDCD}"/>
+                <a16:creationId xmlns:a16="http://schemas.microsoft.com/office/drawing/2014/main" xmlns="" id="{99F76FBE-1BC2-4EE6-B90A-22263BF7BDCD}"/>
               </a:ext>
             </a:extLst>
           </p:cNvPr>
@@ -10791,7 +10652,7 @@
           <p:cNvPr id="4" name="Picture 2">
             <a:extLst>
               <a:ext uri="{FF2B5EF4-FFF2-40B4-BE49-F238E27FC236}">
-                <a16:creationId xmlns:a16="http://schemas.microsoft.com/office/drawing/2014/main" id="{3CF36ED0-FCD8-45D8-A912-5D4DD5032DBE}"/>
+                <a16:creationId xmlns:a16="http://schemas.microsoft.com/office/drawing/2014/main" xmlns="" id="{3CF36ED0-FCD8-45D8-A912-5D4DD5032DBE}"/>
               </a:ext>
             </a:extLst>
           </p:cNvPr>
@@ -10838,7 +10699,7 @@
           <p:cNvPr id="2" name="Straight Arrow Connector 1">
             <a:extLst>
               <a:ext uri="{FF2B5EF4-FFF2-40B4-BE49-F238E27FC236}">
-                <a16:creationId xmlns:a16="http://schemas.microsoft.com/office/drawing/2014/main" id="{EF6676ED-9702-4820-B9D8-8B178C2BC9D8}"/>
+                <a16:creationId xmlns:a16="http://schemas.microsoft.com/office/drawing/2014/main" xmlns="" id="{EF6676ED-9702-4820-B9D8-8B178C2BC9D8}"/>
               </a:ext>
             </a:extLst>
           </p:cNvPr>
@@ -10881,7 +10742,7 @@
           <p:cNvPr id="19" name="Agrupar 18">
             <a:extLst>
               <a:ext uri="{FF2B5EF4-FFF2-40B4-BE49-F238E27FC236}">
-                <a16:creationId xmlns:a16="http://schemas.microsoft.com/office/drawing/2014/main" id="{84BF6789-3335-4920-AA85-D1861BE5B03E}"/>
+                <a16:creationId xmlns:a16="http://schemas.microsoft.com/office/drawing/2014/main" xmlns="" id="{84BF6789-3335-4920-AA85-D1861BE5B03E}"/>
               </a:ext>
             </a:extLst>
           </p:cNvPr>
@@ -10901,7 +10762,7 @@
             <p:cNvPr id="6" name="Google Shape;1752;p44">
               <a:extLst>
                 <a:ext uri="{FF2B5EF4-FFF2-40B4-BE49-F238E27FC236}">
-                  <a16:creationId xmlns:a16="http://schemas.microsoft.com/office/drawing/2014/main" id="{DB60E812-6938-4298-A78E-5CA545FDF3CB}"/>
+                  <a16:creationId xmlns:a16="http://schemas.microsoft.com/office/drawing/2014/main" xmlns="" id="{DB60E812-6938-4298-A78E-5CA545FDF3CB}"/>
                 </a:ext>
               </a:extLst>
             </p:cNvPr>
@@ -10927,7 +10788,7 @@
               <p:cNvPr id="8" name="Google Shape;1753;p44">
                 <a:extLst>
                   <a:ext uri="{FF2B5EF4-FFF2-40B4-BE49-F238E27FC236}">
-                    <a16:creationId xmlns:a16="http://schemas.microsoft.com/office/drawing/2014/main" id="{0DBB088E-379B-44B1-85B0-053B377E1558}"/>
+                    <a16:creationId xmlns:a16="http://schemas.microsoft.com/office/drawing/2014/main" xmlns="" id="{0DBB088E-379B-44B1-85B0-053B377E1558}"/>
                   </a:ext>
                 </a:extLst>
               </p:cNvPr>
@@ -11028,7 +10889,7 @@
               <p:cNvPr id="10" name="Google Shape;1754;p44">
                 <a:extLst>
                   <a:ext uri="{FF2B5EF4-FFF2-40B4-BE49-F238E27FC236}">
-                    <a16:creationId xmlns:a16="http://schemas.microsoft.com/office/drawing/2014/main" id="{3B04B96F-32C9-4ACA-B368-E0F84F216A79}"/>
+                    <a16:creationId xmlns:a16="http://schemas.microsoft.com/office/drawing/2014/main" xmlns="" id="{3B04B96F-32C9-4ACA-B368-E0F84F216A79}"/>
                   </a:ext>
                 </a:extLst>
               </p:cNvPr>
@@ -11114,7 +10975,7 @@
               <p:cNvPr id="11" name="Google Shape;1755;p44">
                 <a:extLst>
                   <a:ext uri="{FF2B5EF4-FFF2-40B4-BE49-F238E27FC236}">
-                    <a16:creationId xmlns:a16="http://schemas.microsoft.com/office/drawing/2014/main" id="{CF34BFC8-6B5D-4040-98EA-203295F3E25E}"/>
+                    <a16:creationId xmlns:a16="http://schemas.microsoft.com/office/drawing/2014/main" xmlns="" id="{CF34BFC8-6B5D-4040-98EA-203295F3E25E}"/>
                   </a:ext>
                 </a:extLst>
               </p:cNvPr>
@@ -11191,7 +11052,7 @@
             <p:cNvPr id="5" name="Imagem 4">
               <a:extLst>
                 <a:ext uri="{FF2B5EF4-FFF2-40B4-BE49-F238E27FC236}">
-                  <a16:creationId xmlns:a16="http://schemas.microsoft.com/office/drawing/2014/main" id="{760D5DD0-6CC9-481F-9766-56BD13589309}"/>
+                  <a16:creationId xmlns:a16="http://schemas.microsoft.com/office/drawing/2014/main" xmlns="" id="{760D5DD0-6CC9-481F-9766-56BD13589309}"/>
                 </a:ext>
               </a:extLst>
             </p:cNvPr>
@@ -11222,7 +11083,7 @@
           <p:cNvPr id="20" name="Agrupar 19">
             <a:extLst>
               <a:ext uri="{FF2B5EF4-FFF2-40B4-BE49-F238E27FC236}">
-                <a16:creationId xmlns:a16="http://schemas.microsoft.com/office/drawing/2014/main" id="{91CE4868-6806-4F0D-AD70-2D78D9090FA8}"/>
+                <a16:creationId xmlns:a16="http://schemas.microsoft.com/office/drawing/2014/main" xmlns="" id="{91CE4868-6806-4F0D-AD70-2D78D9090FA8}"/>
               </a:ext>
             </a:extLst>
           </p:cNvPr>
@@ -11242,7 +11103,7 @@
             <p:cNvPr id="13" name="Google Shape;1592;p73">
               <a:extLst>
                 <a:ext uri="{FF2B5EF4-FFF2-40B4-BE49-F238E27FC236}">
-                  <a16:creationId xmlns:a16="http://schemas.microsoft.com/office/drawing/2014/main" id="{9D82DDB8-54A1-4DD7-9030-06F75FEFFD86}"/>
+                  <a16:creationId xmlns:a16="http://schemas.microsoft.com/office/drawing/2014/main" xmlns="" id="{9D82DDB8-54A1-4DD7-9030-06F75FEFFD86}"/>
                 </a:ext>
               </a:extLst>
             </p:cNvPr>
@@ -11332,7 +11193,7 @@
             <p:cNvPr id="15" name="Imagem 14">
               <a:extLst>
                 <a:ext uri="{FF2B5EF4-FFF2-40B4-BE49-F238E27FC236}">
-                  <a16:creationId xmlns:a16="http://schemas.microsoft.com/office/drawing/2014/main" id="{3F367BA2-89AF-4926-8925-741DC524A38E}"/>
+                  <a16:creationId xmlns:a16="http://schemas.microsoft.com/office/drawing/2014/main" xmlns="" id="{3F367BA2-89AF-4926-8925-741DC524A38E}"/>
                 </a:ext>
               </a:extLst>
             </p:cNvPr>
@@ -11362,7 +11223,7 @@
           <p:cNvPr id="23" name="Agrupar 22">
             <a:extLst>
               <a:ext uri="{FF2B5EF4-FFF2-40B4-BE49-F238E27FC236}">
-                <a16:creationId xmlns:a16="http://schemas.microsoft.com/office/drawing/2014/main" id="{7E13A691-743F-4036-8B2B-FA415A2786A6}"/>
+                <a16:creationId xmlns:a16="http://schemas.microsoft.com/office/drawing/2014/main" xmlns="" id="{7E13A691-743F-4036-8B2B-FA415A2786A6}"/>
               </a:ext>
             </a:extLst>
           </p:cNvPr>
@@ -11382,7 +11243,7 @@
             <p:cNvPr id="16" name="Google Shape;1634;p74">
               <a:extLst>
                 <a:ext uri="{FF2B5EF4-FFF2-40B4-BE49-F238E27FC236}">
-                  <a16:creationId xmlns:a16="http://schemas.microsoft.com/office/drawing/2014/main" id="{8013B569-1E04-4E77-BAB8-7D2458AFDE47}"/>
+                  <a16:creationId xmlns:a16="http://schemas.microsoft.com/office/drawing/2014/main" xmlns="" id="{8013B569-1E04-4E77-BAB8-7D2458AFDE47}"/>
                 </a:ext>
               </a:extLst>
             </p:cNvPr>
@@ -11402,7 +11263,7 @@
               <p:cNvPr id="17" name="Google Shape;1635;p74">
                 <a:extLst>
                   <a:ext uri="{FF2B5EF4-FFF2-40B4-BE49-F238E27FC236}">
-                    <a16:creationId xmlns:a16="http://schemas.microsoft.com/office/drawing/2014/main" id="{8872BE14-B3C6-4215-AEB3-09725A52F24B}"/>
+                    <a16:creationId xmlns:a16="http://schemas.microsoft.com/office/drawing/2014/main" xmlns="" id="{8872BE14-B3C6-4215-AEB3-09725A52F24B}"/>
                   </a:ext>
                 </a:extLst>
               </p:cNvPr>
@@ -11492,7 +11353,7 @@
               <p:cNvPr id="18" name="Google Shape;1636;p74">
                 <a:extLst>
                   <a:ext uri="{FF2B5EF4-FFF2-40B4-BE49-F238E27FC236}">
-                    <a16:creationId xmlns:a16="http://schemas.microsoft.com/office/drawing/2014/main" id="{9B8CC2B5-5256-4C0B-9076-F8772294115C}"/>
+                    <a16:creationId xmlns:a16="http://schemas.microsoft.com/office/drawing/2014/main" xmlns="" id="{9B8CC2B5-5256-4C0B-9076-F8772294115C}"/>
                   </a:ext>
                 </a:extLst>
               </p:cNvPr>
@@ -11571,7 +11432,7 @@
             <p:cNvPr id="22" name="Imagem 21">
               <a:extLst>
                 <a:ext uri="{FF2B5EF4-FFF2-40B4-BE49-F238E27FC236}">
-                  <a16:creationId xmlns:a16="http://schemas.microsoft.com/office/drawing/2014/main" id="{4DE0FC26-C0D0-4230-84C8-5188379905E2}"/>
+                  <a16:creationId xmlns:a16="http://schemas.microsoft.com/office/drawing/2014/main" xmlns="" id="{4DE0FC26-C0D0-4230-84C8-5188379905E2}"/>
                 </a:ext>
               </a:extLst>
             </p:cNvPr>
@@ -11602,7 +11463,7 @@
           <p:cNvPr id="3" name="Agrupar 2">
             <a:extLst>
               <a:ext uri="{FF2B5EF4-FFF2-40B4-BE49-F238E27FC236}">
-                <a16:creationId xmlns:a16="http://schemas.microsoft.com/office/drawing/2014/main" id="{2B63AD49-0F6D-42ED-917C-133150D5B1E0}"/>
+                <a16:creationId xmlns:a16="http://schemas.microsoft.com/office/drawing/2014/main" xmlns="" id="{2B63AD49-0F6D-42ED-917C-133150D5B1E0}"/>
               </a:ext>
             </a:extLst>
           </p:cNvPr>
@@ -11622,7 +11483,7 @@
             <p:cNvPr id="12" name="Agrupar 11">
               <a:extLst>
                 <a:ext uri="{FF2B5EF4-FFF2-40B4-BE49-F238E27FC236}">
-                  <a16:creationId xmlns:a16="http://schemas.microsoft.com/office/drawing/2014/main" id="{64112428-66FA-43D5-967D-F09BEE30C1CD}"/>
+                  <a16:creationId xmlns:a16="http://schemas.microsoft.com/office/drawing/2014/main" xmlns="" id="{64112428-66FA-43D5-967D-F09BEE30C1CD}"/>
                 </a:ext>
               </a:extLst>
             </p:cNvPr>
@@ -11642,7 +11503,7 @@
               <p:cNvPr id="24" name="Agrupar 23">
                 <a:extLst>
                   <a:ext uri="{FF2B5EF4-FFF2-40B4-BE49-F238E27FC236}">
-                    <a16:creationId xmlns:a16="http://schemas.microsoft.com/office/drawing/2014/main" id="{06A70BFE-C74F-49E3-9748-4EB4E2034902}"/>
+                    <a16:creationId xmlns:a16="http://schemas.microsoft.com/office/drawing/2014/main" xmlns="" id="{06A70BFE-C74F-49E3-9748-4EB4E2034902}"/>
                   </a:ext>
                 </a:extLst>
               </p:cNvPr>
@@ -11662,7 +11523,7 @@
                 <p:cNvPr id="25" name="Google Shape;1752;p44">
                   <a:extLst>
                     <a:ext uri="{FF2B5EF4-FFF2-40B4-BE49-F238E27FC236}">
-                      <a16:creationId xmlns:a16="http://schemas.microsoft.com/office/drawing/2014/main" id="{8624D819-8AAD-449D-B5A3-4B984CFA1DAB}"/>
+                      <a16:creationId xmlns:a16="http://schemas.microsoft.com/office/drawing/2014/main" xmlns="" id="{8624D819-8AAD-449D-B5A3-4B984CFA1DAB}"/>
                     </a:ext>
                   </a:extLst>
                 </p:cNvPr>
@@ -11688,7 +11549,7 @@
                   <p:cNvPr id="27" name="Google Shape;1753;p44">
                     <a:extLst>
                       <a:ext uri="{FF2B5EF4-FFF2-40B4-BE49-F238E27FC236}">
-                        <a16:creationId xmlns:a16="http://schemas.microsoft.com/office/drawing/2014/main" id="{1B9A4792-5178-4009-8D10-F66BAAB31BE1}"/>
+                        <a16:creationId xmlns:a16="http://schemas.microsoft.com/office/drawing/2014/main" xmlns="" id="{1B9A4792-5178-4009-8D10-F66BAAB31BE1}"/>
                       </a:ext>
                     </a:extLst>
                   </p:cNvPr>
@@ -11789,7 +11650,7 @@
                   <p:cNvPr id="28" name="Google Shape;1754;p44">
                     <a:extLst>
                       <a:ext uri="{FF2B5EF4-FFF2-40B4-BE49-F238E27FC236}">
-                        <a16:creationId xmlns:a16="http://schemas.microsoft.com/office/drawing/2014/main" id="{42D0C136-9456-4617-B9A3-EF3C3F705DE9}"/>
+                        <a16:creationId xmlns:a16="http://schemas.microsoft.com/office/drawing/2014/main" xmlns="" id="{42D0C136-9456-4617-B9A3-EF3C3F705DE9}"/>
                       </a:ext>
                     </a:extLst>
                   </p:cNvPr>
@@ -11875,7 +11736,7 @@
                   <p:cNvPr id="29" name="Google Shape;1755;p44">
                     <a:extLst>
                       <a:ext uri="{FF2B5EF4-FFF2-40B4-BE49-F238E27FC236}">
-                        <a16:creationId xmlns:a16="http://schemas.microsoft.com/office/drawing/2014/main" id="{6CF63653-AAD0-45A9-9271-4509B0F24A7F}"/>
+                        <a16:creationId xmlns:a16="http://schemas.microsoft.com/office/drawing/2014/main" xmlns="" id="{6CF63653-AAD0-45A9-9271-4509B0F24A7F}"/>
                       </a:ext>
                     </a:extLst>
                   </p:cNvPr>
@@ -11952,7 +11813,7 @@
                 <p:cNvPr id="26" name="Imagem 25">
                   <a:extLst>
                     <a:ext uri="{FF2B5EF4-FFF2-40B4-BE49-F238E27FC236}">
-                      <a16:creationId xmlns:a16="http://schemas.microsoft.com/office/drawing/2014/main" id="{9C26F521-53D6-45E1-AD06-EFD977E434F8}"/>
+                      <a16:creationId xmlns:a16="http://schemas.microsoft.com/office/drawing/2014/main" xmlns="" id="{9C26F521-53D6-45E1-AD06-EFD977E434F8}"/>
                     </a:ext>
                   </a:extLst>
                 </p:cNvPr>
@@ -11983,7 +11844,7 @@
               <p:cNvPr id="30" name="Imagem 29">
                 <a:extLst>
                   <a:ext uri="{FF2B5EF4-FFF2-40B4-BE49-F238E27FC236}">
-                    <a16:creationId xmlns:a16="http://schemas.microsoft.com/office/drawing/2014/main" id="{ED6CA960-A132-410C-B0AA-DD973DF0B5C6}"/>
+                    <a16:creationId xmlns:a16="http://schemas.microsoft.com/office/drawing/2014/main" xmlns="" id="{ED6CA960-A132-410C-B0AA-DD973DF0B5C6}"/>
                   </a:ext>
                 </a:extLst>
               </p:cNvPr>
@@ -12014,7 +11875,7 @@
             <p:cNvPr id="1026" name="Picture 2">
               <a:extLst>
                 <a:ext uri="{FF2B5EF4-FFF2-40B4-BE49-F238E27FC236}">
-                  <a16:creationId xmlns:a16="http://schemas.microsoft.com/office/drawing/2014/main" id="{94E816AB-A664-49A6-8ED7-696A6BDAD0DB}"/>
+                  <a16:creationId xmlns:a16="http://schemas.microsoft.com/office/drawing/2014/main" xmlns="" id="{94E816AB-A664-49A6-8ED7-696A6BDAD0DB}"/>
                 </a:ext>
               </a:extLst>
             </p:cNvPr>
@@ -12403,7 +12264,7 @@
           <p:cNvPr id="7" name="Título 1">
             <a:extLst>
               <a:ext uri="{FF2B5EF4-FFF2-40B4-BE49-F238E27FC236}">
-                <a16:creationId xmlns:a16="http://schemas.microsoft.com/office/drawing/2014/main" id="{99F76FBE-1BC2-4EE6-B90A-22263BF7BDCD}"/>
+                <a16:creationId xmlns:a16="http://schemas.microsoft.com/office/drawing/2014/main" xmlns="" id="{99F76FBE-1BC2-4EE6-B90A-22263BF7BDCD}"/>
               </a:ext>
             </a:extLst>
           </p:cNvPr>
@@ -12466,7 +12327,7 @@
           <p:cNvPr id="4" name="Picture 2">
             <a:extLst>
               <a:ext uri="{FF2B5EF4-FFF2-40B4-BE49-F238E27FC236}">
-                <a16:creationId xmlns:a16="http://schemas.microsoft.com/office/drawing/2014/main" id="{3CF36ED0-FCD8-45D8-A912-5D4DD5032DBE}"/>
+                <a16:creationId xmlns:a16="http://schemas.microsoft.com/office/drawing/2014/main" xmlns="" id="{3CF36ED0-FCD8-45D8-A912-5D4DD5032DBE}"/>
               </a:ext>
             </a:extLst>
           </p:cNvPr>
@@ -12513,7 +12374,7 @@
           <p:cNvPr id="2" name="Straight Arrow Connector 1">
             <a:extLst>
               <a:ext uri="{FF2B5EF4-FFF2-40B4-BE49-F238E27FC236}">
-                <a16:creationId xmlns:a16="http://schemas.microsoft.com/office/drawing/2014/main" id="{EF6676ED-9702-4820-B9D8-8B178C2BC9D8}"/>
+                <a16:creationId xmlns:a16="http://schemas.microsoft.com/office/drawing/2014/main" xmlns="" id="{EF6676ED-9702-4820-B9D8-8B178C2BC9D8}"/>
               </a:ext>
             </a:extLst>
           </p:cNvPr>

--- a/Documentação/Slide Final.pptx
+++ b/Documentação/Slide Final.pptx
@@ -3083,7 +3083,7 @@
           <p:cNvPr id="2" name="Rectangle: Rounded Corners 1">
             <a:extLst>
               <a:ext uri="{FF2B5EF4-FFF2-40B4-BE49-F238E27FC236}">
-                <a16:creationId xmlns:a16="http://schemas.microsoft.com/office/drawing/2014/main" xmlns="" id="{1678591B-5872-4D1A-943E-5BC3264C3CFB}"/>
+                <a16:creationId xmlns="" xmlns:a16="http://schemas.microsoft.com/office/drawing/2014/main" id="{1678591B-5872-4D1A-943E-5BC3264C3CFB}"/>
               </a:ext>
             </a:extLst>
           </p:cNvPr>
@@ -3137,7 +3137,7 @@
           <p:cNvPr id="2050" name="Picture 2">
             <a:extLst>
               <a:ext uri="{FF2B5EF4-FFF2-40B4-BE49-F238E27FC236}">
-                <a16:creationId xmlns:a16="http://schemas.microsoft.com/office/drawing/2014/main" xmlns="" id="{C727CAE5-80E2-41CE-B37E-BBFAE305DF84}"/>
+                <a16:creationId xmlns="" xmlns:a16="http://schemas.microsoft.com/office/drawing/2014/main" id="{C727CAE5-80E2-41CE-B37E-BBFAE305DF84}"/>
               </a:ext>
             </a:extLst>
           </p:cNvPr>
@@ -3184,7 +3184,7 @@
           <p:cNvPr id="4" name="Rectangle: Rounded Corners 3">
             <a:extLst>
               <a:ext uri="{FF2B5EF4-FFF2-40B4-BE49-F238E27FC236}">
-                <a16:creationId xmlns:a16="http://schemas.microsoft.com/office/drawing/2014/main" xmlns="" id="{C0D744C7-2B31-44CA-BA1F-D2700F2BF96D}"/>
+                <a16:creationId xmlns="" xmlns:a16="http://schemas.microsoft.com/office/drawing/2014/main" id="{C0D744C7-2B31-44CA-BA1F-D2700F2BF96D}"/>
               </a:ext>
             </a:extLst>
           </p:cNvPr>
@@ -3366,7 +3366,7 @@
           <p:cNvPr id="7" name="Título 1">
             <a:extLst>
               <a:ext uri="{FF2B5EF4-FFF2-40B4-BE49-F238E27FC236}">
-                <a16:creationId xmlns:a16="http://schemas.microsoft.com/office/drawing/2014/main" xmlns="" id="{99F76FBE-1BC2-4EE6-B90A-22263BF7BDCD}"/>
+                <a16:creationId xmlns="" xmlns:a16="http://schemas.microsoft.com/office/drawing/2014/main" id="{99F76FBE-1BC2-4EE6-B90A-22263BF7BDCD}"/>
               </a:ext>
             </a:extLst>
           </p:cNvPr>
@@ -3386,7 +3386,7 @@
         </p:spPr>
         <p:txBody>
           <a:bodyPr vert="horz" lIns="91440" tIns="45720" rIns="91440" bIns="45720" rtlCol="0" anchor="ctr">
-            <a:normAutofit/>
+            <a:normAutofit fontScale="92500"/>
           </a:bodyPr>
           <a:lstStyle>
             <a:lvl1pPr algn="l" defTabSz="914400" rtl="0" eaLnBrk="1" latinLnBrk="0" hangingPunct="1">
@@ -3429,7 +3429,7 @@
           <p:cNvPr id="5" name="Picture 2">
             <a:extLst>
               <a:ext uri="{FF2B5EF4-FFF2-40B4-BE49-F238E27FC236}">
-                <a16:creationId xmlns:a16="http://schemas.microsoft.com/office/drawing/2014/main" xmlns="" id="{5E6A065D-74B6-43C9-8951-4759FD99C85F}"/>
+                <a16:creationId xmlns="" xmlns:a16="http://schemas.microsoft.com/office/drawing/2014/main" id="{5E6A065D-74B6-43C9-8951-4759FD99C85F}"/>
               </a:ext>
             </a:extLst>
           </p:cNvPr>
@@ -3476,7 +3476,7 @@
           <p:cNvPr id="2" name="Straight Arrow Connector 1">
             <a:extLst>
               <a:ext uri="{FF2B5EF4-FFF2-40B4-BE49-F238E27FC236}">
-                <a16:creationId xmlns:a16="http://schemas.microsoft.com/office/drawing/2014/main" xmlns="" id="{102C7A15-5BE4-4E8E-826E-06C7E84CB27C}"/>
+                <a16:creationId xmlns="" xmlns:a16="http://schemas.microsoft.com/office/drawing/2014/main" id="{102C7A15-5BE4-4E8E-826E-06C7E84CB27C}"/>
               </a:ext>
             </a:extLst>
           </p:cNvPr>
@@ -3516,7 +3516,7 @@
       </p:cxnSp>
       <p:pic>
         <p:nvPicPr>
-          <p:cNvPr id="3" name="Imagem 2"/>
+          <p:cNvPr id="4" name="Imagem 3"/>
           <p:cNvPicPr>
             <a:picLocks noChangeAspect="1"/>
           </p:cNvPicPr>
@@ -3536,8 +3536,8 @@
         </p:blipFill>
         <p:spPr>
           <a:xfrm>
-            <a:off x="0" y="45356"/>
-            <a:ext cx="12299324" cy="7208117"/>
+            <a:off x="0" y="-86138"/>
+            <a:ext cx="12032974" cy="7052020"/>
           </a:xfrm>
           <a:prstGeom prst="rect">
             <a:avLst/>
@@ -3750,7 +3750,7 @@
           <p:cNvPr id="1028" name="Picture 4">
             <a:extLst>
               <a:ext uri="{FF2B5EF4-FFF2-40B4-BE49-F238E27FC236}">
-                <a16:creationId xmlns:a16="http://schemas.microsoft.com/office/drawing/2014/main" xmlns="" id="{D486DB72-9271-4222-88AB-584AAE7FC296}"/>
+                <a16:creationId xmlns="" xmlns:a16="http://schemas.microsoft.com/office/drawing/2014/main" id="{D486DB72-9271-4222-88AB-584AAE7FC296}"/>
               </a:ext>
             </a:extLst>
           </p:cNvPr>
@@ -3797,7 +3797,7 @@
           <p:cNvPr id="4" name="Straight Arrow Connector 3">
             <a:extLst>
               <a:ext uri="{FF2B5EF4-FFF2-40B4-BE49-F238E27FC236}">
-                <a16:creationId xmlns:a16="http://schemas.microsoft.com/office/drawing/2014/main" xmlns="" id="{2E47AAF4-0703-407A-9375-DE4A2497442E}"/>
+                <a16:creationId xmlns="" xmlns:a16="http://schemas.microsoft.com/office/drawing/2014/main" id="{2E47AAF4-0703-407A-9375-DE4A2497442E}"/>
               </a:ext>
             </a:extLst>
           </p:cNvPr>
@@ -3838,7 +3838,7 @@
           <p:cNvPr id="7" name="Título 1">
             <a:extLst>
               <a:ext uri="{FF2B5EF4-FFF2-40B4-BE49-F238E27FC236}">
-                <a16:creationId xmlns:a16="http://schemas.microsoft.com/office/drawing/2014/main" xmlns="" id="{99F76FBE-1BC2-4EE6-B90A-22263BF7BDCD}"/>
+                <a16:creationId xmlns="" xmlns:a16="http://schemas.microsoft.com/office/drawing/2014/main" id="{99F76FBE-1BC2-4EE6-B90A-22263BF7BDCD}"/>
               </a:ext>
             </a:extLst>
           </p:cNvPr>
@@ -3901,7 +3901,7 @@
           <p:cNvPr id="3" name="Picture 2">
             <a:extLst>
               <a:ext uri="{FF2B5EF4-FFF2-40B4-BE49-F238E27FC236}">
-                <a16:creationId xmlns:a16="http://schemas.microsoft.com/office/drawing/2014/main" xmlns="" id="{5C89B846-E8B4-41E5-A2FD-3C9F96F43158}"/>
+                <a16:creationId xmlns="" xmlns:a16="http://schemas.microsoft.com/office/drawing/2014/main" id="{5C89B846-E8B4-41E5-A2FD-3C9F96F43158}"/>
               </a:ext>
             </a:extLst>
           </p:cNvPr>
@@ -3948,7 +3948,7 @@
           <p:cNvPr id="8" name="AutoShape 4">
             <a:extLst>
               <a:ext uri="{FF2B5EF4-FFF2-40B4-BE49-F238E27FC236}">
-                <a16:creationId xmlns:a16="http://schemas.microsoft.com/office/drawing/2014/main" xmlns="" id="{CBC49F37-024F-43BA-BF41-65835263DDCC}"/>
+                <a16:creationId xmlns="" xmlns:a16="http://schemas.microsoft.com/office/drawing/2014/main" id="{CBC49F37-024F-43BA-BF41-65835263DDCC}"/>
               </a:ext>
             </a:extLst>
           </p:cNvPr>
@@ -4229,7 +4229,7 @@
           <p:cNvPr id="7" name="Título 1">
             <a:extLst>
               <a:ext uri="{FF2B5EF4-FFF2-40B4-BE49-F238E27FC236}">
-                <a16:creationId xmlns:a16="http://schemas.microsoft.com/office/drawing/2014/main" xmlns="" id="{99F76FBE-1BC2-4EE6-B90A-22263BF7BDCD}"/>
+                <a16:creationId xmlns="" xmlns:a16="http://schemas.microsoft.com/office/drawing/2014/main" id="{99F76FBE-1BC2-4EE6-B90A-22263BF7BDCD}"/>
               </a:ext>
             </a:extLst>
           </p:cNvPr>
@@ -4292,7 +4292,7 @@
           <p:cNvPr id="3" name="Imagem 2" descr="Desenho de uma pessoa&#10;&#10;Descrição gerada automaticamente">
             <a:extLst>
               <a:ext uri="{FF2B5EF4-FFF2-40B4-BE49-F238E27FC236}">
-                <a16:creationId xmlns:a16="http://schemas.microsoft.com/office/drawing/2014/main" xmlns="" id="{ED02D286-F5A0-4509-8E48-BFA54F34D076}"/>
+                <a16:creationId xmlns="" xmlns:a16="http://schemas.microsoft.com/office/drawing/2014/main" id="{ED02D286-F5A0-4509-8E48-BFA54F34D076}"/>
               </a:ext>
             </a:extLst>
           </p:cNvPr>
@@ -4328,7 +4328,7 @@
           <p:cNvPr id="4" name="Picture 2">
             <a:extLst>
               <a:ext uri="{FF2B5EF4-FFF2-40B4-BE49-F238E27FC236}">
-                <a16:creationId xmlns:a16="http://schemas.microsoft.com/office/drawing/2014/main" xmlns="" id="{CDDD861E-3766-442F-8F52-68E1AE2C3753}"/>
+                <a16:creationId xmlns="" xmlns:a16="http://schemas.microsoft.com/office/drawing/2014/main" id="{CDDD861E-3766-442F-8F52-68E1AE2C3753}"/>
               </a:ext>
             </a:extLst>
           </p:cNvPr>
@@ -4375,7 +4375,7 @@
           <p:cNvPr id="2" name="Straight Arrow Connector 1">
             <a:extLst>
               <a:ext uri="{FF2B5EF4-FFF2-40B4-BE49-F238E27FC236}">
-                <a16:creationId xmlns:a16="http://schemas.microsoft.com/office/drawing/2014/main" xmlns="" id="{825D95E1-8250-4172-ABA3-976541C2807C}"/>
+                <a16:creationId xmlns="" xmlns:a16="http://schemas.microsoft.com/office/drawing/2014/main" id="{825D95E1-8250-4172-ABA3-976541C2807C}"/>
               </a:ext>
             </a:extLst>
           </p:cNvPr>
@@ -4652,7 +4652,7 @@
           <p:cNvPr id="3" name="Straight Arrow Connector 2">
             <a:extLst>
               <a:ext uri="{FF2B5EF4-FFF2-40B4-BE49-F238E27FC236}">
-                <a16:creationId xmlns:a16="http://schemas.microsoft.com/office/drawing/2014/main" xmlns="" id="{238B6891-9D9A-4548-BDE4-47054128BA41}"/>
+                <a16:creationId xmlns="" xmlns:a16="http://schemas.microsoft.com/office/drawing/2014/main" id="{238B6891-9D9A-4548-BDE4-47054128BA41}"/>
               </a:ext>
             </a:extLst>
           </p:cNvPr>
@@ -4693,7 +4693,7 @@
           <p:cNvPr id="7" name="Título 1">
             <a:extLst>
               <a:ext uri="{FF2B5EF4-FFF2-40B4-BE49-F238E27FC236}">
-                <a16:creationId xmlns:a16="http://schemas.microsoft.com/office/drawing/2014/main" xmlns="" id="{99F76FBE-1BC2-4EE6-B90A-22263BF7BDCD}"/>
+                <a16:creationId xmlns="" xmlns:a16="http://schemas.microsoft.com/office/drawing/2014/main" id="{99F76FBE-1BC2-4EE6-B90A-22263BF7BDCD}"/>
               </a:ext>
             </a:extLst>
           </p:cNvPr>
@@ -4756,7 +4756,7 @@
           <p:cNvPr id="10" name="Título 1">
             <a:extLst>
               <a:ext uri="{FF2B5EF4-FFF2-40B4-BE49-F238E27FC236}">
-                <a16:creationId xmlns:a16="http://schemas.microsoft.com/office/drawing/2014/main" xmlns="" id="{678E41F7-516A-49E2-B205-0A126C574C2E}"/>
+                <a16:creationId xmlns="" xmlns:a16="http://schemas.microsoft.com/office/drawing/2014/main" id="{678E41F7-516A-49E2-B205-0A126C574C2E}"/>
               </a:ext>
             </a:extLst>
           </p:cNvPr>
@@ -4834,7 +4834,7 @@
           <p:cNvPr id="11" name="Título 1">
             <a:extLst>
               <a:ext uri="{FF2B5EF4-FFF2-40B4-BE49-F238E27FC236}">
-                <a16:creationId xmlns:a16="http://schemas.microsoft.com/office/drawing/2014/main" xmlns="" id="{0CD946CA-FF61-4363-B296-4AF3D7FBC896}"/>
+                <a16:creationId xmlns="" xmlns:a16="http://schemas.microsoft.com/office/drawing/2014/main" id="{0CD946CA-FF61-4363-B296-4AF3D7FBC896}"/>
               </a:ext>
             </a:extLst>
           </p:cNvPr>
@@ -4912,7 +4912,7 @@
           <p:cNvPr id="12" name="Título 1">
             <a:extLst>
               <a:ext uri="{FF2B5EF4-FFF2-40B4-BE49-F238E27FC236}">
-                <a16:creationId xmlns:a16="http://schemas.microsoft.com/office/drawing/2014/main" xmlns="" id="{AB9726E8-CEB5-4829-BE8F-0EAF85278B5A}"/>
+                <a16:creationId xmlns="" xmlns:a16="http://schemas.microsoft.com/office/drawing/2014/main" id="{AB9726E8-CEB5-4829-BE8F-0EAF85278B5A}"/>
               </a:ext>
             </a:extLst>
           </p:cNvPr>
@@ -4990,7 +4990,7 @@
           <p:cNvPr id="15" name="Título 1">
             <a:extLst>
               <a:ext uri="{FF2B5EF4-FFF2-40B4-BE49-F238E27FC236}">
-                <a16:creationId xmlns:a16="http://schemas.microsoft.com/office/drawing/2014/main" xmlns="" id="{2EEDD670-B386-40A2-A879-9CF8F33DA40F}"/>
+                <a16:creationId xmlns="" xmlns:a16="http://schemas.microsoft.com/office/drawing/2014/main" id="{2EEDD670-B386-40A2-A879-9CF8F33DA40F}"/>
               </a:ext>
             </a:extLst>
           </p:cNvPr>
@@ -5068,7 +5068,7 @@
           <p:cNvPr id="16" name="Título 1">
             <a:extLst>
               <a:ext uri="{FF2B5EF4-FFF2-40B4-BE49-F238E27FC236}">
-                <a16:creationId xmlns:a16="http://schemas.microsoft.com/office/drawing/2014/main" xmlns="" id="{229589FA-FF5C-47DD-A54E-805F02B40D56}"/>
+                <a16:creationId xmlns="" xmlns:a16="http://schemas.microsoft.com/office/drawing/2014/main" id="{229589FA-FF5C-47DD-A54E-805F02B40D56}"/>
               </a:ext>
             </a:extLst>
           </p:cNvPr>
@@ -5146,7 +5146,7 @@
           <p:cNvPr id="17" name="Título 1">
             <a:extLst>
               <a:ext uri="{FF2B5EF4-FFF2-40B4-BE49-F238E27FC236}">
-                <a16:creationId xmlns:a16="http://schemas.microsoft.com/office/drawing/2014/main" xmlns="" id="{9A6A319D-B6D1-48C9-B967-DAB049B71962}"/>
+                <a16:creationId xmlns="" xmlns:a16="http://schemas.microsoft.com/office/drawing/2014/main" id="{9A6A319D-B6D1-48C9-B967-DAB049B71962}"/>
               </a:ext>
             </a:extLst>
           </p:cNvPr>
@@ -5224,7 +5224,7 @@
           <p:cNvPr id="18" name="Imagem 17">
             <a:extLst>
               <a:ext uri="{FF2B5EF4-FFF2-40B4-BE49-F238E27FC236}">
-                <a16:creationId xmlns:a16="http://schemas.microsoft.com/office/drawing/2014/main" xmlns="" id="{A69155FD-5341-487B-81D7-5E2880E09683}"/>
+                <a16:creationId xmlns="" xmlns:a16="http://schemas.microsoft.com/office/drawing/2014/main" id="{A69155FD-5341-487B-81D7-5E2880E09683}"/>
               </a:ext>
             </a:extLst>
           </p:cNvPr>
@@ -5259,7 +5259,7 @@
           <p:cNvPr id="13" name="Imagem 12" descr="Menino sorrindo posando para foto&#10;&#10;Descrição gerada automaticamente">
             <a:extLst>
               <a:ext uri="{FF2B5EF4-FFF2-40B4-BE49-F238E27FC236}">
-                <a16:creationId xmlns:a16="http://schemas.microsoft.com/office/drawing/2014/main" xmlns="" id="{9CE75B2B-4F48-4749-8C51-76B8AF200AB6}"/>
+                <a16:creationId xmlns="" xmlns:a16="http://schemas.microsoft.com/office/drawing/2014/main" id="{9CE75B2B-4F48-4749-8C51-76B8AF200AB6}"/>
               </a:ext>
             </a:extLst>
           </p:cNvPr>
@@ -5295,7 +5295,7 @@
           <p:cNvPr id="21" name="Imagem 20" descr="Menino de camisa preta&#10;&#10;Descrição gerada automaticamente">
             <a:extLst>
               <a:ext uri="{FF2B5EF4-FFF2-40B4-BE49-F238E27FC236}">
-                <a16:creationId xmlns:a16="http://schemas.microsoft.com/office/drawing/2014/main" xmlns="" id="{22A12B27-089B-438B-97E5-38C10B35395A}"/>
+                <a16:creationId xmlns="" xmlns:a16="http://schemas.microsoft.com/office/drawing/2014/main" id="{22A12B27-089B-438B-97E5-38C10B35395A}"/>
               </a:ext>
             </a:extLst>
           </p:cNvPr>
@@ -5331,7 +5331,7 @@
           <p:cNvPr id="20" name="Picture 2">
             <a:extLst>
               <a:ext uri="{FF2B5EF4-FFF2-40B4-BE49-F238E27FC236}">
-                <a16:creationId xmlns:a16="http://schemas.microsoft.com/office/drawing/2014/main" xmlns="" id="{5823B29F-7B62-4389-9250-63EBA3ABE63F}"/>
+                <a16:creationId xmlns="" xmlns:a16="http://schemas.microsoft.com/office/drawing/2014/main" id="{5823B29F-7B62-4389-9250-63EBA3ABE63F}"/>
               </a:ext>
             </a:extLst>
           </p:cNvPr>
@@ -5378,7 +5378,7 @@
           <p:cNvPr id="22" name="Imagem 21">
             <a:extLst>
               <a:ext uri="{FF2B5EF4-FFF2-40B4-BE49-F238E27FC236}">
-                <a16:creationId xmlns:a16="http://schemas.microsoft.com/office/drawing/2014/main" xmlns="" id="{7CC44D96-B230-41A2-A9EA-97283FE1C430}"/>
+                <a16:creationId xmlns="" xmlns:a16="http://schemas.microsoft.com/office/drawing/2014/main" id="{7CC44D96-B230-41A2-A9EA-97283FE1C430}"/>
               </a:ext>
             </a:extLst>
           </p:cNvPr>
@@ -5413,7 +5413,7 @@
           <p:cNvPr id="23" name="Imagem 22">
             <a:extLst>
               <a:ext uri="{FF2B5EF4-FFF2-40B4-BE49-F238E27FC236}">
-                <a16:creationId xmlns:a16="http://schemas.microsoft.com/office/drawing/2014/main" xmlns="" id="{9F2D0B16-920A-4B83-A714-3AE145F80625}"/>
+                <a16:creationId xmlns="" xmlns:a16="http://schemas.microsoft.com/office/drawing/2014/main" id="{9F2D0B16-920A-4B83-A714-3AE145F80625}"/>
               </a:ext>
             </a:extLst>
           </p:cNvPr>
@@ -5448,7 +5448,7 @@
           <p:cNvPr id="24" name="Imagem 23">
             <a:extLst>
               <a:ext uri="{FF2B5EF4-FFF2-40B4-BE49-F238E27FC236}">
-                <a16:creationId xmlns:a16="http://schemas.microsoft.com/office/drawing/2014/main" xmlns="" id="{9010BD6E-91CB-4DBB-97A7-4C4CB44E5555}"/>
+                <a16:creationId xmlns="" xmlns:a16="http://schemas.microsoft.com/office/drawing/2014/main" id="{9010BD6E-91CB-4DBB-97A7-4C4CB44E5555}"/>
               </a:ext>
             </a:extLst>
           </p:cNvPr>
@@ -6119,7 +6119,7 @@
           <p:cNvPr id="2" name="Straight Arrow Connector 1">
             <a:extLst>
               <a:ext uri="{FF2B5EF4-FFF2-40B4-BE49-F238E27FC236}">
-                <a16:creationId xmlns:a16="http://schemas.microsoft.com/office/drawing/2014/main" xmlns="" id="{2A50C13F-38CB-4726-A175-5BC057C23492}"/>
+                <a16:creationId xmlns="" xmlns:a16="http://schemas.microsoft.com/office/drawing/2014/main" id="{2A50C13F-38CB-4726-A175-5BC057C23492}"/>
               </a:ext>
             </a:extLst>
           </p:cNvPr>
@@ -6160,7 +6160,7 @@
           <p:cNvPr id="7" name="Título 1">
             <a:extLst>
               <a:ext uri="{FF2B5EF4-FFF2-40B4-BE49-F238E27FC236}">
-                <a16:creationId xmlns:a16="http://schemas.microsoft.com/office/drawing/2014/main" xmlns="" id="{99F76FBE-1BC2-4EE6-B90A-22263BF7BDCD}"/>
+                <a16:creationId xmlns="" xmlns:a16="http://schemas.microsoft.com/office/drawing/2014/main" id="{99F76FBE-1BC2-4EE6-B90A-22263BF7BDCD}"/>
               </a:ext>
             </a:extLst>
           </p:cNvPr>
@@ -6223,7 +6223,7 @@
           <p:cNvPr id="4098" name="Picture 2" descr="Imagens Telemarketing | Vetores, fotos de arquivo e PSD grátis">
             <a:extLst>
               <a:ext uri="{FF2B5EF4-FFF2-40B4-BE49-F238E27FC236}">
-                <a16:creationId xmlns:a16="http://schemas.microsoft.com/office/drawing/2014/main" xmlns="" id="{3E46EC94-A677-40FE-ADA9-5B9036F756D9}"/>
+                <a16:creationId xmlns="" xmlns:a16="http://schemas.microsoft.com/office/drawing/2014/main" id="{3E46EC94-A677-40FE-ADA9-5B9036F756D9}"/>
               </a:ext>
             </a:extLst>
           </p:cNvPr>
@@ -6270,7 +6270,7 @@
           <p:cNvPr id="4" name="Picture 2">
             <a:extLst>
               <a:ext uri="{FF2B5EF4-FFF2-40B4-BE49-F238E27FC236}">
-                <a16:creationId xmlns:a16="http://schemas.microsoft.com/office/drawing/2014/main" xmlns="" id="{95805BE3-4A1A-4523-A540-D89AD3DB5CFB}"/>
+                <a16:creationId xmlns="" xmlns:a16="http://schemas.microsoft.com/office/drawing/2014/main" id="{95805BE3-4A1A-4523-A540-D89AD3DB5CFB}"/>
               </a:ext>
             </a:extLst>
           </p:cNvPr>
@@ -6317,7 +6317,7 @@
           <p:cNvPr id="6" name="Título 1">
             <a:extLst>
               <a:ext uri="{FF2B5EF4-FFF2-40B4-BE49-F238E27FC236}">
-                <a16:creationId xmlns:a16="http://schemas.microsoft.com/office/drawing/2014/main" xmlns="" id="{B6F48679-00C5-4A77-A553-A620B378115E}"/>
+                <a16:creationId xmlns="" xmlns:a16="http://schemas.microsoft.com/office/drawing/2014/main" id="{B6F48679-00C5-4A77-A553-A620B378115E}"/>
               </a:ext>
             </a:extLst>
           </p:cNvPr>
@@ -6744,7 +6744,7 @@
           <p:cNvPr id="2" name="Straight Arrow Connector 1">
             <a:extLst>
               <a:ext uri="{FF2B5EF4-FFF2-40B4-BE49-F238E27FC236}">
-                <a16:creationId xmlns:a16="http://schemas.microsoft.com/office/drawing/2014/main" xmlns="" id="{8067B5E4-5CC9-4738-A6C6-0C51E8FD5F7E}"/>
+                <a16:creationId xmlns="" xmlns:a16="http://schemas.microsoft.com/office/drawing/2014/main" id="{8067B5E4-5CC9-4738-A6C6-0C51E8FD5F7E}"/>
               </a:ext>
             </a:extLst>
           </p:cNvPr>
@@ -6785,7 +6785,7 @@
           <p:cNvPr id="7" name="Título 1">
             <a:extLst>
               <a:ext uri="{FF2B5EF4-FFF2-40B4-BE49-F238E27FC236}">
-                <a16:creationId xmlns:a16="http://schemas.microsoft.com/office/drawing/2014/main" xmlns="" id="{99F76FBE-1BC2-4EE6-B90A-22263BF7BDCD}"/>
+                <a16:creationId xmlns="" xmlns:a16="http://schemas.microsoft.com/office/drawing/2014/main" id="{99F76FBE-1BC2-4EE6-B90A-22263BF7BDCD}"/>
               </a:ext>
             </a:extLst>
           </p:cNvPr>
@@ -6848,7 +6848,7 @@
           <p:cNvPr id="3" name="Imagem 2" descr="Uma imagem contendo atletismo, homem, mulher, jovem&#10;&#10;Descrição gerada automaticamente">
             <a:extLst>
               <a:ext uri="{FF2B5EF4-FFF2-40B4-BE49-F238E27FC236}">
-                <a16:creationId xmlns:a16="http://schemas.microsoft.com/office/drawing/2014/main" xmlns="" id="{C1A98800-58DC-4483-87DF-2963DFDEA1E7}"/>
+                <a16:creationId xmlns="" xmlns:a16="http://schemas.microsoft.com/office/drawing/2014/main" id="{C1A98800-58DC-4483-87DF-2963DFDEA1E7}"/>
               </a:ext>
             </a:extLst>
           </p:cNvPr>
@@ -6884,7 +6884,7 @@
           <p:cNvPr id="4" name="Picture 2">
             <a:extLst>
               <a:ext uri="{FF2B5EF4-FFF2-40B4-BE49-F238E27FC236}">
-                <a16:creationId xmlns:a16="http://schemas.microsoft.com/office/drawing/2014/main" xmlns="" id="{81A7A57C-8BAD-40FC-9628-0A271DFBCD32}"/>
+                <a16:creationId xmlns="" xmlns:a16="http://schemas.microsoft.com/office/drawing/2014/main" id="{81A7A57C-8BAD-40FC-9628-0A271DFBCD32}"/>
               </a:ext>
             </a:extLst>
           </p:cNvPr>
@@ -6931,7 +6931,7 @@
           <p:cNvPr id="8" name="Título 1">
             <a:extLst>
               <a:ext uri="{FF2B5EF4-FFF2-40B4-BE49-F238E27FC236}">
-                <a16:creationId xmlns:a16="http://schemas.microsoft.com/office/drawing/2014/main" xmlns="" id="{D8EF5F0E-CD81-4152-8D0B-8902A213ECB2}"/>
+                <a16:creationId xmlns="" xmlns:a16="http://schemas.microsoft.com/office/drawing/2014/main" id="{D8EF5F0E-CD81-4152-8D0B-8902A213ECB2}"/>
               </a:ext>
             </a:extLst>
           </p:cNvPr>
@@ -7314,7 +7314,7 @@
           <p:cNvPr id="32" name="Imagem 31" descr="Ícone&#10;&#10;Descrição gerada automaticamente">
             <a:extLst>
               <a:ext uri="{FF2B5EF4-FFF2-40B4-BE49-F238E27FC236}">
-                <a16:creationId xmlns:a16="http://schemas.microsoft.com/office/drawing/2014/main" xmlns="" id="{63AD9E9B-E7CD-43FB-B6D0-A4BA25762E77}"/>
+                <a16:creationId xmlns="" xmlns:a16="http://schemas.microsoft.com/office/drawing/2014/main" id="{63AD9E9B-E7CD-43FB-B6D0-A4BA25762E77}"/>
               </a:ext>
             </a:extLst>
           </p:cNvPr>
@@ -7350,7 +7350,7 @@
           <p:cNvPr id="43" name="Imagem 42" descr="Forma&#10;&#10;Descrição gerada automaticamente">
             <a:extLst>
               <a:ext uri="{FF2B5EF4-FFF2-40B4-BE49-F238E27FC236}">
-                <a16:creationId xmlns:a16="http://schemas.microsoft.com/office/drawing/2014/main" xmlns="" id="{02EFC7BC-B3DC-409C-BAC5-710BDBE5CCB2}"/>
+                <a16:creationId xmlns="" xmlns:a16="http://schemas.microsoft.com/office/drawing/2014/main" id="{02EFC7BC-B3DC-409C-BAC5-710BDBE5CCB2}"/>
               </a:ext>
             </a:extLst>
           </p:cNvPr>
@@ -7385,7 +7385,7 @@
           <p:cNvPr id="24" name="Imagem 23" descr="Forma&#10;&#10;Descrição gerada automaticamente">
             <a:extLst>
               <a:ext uri="{FF2B5EF4-FFF2-40B4-BE49-F238E27FC236}">
-                <a16:creationId xmlns:a16="http://schemas.microsoft.com/office/drawing/2014/main" xmlns="" id="{5C7DD506-50B1-460C-BA22-4C94A74330EA}"/>
+                <a16:creationId xmlns="" xmlns:a16="http://schemas.microsoft.com/office/drawing/2014/main" id="{5C7DD506-50B1-460C-BA22-4C94A74330EA}"/>
               </a:ext>
             </a:extLst>
           </p:cNvPr>
@@ -7420,7 +7420,7 @@
           <p:cNvPr id="16" name="Imagem 15">
             <a:extLst>
               <a:ext uri="{FF2B5EF4-FFF2-40B4-BE49-F238E27FC236}">
-                <a16:creationId xmlns:a16="http://schemas.microsoft.com/office/drawing/2014/main" xmlns="" id="{F080E30E-48F9-44E0-BB36-75BC3D0889E5}"/>
+                <a16:creationId xmlns="" xmlns:a16="http://schemas.microsoft.com/office/drawing/2014/main" id="{F080E30E-48F9-44E0-BB36-75BC3D0889E5}"/>
               </a:ext>
             </a:extLst>
           </p:cNvPr>
@@ -7456,7 +7456,7 @@
           <p:cNvPr id="91" name="Imagem 90">
             <a:extLst>
               <a:ext uri="{FF2B5EF4-FFF2-40B4-BE49-F238E27FC236}">
-                <a16:creationId xmlns:a16="http://schemas.microsoft.com/office/drawing/2014/main" xmlns="" id="{413FCE52-9E42-42C4-8D09-B45934FDA216}"/>
+                <a16:creationId xmlns="" xmlns:a16="http://schemas.microsoft.com/office/drawing/2014/main" id="{413FCE52-9E42-42C4-8D09-B45934FDA216}"/>
               </a:ext>
             </a:extLst>
           </p:cNvPr>
@@ -7492,7 +7492,7 @@
           <p:cNvPr id="93" name="Imagem 92">
             <a:extLst>
               <a:ext uri="{FF2B5EF4-FFF2-40B4-BE49-F238E27FC236}">
-                <a16:creationId xmlns:a16="http://schemas.microsoft.com/office/drawing/2014/main" xmlns="" id="{63E9CCF7-0455-42A7-B3B4-AEC2412E858C}"/>
+                <a16:creationId xmlns="" xmlns:a16="http://schemas.microsoft.com/office/drawing/2014/main" id="{63E9CCF7-0455-42A7-B3B4-AEC2412E858C}"/>
               </a:ext>
             </a:extLst>
           </p:cNvPr>
@@ -7528,7 +7528,7 @@
           <p:cNvPr id="94" name="Imagem 93">
             <a:extLst>
               <a:ext uri="{FF2B5EF4-FFF2-40B4-BE49-F238E27FC236}">
-                <a16:creationId xmlns:a16="http://schemas.microsoft.com/office/drawing/2014/main" xmlns="" id="{B79F862E-D809-4A78-AAE4-6CF63FB26508}"/>
+                <a16:creationId xmlns="" xmlns:a16="http://schemas.microsoft.com/office/drawing/2014/main" id="{B79F862E-D809-4A78-AAE4-6CF63FB26508}"/>
               </a:ext>
             </a:extLst>
           </p:cNvPr>
@@ -7564,7 +7564,7 @@
           <p:cNvPr id="97" name="Imagem 96">
             <a:extLst>
               <a:ext uri="{FF2B5EF4-FFF2-40B4-BE49-F238E27FC236}">
-                <a16:creationId xmlns:a16="http://schemas.microsoft.com/office/drawing/2014/main" xmlns="" id="{1E1D9264-4478-4D21-90D1-CC0A88EEBE02}"/>
+                <a16:creationId xmlns="" xmlns:a16="http://schemas.microsoft.com/office/drawing/2014/main" id="{1E1D9264-4478-4D21-90D1-CC0A88EEBE02}"/>
               </a:ext>
             </a:extLst>
           </p:cNvPr>
@@ -7600,7 +7600,7 @@
           <p:cNvPr id="110" name="Imagem 109">
             <a:extLst>
               <a:ext uri="{FF2B5EF4-FFF2-40B4-BE49-F238E27FC236}">
-                <a16:creationId xmlns:a16="http://schemas.microsoft.com/office/drawing/2014/main" xmlns="" id="{48EAE7C9-853C-4C62-BE4F-77E1FF7A2142}"/>
+                <a16:creationId xmlns="" xmlns:a16="http://schemas.microsoft.com/office/drawing/2014/main" id="{48EAE7C9-853C-4C62-BE4F-77E1FF7A2142}"/>
               </a:ext>
             </a:extLst>
           </p:cNvPr>
@@ -7636,7 +7636,7 @@
           <p:cNvPr id="113" name="Imagem 112">
             <a:extLst>
               <a:ext uri="{FF2B5EF4-FFF2-40B4-BE49-F238E27FC236}">
-                <a16:creationId xmlns:a16="http://schemas.microsoft.com/office/drawing/2014/main" xmlns="" id="{3A0A7C0D-5AAE-4386-8F96-FE545AB5180F}"/>
+                <a16:creationId xmlns="" xmlns:a16="http://schemas.microsoft.com/office/drawing/2014/main" id="{3A0A7C0D-5AAE-4386-8F96-FE545AB5180F}"/>
               </a:ext>
             </a:extLst>
           </p:cNvPr>
@@ -7672,7 +7672,7 @@
           <p:cNvPr id="115" name="Imagem 114">
             <a:extLst>
               <a:ext uri="{FF2B5EF4-FFF2-40B4-BE49-F238E27FC236}">
-                <a16:creationId xmlns:a16="http://schemas.microsoft.com/office/drawing/2014/main" xmlns="" id="{3C1B681C-ED12-41C5-AD26-8B6853414F1D}"/>
+                <a16:creationId xmlns="" xmlns:a16="http://schemas.microsoft.com/office/drawing/2014/main" id="{3C1B681C-ED12-41C5-AD26-8B6853414F1D}"/>
               </a:ext>
             </a:extLst>
           </p:cNvPr>
@@ -7708,7 +7708,7 @@
           <p:cNvPr id="2" name="Retângulo 1">
             <a:extLst>
               <a:ext uri="{FF2B5EF4-FFF2-40B4-BE49-F238E27FC236}">
-                <a16:creationId xmlns:a16="http://schemas.microsoft.com/office/drawing/2014/main" xmlns="" id="{969E54A0-B7B5-4147-AB27-DA0CC75F47BD}"/>
+                <a16:creationId xmlns="" xmlns:a16="http://schemas.microsoft.com/office/drawing/2014/main" id="{969E54A0-B7B5-4147-AB27-DA0CC75F47BD}"/>
               </a:ext>
             </a:extLst>
           </p:cNvPr>
@@ -7760,7 +7760,7 @@
           <p:cNvPr id="5" name="CaixaDeTexto 4">
             <a:extLst>
               <a:ext uri="{FF2B5EF4-FFF2-40B4-BE49-F238E27FC236}">
-                <a16:creationId xmlns:a16="http://schemas.microsoft.com/office/drawing/2014/main" xmlns="" id="{00324186-5835-453F-9CA7-D8BA2FE4FDB1}"/>
+                <a16:creationId xmlns="" xmlns:a16="http://schemas.microsoft.com/office/drawing/2014/main" id="{00324186-5835-453F-9CA7-D8BA2FE4FDB1}"/>
               </a:ext>
             </a:extLst>
           </p:cNvPr>
@@ -7799,7 +7799,7 @@
           <p:cNvPr id="8" name="CaixaDeTexto 7">
             <a:extLst>
               <a:ext uri="{FF2B5EF4-FFF2-40B4-BE49-F238E27FC236}">
-                <a16:creationId xmlns:a16="http://schemas.microsoft.com/office/drawing/2014/main" xmlns="" id="{C6B4F186-1182-4828-8066-2E561878460C}"/>
+                <a16:creationId xmlns="" xmlns:a16="http://schemas.microsoft.com/office/drawing/2014/main" id="{C6B4F186-1182-4828-8066-2E561878460C}"/>
               </a:ext>
             </a:extLst>
           </p:cNvPr>
@@ -7834,7 +7834,7 @@
           <p:cNvPr id="14" name="Imagem 13" descr="Logotipo, nome da empresa&#10;&#10;Descrição gerada automaticamente">
             <a:extLst>
               <a:ext uri="{FF2B5EF4-FFF2-40B4-BE49-F238E27FC236}">
-                <a16:creationId xmlns:a16="http://schemas.microsoft.com/office/drawing/2014/main" xmlns="" id="{C131E45E-AAA8-4092-97F7-314E8411F05B}"/>
+                <a16:creationId xmlns="" xmlns:a16="http://schemas.microsoft.com/office/drawing/2014/main" id="{C131E45E-AAA8-4092-97F7-314E8411F05B}"/>
               </a:ext>
             </a:extLst>
           </p:cNvPr>
@@ -7870,7 +7870,7 @@
           <p:cNvPr id="6" name="Picture 4">
             <a:extLst>
               <a:ext uri="{FF2B5EF4-FFF2-40B4-BE49-F238E27FC236}">
-                <a16:creationId xmlns:a16="http://schemas.microsoft.com/office/drawing/2014/main" xmlns="" id="{459310AC-F268-4178-A4E9-B2C3E8E97734}"/>
+                <a16:creationId xmlns="" xmlns:a16="http://schemas.microsoft.com/office/drawing/2014/main" id="{459310AC-F268-4178-A4E9-B2C3E8E97734}"/>
               </a:ext>
             </a:extLst>
           </p:cNvPr>
@@ -7917,7 +7917,7 @@
           <p:cNvPr id="9" name="Retângulo 8">
             <a:extLst>
               <a:ext uri="{FF2B5EF4-FFF2-40B4-BE49-F238E27FC236}">
-                <a16:creationId xmlns:a16="http://schemas.microsoft.com/office/drawing/2014/main" xmlns="" id="{A2895AD6-3034-4EE2-8F53-A1BC76FBF2D0}"/>
+                <a16:creationId xmlns="" xmlns:a16="http://schemas.microsoft.com/office/drawing/2014/main" id="{A2895AD6-3034-4EE2-8F53-A1BC76FBF2D0}"/>
               </a:ext>
             </a:extLst>
           </p:cNvPr>
@@ -7969,7 +7969,7 @@
           <p:cNvPr id="7" name="Picture 10" descr="Amazon Web Services - Wikipedia">
             <a:extLst>
               <a:ext uri="{FF2B5EF4-FFF2-40B4-BE49-F238E27FC236}">
-                <a16:creationId xmlns:a16="http://schemas.microsoft.com/office/drawing/2014/main" xmlns="" id="{4484FA0D-09D2-41AD-9A5C-AA5C5431D5FE}"/>
+                <a16:creationId xmlns="" xmlns:a16="http://schemas.microsoft.com/office/drawing/2014/main" id="{4484FA0D-09D2-41AD-9A5C-AA5C5431D5FE}"/>
               </a:ext>
             </a:extLst>
           </p:cNvPr>
@@ -8166,7 +8166,7 @@
           <p:cNvPr id="21" name="Agrupar 20">
             <a:extLst>
               <a:ext uri="{FF2B5EF4-FFF2-40B4-BE49-F238E27FC236}">
-                <a16:creationId xmlns:a16="http://schemas.microsoft.com/office/drawing/2014/main" xmlns="" id="{1550788F-EA80-4E29-BE8A-2E903471849F}"/>
+                <a16:creationId xmlns="" xmlns:a16="http://schemas.microsoft.com/office/drawing/2014/main" id="{1550788F-EA80-4E29-BE8A-2E903471849F}"/>
               </a:ext>
             </a:extLst>
           </p:cNvPr>
@@ -8186,7 +8186,7 @@
             <p:cNvPr id="1026" name="Picture 2" descr="Boas-vindas ao seu novo QG | Slack">
               <a:extLst>
                 <a:ext uri="{FF2B5EF4-FFF2-40B4-BE49-F238E27FC236}">
-                  <a16:creationId xmlns:a16="http://schemas.microsoft.com/office/drawing/2014/main" xmlns="" id="{D2B9D5B0-D199-4A89-A00B-86E4BE07F467}"/>
+                  <a16:creationId xmlns="" xmlns:a16="http://schemas.microsoft.com/office/drawing/2014/main" id="{D2B9D5B0-D199-4A89-A00B-86E4BE07F467}"/>
                 </a:ext>
               </a:extLst>
             </p:cNvPr>
@@ -8233,7 +8233,7 @@
             <p:cNvPr id="4" name="CaixaDeTexto 3">
               <a:extLst>
                 <a:ext uri="{FF2B5EF4-FFF2-40B4-BE49-F238E27FC236}">
-                  <a16:creationId xmlns:a16="http://schemas.microsoft.com/office/drawing/2014/main" xmlns="" id="{D03018DC-DEBD-439B-B33A-3FD65D7934A5}"/>
+                  <a16:creationId xmlns="" xmlns:a16="http://schemas.microsoft.com/office/drawing/2014/main" id="{D03018DC-DEBD-439B-B33A-3FD65D7934A5}"/>
                 </a:ext>
               </a:extLst>
             </p:cNvPr>
@@ -8269,7 +8269,7 @@
           <p:cNvPr id="23" name="Imagem 22" descr="Logotipo, nome da empresa&#10;&#10;Descrição gerada automaticamente">
             <a:extLst>
               <a:ext uri="{FF2B5EF4-FFF2-40B4-BE49-F238E27FC236}">
-                <a16:creationId xmlns:a16="http://schemas.microsoft.com/office/drawing/2014/main" xmlns="" id="{430375AE-F10C-4E7F-AC5E-E4A9143A7746}"/>
+                <a16:creationId xmlns="" xmlns:a16="http://schemas.microsoft.com/office/drawing/2014/main" id="{430375AE-F10C-4E7F-AC5E-E4A9143A7746}"/>
               </a:ext>
             </a:extLst>
           </p:cNvPr>
@@ -8305,7 +8305,7 @@
           <p:cNvPr id="50" name="Imagem 49">
             <a:extLst>
               <a:ext uri="{FF2B5EF4-FFF2-40B4-BE49-F238E27FC236}">
-                <a16:creationId xmlns:a16="http://schemas.microsoft.com/office/drawing/2014/main" xmlns="" id="{B7B64E3D-9B7A-45F3-806A-B186144DA1C4}"/>
+                <a16:creationId xmlns="" xmlns:a16="http://schemas.microsoft.com/office/drawing/2014/main" id="{B7B64E3D-9B7A-45F3-806A-B186144DA1C4}"/>
               </a:ext>
             </a:extLst>
           </p:cNvPr>
@@ -8335,7 +8335,7 @@
           <p:cNvPr id="54" name="Retângulo 53">
             <a:extLst>
               <a:ext uri="{FF2B5EF4-FFF2-40B4-BE49-F238E27FC236}">
-                <a16:creationId xmlns:a16="http://schemas.microsoft.com/office/drawing/2014/main" xmlns="" id="{F6769D6D-4C92-4616-B7A1-9AA9E96B528E}"/>
+                <a16:creationId xmlns="" xmlns:a16="http://schemas.microsoft.com/office/drawing/2014/main" id="{F6769D6D-4C92-4616-B7A1-9AA9E96B528E}"/>
               </a:ext>
             </a:extLst>
           </p:cNvPr>
@@ -8387,7 +8387,7 @@
           <p:cNvPr id="28" name="Imagem 27" descr="Imagem em preto e branco&#10;&#10;Descrição gerada automaticamente">
             <a:extLst>
               <a:ext uri="{FF2B5EF4-FFF2-40B4-BE49-F238E27FC236}">
-                <a16:creationId xmlns:a16="http://schemas.microsoft.com/office/drawing/2014/main" xmlns="" id="{2CC60A5A-32BC-4872-BEF8-F867013BB652}"/>
+                <a16:creationId xmlns="" xmlns:a16="http://schemas.microsoft.com/office/drawing/2014/main" id="{2CC60A5A-32BC-4872-BEF8-F867013BB652}"/>
               </a:ext>
             </a:extLst>
           </p:cNvPr>
@@ -8471,7 +8471,7 @@
           <p:cNvPr id="20" name="Imagem 19" descr="Texto&#10;&#10;Descrição gerada automaticamente">
             <a:extLst>
               <a:ext uri="{FF2B5EF4-FFF2-40B4-BE49-F238E27FC236}">
-                <a16:creationId xmlns:a16="http://schemas.microsoft.com/office/drawing/2014/main" xmlns="" id="{ED87CAAA-DE80-46A0-86B2-609AB5201EA4}"/>
+                <a16:creationId xmlns="" xmlns:a16="http://schemas.microsoft.com/office/drawing/2014/main" id="{ED87CAAA-DE80-46A0-86B2-609AB5201EA4}"/>
               </a:ext>
             </a:extLst>
           </p:cNvPr>
@@ -8507,7 +8507,7 @@
           <p:cNvPr id="26" name="Imagem 25" descr="Logotipo&#10;&#10;Descrição gerada automaticamente">
             <a:extLst>
               <a:ext uri="{FF2B5EF4-FFF2-40B4-BE49-F238E27FC236}">
-                <a16:creationId xmlns:a16="http://schemas.microsoft.com/office/drawing/2014/main" xmlns="" id="{6B8134E3-650D-478E-A821-EF0EB50EF35E}"/>
+                <a16:creationId xmlns="" xmlns:a16="http://schemas.microsoft.com/office/drawing/2014/main" id="{6B8134E3-650D-478E-A821-EF0EB50EF35E}"/>
               </a:ext>
             </a:extLst>
           </p:cNvPr>
@@ -8543,7 +8543,7 @@
           <p:cNvPr id="27" name="Retângulo: Cantos Arredondados 26">
             <a:extLst>
               <a:ext uri="{FF2B5EF4-FFF2-40B4-BE49-F238E27FC236}">
-                <a16:creationId xmlns:a16="http://schemas.microsoft.com/office/drawing/2014/main" xmlns="" id="{8FA7A66A-5AF3-44D5-82C5-F518ED665F57}"/>
+                <a16:creationId xmlns="" xmlns:a16="http://schemas.microsoft.com/office/drawing/2014/main" id="{8FA7A66A-5AF3-44D5-82C5-F518ED665F57}"/>
               </a:ext>
             </a:extLst>
           </p:cNvPr>
@@ -8590,7 +8590,7 @@
           <p:cNvPr id="30" name="Imagem 29" descr="Ícone&#10;&#10;Descrição gerada automaticamente">
             <a:extLst>
               <a:ext uri="{FF2B5EF4-FFF2-40B4-BE49-F238E27FC236}">
-                <a16:creationId xmlns:a16="http://schemas.microsoft.com/office/drawing/2014/main" xmlns="" id="{37F30B95-69BD-4863-8AD5-82CA6DED1DD7}"/>
+                <a16:creationId xmlns="" xmlns:a16="http://schemas.microsoft.com/office/drawing/2014/main" id="{37F30B95-69BD-4863-8AD5-82CA6DED1DD7}"/>
               </a:ext>
             </a:extLst>
           </p:cNvPr>
@@ -8626,7 +8626,7 @@
           <p:cNvPr id="35" name="Conector de Seta Reta 34">
             <a:extLst>
               <a:ext uri="{FF2B5EF4-FFF2-40B4-BE49-F238E27FC236}">
-                <a16:creationId xmlns:a16="http://schemas.microsoft.com/office/drawing/2014/main" xmlns="" id="{8103FEFB-336C-414E-BD99-F6AF7DF67DF7}"/>
+                <a16:creationId xmlns="" xmlns:a16="http://schemas.microsoft.com/office/drawing/2014/main" id="{8103FEFB-336C-414E-BD99-F6AF7DF67DF7}"/>
               </a:ext>
             </a:extLst>
           </p:cNvPr>
@@ -8667,7 +8667,7 @@
           <p:cNvPr id="61" name="Conector de Seta Reta 60">
             <a:extLst>
               <a:ext uri="{FF2B5EF4-FFF2-40B4-BE49-F238E27FC236}">
-                <a16:creationId xmlns:a16="http://schemas.microsoft.com/office/drawing/2014/main" xmlns="" id="{C2916943-22EE-4CFB-99FA-9AD58A30BF83}"/>
+                <a16:creationId xmlns="" xmlns:a16="http://schemas.microsoft.com/office/drawing/2014/main" id="{C2916943-22EE-4CFB-99FA-9AD58A30BF83}"/>
               </a:ext>
             </a:extLst>
           </p:cNvPr>
@@ -8708,7 +8708,7 @@
           <p:cNvPr id="64" name="Conector de Seta Reta 63">
             <a:extLst>
               <a:ext uri="{FF2B5EF4-FFF2-40B4-BE49-F238E27FC236}">
-                <a16:creationId xmlns:a16="http://schemas.microsoft.com/office/drawing/2014/main" xmlns="" id="{7657379C-900C-4742-A460-A8AE9389EEF8}"/>
+                <a16:creationId xmlns="" xmlns:a16="http://schemas.microsoft.com/office/drawing/2014/main" id="{7657379C-900C-4742-A460-A8AE9389EEF8}"/>
               </a:ext>
             </a:extLst>
           </p:cNvPr>
@@ -8749,7 +8749,7 @@
           <p:cNvPr id="69" name="Conector de Seta Reta 68">
             <a:extLst>
               <a:ext uri="{FF2B5EF4-FFF2-40B4-BE49-F238E27FC236}">
-                <a16:creationId xmlns:a16="http://schemas.microsoft.com/office/drawing/2014/main" xmlns="" id="{B81E2079-84D7-430E-A793-D3C73FD6A4F9}"/>
+                <a16:creationId xmlns="" xmlns:a16="http://schemas.microsoft.com/office/drawing/2014/main" id="{B81E2079-84D7-430E-A793-D3C73FD6A4F9}"/>
               </a:ext>
             </a:extLst>
           </p:cNvPr>
@@ -8790,7 +8790,7 @@
           <p:cNvPr id="73" name="Conector de Seta Reta 72">
             <a:extLst>
               <a:ext uri="{FF2B5EF4-FFF2-40B4-BE49-F238E27FC236}">
-                <a16:creationId xmlns:a16="http://schemas.microsoft.com/office/drawing/2014/main" xmlns="" id="{C47F1F93-925A-41E3-B4F1-42F7A6F2840A}"/>
+                <a16:creationId xmlns="" xmlns:a16="http://schemas.microsoft.com/office/drawing/2014/main" id="{C47F1F93-925A-41E3-B4F1-42F7A6F2840A}"/>
               </a:ext>
             </a:extLst>
           </p:cNvPr>
@@ -9192,7 +9192,7 @@
           <p:cNvPr id="2" name="Straight Arrow Connector 1">
             <a:extLst>
               <a:ext uri="{FF2B5EF4-FFF2-40B4-BE49-F238E27FC236}">
-                <a16:creationId xmlns:a16="http://schemas.microsoft.com/office/drawing/2014/main" xmlns="" id="{E8D38C0A-F3C1-4051-ABE3-35FA8150390A}"/>
+                <a16:creationId xmlns="" xmlns:a16="http://schemas.microsoft.com/office/drawing/2014/main" id="{E8D38C0A-F3C1-4051-ABE3-35FA8150390A}"/>
               </a:ext>
             </a:extLst>
           </p:cNvPr>
@@ -9235,7 +9235,7 @@
           <p:cNvPr id="4" name="Picture 2">
             <a:extLst>
               <a:ext uri="{FF2B5EF4-FFF2-40B4-BE49-F238E27FC236}">
-                <a16:creationId xmlns:a16="http://schemas.microsoft.com/office/drawing/2014/main" xmlns="" id="{D63799FE-FD58-46C7-8DD5-1902EEB7FE5C}"/>
+                <a16:creationId xmlns="" xmlns:a16="http://schemas.microsoft.com/office/drawing/2014/main" id="{D63799FE-FD58-46C7-8DD5-1902EEB7FE5C}"/>
               </a:ext>
             </a:extLst>
           </p:cNvPr>
@@ -9345,7 +9345,7 @@
           <p:cNvPr id="3" name="Título 1">
             <a:extLst>
               <a:ext uri="{FF2B5EF4-FFF2-40B4-BE49-F238E27FC236}">
-                <a16:creationId xmlns:a16="http://schemas.microsoft.com/office/drawing/2014/main" xmlns="" id="{27E3AB54-2809-4032-914E-DED0C0F653BC}"/>
+                <a16:creationId xmlns="" xmlns:a16="http://schemas.microsoft.com/office/drawing/2014/main" id="{27E3AB54-2809-4032-914E-DED0C0F653BC}"/>
               </a:ext>
             </a:extLst>
           </p:cNvPr>
@@ -9406,7 +9406,7 @@
           <p:cNvPr id="9" name="Título 1">
             <a:extLst>
               <a:ext uri="{FF2B5EF4-FFF2-40B4-BE49-F238E27FC236}">
-                <a16:creationId xmlns:a16="http://schemas.microsoft.com/office/drawing/2014/main" xmlns="" id="{EBB80C0C-4FE5-48FC-B252-929E12B048EF}"/>
+                <a16:creationId xmlns="" xmlns:a16="http://schemas.microsoft.com/office/drawing/2014/main" id="{EBB80C0C-4FE5-48FC-B252-929E12B048EF}"/>
               </a:ext>
             </a:extLst>
           </p:cNvPr>
@@ -9467,7 +9467,7 @@
           <p:cNvPr id="6" name="Título 1">
             <a:extLst>
               <a:ext uri="{FF2B5EF4-FFF2-40B4-BE49-F238E27FC236}">
-                <a16:creationId xmlns:a16="http://schemas.microsoft.com/office/drawing/2014/main" xmlns="" id="{9B28AA84-B7D2-4932-BBB0-7C84E95816AA}"/>
+                <a16:creationId xmlns="" xmlns:a16="http://schemas.microsoft.com/office/drawing/2014/main" id="{9B28AA84-B7D2-4932-BBB0-7C84E95816AA}"/>
               </a:ext>
             </a:extLst>
           </p:cNvPr>
@@ -9539,7 +9539,7 @@
           <p:cNvPr id="8" name="Imagem 7">
             <a:extLst>
               <a:ext uri="{FF2B5EF4-FFF2-40B4-BE49-F238E27FC236}">
-                <a16:creationId xmlns:a16="http://schemas.microsoft.com/office/drawing/2014/main" xmlns="" id="{79E920CC-556D-4F74-8097-EEA0E8599C7E}"/>
+                <a16:creationId xmlns="" xmlns:a16="http://schemas.microsoft.com/office/drawing/2014/main" id="{79E920CC-556D-4F74-8097-EEA0E8599C7E}"/>
               </a:ext>
             </a:extLst>
           </p:cNvPr>
@@ -9907,7 +9907,7 @@
           <p:cNvPr id="2" name="Straight Arrow Connector 1">
             <a:extLst>
               <a:ext uri="{FF2B5EF4-FFF2-40B4-BE49-F238E27FC236}">
-                <a16:creationId xmlns:a16="http://schemas.microsoft.com/office/drawing/2014/main" xmlns="" id="{E8D38C0A-F3C1-4051-ABE3-35FA8150390A}"/>
+                <a16:creationId xmlns="" xmlns:a16="http://schemas.microsoft.com/office/drawing/2014/main" id="{E8D38C0A-F3C1-4051-ABE3-35FA8150390A}"/>
               </a:ext>
             </a:extLst>
           </p:cNvPr>
@@ -9950,7 +9950,7 @@
           <p:cNvPr id="3" name="Imagem 2" descr="Uma imagem contendo mesa, atletismo&#10;&#10;Descrição gerada automaticamente">
             <a:extLst>
               <a:ext uri="{FF2B5EF4-FFF2-40B4-BE49-F238E27FC236}">
-                <a16:creationId xmlns:a16="http://schemas.microsoft.com/office/drawing/2014/main" xmlns="" id="{4F1DEA53-EAA9-41BE-AAAD-67147C20EFA3}"/>
+                <a16:creationId xmlns="" xmlns:a16="http://schemas.microsoft.com/office/drawing/2014/main" id="{4F1DEA53-EAA9-41BE-AAAD-67147C20EFA3}"/>
               </a:ext>
             </a:extLst>
           </p:cNvPr>
@@ -9986,7 +9986,7 @@
           <p:cNvPr id="4" name="Picture 2">
             <a:extLst>
               <a:ext uri="{FF2B5EF4-FFF2-40B4-BE49-F238E27FC236}">
-                <a16:creationId xmlns:a16="http://schemas.microsoft.com/office/drawing/2014/main" xmlns="" id="{D63799FE-FD58-46C7-8DD5-1902EEB7FE5C}"/>
+                <a16:creationId xmlns="" xmlns:a16="http://schemas.microsoft.com/office/drawing/2014/main" id="{D63799FE-FD58-46C7-8DD5-1902EEB7FE5C}"/>
               </a:ext>
             </a:extLst>
           </p:cNvPr>
@@ -10087,7 +10087,7 @@
           <p:cNvPr id="6" name="Título 1">
             <a:extLst>
               <a:ext uri="{FF2B5EF4-FFF2-40B4-BE49-F238E27FC236}">
-                <a16:creationId xmlns:a16="http://schemas.microsoft.com/office/drawing/2014/main" xmlns="" id="{850C9A9E-9E30-4FA2-8897-BA2B34F6684E}"/>
+                <a16:creationId xmlns="" xmlns:a16="http://schemas.microsoft.com/office/drawing/2014/main" id="{850C9A9E-9E30-4FA2-8897-BA2B34F6684E}"/>
               </a:ext>
             </a:extLst>
           </p:cNvPr>
@@ -10159,7 +10159,7 @@
           <p:cNvPr id="7" name="CaixaDeTexto 6">
             <a:extLst>
               <a:ext uri="{FF2B5EF4-FFF2-40B4-BE49-F238E27FC236}">
-                <a16:creationId xmlns:a16="http://schemas.microsoft.com/office/drawing/2014/main" xmlns="" id="{EAF0AC7E-8644-4F90-94C7-B1C488477161}"/>
+                <a16:creationId xmlns="" xmlns:a16="http://schemas.microsoft.com/office/drawing/2014/main" id="{EAF0AC7E-8644-4F90-94C7-B1C488477161}"/>
               </a:ext>
             </a:extLst>
           </p:cNvPr>
@@ -10206,7 +10206,7 @@
           <p:cNvPr id="10" name="Título 1">
             <a:extLst>
               <a:ext uri="{FF2B5EF4-FFF2-40B4-BE49-F238E27FC236}">
-                <a16:creationId xmlns:a16="http://schemas.microsoft.com/office/drawing/2014/main" xmlns="" id="{BA93ADF6-E5FF-4E94-BDCF-62BBD0E85C46}"/>
+                <a16:creationId xmlns="" xmlns:a16="http://schemas.microsoft.com/office/drawing/2014/main" id="{BA93ADF6-E5FF-4E94-BDCF-62BBD0E85C46}"/>
               </a:ext>
             </a:extLst>
           </p:cNvPr>
@@ -10589,7 +10589,7 @@
           <p:cNvPr id="7" name="Título 1">
             <a:extLst>
               <a:ext uri="{FF2B5EF4-FFF2-40B4-BE49-F238E27FC236}">
-                <a16:creationId xmlns:a16="http://schemas.microsoft.com/office/drawing/2014/main" xmlns="" id="{99F76FBE-1BC2-4EE6-B90A-22263BF7BDCD}"/>
+                <a16:creationId xmlns="" xmlns:a16="http://schemas.microsoft.com/office/drawing/2014/main" id="{99F76FBE-1BC2-4EE6-B90A-22263BF7BDCD}"/>
               </a:ext>
             </a:extLst>
           </p:cNvPr>
@@ -10652,7 +10652,7 @@
           <p:cNvPr id="4" name="Picture 2">
             <a:extLst>
               <a:ext uri="{FF2B5EF4-FFF2-40B4-BE49-F238E27FC236}">
-                <a16:creationId xmlns:a16="http://schemas.microsoft.com/office/drawing/2014/main" xmlns="" id="{3CF36ED0-FCD8-45D8-A912-5D4DD5032DBE}"/>
+                <a16:creationId xmlns="" xmlns:a16="http://schemas.microsoft.com/office/drawing/2014/main" id="{3CF36ED0-FCD8-45D8-A912-5D4DD5032DBE}"/>
               </a:ext>
             </a:extLst>
           </p:cNvPr>
@@ -10699,7 +10699,7 @@
           <p:cNvPr id="2" name="Straight Arrow Connector 1">
             <a:extLst>
               <a:ext uri="{FF2B5EF4-FFF2-40B4-BE49-F238E27FC236}">
-                <a16:creationId xmlns:a16="http://schemas.microsoft.com/office/drawing/2014/main" xmlns="" id="{EF6676ED-9702-4820-B9D8-8B178C2BC9D8}"/>
+                <a16:creationId xmlns="" xmlns:a16="http://schemas.microsoft.com/office/drawing/2014/main" id="{EF6676ED-9702-4820-B9D8-8B178C2BC9D8}"/>
               </a:ext>
             </a:extLst>
           </p:cNvPr>
@@ -10742,7 +10742,7 @@
           <p:cNvPr id="19" name="Agrupar 18">
             <a:extLst>
               <a:ext uri="{FF2B5EF4-FFF2-40B4-BE49-F238E27FC236}">
-                <a16:creationId xmlns:a16="http://schemas.microsoft.com/office/drawing/2014/main" xmlns="" id="{84BF6789-3335-4920-AA85-D1861BE5B03E}"/>
+                <a16:creationId xmlns="" xmlns:a16="http://schemas.microsoft.com/office/drawing/2014/main" id="{84BF6789-3335-4920-AA85-D1861BE5B03E}"/>
               </a:ext>
             </a:extLst>
           </p:cNvPr>
@@ -10762,7 +10762,7 @@
             <p:cNvPr id="6" name="Google Shape;1752;p44">
               <a:extLst>
                 <a:ext uri="{FF2B5EF4-FFF2-40B4-BE49-F238E27FC236}">
-                  <a16:creationId xmlns:a16="http://schemas.microsoft.com/office/drawing/2014/main" xmlns="" id="{DB60E812-6938-4298-A78E-5CA545FDF3CB}"/>
+                  <a16:creationId xmlns="" xmlns:a16="http://schemas.microsoft.com/office/drawing/2014/main" id="{DB60E812-6938-4298-A78E-5CA545FDF3CB}"/>
                 </a:ext>
               </a:extLst>
             </p:cNvPr>
@@ -10788,7 +10788,7 @@
               <p:cNvPr id="8" name="Google Shape;1753;p44">
                 <a:extLst>
                   <a:ext uri="{FF2B5EF4-FFF2-40B4-BE49-F238E27FC236}">
-                    <a16:creationId xmlns:a16="http://schemas.microsoft.com/office/drawing/2014/main" xmlns="" id="{0DBB088E-379B-44B1-85B0-053B377E1558}"/>
+                    <a16:creationId xmlns="" xmlns:a16="http://schemas.microsoft.com/office/drawing/2014/main" id="{0DBB088E-379B-44B1-85B0-053B377E1558}"/>
                   </a:ext>
                 </a:extLst>
               </p:cNvPr>
@@ -10889,7 +10889,7 @@
               <p:cNvPr id="10" name="Google Shape;1754;p44">
                 <a:extLst>
                   <a:ext uri="{FF2B5EF4-FFF2-40B4-BE49-F238E27FC236}">
-                    <a16:creationId xmlns:a16="http://schemas.microsoft.com/office/drawing/2014/main" xmlns="" id="{3B04B96F-32C9-4ACA-B368-E0F84F216A79}"/>
+                    <a16:creationId xmlns="" xmlns:a16="http://schemas.microsoft.com/office/drawing/2014/main" id="{3B04B96F-32C9-4ACA-B368-E0F84F216A79}"/>
                   </a:ext>
                 </a:extLst>
               </p:cNvPr>
@@ -10975,7 +10975,7 @@
               <p:cNvPr id="11" name="Google Shape;1755;p44">
                 <a:extLst>
                   <a:ext uri="{FF2B5EF4-FFF2-40B4-BE49-F238E27FC236}">
-                    <a16:creationId xmlns:a16="http://schemas.microsoft.com/office/drawing/2014/main" xmlns="" id="{CF34BFC8-6B5D-4040-98EA-203295F3E25E}"/>
+                    <a16:creationId xmlns="" xmlns:a16="http://schemas.microsoft.com/office/drawing/2014/main" id="{CF34BFC8-6B5D-4040-98EA-203295F3E25E}"/>
                   </a:ext>
                 </a:extLst>
               </p:cNvPr>
@@ -11052,7 +11052,7 @@
             <p:cNvPr id="5" name="Imagem 4">
               <a:extLst>
                 <a:ext uri="{FF2B5EF4-FFF2-40B4-BE49-F238E27FC236}">
-                  <a16:creationId xmlns:a16="http://schemas.microsoft.com/office/drawing/2014/main" xmlns="" id="{760D5DD0-6CC9-481F-9766-56BD13589309}"/>
+                  <a16:creationId xmlns="" xmlns:a16="http://schemas.microsoft.com/office/drawing/2014/main" id="{760D5DD0-6CC9-481F-9766-56BD13589309}"/>
                 </a:ext>
               </a:extLst>
             </p:cNvPr>
@@ -11083,7 +11083,7 @@
           <p:cNvPr id="20" name="Agrupar 19">
             <a:extLst>
               <a:ext uri="{FF2B5EF4-FFF2-40B4-BE49-F238E27FC236}">
-                <a16:creationId xmlns:a16="http://schemas.microsoft.com/office/drawing/2014/main" xmlns="" id="{91CE4868-6806-4F0D-AD70-2D78D9090FA8}"/>
+                <a16:creationId xmlns="" xmlns:a16="http://schemas.microsoft.com/office/drawing/2014/main" id="{91CE4868-6806-4F0D-AD70-2D78D9090FA8}"/>
               </a:ext>
             </a:extLst>
           </p:cNvPr>
@@ -11103,7 +11103,7 @@
             <p:cNvPr id="13" name="Google Shape;1592;p73">
               <a:extLst>
                 <a:ext uri="{FF2B5EF4-FFF2-40B4-BE49-F238E27FC236}">
-                  <a16:creationId xmlns:a16="http://schemas.microsoft.com/office/drawing/2014/main" xmlns="" id="{9D82DDB8-54A1-4DD7-9030-06F75FEFFD86}"/>
+                  <a16:creationId xmlns="" xmlns:a16="http://schemas.microsoft.com/office/drawing/2014/main" id="{9D82DDB8-54A1-4DD7-9030-06F75FEFFD86}"/>
                 </a:ext>
               </a:extLst>
             </p:cNvPr>
@@ -11193,7 +11193,7 @@
             <p:cNvPr id="15" name="Imagem 14">
               <a:extLst>
                 <a:ext uri="{FF2B5EF4-FFF2-40B4-BE49-F238E27FC236}">
-                  <a16:creationId xmlns:a16="http://schemas.microsoft.com/office/drawing/2014/main" xmlns="" id="{3F367BA2-89AF-4926-8925-741DC524A38E}"/>
+                  <a16:creationId xmlns="" xmlns:a16="http://schemas.microsoft.com/office/drawing/2014/main" id="{3F367BA2-89AF-4926-8925-741DC524A38E}"/>
                 </a:ext>
               </a:extLst>
             </p:cNvPr>
@@ -11223,7 +11223,7 @@
           <p:cNvPr id="23" name="Agrupar 22">
             <a:extLst>
               <a:ext uri="{FF2B5EF4-FFF2-40B4-BE49-F238E27FC236}">
-                <a16:creationId xmlns:a16="http://schemas.microsoft.com/office/drawing/2014/main" xmlns="" id="{7E13A691-743F-4036-8B2B-FA415A2786A6}"/>
+                <a16:creationId xmlns="" xmlns:a16="http://schemas.microsoft.com/office/drawing/2014/main" id="{7E13A691-743F-4036-8B2B-FA415A2786A6}"/>
               </a:ext>
             </a:extLst>
           </p:cNvPr>
@@ -11243,7 +11243,7 @@
             <p:cNvPr id="16" name="Google Shape;1634;p74">
               <a:extLst>
                 <a:ext uri="{FF2B5EF4-FFF2-40B4-BE49-F238E27FC236}">
-                  <a16:creationId xmlns:a16="http://schemas.microsoft.com/office/drawing/2014/main" xmlns="" id="{8013B569-1E04-4E77-BAB8-7D2458AFDE47}"/>
+                  <a16:creationId xmlns="" xmlns:a16="http://schemas.microsoft.com/office/drawing/2014/main" id="{8013B569-1E04-4E77-BAB8-7D2458AFDE47}"/>
                 </a:ext>
               </a:extLst>
             </p:cNvPr>
@@ -11263,7 +11263,7 @@
               <p:cNvPr id="17" name="Google Shape;1635;p74">
                 <a:extLst>
                   <a:ext uri="{FF2B5EF4-FFF2-40B4-BE49-F238E27FC236}">
-                    <a16:creationId xmlns:a16="http://schemas.microsoft.com/office/drawing/2014/main" xmlns="" id="{8872BE14-B3C6-4215-AEB3-09725A52F24B}"/>
+                    <a16:creationId xmlns="" xmlns:a16="http://schemas.microsoft.com/office/drawing/2014/main" id="{8872BE14-B3C6-4215-AEB3-09725A52F24B}"/>
                   </a:ext>
                 </a:extLst>
               </p:cNvPr>
@@ -11353,7 +11353,7 @@
               <p:cNvPr id="18" name="Google Shape;1636;p74">
                 <a:extLst>
                   <a:ext uri="{FF2B5EF4-FFF2-40B4-BE49-F238E27FC236}">
-                    <a16:creationId xmlns:a16="http://schemas.microsoft.com/office/drawing/2014/main" xmlns="" id="{9B8CC2B5-5256-4C0B-9076-F8772294115C}"/>
+                    <a16:creationId xmlns="" xmlns:a16="http://schemas.microsoft.com/office/drawing/2014/main" id="{9B8CC2B5-5256-4C0B-9076-F8772294115C}"/>
                   </a:ext>
                 </a:extLst>
               </p:cNvPr>
@@ -11432,7 +11432,7 @@
             <p:cNvPr id="22" name="Imagem 21">
               <a:extLst>
                 <a:ext uri="{FF2B5EF4-FFF2-40B4-BE49-F238E27FC236}">
-                  <a16:creationId xmlns:a16="http://schemas.microsoft.com/office/drawing/2014/main" xmlns="" id="{4DE0FC26-C0D0-4230-84C8-5188379905E2}"/>
+                  <a16:creationId xmlns="" xmlns:a16="http://schemas.microsoft.com/office/drawing/2014/main" id="{4DE0FC26-C0D0-4230-84C8-5188379905E2}"/>
                 </a:ext>
               </a:extLst>
             </p:cNvPr>
@@ -11463,7 +11463,7 @@
           <p:cNvPr id="3" name="Agrupar 2">
             <a:extLst>
               <a:ext uri="{FF2B5EF4-FFF2-40B4-BE49-F238E27FC236}">
-                <a16:creationId xmlns:a16="http://schemas.microsoft.com/office/drawing/2014/main" xmlns="" id="{2B63AD49-0F6D-42ED-917C-133150D5B1E0}"/>
+                <a16:creationId xmlns="" xmlns:a16="http://schemas.microsoft.com/office/drawing/2014/main" id="{2B63AD49-0F6D-42ED-917C-133150D5B1E0}"/>
               </a:ext>
             </a:extLst>
           </p:cNvPr>
@@ -11483,7 +11483,7 @@
             <p:cNvPr id="12" name="Agrupar 11">
               <a:extLst>
                 <a:ext uri="{FF2B5EF4-FFF2-40B4-BE49-F238E27FC236}">
-                  <a16:creationId xmlns:a16="http://schemas.microsoft.com/office/drawing/2014/main" xmlns="" id="{64112428-66FA-43D5-967D-F09BEE30C1CD}"/>
+                  <a16:creationId xmlns="" xmlns:a16="http://schemas.microsoft.com/office/drawing/2014/main" id="{64112428-66FA-43D5-967D-F09BEE30C1CD}"/>
                 </a:ext>
               </a:extLst>
             </p:cNvPr>
@@ -11503,7 +11503,7 @@
               <p:cNvPr id="24" name="Agrupar 23">
                 <a:extLst>
                   <a:ext uri="{FF2B5EF4-FFF2-40B4-BE49-F238E27FC236}">
-                    <a16:creationId xmlns:a16="http://schemas.microsoft.com/office/drawing/2014/main" xmlns="" id="{06A70BFE-C74F-49E3-9748-4EB4E2034902}"/>
+                    <a16:creationId xmlns="" xmlns:a16="http://schemas.microsoft.com/office/drawing/2014/main" id="{06A70BFE-C74F-49E3-9748-4EB4E2034902}"/>
                   </a:ext>
                 </a:extLst>
               </p:cNvPr>
@@ -11523,7 +11523,7 @@
                 <p:cNvPr id="25" name="Google Shape;1752;p44">
                   <a:extLst>
                     <a:ext uri="{FF2B5EF4-FFF2-40B4-BE49-F238E27FC236}">
-                      <a16:creationId xmlns:a16="http://schemas.microsoft.com/office/drawing/2014/main" xmlns="" id="{8624D819-8AAD-449D-B5A3-4B984CFA1DAB}"/>
+                      <a16:creationId xmlns="" xmlns:a16="http://schemas.microsoft.com/office/drawing/2014/main" id="{8624D819-8AAD-449D-B5A3-4B984CFA1DAB}"/>
                     </a:ext>
                   </a:extLst>
                 </p:cNvPr>
@@ -11549,7 +11549,7 @@
                   <p:cNvPr id="27" name="Google Shape;1753;p44">
                     <a:extLst>
                       <a:ext uri="{FF2B5EF4-FFF2-40B4-BE49-F238E27FC236}">
-                        <a16:creationId xmlns:a16="http://schemas.microsoft.com/office/drawing/2014/main" xmlns="" id="{1B9A4792-5178-4009-8D10-F66BAAB31BE1}"/>
+                        <a16:creationId xmlns="" xmlns:a16="http://schemas.microsoft.com/office/drawing/2014/main" id="{1B9A4792-5178-4009-8D10-F66BAAB31BE1}"/>
                       </a:ext>
                     </a:extLst>
                   </p:cNvPr>
@@ -11650,7 +11650,7 @@
                   <p:cNvPr id="28" name="Google Shape;1754;p44">
                     <a:extLst>
                       <a:ext uri="{FF2B5EF4-FFF2-40B4-BE49-F238E27FC236}">
-                        <a16:creationId xmlns:a16="http://schemas.microsoft.com/office/drawing/2014/main" xmlns="" id="{42D0C136-9456-4617-B9A3-EF3C3F705DE9}"/>
+                        <a16:creationId xmlns="" xmlns:a16="http://schemas.microsoft.com/office/drawing/2014/main" id="{42D0C136-9456-4617-B9A3-EF3C3F705DE9}"/>
                       </a:ext>
                     </a:extLst>
                   </p:cNvPr>
@@ -11736,7 +11736,7 @@
                   <p:cNvPr id="29" name="Google Shape;1755;p44">
                     <a:extLst>
                       <a:ext uri="{FF2B5EF4-FFF2-40B4-BE49-F238E27FC236}">
-                        <a16:creationId xmlns:a16="http://schemas.microsoft.com/office/drawing/2014/main" xmlns="" id="{6CF63653-AAD0-45A9-9271-4509B0F24A7F}"/>
+                        <a16:creationId xmlns="" xmlns:a16="http://schemas.microsoft.com/office/drawing/2014/main" id="{6CF63653-AAD0-45A9-9271-4509B0F24A7F}"/>
                       </a:ext>
                     </a:extLst>
                   </p:cNvPr>
@@ -11813,7 +11813,7 @@
                 <p:cNvPr id="26" name="Imagem 25">
                   <a:extLst>
                     <a:ext uri="{FF2B5EF4-FFF2-40B4-BE49-F238E27FC236}">
-                      <a16:creationId xmlns:a16="http://schemas.microsoft.com/office/drawing/2014/main" xmlns="" id="{9C26F521-53D6-45E1-AD06-EFD977E434F8}"/>
+                      <a16:creationId xmlns="" xmlns:a16="http://schemas.microsoft.com/office/drawing/2014/main" id="{9C26F521-53D6-45E1-AD06-EFD977E434F8}"/>
                     </a:ext>
                   </a:extLst>
                 </p:cNvPr>
@@ -11844,7 +11844,7 @@
               <p:cNvPr id="30" name="Imagem 29">
                 <a:extLst>
                   <a:ext uri="{FF2B5EF4-FFF2-40B4-BE49-F238E27FC236}">
-                    <a16:creationId xmlns:a16="http://schemas.microsoft.com/office/drawing/2014/main" xmlns="" id="{ED6CA960-A132-410C-B0AA-DD973DF0B5C6}"/>
+                    <a16:creationId xmlns="" xmlns:a16="http://schemas.microsoft.com/office/drawing/2014/main" id="{ED6CA960-A132-410C-B0AA-DD973DF0B5C6}"/>
                   </a:ext>
                 </a:extLst>
               </p:cNvPr>
@@ -11875,7 +11875,7 @@
             <p:cNvPr id="1026" name="Picture 2">
               <a:extLst>
                 <a:ext uri="{FF2B5EF4-FFF2-40B4-BE49-F238E27FC236}">
-                  <a16:creationId xmlns:a16="http://schemas.microsoft.com/office/drawing/2014/main" xmlns="" id="{94E816AB-A664-49A6-8ED7-696A6BDAD0DB}"/>
+                  <a16:creationId xmlns="" xmlns:a16="http://schemas.microsoft.com/office/drawing/2014/main" id="{94E816AB-A664-49A6-8ED7-696A6BDAD0DB}"/>
                 </a:ext>
               </a:extLst>
             </p:cNvPr>
@@ -12264,7 +12264,7 @@
           <p:cNvPr id="7" name="Título 1">
             <a:extLst>
               <a:ext uri="{FF2B5EF4-FFF2-40B4-BE49-F238E27FC236}">
-                <a16:creationId xmlns:a16="http://schemas.microsoft.com/office/drawing/2014/main" xmlns="" id="{99F76FBE-1BC2-4EE6-B90A-22263BF7BDCD}"/>
+                <a16:creationId xmlns="" xmlns:a16="http://schemas.microsoft.com/office/drawing/2014/main" id="{99F76FBE-1BC2-4EE6-B90A-22263BF7BDCD}"/>
               </a:ext>
             </a:extLst>
           </p:cNvPr>
@@ -12327,7 +12327,7 @@
           <p:cNvPr id="4" name="Picture 2">
             <a:extLst>
               <a:ext uri="{FF2B5EF4-FFF2-40B4-BE49-F238E27FC236}">
-                <a16:creationId xmlns:a16="http://schemas.microsoft.com/office/drawing/2014/main" xmlns="" id="{3CF36ED0-FCD8-45D8-A912-5D4DD5032DBE}"/>
+                <a16:creationId xmlns="" xmlns:a16="http://schemas.microsoft.com/office/drawing/2014/main" id="{3CF36ED0-FCD8-45D8-A912-5D4DD5032DBE}"/>
               </a:ext>
             </a:extLst>
           </p:cNvPr>
@@ -12374,7 +12374,7 @@
           <p:cNvPr id="2" name="Straight Arrow Connector 1">
             <a:extLst>
               <a:ext uri="{FF2B5EF4-FFF2-40B4-BE49-F238E27FC236}">
-                <a16:creationId xmlns:a16="http://schemas.microsoft.com/office/drawing/2014/main" xmlns="" id="{EF6676ED-9702-4820-B9D8-8B178C2BC9D8}"/>
+                <a16:creationId xmlns="" xmlns:a16="http://schemas.microsoft.com/office/drawing/2014/main" id="{EF6676ED-9702-4820-B9D8-8B178C2BC9D8}"/>
               </a:ext>
             </a:extLst>
           </p:cNvPr>

--- a/Documentação/Slide Final.pptx
+++ b/Documentação/Slide Final.pptx
@@ -17,6 +17,7 @@
     <p:sldId id="311" r:id="rId11"/>
     <p:sldId id="284" r:id="rId12"/>
     <p:sldId id="292" r:id="rId13"/>
+    <p:sldId id="314" r:id="rId14"/>
   </p:sldIdLst>
   <p:sldSz cx="12192000" cy="6858000"/>
   <p:notesSz cx="6858000" cy="9144000"/>
@@ -371,7 +372,7 @@
           <a:p>
             <a:fld id="{F50B35C2-D55D-43EC-A9F9-87B33DB15AB7}" type="datetimeFigureOut">
               <a:rPr lang="pt-BR" smtClean="0"/>
-              <a:t>09/12/2020</a:t>
+              <a:t>16/12/2020</a:t>
             </a:fld>
             <a:endParaRPr lang="pt-BR"/>
           </a:p>
@@ -539,7 +540,7 @@
           <a:p>
             <a:fld id="{F50B35C2-D55D-43EC-A9F9-87B33DB15AB7}" type="datetimeFigureOut">
               <a:rPr lang="pt-BR" smtClean="0"/>
-              <a:t>09/12/2020</a:t>
+              <a:t>16/12/2020</a:t>
             </a:fld>
             <a:endParaRPr lang="pt-BR"/>
           </a:p>
@@ -717,7 +718,7 @@
           <a:p>
             <a:fld id="{F50B35C2-D55D-43EC-A9F9-87B33DB15AB7}" type="datetimeFigureOut">
               <a:rPr lang="pt-BR" smtClean="0"/>
-              <a:t>09/12/2020</a:t>
+              <a:t>16/12/2020</a:t>
             </a:fld>
             <a:endParaRPr lang="pt-BR"/>
           </a:p>
@@ -885,7 +886,7 @@
           <a:p>
             <a:fld id="{F50B35C2-D55D-43EC-A9F9-87B33DB15AB7}" type="datetimeFigureOut">
               <a:rPr lang="pt-BR" smtClean="0"/>
-              <a:t>09/12/2020</a:t>
+              <a:t>16/12/2020</a:t>
             </a:fld>
             <a:endParaRPr lang="pt-BR"/>
           </a:p>
@@ -1130,7 +1131,7 @@
           <a:p>
             <a:fld id="{F50B35C2-D55D-43EC-A9F9-87B33DB15AB7}" type="datetimeFigureOut">
               <a:rPr lang="pt-BR" smtClean="0"/>
-              <a:t>09/12/2020</a:t>
+              <a:t>16/12/2020</a:t>
             </a:fld>
             <a:endParaRPr lang="pt-BR"/>
           </a:p>
@@ -1359,7 +1360,7 @@
           <a:p>
             <a:fld id="{F50B35C2-D55D-43EC-A9F9-87B33DB15AB7}" type="datetimeFigureOut">
               <a:rPr lang="pt-BR" smtClean="0"/>
-              <a:t>09/12/2020</a:t>
+              <a:t>16/12/2020</a:t>
             </a:fld>
             <a:endParaRPr lang="pt-BR"/>
           </a:p>
@@ -1723,7 +1724,7 @@
           <a:p>
             <a:fld id="{F50B35C2-D55D-43EC-A9F9-87B33DB15AB7}" type="datetimeFigureOut">
               <a:rPr lang="pt-BR" smtClean="0"/>
-              <a:t>09/12/2020</a:t>
+              <a:t>16/12/2020</a:t>
             </a:fld>
             <a:endParaRPr lang="pt-BR"/>
           </a:p>
@@ -1840,7 +1841,7 @@
           <a:p>
             <a:fld id="{F50B35C2-D55D-43EC-A9F9-87B33DB15AB7}" type="datetimeFigureOut">
               <a:rPr lang="pt-BR" smtClean="0"/>
-              <a:t>09/12/2020</a:t>
+              <a:t>16/12/2020</a:t>
             </a:fld>
             <a:endParaRPr lang="pt-BR"/>
           </a:p>
@@ -1935,7 +1936,7 @@
           <a:p>
             <a:fld id="{F50B35C2-D55D-43EC-A9F9-87B33DB15AB7}" type="datetimeFigureOut">
               <a:rPr lang="pt-BR" smtClean="0"/>
-              <a:t>09/12/2020</a:t>
+              <a:t>16/12/2020</a:t>
             </a:fld>
             <a:endParaRPr lang="pt-BR"/>
           </a:p>
@@ -2210,7 +2211,7 @@
           <a:p>
             <a:fld id="{F50B35C2-D55D-43EC-A9F9-87B33DB15AB7}" type="datetimeFigureOut">
               <a:rPr lang="pt-BR" smtClean="0"/>
-              <a:t>09/12/2020</a:t>
+              <a:t>16/12/2020</a:t>
             </a:fld>
             <a:endParaRPr lang="pt-BR"/>
           </a:p>
@@ -2462,7 +2463,7 @@
           <a:p>
             <a:fld id="{F50B35C2-D55D-43EC-A9F9-87B33DB15AB7}" type="datetimeFigureOut">
               <a:rPr lang="pt-BR" smtClean="0"/>
-              <a:t>09/12/2020</a:t>
+              <a:t>16/12/2020</a:t>
             </a:fld>
             <a:endParaRPr lang="pt-BR"/>
           </a:p>
@@ -2673,7 +2674,7 @@
           <a:p>
             <a:fld id="{F50B35C2-D55D-43EC-A9F9-87B33DB15AB7}" type="datetimeFigureOut">
               <a:rPr lang="pt-BR" smtClean="0"/>
-              <a:t>09/12/2020</a:t>
+              <a:t>16/12/2020</a:t>
             </a:fld>
             <a:endParaRPr lang="pt-BR"/>
           </a:p>
@@ -3386,7 +3387,7 @@
         </p:spPr>
         <p:txBody>
           <a:bodyPr vert="horz" lIns="91440" tIns="45720" rIns="91440" bIns="45720" rtlCol="0" anchor="ctr">
-            <a:normAutofit fontScale="92500"/>
+            <a:normAutofit/>
           </a:bodyPr>
           <a:lstStyle>
             <a:lvl1pPr algn="l" defTabSz="914400" rtl="0" eaLnBrk="1" latinLnBrk="0" hangingPunct="1">
@@ -4626,6 +4627,247 @@
     <p:bldLst>
       <p:bldP spid="7" grpId="0"/>
     </p:bldLst>
+  </p:timing>
+</p:sld>
+</file>
+
+<file path=ppt/slides/slide13.xml><?xml version="1.0" encoding="utf-8"?>
+<p:sld xmlns:a="http://schemas.openxmlformats.org/drawingml/2006/main" xmlns:r="http://schemas.openxmlformats.org/officeDocument/2006/relationships" xmlns:p="http://schemas.openxmlformats.org/presentationml/2006/main">
+  <p:cSld>
+    <p:spTree>
+      <p:nvGrpSpPr>
+        <p:cNvPr id="1" name=""/>
+        <p:cNvGrpSpPr/>
+        <p:nvPr/>
+      </p:nvGrpSpPr>
+      <p:grpSpPr>
+        <a:xfrm>
+          <a:off x="0" y="0"/>
+          <a:ext cx="0" cy="0"/>
+          <a:chOff x="0" y="0"/>
+          <a:chExt cx="0" cy="0"/>
+        </a:xfrm>
+      </p:grpSpPr>
+      <p:sp>
+        <p:nvSpPr>
+          <p:cNvPr id="2" name="Título 1"/>
+          <p:cNvSpPr>
+            <a:spLocks noGrp="1"/>
+          </p:cNvSpPr>
+          <p:nvPr>
+            <p:ph type="title"/>
+          </p:nvPr>
+        </p:nvSpPr>
+        <p:spPr/>
+        <p:txBody>
+          <a:bodyPr/>
+          <a:lstStyle/>
+          <a:p>
+            <a:r>
+              <a:rPr lang="pt-BR" dirty="0" smtClean="0">
+                <a:solidFill>
+                  <a:schemeClr val="tx1">
+                    <a:lumMod val="75000"/>
+                    <a:lumOff val="25000"/>
+                  </a:schemeClr>
+                </a:solidFill>
+                <a:latin typeface="Bariol Bold" panose="02000506040000020003" pitchFamily="2" charset="0"/>
+              </a:rPr>
+              <a:t>                                       Link</a:t>
+            </a:r>
+            <a:r>
+              <a:rPr lang="pt-BR" dirty="0">
+                <a:solidFill>
+                  <a:schemeClr val="tx1">
+                    <a:lumMod val="75000"/>
+                    <a:lumOff val="25000"/>
+                  </a:schemeClr>
+                </a:solidFill>
+                <a:latin typeface="Bariol Bold" panose="02000506040000020003" pitchFamily="2" charset="0"/>
+              </a:rPr>
+              <a:t/>
+            </a:r>
+            <a:br>
+              <a:rPr lang="pt-BR" dirty="0">
+                <a:solidFill>
+                  <a:schemeClr val="tx1">
+                    <a:lumMod val="75000"/>
+                    <a:lumOff val="25000"/>
+                  </a:schemeClr>
+                </a:solidFill>
+                <a:latin typeface="Bariol Bold" panose="02000506040000020003" pitchFamily="2" charset="0"/>
+              </a:rPr>
+            </a:br>
+            <a:endParaRPr lang="pt-BR" dirty="0"/>
+          </a:p>
+        </p:txBody>
+      </p:sp>
+      <p:sp>
+        <p:nvSpPr>
+          <p:cNvPr id="3" name="Espaço Reservado para Conteúdo 2"/>
+          <p:cNvSpPr>
+            <a:spLocks noGrp="1"/>
+          </p:cNvSpPr>
+          <p:nvPr>
+            <p:ph idx="1"/>
+          </p:nvPr>
+        </p:nvSpPr>
+        <p:spPr/>
+        <p:txBody>
+          <a:bodyPr/>
+          <a:lstStyle/>
+          <a:p>
+            <a:r>
+              <a:rPr lang="pt-BR" dirty="0" smtClean="0"/>
+              <a:t>Link do </a:t>
+            </a:r>
+            <a:r>
+              <a:rPr lang="pt-BR" dirty="0" err="1" smtClean="0"/>
+              <a:t>Github</a:t>
+            </a:r>
+            <a:r>
+              <a:rPr lang="pt-BR" dirty="0"/>
+              <a:t>: https://github.com/BandTec/grupo-07-adsa-20201.git</a:t>
+            </a:r>
+          </a:p>
+        </p:txBody>
+      </p:sp>
+      <p:cxnSp>
+        <p:nvCxnSpPr>
+          <p:cNvPr id="4" name="Straight Arrow Connector 1">
+            <a:extLst>
+              <a:ext uri="{FF2B5EF4-FFF2-40B4-BE49-F238E27FC236}">
+                <a16:creationId xmlns="" xmlns:a16="http://schemas.microsoft.com/office/drawing/2014/main" id="{825D95E1-8250-4172-ABA3-976541C2807C}"/>
+              </a:ext>
+            </a:extLst>
+          </p:cNvPr>
+          <p:cNvCxnSpPr/>
+          <p:nvPr/>
+        </p:nvCxnSpPr>
+        <p:spPr>
+          <a:xfrm>
+            <a:off x="4752304" y="1024955"/>
+            <a:ext cx="1520915" cy="2951"/>
+          </a:xfrm>
+          <a:prstGeom prst="straightConnector1">
+            <a:avLst/>
+          </a:prstGeom>
+          <a:ln>
+            <a:solidFill>
+              <a:srgbClr val="C00000"/>
+            </a:solidFill>
+          </a:ln>
+        </p:spPr>
+        <p:style>
+          <a:lnRef idx="3">
+            <a:schemeClr val="dk1"/>
+          </a:lnRef>
+          <a:fillRef idx="0">
+            <a:schemeClr val="dk1"/>
+          </a:fillRef>
+          <a:effectRef idx="2">
+            <a:schemeClr val="dk1"/>
+          </a:effectRef>
+          <a:fontRef idx="minor">
+            <a:schemeClr val="tx1"/>
+          </a:fontRef>
+        </p:style>
+      </p:cxnSp>
+    </p:spTree>
+    <p:extLst>
+      <p:ext uri="{BB962C8B-B14F-4D97-AF65-F5344CB8AC3E}">
+        <p14:creationId xmlns:p14="http://schemas.microsoft.com/office/powerpoint/2010/main" val="4097507851"/>
+      </p:ext>
+    </p:extLst>
+  </p:cSld>
+  <p:clrMapOvr>
+    <a:masterClrMapping/>
+  </p:clrMapOvr>
+  <p:timing>
+    <p:tnLst>
+      <p:par>
+        <p:cTn id="1" dur="indefinite" restart="never" nodeType="tmRoot">
+          <p:childTnLst>
+            <p:seq concurrent="1" nextAc="seek">
+              <p:cTn id="2" dur="indefinite" nodeType="mainSeq">
+                <p:childTnLst>
+                  <p:par>
+                    <p:cTn id="3" fill="hold">
+                      <p:stCondLst>
+                        <p:cond delay="indefinite"/>
+                        <p:cond evt="onBegin" delay="0">
+                          <p:tn val="2"/>
+                        </p:cond>
+                      </p:stCondLst>
+                      <p:childTnLst>
+                        <p:par>
+                          <p:cTn id="4" fill="hold">
+                            <p:stCondLst>
+                              <p:cond delay="0"/>
+                            </p:stCondLst>
+                            <p:childTnLst>
+                              <p:par>
+                                <p:cTn id="5" presetID="10" presetClass="entr" presetSubtype="0" fill="hold" nodeType="withEffect">
+                                  <p:stCondLst>
+                                    <p:cond delay="0"/>
+                                  </p:stCondLst>
+                                  <p:childTnLst>
+                                    <p:set>
+                                      <p:cBhvr>
+                                        <p:cTn id="6" dur="1" fill="hold">
+                                          <p:stCondLst>
+                                            <p:cond delay="0"/>
+                                          </p:stCondLst>
+                                        </p:cTn>
+                                        <p:tgtEl>
+                                          <p:spTgt spid="4"/>
+                                        </p:tgtEl>
+                                        <p:attrNameLst>
+                                          <p:attrName>style.visibility</p:attrName>
+                                        </p:attrNameLst>
+                                      </p:cBhvr>
+                                      <p:to>
+                                        <p:strVal val="visible"/>
+                                      </p:to>
+                                    </p:set>
+                                    <p:animEffect transition="in" filter="fade">
+                                      <p:cBhvr>
+                                        <p:cTn id="7" dur="500"/>
+                                        <p:tgtEl>
+                                          <p:spTgt spid="4"/>
+                                        </p:tgtEl>
+                                      </p:cBhvr>
+                                    </p:animEffect>
+                                  </p:childTnLst>
+                                </p:cTn>
+                              </p:par>
+                            </p:childTnLst>
+                          </p:cTn>
+                        </p:par>
+                      </p:childTnLst>
+                    </p:cTn>
+                  </p:par>
+                </p:childTnLst>
+              </p:cTn>
+              <p:prevCondLst>
+                <p:cond evt="onPrev" delay="0">
+                  <p:tgtEl>
+                    <p:sldTgt/>
+                  </p:tgtEl>
+                </p:cond>
+              </p:prevCondLst>
+              <p:nextCondLst>
+                <p:cond evt="onNext" delay="0">
+                  <p:tgtEl>
+                    <p:sldTgt/>
+                  </p:tgtEl>
+                </p:cond>
+              </p:nextCondLst>
+            </p:seq>
+          </p:childTnLst>
+        </p:cTn>
+      </p:par>
+    </p:tnLst>
   </p:timing>
 </p:sld>
 </file>
